--- a/docs/architecture.pptx
+++ b/docs/architecture.pptx
@@ -112,6 +112,22 @@
     </p:ext>
   </p:extLst>
 </p:presentation>
+</file>
+
+<file path=ppt/commentAuthors.xml><?xml version="1.0" encoding="utf-8"?>
+<p:cmAuthorLst xmlns:a="http://schemas.openxmlformats.org/drawingml/2006/main" xmlns:r="http://schemas.openxmlformats.org/officeDocument/2006/relationships" xmlns:p="http://schemas.openxmlformats.org/presentationml/2006/main">
+  <p:cmAuthor id="1" name="John Simerlink" initials="JS" lastIdx="1" clrIdx="0">
+    <p:extLst>
+      <p:ext uri="{19B8F6BF-5375-455C-9EA6-DF929625EA0E}">
+        <p15:presenceInfo xmlns:p15="http://schemas.microsoft.com/office/powerpoint/2012/main" userId="bb2883f3ca9420d0" providerId="Windows Live"/>
+      </p:ext>
+    </p:extLst>
+  </p:cmAuthor>
+</p:cmAuthorLst>
+</file>
+
+<file path=ppt/revisionInfo.xml><?xml version="1.0" encoding="utf-8"?>
+<p1510:revInfo xmlns:a="http://schemas.openxmlformats.org/drawingml/2006/main" xmlns:r="http://schemas.openxmlformats.org/officeDocument/2006/relationships" xmlns:p1510="http://schemas.microsoft.com/office/powerpoint/2015/10/main"/>
 </file>
 
 <file path=ppt/slideLayouts/slideLayout1.xml><?xml version="1.0" encoding="utf-8"?>
@@ -2975,51 +2991,2302 @@
       </p:grpSpPr>
       <p:sp>
         <p:nvSpPr>
-          <p:cNvPr id="2" name="Title 1">
+          <p:cNvPr id="4" name="TextBox 3">
             <a:extLst>
               <a:ext uri="{FF2B5EF4-FFF2-40B4-BE49-F238E27FC236}">
-                <a16:creationId xmlns:a16="http://schemas.microsoft.com/office/drawing/2014/main" id="{CC6FD660-4DE0-4E10-9F51-29EE46AE578A}"/>
+                <a16:creationId xmlns:a16="http://schemas.microsoft.com/office/drawing/2014/main" id="{12C76ED8-FA21-44E3-9352-67A8358B681E}"/>
               </a:ext>
             </a:extLst>
           </p:cNvPr>
-          <p:cNvSpPr>
-            <a:spLocks noGrp="1"/>
-          </p:cNvSpPr>
-          <p:nvPr>
-            <p:ph type="ctrTitle"/>
-          </p:nvPr>
-        </p:nvSpPr>
-        <p:spPr/>
-        <p:txBody>
-          <a:bodyPr/>
+          <p:cNvSpPr txBox="1"/>
+          <p:nvPr/>
+        </p:nvSpPr>
+        <p:spPr>
+          <a:xfrm>
+            <a:off x="23835703" y="-53370"/>
+            <a:ext cx="4240290" cy="2677656"/>
+          </a:xfrm>
+          <a:prstGeom prst="rect">
+            <a:avLst/>
+          </a:prstGeom>
+          <a:noFill/>
+        </p:spPr>
+        <p:txBody>
+          <a:bodyPr wrap="square" rtlCol="0">
+            <a:spAutoFit/>
+          </a:bodyPr>
           <a:lstStyle/>
           <a:p>
-            <a:endParaRPr lang="en-US"/>
-          </a:p>
-        </p:txBody>
-      </p:sp>
-      <p:sp>
-        <p:nvSpPr>
-          <p:cNvPr id="3" name="Subtitle 2">
+            <a:pPr>
+              <a:tabLst>
+                <a:tab pos="4056063" algn="l"/>
+              </a:tabLst>
+            </a:pPr>
+            <a:r>
+              <a:rPr lang="en-US" sz="8400" dirty="0"/>
+              <a:t>LOAD DATA</a:t>
+            </a:r>
+          </a:p>
+        </p:txBody>
+      </p:sp>
+      <p:sp>
+        <p:nvSpPr>
+          <p:cNvPr id="5" name="TextBox 4">
             <a:extLst>
               <a:ext uri="{FF2B5EF4-FFF2-40B4-BE49-F238E27FC236}">
-                <a16:creationId xmlns:a16="http://schemas.microsoft.com/office/drawing/2014/main" id="{0F339039-8E3A-4978-AEDD-775A489FACC2}"/>
+                <a16:creationId xmlns:a16="http://schemas.microsoft.com/office/drawing/2014/main" id="{97CAC98C-038A-4220-9479-FEE5239E54D8}"/>
               </a:ext>
             </a:extLst>
           </p:cNvPr>
-          <p:cNvSpPr>
-            <a:spLocks noGrp="1"/>
-          </p:cNvSpPr>
-          <p:nvPr>
-            <p:ph type="subTitle" idx="1"/>
-          </p:nvPr>
-        </p:nvSpPr>
-        <p:spPr/>
-        <p:txBody>
-          <a:bodyPr/>
+          <p:cNvSpPr txBox="1"/>
+          <p:nvPr/>
+        </p:nvSpPr>
+        <p:spPr>
+          <a:xfrm>
+            <a:off x="29403148" y="18765670"/>
+            <a:ext cx="7751180" cy="2423612"/>
+          </a:xfrm>
+          <a:prstGeom prst="rect">
+            <a:avLst/>
+          </a:prstGeom>
+          <a:noFill/>
+        </p:spPr>
+        <p:txBody>
+          <a:bodyPr wrap="square" rtlCol="0">
+            <a:spAutoFit/>
+          </a:bodyPr>
           <a:lstStyle/>
           <a:p>
-            <a:endParaRPr lang="en-US"/>
+            <a:r>
+              <a:rPr lang="en-US" sz="2164" dirty="0" err="1"/>
+              <a:t>SubscribeToFirebase</a:t>
+            </a:r>
+            <a:r>
+              <a:rPr lang="en-US" sz="2164" dirty="0"/>
+              <a:t> class</a:t>
+            </a:r>
+          </a:p>
+          <a:p>
+            <a:pPr defTabSz="1245481">
+              <a:tabLst>
+                <a:tab pos="614152" algn="l"/>
+              </a:tabLst>
+            </a:pPr>
+            <a:r>
+              <a:rPr lang="en-US" sz="2164" dirty="0"/>
+              <a:t>	-subscribes to updates from firebase ref</a:t>
+            </a:r>
+          </a:p>
+          <a:p>
+            <a:pPr defTabSz="1245481">
+              <a:tabLst>
+                <a:tab pos="614152" algn="l"/>
+              </a:tabLst>
+            </a:pPr>
+            <a:r>
+              <a:rPr lang="en-US" sz="2164" dirty="0"/>
+              <a:t>	-transforms those updates and publishes them to any subscribers</a:t>
+            </a:r>
+          </a:p>
+          <a:p>
+            <a:pPr defTabSz="1245481">
+              <a:tabLst>
+                <a:tab pos="614152" algn="l"/>
+              </a:tabLst>
+            </a:pPr>
+            <a:r>
+              <a:rPr lang="en-US" sz="2164" dirty="0"/>
+              <a:t>	-has an </a:t>
+            </a:r>
+            <a:r>
+              <a:rPr lang="en-US" sz="2164" dirty="0" err="1"/>
+              <a:t>onUpdate</a:t>
+            </a:r>
+            <a:r>
+              <a:rPr lang="en-US" sz="2164" dirty="0"/>
+              <a:t> method to register subscribers</a:t>
+            </a:r>
+          </a:p>
+          <a:p>
+            <a:pPr defTabSz="1245481">
+              <a:tabLst>
+                <a:tab pos="614152" algn="l"/>
+              </a:tabLst>
+            </a:pPr>
+            <a:r>
+              <a:rPr lang="en-US" sz="2164" dirty="0"/>
+              <a:t>	&gt; </a:t>
+            </a:r>
+          </a:p>
+          <a:p>
+            <a:endParaRPr lang="en-US" sz="2164" dirty="0"/>
+          </a:p>
+        </p:txBody>
+      </p:sp>
+      <p:sp>
+        <p:nvSpPr>
+          <p:cNvPr id="6" name="TextBox 5">
+            <a:extLst>
+              <a:ext uri="{FF2B5EF4-FFF2-40B4-BE49-F238E27FC236}">
+                <a16:creationId xmlns:a16="http://schemas.microsoft.com/office/drawing/2014/main" id="{D01838EB-43A1-4F55-8DBE-7734549C5A08}"/>
+              </a:ext>
+            </a:extLst>
+          </p:cNvPr>
+          <p:cNvSpPr txBox="1"/>
+          <p:nvPr/>
+        </p:nvSpPr>
+        <p:spPr>
+          <a:xfrm>
+            <a:off x="10903933" y="20820331"/>
+            <a:ext cx="6898928" cy="8085290"/>
+          </a:xfrm>
+          <a:prstGeom prst="rect">
+            <a:avLst/>
+          </a:prstGeom>
+          <a:noFill/>
+        </p:spPr>
+        <p:txBody>
+          <a:bodyPr wrap="square" rtlCol="0">
+            <a:spAutoFit/>
+          </a:bodyPr>
+          <a:lstStyle/>
+          <a:p>
+            <a:r>
+              <a:rPr lang="en-US" sz="2164" dirty="0"/>
+              <a:t>TREE_LOADER</a:t>
+            </a:r>
+          </a:p>
+          <a:p>
+            <a:pPr defTabSz="614152"/>
+            <a:r>
+              <a:rPr lang="en-US" sz="2164" dirty="0"/>
+              <a:t>	+ load(</a:t>
+            </a:r>
+            <a:r>
+              <a:rPr lang="en-US" sz="2164" dirty="0" err="1"/>
+              <a:t>treeId</a:t>
+            </a:r>
+            <a:r>
+              <a:rPr lang="en-US" sz="2164" dirty="0"/>
+              <a:t>)</a:t>
+            </a:r>
+          </a:p>
+          <a:p>
+            <a:pPr defTabSz="614152"/>
+            <a:r>
+              <a:rPr lang="en-US" sz="2164" dirty="0"/>
+              <a:t>	+ </a:t>
+            </a:r>
+          </a:p>
+          <a:p>
+            <a:pPr defTabSz="614152"/>
+            <a:endParaRPr lang="en-US" sz="2164" dirty="0"/>
+          </a:p>
+          <a:p>
+            <a:pPr defTabSz="614152"/>
+            <a:r>
+              <a:rPr lang="en-US" sz="2164" dirty="0"/>
+              <a:t>load(</a:t>
+            </a:r>
+            <a:r>
+              <a:rPr lang="en-US" sz="2164" dirty="0" err="1"/>
+              <a:t>treeId</a:t>
+            </a:r>
+            <a:r>
+              <a:rPr lang="en-US" sz="2164" dirty="0"/>
+              <a:t>) implementation:</a:t>
+            </a:r>
+          </a:p>
+          <a:p>
+            <a:pPr defTabSz="614152"/>
+            <a:r>
+              <a:rPr lang="en-US" sz="2164" dirty="0"/>
+              <a:t>	</a:t>
+            </a:r>
+            <a:r>
+              <a:rPr lang="en-US" sz="2164" dirty="0" err="1"/>
+              <a:t>const</a:t>
+            </a:r>
+            <a:r>
+              <a:rPr lang="en-US" sz="2164" dirty="0"/>
+              <a:t> </a:t>
+            </a:r>
+            <a:r>
+              <a:rPr lang="en-US" sz="2164" dirty="0" err="1"/>
+              <a:t>json</a:t>
+            </a:r>
+            <a:r>
+              <a:rPr lang="en-US" sz="2164" dirty="0"/>
+              <a:t> = await </a:t>
+            </a:r>
+            <a:r>
+              <a:rPr lang="en-US" sz="2164" dirty="0" err="1"/>
+              <a:t>getTreeJson</a:t>
+            </a:r>
+            <a:r>
+              <a:rPr lang="en-US" sz="2164" dirty="0"/>
+              <a:t>(</a:t>
+            </a:r>
+            <a:r>
+              <a:rPr lang="en-US" sz="2164" dirty="0" err="1"/>
+              <a:t>treeId</a:t>
+            </a:r>
+            <a:r>
+              <a:rPr lang="en-US" sz="2164" dirty="0"/>
+              <a:t>)</a:t>
+            </a:r>
+          </a:p>
+          <a:p>
+            <a:pPr defTabSz="614152"/>
+            <a:r>
+              <a:rPr lang="en-US" sz="2164" dirty="0"/>
+              <a:t>	</a:t>
+            </a:r>
+            <a:r>
+              <a:rPr lang="en-US" sz="2164" dirty="0" err="1"/>
+              <a:t>const</a:t>
+            </a:r>
+            <a:r>
+              <a:rPr lang="en-US" sz="2164" dirty="0"/>
+              <a:t> </a:t>
+            </a:r>
+            <a:r>
+              <a:rPr lang="en-US" sz="2164" dirty="0" err="1"/>
+              <a:t>deserializer</a:t>
+            </a:r>
+            <a:r>
+              <a:rPr lang="en-US" sz="2164" dirty="0"/>
+              <a:t> = new </a:t>
+            </a:r>
+            <a:r>
+              <a:rPr lang="en-US" sz="2164" dirty="0" err="1"/>
+              <a:t>SubscribableTreeDeserializer</a:t>
+            </a:r>
+            <a:r>
+              <a:rPr lang="en-US" sz="2164" dirty="0"/>
+              <a:t>(</a:t>
+            </a:r>
+            <a:r>
+              <a:rPr lang="en-US" sz="2164" dirty="0" err="1"/>
+              <a:t>treeId</a:t>
+            </a:r>
+            <a:r>
+              <a:rPr lang="en-US" sz="2164" dirty="0"/>
+              <a:t>, </a:t>
+            </a:r>
+            <a:r>
+              <a:rPr lang="en-US" sz="2164" dirty="0" err="1"/>
+              <a:t>json</a:t>
+            </a:r>
+            <a:r>
+              <a:rPr lang="en-US" sz="2164" dirty="0"/>
+              <a:t>) //TODO: I wish I could </a:t>
+            </a:r>
+            <a:r>
+              <a:rPr lang="en-US" sz="2164" dirty="0" err="1"/>
+              <a:t>deserialize</a:t>
+            </a:r>
+            <a:r>
+              <a:rPr lang="en-US" sz="2164" dirty="0"/>
+              <a:t> the normal tree, and then apply the </a:t>
+            </a:r>
+            <a:r>
+              <a:rPr lang="en-US" sz="2164" dirty="0" err="1"/>
+              <a:t>subscribable</a:t>
+            </a:r>
+            <a:r>
+              <a:rPr lang="en-US" sz="2164" dirty="0"/>
+              <a:t> behaviors onto the normal tree to transform it into a </a:t>
+            </a:r>
+            <a:r>
+              <a:rPr lang="en-US" sz="2164" dirty="0" err="1"/>
+              <a:t>subscribable</a:t>
+            </a:r>
+            <a:r>
+              <a:rPr lang="en-US" sz="2164" dirty="0"/>
+              <a:t> tree</a:t>
+            </a:r>
+          </a:p>
+          <a:p>
+            <a:pPr defTabSz="614152"/>
+            <a:r>
+              <a:rPr lang="en-US" sz="2164" dirty="0"/>
+              <a:t>	</a:t>
+            </a:r>
+            <a:r>
+              <a:rPr lang="en-US" sz="2164" dirty="0" err="1"/>
+              <a:t>const</a:t>
+            </a:r>
+            <a:r>
+              <a:rPr lang="en-US" sz="2164" dirty="0"/>
+              <a:t> tree = </a:t>
+            </a:r>
+            <a:r>
+              <a:rPr lang="en-US" sz="2164" dirty="0" err="1"/>
+              <a:t>deserializer.deserialize</a:t>
+            </a:r>
+            <a:r>
+              <a:rPr lang="en-US" sz="2164" dirty="0"/>
+              <a:t>()</a:t>
+            </a:r>
+          </a:p>
+          <a:p>
+            <a:pPr defTabSz="614152"/>
+            <a:r>
+              <a:rPr lang="en-US" sz="2164" dirty="0"/>
+              <a:t>	return tree</a:t>
+            </a:r>
+          </a:p>
+          <a:p>
+            <a:pPr defTabSz="614152"/>
+            <a:endParaRPr lang="en-US" sz="2164" dirty="0"/>
+          </a:p>
+          <a:p>
+            <a:pPr defTabSz="614152"/>
+            <a:endParaRPr lang="en-US" sz="2164" dirty="0"/>
+          </a:p>
+          <a:p>
+            <a:pPr defTabSz="614152"/>
+            <a:r>
+              <a:rPr lang="en-US" sz="2164" dirty="0"/>
+              <a:t>	//now</a:t>
+            </a:r>
+          </a:p>
+          <a:p>
+            <a:pPr defTabSz="614152"/>
+            <a:r>
+              <a:rPr lang="en-US" sz="2164" dirty="0"/>
+              <a:t>	</a:t>
+            </a:r>
+          </a:p>
+          <a:p>
+            <a:pPr defTabSz="614152"/>
+            <a:endParaRPr lang="en-US" sz="2164" dirty="0"/>
+          </a:p>
+          <a:p>
+            <a:pPr defTabSz="614152"/>
+            <a:endParaRPr lang="en-US" sz="2164" dirty="0"/>
+          </a:p>
+          <a:p>
+            <a:pPr defTabSz="614152"/>
+            <a:r>
+              <a:rPr lang="en-US" sz="2164" dirty="0"/>
+              <a:t>SUBSCRIBABLE_TREE_DESERIALIZER (</a:t>
+            </a:r>
+            <a:r>
+              <a:rPr lang="en-US" sz="2164" dirty="0" err="1"/>
+              <a:t>json</a:t>
+            </a:r>
+            <a:r>
+              <a:rPr lang="en-US" sz="2164" dirty="0"/>
+              <a:t>)</a:t>
+            </a:r>
+          </a:p>
+          <a:p>
+            <a:pPr defTabSz="614152"/>
+            <a:r>
+              <a:rPr lang="en-US" sz="2164" dirty="0"/>
+              <a:t>	+ constructor(</a:t>
+            </a:r>
+            <a:r>
+              <a:rPr lang="en-US" sz="2164" dirty="0" err="1"/>
+              <a:t>json</a:t>
+            </a:r>
+            <a:r>
+              <a:rPr lang="en-US" sz="2164" dirty="0"/>
+              <a:t>)</a:t>
+            </a:r>
+          </a:p>
+          <a:p>
+            <a:pPr defTabSz="614152"/>
+            <a:r>
+              <a:rPr lang="en-US" sz="2164" dirty="0"/>
+              <a:t>	+ </a:t>
+            </a:r>
+            <a:r>
+              <a:rPr lang="en-US" sz="2164" dirty="0" err="1"/>
+              <a:t>deserialize</a:t>
+            </a:r>
+            <a:r>
+              <a:rPr lang="en-US" sz="2164" dirty="0"/>
+              <a:t>() : </a:t>
+            </a:r>
+            <a:r>
+              <a:rPr lang="en-US" sz="2164" dirty="0" err="1"/>
+              <a:t>ISubscribableBasicTree</a:t>
+            </a:r>
+            <a:endParaRPr lang="en-US" sz="2164" dirty="0"/>
+          </a:p>
+          <a:p>
+            <a:pPr defTabSz="614152"/>
+            <a:endParaRPr lang="en-US" sz="2164" dirty="0"/>
+          </a:p>
+          <a:p>
+            <a:endParaRPr lang="en-US" sz="2164" dirty="0"/>
+          </a:p>
+        </p:txBody>
+      </p:sp>
+      <p:sp>
+        <p:nvSpPr>
+          <p:cNvPr id="7" name="TextBox 6">
+            <a:extLst>
+              <a:ext uri="{FF2B5EF4-FFF2-40B4-BE49-F238E27FC236}">
+                <a16:creationId xmlns:a16="http://schemas.microsoft.com/office/drawing/2014/main" id="{B7902806-7931-49A0-A9E3-56A7C2F11717}"/>
+              </a:ext>
+            </a:extLst>
+          </p:cNvPr>
+          <p:cNvSpPr txBox="1"/>
+          <p:nvPr/>
+        </p:nvSpPr>
+        <p:spPr>
+          <a:xfrm>
+            <a:off x="18099232" y="20683605"/>
+            <a:ext cx="10448266" cy="9084410"/>
+          </a:xfrm>
+          <a:prstGeom prst="rect">
+            <a:avLst/>
+          </a:prstGeom>
+          <a:noFill/>
+        </p:spPr>
+        <p:txBody>
+          <a:bodyPr wrap="square" rtlCol="0">
+            <a:spAutoFit/>
+          </a:bodyPr>
+          <a:lstStyle/>
+          <a:p>
+            <a:r>
+              <a:rPr lang="en-US" sz="2164" dirty="0" err="1"/>
+              <a:t>const</a:t>
+            </a:r>
+            <a:r>
+              <a:rPr lang="en-US" sz="2164" dirty="0"/>
+              <a:t> </a:t>
+            </a:r>
+            <a:r>
+              <a:rPr lang="en-US" sz="2164" dirty="0" err="1"/>
+              <a:t>subscribableTree</a:t>
+            </a:r>
+            <a:r>
+              <a:rPr lang="en-US" sz="2164" dirty="0"/>
+              <a:t> = </a:t>
+            </a:r>
+            <a:r>
+              <a:rPr lang="en-US" sz="2164" dirty="0" err="1"/>
+              <a:t>SubscribableTreeLoader.load</a:t>
+            </a:r>
+            <a:r>
+              <a:rPr lang="en-US" sz="2164" dirty="0"/>
+              <a:t>(</a:t>
+            </a:r>
+            <a:r>
+              <a:rPr lang="en-US" sz="2164" dirty="0" err="1"/>
+              <a:t>treeId</a:t>
+            </a:r>
+            <a:r>
+              <a:rPr lang="en-US" sz="2164" dirty="0"/>
+              <a:t>)</a:t>
+            </a:r>
+          </a:p>
+          <a:p>
+            <a:r>
+              <a:rPr lang="en-US" sz="2164" dirty="0" err="1"/>
+              <a:t>const</a:t>
+            </a:r>
+            <a:r>
+              <a:rPr lang="en-US" sz="2164" dirty="0"/>
+              <a:t> </a:t>
+            </a:r>
+            <a:r>
+              <a:rPr lang="en-US" sz="2164" dirty="0" err="1"/>
+              <a:t>firebaseTreesRef</a:t>
+            </a:r>
+            <a:r>
+              <a:rPr lang="en-US" sz="2164" dirty="0"/>
+              <a:t> = </a:t>
+            </a:r>
+            <a:r>
+              <a:rPr lang="en-US" sz="2164" dirty="0" err="1"/>
+              <a:t>firebase.database</a:t>
+            </a:r>
+            <a:r>
+              <a:rPr lang="en-US" sz="2164" dirty="0"/>
+              <a:t>().ref(‘trees/’) // rather this would be injected from the </a:t>
+            </a:r>
+            <a:r>
+              <a:rPr lang="en-US" sz="2164" dirty="0" err="1"/>
+              <a:t>inversify.config</a:t>
+            </a:r>
+            <a:r>
+              <a:rPr lang="en-US" sz="2164" dirty="0"/>
+              <a:t> object graph</a:t>
+            </a:r>
+          </a:p>
+          <a:p>
+            <a:r>
+              <a:rPr lang="en-US" sz="2164" dirty="0" err="1"/>
+              <a:t>const</a:t>
+            </a:r>
+            <a:r>
+              <a:rPr lang="en-US" sz="2164" dirty="0"/>
+              <a:t> </a:t>
+            </a:r>
+            <a:r>
+              <a:rPr lang="en-US" sz="2164" dirty="0" err="1"/>
+              <a:t>treeRef</a:t>
+            </a:r>
+            <a:r>
+              <a:rPr lang="en-US" sz="2164" dirty="0"/>
+              <a:t> = </a:t>
+            </a:r>
+            <a:r>
+              <a:rPr lang="en-US" sz="2164" dirty="0" err="1"/>
+              <a:t>firebaseTreesRef.child</a:t>
+            </a:r>
+            <a:r>
+              <a:rPr lang="en-US" sz="2164" dirty="0"/>
+              <a:t>(</a:t>
+            </a:r>
+            <a:r>
+              <a:rPr lang="en-US" sz="2164" dirty="0" err="1"/>
+              <a:t>treeId</a:t>
+            </a:r>
+            <a:r>
+              <a:rPr lang="en-US" sz="2164" dirty="0"/>
+              <a:t>)</a:t>
+            </a:r>
+          </a:p>
+          <a:p>
+            <a:r>
+              <a:rPr lang="en-US" sz="2164" dirty="0" err="1"/>
+              <a:t>const</a:t>
+            </a:r>
+            <a:r>
+              <a:rPr lang="en-US" sz="2164" dirty="0"/>
+              <a:t> </a:t>
+            </a:r>
+            <a:r>
+              <a:rPr lang="en-US" sz="2164" dirty="0" err="1"/>
+              <a:t>contentIdRef</a:t>
+            </a:r>
+            <a:r>
+              <a:rPr lang="en-US" sz="2164" dirty="0"/>
+              <a:t> = </a:t>
+            </a:r>
+            <a:r>
+              <a:rPr lang="en-US" sz="2164" dirty="0" err="1"/>
+              <a:t>firebaseTreesRef.child</a:t>
+            </a:r>
+            <a:r>
+              <a:rPr lang="en-US" sz="2164" dirty="0"/>
+              <a:t>(‘</a:t>
+            </a:r>
+            <a:r>
+              <a:rPr lang="en-US" sz="2164" dirty="0" err="1"/>
+              <a:t>contentId</a:t>
+            </a:r>
+            <a:r>
+              <a:rPr lang="en-US" sz="2164" dirty="0"/>
+              <a:t>’)</a:t>
+            </a:r>
+          </a:p>
+          <a:p>
+            <a:r>
+              <a:rPr lang="en-US" sz="2164" dirty="0" err="1"/>
+              <a:t>const</a:t>
+            </a:r>
+            <a:r>
+              <a:rPr lang="en-US" sz="2164" dirty="0"/>
+              <a:t> </a:t>
+            </a:r>
+            <a:r>
+              <a:rPr lang="en-US" sz="2164" dirty="0" err="1"/>
+              <a:t>parentIdRef</a:t>
+            </a:r>
+            <a:r>
+              <a:rPr lang="en-US" sz="2164" dirty="0"/>
+              <a:t> = </a:t>
+            </a:r>
+            <a:r>
+              <a:rPr lang="en-US" sz="2164" dirty="0" err="1"/>
+              <a:t>firebaseTreesRef.child</a:t>
+            </a:r>
+            <a:r>
+              <a:rPr lang="en-US" sz="2164" dirty="0"/>
+              <a:t>(‘</a:t>
+            </a:r>
+            <a:r>
+              <a:rPr lang="en-US" sz="2164" dirty="0" err="1"/>
+              <a:t>parentId</a:t>
+            </a:r>
+            <a:r>
+              <a:rPr lang="en-US" sz="2164" dirty="0"/>
+              <a:t>’)</a:t>
+            </a:r>
+          </a:p>
+          <a:p>
+            <a:r>
+              <a:rPr lang="en-US" sz="2164" dirty="0" err="1"/>
+              <a:t>const</a:t>
+            </a:r>
+            <a:r>
+              <a:rPr lang="en-US" sz="2164" dirty="0"/>
+              <a:t> </a:t>
+            </a:r>
+            <a:r>
+              <a:rPr lang="en-US" sz="2164" dirty="0" err="1"/>
+              <a:t>childrenRef</a:t>
+            </a:r>
+            <a:r>
+              <a:rPr lang="en-US" sz="2164" dirty="0"/>
+              <a:t> = </a:t>
+            </a:r>
+            <a:r>
+              <a:rPr lang="en-US" sz="2164" dirty="0" err="1"/>
+              <a:t>firebaseTreesRef.child</a:t>
+            </a:r>
+            <a:r>
+              <a:rPr lang="en-US" sz="2164" dirty="0"/>
+              <a:t>(‘children’)</a:t>
+            </a:r>
+          </a:p>
+          <a:p>
+            <a:endParaRPr lang="en-US" sz="2164" dirty="0"/>
+          </a:p>
+          <a:p>
+            <a:r>
+              <a:rPr lang="en-US" sz="2164" dirty="0" err="1"/>
+              <a:t>const</a:t>
+            </a:r>
+            <a:r>
+              <a:rPr lang="en-US" sz="2164" dirty="0"/>
+              <a:t> </a:t>
+            </a:r>
+            <a:r>
+              <a:rPr lang="en-US" sz="2164" dirty="0" err="1"/>
+              <a:t>contentIdSaver</a:t>
+            </a:r>
+            <a:r>
+              <a:rPr lang="en-US" sz="2164" dirty="0"/>
+              <a:t> = new </a:t>
+            </a:r>
+            <a:r>
+              <a:rPr lang="en-US" sz="2164" dirty="0" err="1"/>
+              <a:t>FirebaseSaver</a:t>
+            </a:r>
+            <a:r>
+              <a:rPr lang="en-US" sz="2164" dirty="0"/>
+              <a:t>({</a:t>
+            </a:r>
+            <a:r>
+              <a:rPr lang="en-US" sz="2164" dirty="0" err="1"/>
+              <a:t>contentIdRef</a:t>
+            </a:r>
+            <a:r>
+              <a:rPr lang="en-US" sz="2164" dirty="0"/>
+              <a:t>}) //TODO: avoid new. Somehow can we inject this or use a factory or something?</a:t>
+            </a:r>
+          </a:p>
+          <a:p>
+            <a:r>
+              <a:rPr lang="en-US" sz="2164" dirty="0" err="1"/>
+              <a:t>const</a:t>
+            </a:r>
+            <a:r>
+              <a:rPr lang="en-US" sz="2164" dirty="0"/>
+              <a:t> </a:t>
+            </a:r>
+            <a:r>
+              <a:rPr lang="en-US" sz="2164" dirty="0" err="1"/>
+              <a:t>parentIdSaver</a:t>
+            </a:r>
+            <a:r>
+              <a:rPr lang="en-US" sz="2164" dirty="0"/>
+              <a:t> = new </a:t>
+            </a:r>
+            <a:r>
+              <a:rPr lang="en-US" sz="2164" dirty="0" err="1"/>
+              <a:t>FirebaseSaver</a:t>
+            </a:r>
+            <a:r>
+              <a:rPr lang="en-US" sz="2164" dirty="0"/>
+              <a:t>({</a:t>
+            </a:r>
+            <a:r>
+              <a:rPr lang="en-US" sz="2164" dirty="0" err="1"/>
+              <a:t>parentIdRef</a:t>
+            </a:r>
+            <a:r>
+              <a:rPr lang="en-US" sz="2164" dirty="0"/>
+              <a:t>}) //TODO: avoid new. Somehow can we inject this or use a factory or something?</a:t>
+            </a:r>
+          </a:p>
+          <a:p>
+            <a:r>
+              <a:rPr lang="en-US" sz="2164" dirty="0" err="1"/>
+              <a:t>const</a:t>
+            </a:r>
+            <a:r>
+              <a:rPr lang="en-US" sz="2164" dirty="0"/>
+              <a:t> </a:t>
+            </a:r>
+            <a:r>
+              <a:rPr lang="en-US" sz="2164" dirty="0" err="1"/>
+              <a:t>childrenSaver</a:t>
+            </a:r>
+            <a:r>
+              <a:rPr lang="en-US" sz="2164" dirty="0"/>
+              <a:t> = new </a:t>
+            </a:r>
+            <a:r>
+              <a:rPr lang="en-US" sz="2164" dirty="0" err="1"/>
+              <a:t>FirebaseSaver</a:t>
+            </a:r>
+            <a:r>
+              <a:rPr lang="en-US" sz="2164" dirty="0"/>
+              <a:t>({</a:t>
+            </a:r>
+            <a:r>
+              <a:rPr lang="en-US" sz="2164" dirty="0" err="1"/>
+              <a:t>childrenRef</a:t>
+            </a:r>
+            <a:r>
+              <a:rPr lang="en-US" sz="2164" dirty="0"/>
+              <a:t>}) //TODO: avoid new. Somehow can we inject this or use a factory or something?</a:t>
+            </a:r>
+          </a:p>
+          <a:p>
+            <a:endParaRPr lang="en-US" sz="2164" dirty="0"/>
+          </a:p>
+          <a:p>
+            <a:r>
+              <a:rPr lang="en-US" sz="2164" dirty="0" err="1"/>
+              <a:t>const</a:t>
+            </a:r>
+            <a:r>
+              <a:rPr lang="en-US" sz="2164" dirty="0"/>
+              <a:t> </a:t>
+            </a:r>
+            <a:r>
+              <a:rPr lang="en-US" sz="2164" dirty="0" err="1"/>
+              <a:t>contentIdSyncerToDB</a:t>
+            </a:r>
+            <a:r>
+              <a:rPr lang="en-US" sz="2164" dirty="0"/>
+              <a:t> = new </a:t>
+            </a:r>
+            <a:r>
+              <a:rPr lang="en-US" sz="2164" dirty="0" err="1"/>
+              <a:t>SyncToDB</a:t>
+            </a:r>
+            <a:r>
+              <a:rPr lang="en-US" sz="2164" dirty="0"/>
+              <a:t>({</a:t>
+            </a:r>
+            <a:r>
+              <a:rPr lang="en-US" sz="2164" dirty="0" err="1"/>
+              <a:t>saveUpdatesToDBFunction</a:t>
+            </a:r>
+            <a:r>
+              <a:rPr lang="en-US" sz="2164" dirty="0"/>
+              <a:t>: </a:t>
+            </a:r>
+            <a:r>
+              <a:rPr lang="en-US" sz="2164" dirty="0" err="1"/>
+              <a:t>contentIdSaver.save</a:t>
+            </a:r>
+            <a:r>
+              <a:rPr lang="en-US" sz="2164" dirty="0"/>
+              <a:t>})</a:t>
+            </a:r>
+          </a:p>
+          <a:p>
+            <a:r>
+              <a:rPr lang="en-US" sz="2164" dirty="0" err="1"/>
+              <a:t>const</a:t>
+            </a:r>
+            <a:r>
+              <a:rPr lang="en-US" sz="2164" dirty="0"/>
+              <a:t> </a:t>
+            </a:r>
+            <a:r>
+              <a:rPr lang="en-US" sz="2164" dirty="0" err="1"/>
+              <a:t>parentIdSyncerToDB</a:t>
+            </a:r>
+            <a:r>
+              <a:rPr lang="en-US" sz="2164" dirty="0"/>
+              <a:t> = new </a:t>
+            </a:r>
+            <a:r>
+              <a:rPr lang="en-US" sz="2164" dirty="0" err="1"/>
+              <a:t>SyncToDB</a:t>
+            </a:r>
+            <a:r>
+              <a:rPr lang="en-US" sz="2164" dirty="0"/>
+              <a:t>({</a:t>
+            </a:r>
+            <a:r>
+              <a:rPr lang="en-US" sz="2164" dirty="0" err="1"/>
+              <a:t>saveUpdatesToDBFunction</a:t>
+            </a:r>
+            <a:r>
+              <a:rPr lang="en-US" sz="2164" dirty="0"/>
+              <a:t>: </a:t>
+            </a:r>
+            <a:r>
+              <a:rPr lang="en-US" sz="2164" dirty="0" err="1"/>
+              <a:t>parentIdSaver.save</a:t>
+            </a:r>
+            <a:r>
+              <a:rPr lang="en-US" sz="2164" dirty="0"/>
+              <a:t>})</a:t>
+            </a:r>
+          </a:p>
+          <a:p>
+            <a:r>
+              <a:rPr lang="en-US" sz="2164" dirty="0" err="1"/>
+              <a:t>const</a:t>
+            </a:r>
+            <a:r>
+              <a:rPr lang="en-US" sz="2164" dirty="0"/>
+              <a:t> </a:t>
+            </a:r>
+            <a:r>
+              <a:rPr lang="en-US" sz="2164" dirty="0" err="1"/>
+              <a:t>childrenSyncerToDB</a:t>
+            </a:r>
+            <a:r>
+              <a:rPr lang="en-US" sz="2164" dirty="0"/>
+              <a:t> = new </a:t>
+            </a:r>
+            <a:r>
+              <a:rPr lang="en-US" sz="2164" dirty="0" err="1"/>
+              <a:t>SyncToDB</a:t>
+            </a:r>
+            <a:r>
+              <a:rPr lang="en-US" sz="2164" dirty="0"/>
+              <a:t>({</a:t>
+            </a:r>
+            <a:r>
+              <a:rPr lang="en-US" sz="2164" dirty="0" err="1"/>
+              <a:t>saveUpdatesToDBFunction</a:t>
+            </a:r>
+            <a:r>
+              <a:rPr lang="en-US" sz="2164" dirty="0"/>
+              <a:t>: </a:t>
+            </a:r>
+            <a:r>
+              <a:rPr lang="en-US" sz="2164" dirty="0" err="1"/>
+              <a:t>childrenSaver.save</a:t>
+            </a:r>
+            <a:r>
+              <a:rPr lang="en-US" sz="2164" dirty="0"/>
+              <a:t>})</a:t>
+            </a:r>
+          </a:p>
+          <a:p>
+            <a:endParaRPr lang="en-US" sz="2164" dirty="0"/>
+          </a:p>
+          <a:p>
+            <a:endParaRPr lang="en-US" sz="2164" dirty="0"/>
+          </a:p>
+          <a:p>
+            <a:r>
+              <a:rPr lang="en-US" sz="2164" dirty="0" err="1"/>
+              <a:t>const</a:t>
+            </a:r>
+            <a:r>
+              <a:rPr lang="en-US" sz="2164" dirty="0"/>
+              <a:t> </a:t>
+            </a:r>
+            <a:r>
+              <a:rPr lang="en-US" sz="2164" dirty="0" err="1"/>
+              <a:t>dbSubscriberToTree</a:t>
+            </a:r>
+            <a:r>
+              <a:rPr lang="en-US" sz="2164" dirty="0"/>
+              <a:t> = new </a:t>
+            </a:r>
+            <a:r>
+              <a:rPr lang="en-US" sz="2164" dirty="0" err="1"/>
+              <a:t>DBSubscriberToTree</a:t>
+            </a:r>
+            <a:r>
+              <a:rPr lang="en-US" sz="2164" dirty="0"/>
+              <a:t>(</a:t>
+            </a:r>
+            <a:r>
+              <a:rPr lang="en-US" sz="2164" dirty="0" err="1"/>
+              <a:t>subscribableTree</a:t>
+            </a:r>
+            <a:r>
+              <a:rPr lang="en-US" sz="2164" dirty="0"/>
+              <a:t>, </a:t>
+            </a:r>
+            <a:r>
+              <a:rPr lang="en-US" sz="2164" dirty="0" err="1"/>
+              <a:t>contentIdSyncerToDB</a:t>
+            </a:r>
+            <a:r>
+              <a:rPr lang="en-US" sz="2164" dirty="0"/>
+              <a:t>, </a:t>
+            </a:r>
+            <a:r>
+              <a:rPr lang="en-US" sz="2164" dirty="0" err="1"/>
+              <a:t>parentIdSyncerToDB</a:t>
+            </a:r>
+            <a:r>
+              <a:rPr lang="en-US" sz="2164" dirty="0"/>
+              <a:t>, </a:t>
+            </a:r>
+            <a:r>
+              <a:rPr lang="en-US" sz="2164" dirty="0" err="1"/>
+              <a:t>childrenSyncerToDB</a:t>
+            </a:r>
+            <a:r>
+              <a:rPr lang="en-US" sz="2164" dirty="0"/>
+              <a:t>)</a:t>
+            </a:r>
+          </a:p>
+          <a:p>
+            <a:r>
+              <a:rPr lang="en-US" sz="2164" dirty="0" err="1"/>
+              <a:t>dbSubscriberToTree.subscribe</a:t>
+            </a:r>
+            <a:r>
+              <a:rPr lang="en-US" sz="2164" dirty="0"/>
+              <a:t>()</a:t>
+            </a:r>
+          </a:p>
+          <a:p>
+            <a:endParaRPr lang="en-US" sz="2164" dirty="0"/>
+          </a:p>
+          <a:p>
+            <a:r>
+              <a:rPr lang="en-US" sz="2164" dirty="0" err="1"/>
+              <a:t>const</a:t>
+            </a:r>
+            <a:r>
+              <a:rPr lang="en-US" sz="2164" dirty="0"/>
+              <a:t> </a:t>
+            </a:r>
+            <a:r>
+              <a:rPr lang="en-US" sz="2164" dirty="0" err="1"/>
+              <a:t>dbSubscriberFromTree</a:t>
+            </a:r>
+            <a:r>
+              <a:rPr lang="en-US" sz="2164" dirty="0"/>
+              <a:t> = new </a:t>
+            </a:r>
+            <a:r>
+              <a:rPr lang="en-US" sz="2164" dirty="0" err="1"/>
+              <a:t>DBSubscriberFromTree</a:t>
+            </a:r>
+            <a:r>
+              <a:rPr lang="en-US" sz="2164" dirty="0"/>
+              <a:t>(</a:t>
+            </a:r>
+            <a:r>
+              <a:rPr lang="en-US" sz="2164" dirty="0" err="1"/>
+              <a:t>subscribableTree</a:t>
+            </a:r>
+            <a:r>
+              <a:rPr lang="en-US" sz="2164" dirty="0"/>
+              <a:t>, </a:t>
+            </a:r>
+          </a:p>
+        </p:txBody>
+      </p:sp>
+      <p:sp>
+        <p:nvSpPr>
+          <p:cNvPr id="8" name="TextBox 7">
+            <a:extLst>
+              <a:ext uri="{FF2B5EF4-FFF2-40B4-BE49-F238E27FC236}">
+                <a16:creationId xmlns:a16="http://schemas.microsoft.com/office/drawing/2014/main" id="{FDEF61F8-8218-4AED-B7AE-E620BA9FD4B7}"/>
+              </a:ext>
+            </a:extLst>
+          </p:cNvPr>
+          <p:cNvSpPr txBox="1"/>
+          <p:nvPr/>
+        </p:nvSpPr>
+        <p:spPr>
+          <a:xfrm>
+            <a:off x="9083842" y="32906368"/>
+            <a:ext cx="9015390" cy="23914239"/>
+          </a:xfrm>
+          <a:prstGeom prst="rect">
+            <a:avLst/>
+          </a:prstGeom>
+          <a:noFill/>
+        </p:spPr>
+        <p:txBody>
+          <a:bodyPr wrap="square" rtlCol="0">
+            <a:spAutoFit/>
+          </a:bodyPr>
+          <a:lstStyle/>
+          <a:p>
+            <a:r>
+              <a:rPr lang="en-US" dirty="0"/>
+              <a:t>Route ‘/’, component: </a:t>
+            </a:r>
+            <a:r>
+              <a:rPr lang="en-US" dirty="0" err="1"/>
+              <a:t>BranchesAppComponent</a:t>
+            </a:r>
+            <a:endParaRPr lang="en-US" dirty="0"/>
+          </a:p>
+          <a:p>
+            <a:endParaRPr lang="en-US" dirty="0"/>
+          </a:p>
+          <a:p>
+            <a:r>
+              <a:rPr lang="en-US" dirty="0" err="1"/>
+              <a:t>BranchesAppComponent.ts</a:t>
+            </a:r>
+            <a:endParaRPr lang="en-US" dirty="0"/>
+          </a:p>
+          <a:p>
+            <a:r>
+              <a:rPr lang="en-US" dirty="0"/>
+              <a:t>	</a:t>
+            </a:r>
+            <a:r>
+              <a:rPr lang="en-US" dirty="0" err="1"/>
+              <a:t>async</a:t>
+            </a:r>
+            <a:r>
+              <a:rPr lang="en-US" dirty="0"/>
+              <a:t> created() {</a:t>
+            </a:r>
+          </a:p>
+          <a:p>
+            <a:r>
+              <a:rPr lang="en-US" dirty="0"/>
+              <a:t>		</a:t>
+            </a:r>
+            <a:r>
+              <a:rPr lang="en-US" dirty="0" err="1"/>
+              <a:t>this.init</a:t>
+            </a:r>
+            <a:r>
+              <a:rPr lang="en-US" dirty="0"/>
+              <a:t>()</a:t>
+            </a:r>
+          </a:p>
+          <a:p>
+            <a:r>
+              <a:rPr lang="en-US" dirty="0"/>
+              <a:t>	}</a:t>
+            </a:r>
+          </a:p>
+          <a:p>
+            <a:r>
+              <a:rPr lang="en-US" dirty="0"/>
+              <a:t>	. . .</a:t>
+            </a:r>
+          </a:p>
+          <a:p>
+            <a:r>
+              <a:rPr lang="en-US" dirty="0"/>
+              <a:t>	methods: {</a:t>
+            </a:r>
+          </a:p>
+          <a:p>
+            <a:r>
+              <a:rPr lang="en-US" dirty="0"/>
+              <a:t>		</a:t>
+            </a:r>
+            <a:r>
+              <a:rPr lang="en-US" dirty="0" err="1"/>
+              <a:t>init</a:t>
+            </a:r>
+            <a:r>
+              <a:rPr lang="en-US" dirty="0"/>
+              <a:t>() {</a:t>
+            </a:r>
+          </a:p>
+          <a:p>
+            <a:r>
+              <a:rPr lang="en-US" dirty="0"/>
+              <a:t>			</a:t>
+            </a:r>
+            <a:r>
+              <a:rPr lang="en-US" dirty="0" err="1"/>
+              <a:t>const</a:t>
+            </a:r>
+            <a:r>
+              <a:rPr lang="en-US" dirty="0"/>
+              <a:t> app = </a:t>
+            </a:r>
+            <a:r>
+              <a:rPr lang="en-US" dirty="0" err="1"/>
+              <a:t>myContainer.get</a:t>
+            </a:r>
+            <a:r>
+              <a:rPr lang="en-US" dirty="0"/>
+              <a:t>&lt;</a:t>
+            </a:r>
+            <a:r>
+              <a:rPr lang="en-US" dirty="0" err="1"/>
+              <a:t>IBranchesApp</a:t>
+            </a:r>
+            <a:r>
+              <a:rPr lang="en-US" dirty="0"/>
+              <a:t>&gt;(</a:t>
+            </a:r>
+            <a:r>
+              <a:rPr lang="en-US" dirty="0" err="1"/>
+              <a:t>TYPES.IBranchesApp</a:t>
+            </a:r>
+            <a:r>
+              <a:rPr lang="en-US" dirty="0"/>
+              <a:t>) // will inject the correct databases, </a:t>
+            </a:r>
+            <a:r>
+              <a:rPr lang="en-US" dirty="0" err="1"/>
+              <a:t>localStorage</a:t>
+            </a:r>
+            <a:r>
+              <a:rPr lang="en-US" dirty="0"/>
+              <a:t>, </a:t>
+            </a:r>
+            <a:r>
+              <a:rPr lang="en-US" dirty="0" err="1"/>
+              <a:t>localStorageRetrievers</a:t>
+            </a:r>
+            <a:r>
+              <a:rPr lang="en-US" dirty="0"/>
+              <a:t> etc.</a:t>
+            </a:r>
+          </a:p>
+          <a:p>
+            <a:r>
+              <a:rPr lang="en-US" dirty="0"/>
+              <a:t>			</a:t>
+            </a:r>
+            <a:r>
+              <a:rPr lang="en-US" dirty="0" err="1"/>
+              <a:t>app.setURL</a:t>
+            </a:r>
+            <a:r>
+              <a:rPr lang="en-US" dirty="0"/>
+              <a:t>(</a:t>
+            </a:r>
+            <a:r>
+              <a:rPr lang="en-US" dirty="0" err="1"/>
+              <a:t>getWindowURl</a:t>
+            </a:r>
+            <a:r>
+              <a:rPr lang="en-US" dirty="0"/>
+              <a:t>())</a:t>
+            </a:r>
+          </a:p>
+          <a:p>
+            <a:r>
+              <a:rPr lang="en-US" dirty="0"/>
+              <a:t>			</a:t>
+            </a:r>
+            <a:r>
+              <a:rPr lang="en-US" dirty="0" err="1"/>
+              <a:t>app.init</a:t>
+            </a:r>
+            <a:r>
+              <a:rPr lang="en-US" dirty="0"/>
+              <a:t>()</a:t>
+            </a:r>
+          </a:p>
+          <a:p>
+            <a:endParaRPr lang="en-US" dirty="0"/>
+          </a:p>
+          <a:p>
+            <a:endParaRPr lang="en-US" dirty="0"/>
+          </a:p>
+          <a:p>
+            <a:r>
+              <a:rPr lang="en-US" dirty="0" err="1"/>
+              <a:t>BranchesApp.ts</a:t>
+            </a:r>
+            <a:endParaRPr lang="en-US" dirty="0"/>
+          </a:p>
+          <a:p>
+            <a:r>
+              <a:rPr lang="en-US" dirty="0"/>
+              <a:t>	</a:t>
+            </a:r>
+            <a:r>
+              <a:rPr lang="en-US" dirty="0" err="1"/>
+              <a:t>init</a:t>
+            </a:r>
+            <a:r>
+              <a:rPr lang="en-US" dirty="0"/>
+              <a:t>() {</a:t>
+            </a:r>
+          </a:p>
+          <a:p>
+            <a:r>
+              <a:rPr lang="en-US" dirty="0"/>
+              <a:t>		</a:t>
+            </a:r>
+            <a:r>
+              <a:rPr lang="en-US" dirty="0" err="1"/>
+              <a:t>this.datastore.init</a:t>
+            </a:r>
+            <a:r>
+              <a:rPr lang="en-US" dirty="0"/>
+              <a:t>() // </a:t>
+            </a:r>
+            <a:r>
+              <a:rPr lang="en-US" dirty="0" err="1"/>
+              <a:t>DataStore</a:t>
+            </a:r>
+            <a:r>
+              <a:rPr lang="en-US" dirty="0"/>
+              <a:t> has </a:t>
+            </a:r>
+            <a:r>
+              <a:rPr lang="en-US" dirty="0" err="1"/>
+              <a:t>LocalStorageHandler</a:t>
+            </a:r>
+            <a:r>
+              <a:rPr lang="en-US" dirty="0"/>
+              <a:t> already injected into it</a:t>
+            </a:r>
+          </a:p>
+          <a:p>
+            <a:r>
+              <a:rPr lang="en-US" dirty="0"/>
+              <a:t>		</a:t>
+            </a:r>
+            <a:r>
+              <a:rPr lang="en-US" dirty="0" err="1"/>
+              <a:t>this.ui_bridges.subscribe</a:t>
+            </a:r>
+            <a:r>
+              <a:rPr lang="en-US" dirty="0"/>
+              <a:t>(</a:t>
+            </a:r>
+            <a:r>
+              <a:rPr lang="en-US" dirty="0" err="1"/>
+              <a:t>this.datastore</a:t>
+            </a:r>
+            <a:r>
+              <a:rPr lang="en-US" dirty="0"/>
+              <a:t>)</a:t>
+            </a:r>
+          </a:p>
+          <a:p>
+            <a:r>
+              <a:rPr lang="en-US" dirty="0"/>
+              <a:t>		</a:t>
+            </a:r>
+            <a:r>
+              <a:rPr lang="en-US" dirty="0" err="1"/>
+              <a:t>this.getContentItem</a:t>
+            </a:r>
+            <a:endParaRPr lang="en-US" dirty="0"/>
+          </a:p>
+          <a:p>
+            <a:r>
+              <a:rPr lang="en-US" dirty="0"/>
+              <a:t>}</a:t>
+            </a:r>
+          </a:p>
+          <a:p>
+            <a:endParaRPr lang="en-US" dirty="0"/>
+          </a:p>
+          <a:p>
+            <a:r>
+              <a:rPr lang="en-US" dirty="0" err="1"/>
+              <a:t>UIBridges.ts</a:t>
+            </a:r>
+            <a:endParaRPr lang="en-US" dirty="0"/>
+          </a:p>
+          <a:p>
+            <a:r>
+              <a:rPr lang="en-US" dirty="0"/>
+              <a:t>	</a:t>
+            </a:r>
+            <a:r>
+              <a:rPr lang="en-US" dirty="0" err="1"/>
+              <a:t>TreeUIBridge</a:t>
+            </a:r>
+            <a:endParaRPr lang="en-US" dirty="0"/>
+          </a:p>
+          <a:p>
+            <a:r>
+              <a:rPr lang="en-US" dirty="0"/>
+              <a:t>	</a:t>
+            </a:r>
+            <a:r>
+              <a:rPr lang="en-US" dirty="0" err="1"/>
+              <a:t>ContentItemUIBridge</a:t>
+            </a:r>
+            <a:endParaRPr lang="en-US" dirty="0"/>
+          </a:p>
+          <a:p>
+            <a:r>
+              <a:rPr lang="en-US" dirty="0"/>
+              <a:t>	</a:t>
+            </a:r>
+          </a:p>
+          <a:p>
+            <a:r>
+              <a:rPr lang="en-US" dirty="0"/>
+              <a:t>	subscribe(</a:t>
+            </a:r>
+            <a:r>
+              <a:rPr lang="en-US" dirty="0" err="1"/>
+              <a:t>subscribable</a:t>
+            </a:r>
+            <a:r>
+              <a:rPr lang="en-US" dirty="0"/>
+              <a:t>: </a:t>
+            </a:r>
+            <a:r>
+              <a:rPr lang="en-US" dirty="0" err="1"/>
+              <a:t>Isubscribable</a:t>
+            </a:r>
+            <a:r>
+              <a:rPr lang="en-US" dirty="0"/>
+              <a:t>)</a:t>
+            </a:r>
+          </a:p>
+          <a:p>
+            <a:r>
+              <a:rPr lang="en-US" dirty="0"/>
+              <a:t>	{</a:t>
+            </a:r>
+          </a:p>
+          <a:p>
+            <a:r>
+              <a:rPr lang="en-US" dirty="0"/>
+              <a:t>		</a:t>
+            </a:r>
+            <a:r>
+              <a:rPr lang="en-US" dirty="0" err="1"/>
+              <a:t>subscribable.onUpdate</a:t>
+            </a:r>
+            <a:r>
+              <a:rPr lang="en-US" dirty="0"/>
+              <a:t>(</a:t>
+            </a:r>
+            <a:r>
+              <a:rPr lang="en-US" dirty="0" err="1"/>
+              <a:t>this.handleDataUpdate</a:t>
+            </a:r>
+            <a:r>
+              <a:rPr lang="en-US" dirty="0"/>
+              <a:t>)</a:t>
+            </a:r>
+          </a:p>
+          <a:p>
+            <a:r>
+              <a:rPr lang="en-US" dirty="0"/>
+              <a:t>	}</a:t>
+            </a:r>
+          </a:p>
+          <a:p>
+            <a:r>
+              <a:rPr lang="en-US" dirty="0"/>
+              <a:t>	</a:t>
+            </a:r>
+            <a:r>
+              <a:rPr lang="en-US" dirty="0" err="1"/>
+              <a:t>handleDataUpdate</a:t>
+            </a:r>
+            <a:r>
+              <a:rPr lang="en-US" dirty="0"/>
+              <a:t>({</a:t>
+            </a:r>
+            <a:r>
+              <a:rPr lang="en-US" dirty="0" err="1"/>
+              <a:t>dataUpdate</a:t>
+            </a:r>
+            <a:r>
+              <a:rPr lang="en-US" dirty="0"/>
+              <a:t>: </a:t>
+            </a:r>
+            <a:r>
+              <a:rPr lang="en-US" dirty="0" err="1"/>
+              <a:t>IDataUpdate</a:t>
+            </a:r>
+            <a:r>
+              <a:rPr lang="en-US" dirty="0"/>
+              <a:t>}) {</a:t>
+            </a:r>
+          </a:p>
+          <a:p>
+            <a:r>
+              <a:rPr lang="en-US" dirty="0"/>
+              <a:t>		switch (</a:t>
+            </a:r>
+            <a:r>
+              <a:rPr lang="en-US" dirty="0" err="1"/>
+              <a:t>dataUpdate.datatype</a:t>
+            </a:r>
+            <a:r>
+              <a:rPr lang="en-US" dirty="0"/>
+              <a:t>) {</a:t>
+            </a:r>
+          </a:p>
+          <a:p>
+            <a:r>
+              <a:rPr lang="en-US" dirty="0"/>
+              <a:t>			case DATA_TYPES.TREES:</a:t>
+            </a:r>
+          </a:p>
+          <a:p>
+            <a:r>
+              <a:rPr lang="en-US" dirty="0"/>
+              <a:t>				</a:t>
+            </a:r>
+            <a:r>
+              <a:rPr lang="en-US" dirty="0" err="1"/>
+              <a:t>treeUIBridge.handleDataUpdate</a:t>
+            </a:r>
+            <a:r>
+              <a:rPr lang="en-US" dirty="0"/>
+              <a:t>({</a:t>
+            </a:r>
+            <a:r>
+              <a:rPr lang="en-US" dirty="0" err="1"/>
+              <a:t>dataUpdate</a:t>
+            </a:r>
+            <a:r>
+              <a:rPr lang="en-US" dirty="0"/>
+              <a:t>})</a:t>
+            </a:r>
+          </a:p>
+          <a:p>
+            <a:r>
+              <a:rPr lang="en-US" dirty="0"/>
+              <a:t>			case DATA_TYPES.TREE_USER_DATA</a:t>
+            </a:r>
+          </a:p>
+          <a:p>
+            <a:r>
+              <a:rPr lang="en-US" dirty="0"/>
+              <a:t>				</a:t>
+            </a:r>
+            <a:r>
+              <a:rPr lang="en-US" dirty="0" err="1"/>
+              <a:t>treeUserDataUIBridge.handleDataUpdate</a:t>
+            </a:r>
+            <a:r>
+              <a:rPr lang="en-US" dirty="0"/>
+              <a:t>({</a:t>
+            </a:r>
+            <a:r>
+              <a:rPr lang="en-US" dirty="0" err="1"/>
+              <a:t>dataUpdate</a:t>
+            </a:r>
+            <a:r>
+              <a:rPr lang="en-US" dirty="0"/>
+              <a:t>})</a:t>
+            </a:r>
+          </a:p>
+          <a:p>
+            <a:r>
+              <a:rPr lang="en-US" dirty="0"/>
+              <a:t>				</a:t>
+            </a:r>
+          </a:p>
+          <a:p>
+            <a:r>
+              <a:rPr lang="en-US" dirty="0" err="1"/>
+              <a:t>TreeUIBridge.ts</a:t>
+            </a:r>
+            <a:r>
+              <a:rPr lang="en-US" dirty="0"/>
+              <a:t> {</a:t>
+            </a:r>
+          </a:p>
+          <a:p>
+            <a:r>
+              <a:rPr lang="en-US" dirty="0"/>
+              <a:t>	</a:t>
+            </a:r>
+            <a:r>
+              <a:rPr lang="en-US" dirty="0" err="1"/>
+              <a:t>handleDataUpdate</a:t>
+            </a:r>
+            <a:r>
+              <a:rPr lang="en-US" dirty="0"/>
+              <a:t>({</a:t>
+            </a:r>
+            <a:r>
+              <a:rPr lang="en-US" dirty="0" err="1"/>
+              <a:t>dataUpdate</a:t>
+            </a:r>
+            <a:r>
+              <a:rPr lang="en-US" dirty="0"/>
+              <a:t>: </a:t>
+            </a:r>
+            <a:r>
+              <a:rPr lang="en-US" dirty="0" err="1"/>
+              <a:t>IDataUpdate</a:t>
+            </a:r>
+            <a:r>
+              <a:rPr lang="en-US" dirty="0"/>
+              <a:t>}) {</a:t>
+            </a:r>
+          </a:p>
+          <a:p>
+            <a:r>
+              <a:rPr lang="en-US" dirty="0"/>
+              <a:t>		</a:t>
+            </a:r>
+            <a:r>
+              <a:rPr lang="en-US" dirty="0" err="1"/>
+              <a:t>const</a:t>
+            </a:r>
+            <a:r>
+              <a:rPr lang="en-US" dirty="0"/>
+              <a:t> </a:t>
+            </a:r>
+            <a:r>
+              <a:rPr lang="en-US" dirty="0" err="1"/>
+              <a:t>sigmaNodeId</a:t>
+            </a:r>
+            <a:r>
+              <a:rPr lang="en-US" dirty="0"/>
+              <a:t> = </a:t>
+            </a:r>
+            <a:r>
+              <a:rPr lang="en-US" dirty="0" err="1"/>
+              <a:t>DATA_SIGMA_MAP.getFromTreeId</a:t>
+            </a:r>
+            <a:r>
+              <a:rPr lang="en-US" dirty="0"/>
+              <a:t>(</a:t>
+            </a:r>
+            <a:r>
+              <a:rPr lang="en-US" dirty="0" err="1"/>
+              <a:t>dataUpdate.treeId</a:t>
+            </a:r>
+            <a:r>
+              <a:rPr lang="en-US" dirty="0"/>
+              <a:t>)</a:t>
+            </a:r>
+          </a:p>
+          <a:p>
+            <a:r>
+              <a:rPr lang="en-US" dirty="0"/>
+              <a:t>		</a:t>
+            </a:r>
+            <a:r>
+              <a:rPr lang="en-US" dirty="0" err="1"/>
+              <a:t>sigmaHandler.update</a:t>
+            </a:r>
+            <a:r>
+              <a:rPr lang="en-US" dirty="0"/>
+              <a:t>({</a:t>
+            </a:r>
+            <a:r>
+              <a:rPr lang="en-US" dirty="0" err="1"/>
+              <a:t>sigmaNodeId</a:t>
+            </a:r>
+            <a:r>
+              <a:rPr lang="en-US" dirty="0"/>
+              <a:t>: </a:t>
+            </a:r>
+            <a:r>
+              <a:rPr lang="en-US" dirty="0" err="1"/>
+              <a:t>dataUpdate.treeId</a:t>
+            </a:r>
+            <a:r>
+              <a:rPr lang="en-US" dirty="0"/>
+              <a:t>, </a:t>
+            </a:r>
+            <a:r>
+              <a:rPr lang="en-US" dirty="0" err="1"/>
+              <a:t>updateType</a:t>
+            </a:r>
+            <a:r>
+              <a:rPr lang="en-US" dirty="0"/>
+              <a:t>: DATA_TYPES.TREES, </a:t>
+            </a:r>
+            <a:r>
+              <a:rPr lang="en-US" dirty="0" err="1"/>
+              <a:t>newTreeData</a:t>
+            </a:r>
+            <a:r>
+              <a:rPr lang="en-US" dirty="0"/>
+              <a:t>: </a:t>
+            </a:r>
+            <a:r>
+              <a:rPr lang="en-US" dirty="0" err="1"/>
+              <a:t>dataUpdate.val</a:t>
+            </a:r>
+            <a:r>
+              <a:rPr lang="en-US" dirty="0"/>
+              <a:t>})</a:t>
+            </a:r>
+          </a:p>
+          <a:p>
+            <a:r>
+              <a:rPr lang="en-US" dirty="0"/>
+              <a:t>	}</a:t>
+            </a:r>
+          </a:p>
+          <a:p>
+            <a:r>
+              <a:rPr lang="en-US" dirty="0"/>
+              <a:t>}</a:t>
+            </a:r>
+          </a:p>
+          <a:p>
+            <a:r>
+              <a:rPr lang="en-US" dirty="0" err="1"/>
+              <a:t>TreeUserDataUIBridge.ts</a:t>
+            </a:r>
+            <a:r>
+              <a:rPr lang="en-US" dirty="0"/>
+              <a:t> {</a:t>
+            </a:r>
+          </a:p>
+          <a:p>
+            <a:r>
+              <a:rPr lang="en-US" dirty="0"/>
+              <a:t>	</a:t>
+            </a:r>
+            <a:r>
+              <a:rPr lang="en-US" dirty="0" err="1"/>
+              <a:t>handleDataUpdate</a:t>
+            </a:r>
+            <a:r>
+              <a:rPr lang="en-US" dirty="0"/>
+              <a:t>({</a:t>
+            </a:r>
+            <a:r>
+              <a:rPr lang="en-US" dirty="0" err="1"/>
+              <a:t>dataUpdate</a:t>
+            </a:r>
+            <a:r>
+              <a:rPr lang="en-US" dirty="0"/>
+              <a:t>: </a:t>
+            </a:r>
+            <a:r>
+              <a:rPr lang="en-US" dirty="0" err="1"/>
+              <a:t>IDataUpdate</a:t>
+            </a:r>
+            <a:r>
+              <a:rPr lang="en-US" dirty="0"/>
+              <a:t>}) {</a:t>
+            </a:r>
+          </a:p>
+          <a:p>
+            <a:r>
+              <a:rPr lang="en-US" dirty="0"/>
+              <a:t>		</a:t>
+            </a:r>
+            <a:r>
+              <a:rPr lang="en-US" dirty="0" err="1"/>
+              <a:t>const</a:t>
+            </a:r>
+            <a:r>
+              <a:rPr lang="en-US" dirty="0"/>
+              <a:t> </a:t>
+            </a:r>
+            <a:r>
+              <a:rPr lang="en-US" dirty="0" err="1"/>
+              <a:t>sigmaNodeId</a:t>
+            </a:r>
+            <a:r>
+              <a:rPr lang="en-US" dirty="0"/>
+              <a:t> = </a:t>
+            </a:r>
+            <a:r>
+              <a:rPr lang="en-US" dirty="0" err="1"/>
+              <a:t>DATA_SIGMA_MAP.getFromTreeId</a:t>
+            </a:r>
+            <a:r>
+              <a:rPr lang="en-US" dirty="0"/>
+              <a:t>(</a:t>
+            </a:r>
+            <a:r>
+              <a:rPr lang="en-US" dirty="0" err="1"/>
+              <a:t>dataUpdate.treeId</a:t>
+            </a:r>
+            <a:r>
+              <a:rPr lang="en-US" dirty="0"/>
+              <a:t>)</a:t>
+            </a:r>
+          </a:p>
+          <a:p>
+            <a:r>
+              <a:rPr lang="en-US" dirty="0"/>
+              <a:t>		</a:t>
+            </a:r>
+            <a:r>
+              <a:rPr lang="en-US" dirty="0" err="1"/>
+              <a:t>sigmaHandler.update</a:t>
+            </a:r>
+            <a:r>
+              <a:rPr lang="en-US" dirty="0"/>
+              <a:t>({</a:t>
+            </a:r>
+            <a:r>
+              <a:rPr lang="en-US" dirty="0" err="1"/>
+              <a:t>sigmaNodeId</a:t>
+            </a:r>
+            <a:r>
+              <a:rPr lang="en-US" dirty="0"/>
+              <a:t>: </a:t>
+            </a:r>
+            <a:r>
+              <a:rPr lang="en-US" dirty="0" err="1"/>
+              <a:t>dataUpdate.treeId</a:t>
+            </a:r>
+            <a:r>
+              <a:rPr lang="en-US" dirty="0"/>
+              <a:t>, </a:t>
+            </a:r>
+            <a:r>
+              <a:rPr lang="en-US" dirty="0" err="1"/>
+              <a:t>updateType</a:t>
+            </a:r>
+            <a:r>
+              <a:rPr lang="en-US" dirty="0"/>
+              <a:t>: DATA_TYPES.TREE_USER_DATA, </a:t>
+            </a:r>
+            <a:r>
+              <a:rPr lang="en-US" dirty="0" err="1"/>
+              <a:t>newTreeUSerData</a:t>
+            </a:r>
+            <a:r>
+              <a:rPr lang="en-US" dirty="0"/>
+              <a:t>: </a:t>
+            </a:r>
+            <a:r>
+              <a:rPr lang="en-US" dirty="0" err="1"/>
+              <a:t>dataUpdate.val</a:t>
+            </a:r>
+            <a:r>
+              <a:rPr lang="en-US" dirty="0"/>
+              <a:t>})</a:t>
+            </a:r>
+          </a:p>
+          <a:p>
+            <a:r>
+              <a:rPr lang="en-US" dirty="0"/>
+              <a:t>	}</a:t>
+            </a:r>
+          </a:p>
+          <a:p>
+            <a:r>
+              <a:rPr lang="en-US" dirty="0"/>
+              <a:t>}</a:t>
+            </a:r>
+          </a:p>
+          <a:p>
+            <a:endParaRPr lang="en-US" dirty="0"/>
+          </a:p>
+          <a:p>
+            <a:r>
+              <a:rPr lang="en-US" dirty="0" err="1"/>
+              <a:t>ContentItemUserDataUIBridge.ts</a:t>
+            </a:r>
+            <a:r>
+              <a:rPr lang="en-US" dirty="0"/>
+              <a:t> {</a:t>
+            </a:r>
+          </a:p>
+          <a:p>
+            <a:r>
+              <a:rPr lang="en-US" dirty="0"/>
+              <a:t>	</a:t>
+            </a:r>
+            <a:r>
+              <a:rPr lang="en-US" dirty="0" err="1"/>
+              <a:t>handleDataUpdate</a:t>
+            </a:r>
+            <a:r>
+              <a:rPr lang="en-US" dirty="0"/>
+              <a:t>({</a:t>
+            </a:r>
+            <a:r>
+              <a:rPr lang="en-US" dirty="0" err="1"/>
+              <a:t>dataUpdate</a:t>
+            </a:r>
+            <a:r>
+              <a:rPr lang="en-US" dirty="0"/>
+              <a:t>: </a:t>
+            </a:r>
+            <a:r>
+              <a:rPr lang="en-US" dirty="0" err="1"/>
+              <a:t>IDataUpdate</a:t>
+            </a:r>
+            <a:r>
+              <a:rPr lang="en-US" dirty="0"/>
+              <a:t>}) {</a:t>
+            </a:r>
+          </a:p>
+          <a:p>
+            <a:r>
+              <a:rPr lang="en-US" dirty="0"/>
+              <a:t>		</a:t>
+            </a:r>
+            <a:r>
+              <a:rPr lang="en-US" dirty="0" err="1"/>
+              <a:t>const</a:t>
+            </a:r>
+            <a:r>
+              <a:rPr lang="en-US" dirty="0"/>
+              <a:t> </a:t>
+            </a:r>
+            <a:r>
+              <a:rPr lang="en-US" dirty="0" err="1"/>
+              <a:t>sigmaNodeIds</a:t>
+            </a:r>
+            <a:r>
+              <a:rPr lang="en-US" dirty="0"/>
+              <a:t> = </a:t>
+            </a:r>
+            <a:r>
+              <a:rPr lang="en-US" dirty="0" err="1"/>
+              <a:t>DATA_SIGMA_MAP.getFromContentId</a:t>
+            </a:r>
+            <a:r>
+              <a:rPr lang="en-US" dirty="0"/>
+              <a:t>(</a:t>
+            </a:r>
+            <a:r>
+              <a:rPr lang="en-US" dirty="0" err="1"/>
+              <a:t>dataUpdate.contentId</a:t>
+            </a:r>
+            <a:r>
+              <a:rPr lang="en-US" dirty="0"/>
+              <a:t>)</a:t>
+            </a:r>
+          </a:p>
+          <a:p>
+            <a:r>
+              <a:rPr lang="en-US" dirty="0"/>
+              <a:t>		</a:t>
+            </a:r>
+            <a:r>
+              <a:rPr lang="en-US" dirty="0" err="1"/>
+              <a:t>sigmaNodeIds.forEach</a:t>
+            </a:r>
+            <a:r>
+              <a:rPr lang="en-US" dirty="0"/>
+              <a:t>(</a:t>
+            </a:r>
+            <a:r>
+              <a:rPr lang="en-US" dirty="0" err="1"/>
+              <a:t>sigmaNodeId</a:t>
+            </a:r>
+            <a:r>
+              <a:rPr lang="en-US" dirty="0"/>
+              <a:t> =&gt; {</a:t>
+            </a:r>
+          </a:p>
+          <a:p>
+            <a:r>
+              <a:rPr lang="en-US" dirty="0"/>
+              <a:t>			</a:t>
+            </a:r>
+            <a:r>
+              <a:rPr lang="en-US" dirty="0" err="1"/>
+              <a:t>sigmaHandler.update</a:t>
+            </a:r>
+            <a:r>
+              <a:rPr lang="en-US" dirty="0"/>
+              <a:t>({</a:t>
+            </a:r>
+            <a:r>
+              <a:rPr lang="en-US" dirty="0" err="1"/>
+              <a:t>sigmaNodeId</a:t>
+            </a:r>
+            <a:r>
+              <a:rPr lang="en-US" dirty="0"/>
+              <a:t>: </a:t>
+            </a:r>
+            <a:r>
+              <a:rPr lang="en-US" dirty="0" err="1"/>
+              <a:t>dataUpdate.treeId</a:t>
+            </a:r>
+            <a:r>
+              <a:rPr lang="en-US" dirty="0"/>
+              <a:t>, </a:t>
+            </a:r>
+            <a:r>
+              <a:rPr lang="en-US" dirty="0" err="1"/>
+              <a:t>updateType</a:t>
+            </a:r>
+            <a:r>
+              <a:rPr lang="en-US" dirty="0"/>
+              <a:t>: DATA_TYPES.TREE_USER_DATA, </a:t>
+            </a:r>
+            <a:r>
+              <a:rPr lang="en-US" dirty="0" err="1"/>
+              <a:t>newTreeUSerData</a:t>
+            </a:r>
+            <a:r>
+              <a:rPr lang="en-US" dirty="0"/>
+              <a:t>: </a:t>
+            </a:r>
+            <a:r>
+              <a:rPr lang="en-US" dirty="0" err="1"/>
+              <a:t>dataUpdate.val</a:t>
+            </a:r>
+            <a:r>
+              <a:rPr lang="en-US" dirty="0"/>
+              <a:t>})</a:t>
+            </a:r>
+          </a:p>
+          <a:p>
+            <a:r>
+              <a:rPr lang="en-US" dirty="0"/>
+              <a:t>		})</a:t>
+            </a:r>
+          </a:p>
+          <a:p>
+            <a:r>
+              <a:rPr lang="en-US" dirty="0"/>
+              <a:t>	}</a:t>
+            </a:r>
+          </a:p>
+          <a:p>
+            <a:r>
+              <a:rPr lang="en-US" dirty="0"/>
+              <a:t>}</a:t>
+            </a:r>
+          </a:p>
+          <a:p>
+            <a:endParaRPr lang="en-US" dirty="0"/>
+          </a:p>
+          <a:p>
+            <a:endParaRPr lang="en-US" dirty="0"/>
+          </a:p>
+          <a:p>
+            <a:endParaRPr lang="en-US" dirty="0"/>
+          </a:p>
+          <a:p>
+            <a:endParaRPr lang="en-US" dirty="0"/>
+          </a:p>
+          <a:p>
+            <a:r>
+              <a:rPr lang="en-US" dirty="0" err="1"/>
+              <a:t>DataStore.ts</a:t>
+            </a:r>
+            <a:r>
+              <a:rPr lang="en-US" dirty="0"/>
+              <a:t>() {</a:t>
+            </a:r>
+          </a:p>
+          <a:p>
+            <a:r>
+              <a:rPr lang="en-US" dirty="0"/>
+              <a:t>	</a:t>
+            </a:r>
+            <a:r>
+              <a:rPr lang="en-US" dirty="0" err="1"/>
+              <a:t>const</a:t>
+            </a:r>
+            <a:r>
+              <a:rPr lang="en-US" dirty="0"/>
+              <a:t> </a:t>
+            </a:r>
+            <a:r>
+              <a:rPr lang="en-US" dirty="0" err="1"/>
+              <a:t>sigma_graph</a:t>
+            </a:r>
+            <a:r>
+              <a:rPr lang="en-US" dirty="0"/>
+              <a:t> = {nodes: [], edges: [] } // </a:t>
+            </a:r>
+            <a:r>
+              <a:rPr lang="en-US" dirty="0" err="1"/>
+              <a:t>storejs.fetch</a:t>
+            </a:r>
+            <a:r>
+              <a:rPr lang="en-US" dirty="0"/>
+              <a:t>(</a:t>
+            </a:r>
+            <a:r>
+              <a:rPr lang="en-US" dirty="0" err="1"/>
+              <a:t>LOCAL_FORAGE_PATHS.sigma_graph</a:t>
+            </a:r>
+            <a:r>
+              <a:rPr lang="en-US" dirty="0"/>
+              <a:t>) // forget about any </a:t>
+            </a:r>
+            <a:r>
+              <a:rPr lang="en-US" dirty="0" err="1"/>
+              <a:t>localstorage</a:t>
+            </a:r>
+            <a:r>
+              <a:rPr lang="en-US" dirty="0"/>
+              <a:t> for now</a:t>
+            </a:r>
+          </a:p>
+          <a:p>
+            <a:r>
+              <a:rPr lang="en-US" dirty="0"/>
+              <a:t>	</a:t>
+            </a:r>
+            <a:r>
+              <a:rPr lang="en-US" dirty="0" err="1"/>
+              <a:t>sigmaInstance</a:t>
+            </a:r>
+            <a:r>
+              <a:rPr lang="en-US" dirty="0"/>
+              <a:t> = new sigma({</a:t>
+            </a:r>
+          </a:p>
+          <a:p>
+            <a:r>
+              <a:rPr lang="en-US" dirty="0"/>
+              <a:t>                graph: </a:t>
+            </a:r>
+            <a:r>
+              <a:rPr lang="en-US" dirty="0" err="1"/>
+              <a:t>sigma_graph</a:t>
+            </a:r>
+            <a:r>
+              <a:rPr lang="en-US" dirty="0"/>
+              <a:t>,</a:t>
+            </a:r>
+          </a:p>
+          <a:p>
+            <a:r>
+              <a:rPr lang="en-US" dirty="0"/>
+              <a:t>                container: 'graph-container',</a:t>
+            </a:r>
+          </a:p>
+          <a:p>
+            <a:r>
+              <a:rPr lang="en-US" dirty="0"/>
+              <a:t>                </a:t>
+            </a:r>
+            <a:r>
+              <a:rPr lang="en-US" dirty="0" err="1"/>
+              <a:t>glyphScale</a:t>
+            </a:r>
+            <a:r>
+              <a:rPr lang="en-US" dirty="0"/>
+              <a:t>: 0.7,</a:t>
+            </a:r>
+          </a:p>
+          <a:p>
+            <a:r>
+              <a:rPr lang="en-US" dirty="0"/>
+              <a:t>                </a:t>
+            </a:r>
+            <a:r>
+              <a:rPr lang="en-US" dirty="0" err="1"/>
+              <a:t>glyphFillColor</a:t>
+            </a:r>
+            <a:r>
+              <a:rPr lang="en-US" dirty="0"/>
+              <a:t>: '#666',</a:t>
+            </a:r>
+          </a:p>
+          <a:p>
+            <a:r>
+              <a:rPr lang="en-US" dirty="0"/>
+              <a:t>                </a:t>
+            </a:r>
+            <a:r>
+              <a:rPr lang="en-US" dirty="0" err="1"/>
+              <a:t>glyphTextColor</a:t>
+            </a:r>
+            <a:r>
+              <a:rPr lang="en-US" dirty="0"/>
+              <a:t>: 'white',</a:t>
+            </a:r>
+          </a:p>
+          <a:p>
+            <a:r>
+              <a:rPr lang="en-US" dirty="0"/>
+              <a:t>                </a:t>
+            </a:r>
+            <a:r>
+              <a:rPr lang="en-US" dirty="0" err="1"/>
+              <a:t>glyphStrokeColor</a:t>
+            </a:r>
+            <a:r>
+              <a:rPr lang="en-US" dirty="0"/>
+              <a:t>: 'transparent',</a:t>
+            </a:r>
+          </a:p>
+          <a:p>
+            <a:r>
+              <a:rPr lang="en-US" dirty="0"/>
+              <a:t>                </a:t>
+            </a:r>
+            <a:r>
+              <a:rPr lang="en-US" dirty="0" err="1"/>
+              <a:t>glyphFont</a:t>
+            </a:r>
+            <a:r>
+              <a:rPr lang="en-US" dirty="0"/>
+              <a:t>: '</a:t>
+            </a:r>
+            <a:r>
+              <a:rPr lang="en-US" dirty="0" err="1"/>
+              <a:t>FontAwesome</a:t>
+            </a:r>
+            <a:r>
+              <a:rPr lang="en-US" dirty="0"/>
+              <a:t>',</a:t>
+            </a:r>
+          </a:p>
+          <a:p>
+            <a:r>
+              <a:rPr lang="en-US" dirty="0"/>
+              <a:t>                </a:t>
+            </a:r>
+            <a:r>
+              <a:rPr lang="en-US" dirty="0" err="1"/>
+              <a:t>glyphFontStyle</a:t>
+            </a:r>
+            <a:r>
+              <a:rPr lang="en-US" dirty="0"/>
+              <a:t>: 'normal',</a:t>
+            </a:r>
+          </a:p>
+          <a:p>
+            <a:r>
+              <a:rPr lang="en-US" dirty="0"/>
+              <a:t>                </a:t>
+            </a:r>
+            <a:r>
+              <a:rPr lang="en-US" dirty="0" err="1"/>
+              <a:t>glyphTextThreshold</a:t>
+            </a:r>
+            <a:r>
+              <a:rPr lang="en-US" dirty="0"/>
+              <a:t>: 6,</a:t>
+            </a:r>
+          </a:p>
+          <a:p>
+            <a:r>
+              <a:rPr lang="en-US" dirty="0"/>
+              <a:t>                </a:t>
+            </a:r>
+            <a:r>
+              <a:rPr lang="en-US" dirty="0" err="1"/>
+              <a:t>glyphThreshold</a:t>
+            </a:r>
+            <a:r>
+              <a:rPr lang="en-US" dirty="0"/>
+              <a:t>: 3</a:t>
+            </a:r>
+          </a:p>
+          <a:p>
+            <a:r>
+              <a:rPr lang="en-US" dirty="0"/>
+              <a:t>            });</a:t>
+            </a:r>
+          </a:p>
+          <a:p>
+            <a:r>
+              <a:rPr lang="en-US" dirty="0"/>
+              <a:t>	get sigma cache from local store</a:t>
+            </a:r>
+          </a:p>
+          <a:p>
+            <a:r>
+              <a:rPr lang="en-US" dirty="0"/>
+              <a:t>	initialize sigma and sigma plugins // hopefully this all takes less than 200 </a:t>
+            </a:r>
+            <a:r>
+              <a:rPr lang="en-US" dirty="0" err="1"/>
+              <a:t>ms.</a:t>
+            </a:r>
+            <a:r>
+              <a:rPr lang="en-US" dirty="0"/>
+              <a:t> Meaning TTI is 200 </a:t>
+            </a:r>
+            <a:r>
+              <a:rPr lang="en-US" dirty="0" err="1"/>
+              <a:t>ms</a:t>
+            </a:r>
+            <a:r>
+              <a:rPr lang="en-US" dirty="0"/>
+              <a:t>, once all the static assets are cached.</a:t>
+            </a:r>
+          </a:p>
+          <a:p>
+            <a:endParaRPr lang="en-US" dirty="0"/>
+          </a:p>
+          <a:p>
+            <a:r>
+              <a:rPr lang="en-US" dirty="0"/>
+              <a:t>	</a:t>
+            </a:r>
+            <a:r>
+              <a:rPr lang="en-US" dirty="0" err="1"/>
+              <a:t>const</a:t>
+            </a:r>
+            <a:r>
+              <a:rPr lang="en-US" dirty="0"/>
+              <a:t> </a:t>
+            </a:r>
+            <a:r>
+              <a:rPr lang="en-US" dirty="0" err="1"/>
+              <a:t>tree_location_store_obj</a:t>
+            </a:r>
+            <a:r>
+              <a:rPr lang="en-US" dirty="0"/>
+              <a:t> = </a:t>
+            </a:r>
+            <a:r>
+              <a:rPr lang="en-US" dirty="0" err="1"/>
+              <a:t>storejs.get</a:t>
+            </a:r>
+            <a:r>
+              <a:rPr lang="en-US" dirty="0"/>
+              <a:t>(</a:t>
+            </a:r>
+            <a:r>
+              <a:rPr lang="en-US" dirty="0" err="1"/>
+              <a:t>LOCAL_STORAGE_PATHS.tree_location</a:t>
+            </a:r>
+            <a:r>
+              <a:rPr lang="en-US" dirty="0"/>
+              <a:t>)</a:t>
+            </a:r>
+          </a:p>
+          <a:p>
+            <a:r>
+              <a:rPr lang="en-US" dirty="0"/>
+              <a:t>	</a:t>
+            </a:r>
+            <a:r>
+              <a:rPr lang="en-US" dirty="0" err="1"/>
+              <a:t>const</a:t>
+            </a:r>
+            <a:r>
+              <a:rPr lang="en-US" dirty="0"/>
+              <a:t> </a:t>
+            </a:r>
+            <a:r>
+              <a:rPr lang="en-US" dirty="0" err="1"/>
+              <a:t>tree_data_store_obj</a:t>
+            </a:r>
+            <a:r>
+              <a:rPr lang="en-US" dirty="0"/>
+              <a:t> = </a:t>
+            </a:r>
+            <a:r>
+              <a:rPr lang="en-US" dirty="0" err="1"/>
+              <a:t>storejs.get</a:t>
+            </a:r>
+            <a:r>
+              <a:rPr lang="en-US" dirty="0"/>
+              <a:t>(</a:t>
+            </a:r>
+            <a:r>
+              <a:rPr lang="en-US" dirty="0" err="1"/>
+              <a:t>LOCAL_STORAGE_PATHS.tree_data</a:t>
+            </a:r>
+            <a:r>
+              <a:rPr lang="en-US" dirty="0"/>
+              <a:t>)</a:t>
+            </a:r>
           </a:p>
         </p:txBody>
       </p:sp>
@@ -3055,6 +5322,109 @@
       </p:grpSpPr>
       <p:sp>
         <p:nvSpPr>
+          <p:cNvPr id="39" name="TextBox 38">
+            <a:extLst>
+              <a:ext uri="{FF2B5EF4-FFF2-40B4-BE49-F238E27FC236}">
+                <a16:creationId xmlns:a16="http://schemas.microsoft.com/office/drawing/2014/main" id="{DD57A433-0007-4121-9801-659C2F20C3A2}"/>
+              </a:ext>
+            </a:extLst>
+          </p:cNvPr>
+          <p:cNvSpPr txBox="1"/>
+          <p:nvPr/>
+        </p:nvSpPr>
+        <p:spPr>
+          <a:xfrm>
+            <a:off x="19232897" y="24580538"/>
+            <a:ext cx="2061776" cy="769441"/>
+          </a:xfrm>
+          <a:prstGeom prst="rect">
+            <a:avLst/>
+          </a:prstGeom>
+          <a:noFill/>
+        </p:spPr>
+        <p:txBody>
+          <a:bodyPr wrap="square" rtlCol="0">
+            <a:spAutoFit/>
+          </a:bodyPr>
+          <a:lstStyle/>
+          <a:p>
+            <a:r>
+              <a:rPr lang="en-US" sz="400" dirty="0" err="1"/>
+              <a:t>ISubscribableBasicTree</a:t>
+            </a:r>
+            <a:endParaRPr lang="en-US" sz="400" dirty="0"/>
+          </a:p>
+          <a:p>
+            <a:r>
+              <a:rPr lang="en-US" sz="400" dirty="0"/>
+              <a:t>-receive messages/PROPERTY_LEVEL_DATA_MUTATIONS from TREE_DATA_STORE via </a:t>
+            </a:r>
+            <a:r>
+              <a:rPr lang="en-US" sz="400" dirty="0" err="1"/>
+              <a:t>this.addMutation</a:t>
+            </a:r>
+            <a:endParaRPr lang="en-US" sz="400" dirty="0"/>
+          </a:p>
+          <a:p>
+            <a:r>
+              <a:rPr lang="en-US" sz="400" dirty="0"/>
+              <a:t>-chooses to pass the message along to the correct property as a PROPERTY_LEVEL_DATA_MUTATION</a:t>
+            </a:r>
+          </a:p>
+          <a:p>
+            <a:r>
+              <a:rPr lang="en-US" sz="400" dirty="0"/>
+              <a:t>-e.g. </a:t>
+            </a:r>
+            <a:r>
+              <a:rPr lang="en-US" sz="400" dirty="0" err="1"/>
+              <a:t>this.children.addMutation</a:t>
+            </a:r>
+            <a:r>
+              <a:rPr lang="en-US" sz="400" dirty="0"/>
+              <a:t>({mutation})</a:t>
+            </a:r>
+          </a:p>
+          <a:p>
+            <a:r>
+              <a:rPr lang="en-US" sz="400" dirty="0"/>
+              <a:t>-also subscribes to each of its properties’ update events, appends the property name to the update/event, and also bubbles up these modified events to any objects that subscribed to it (e.g. the TREE_DATA_STORE)</a:t>
+            </a:r>
+          </a:p>
+          <a:p>
+            <a:r>
+              <a:rPr lang="en-US" sz="400" dirty="0"/>
+              <a:t>-upon having a child publish an update, publish an </a:t>
+            </a:r>
+            <a:r>
+              <a:rPr lang="en-US" sz="400" dirty="0" err="1"/>
+              <a:t>onUpdate</a:t>
+            </a:r>
+            <a:r>
+              <a:rPr lang="en-US" sz="400" dirty="0"/>
+              <a:t> that has the entire objects .</a:t>
+            </a:r>
+            <a:r>
+              <a:rPr lang="en-US" sz="400" dirty="0" err="1"/>
+              <a:t>val</a:t>
+            </a:r>
+            <a:r>
+              <a:rPr lang="en-US" sz="400" dirty="0"/>
+              <a:t>(), which calls .</a:t>
+            </a:r>
+            <a:r>
+              <a:rPr lang="en-US" sz="400" dirty="0" err="1"/>
+              <a:t>val</a:t>
+            </a:r>
+            <a:r>
+              <a:rPr lang="en-US" sz="400" dirty="0"/>
+              <a:t>() on each of its properties, and outputs as JSON.</a:t>
+            </a:r>
+          </a:p>
+        </p:txBody>
+      </p:sp>
+      <p:sp>
+        <p:nvSpPr>
           <p:cNvPr id="68" name="Rectangle: Rounded Corners 67">
             <a:extLst>
               <a:ext uri="{FF2B5EF4-FFF2-40B4-BE49-F238E27FC236}">
@@ -4105,8 +6475,8 @@
         </p:nvSpPr>
         <p:spPr>
           <a:xfrm>
-            <a:off x="21413764" y="21253437"/>
-            <a:ext cx="2177267" cy="153888"/>
+            <a:off x="20128794" y="18885192"/>
+            <a:ext cx="1615210" cy="584775"/>
           </a:xfrm>
           <a:prstGeom prst="rect">
             <a:avLst/>
@@ -4120,16 +6490,41 @@
           <a:lstStyle/>
           <a:p>
             <a:r>
-              <a:rPr lang="en-US" sz="400" dirty="0"/>
+              <a:rPr lang="en-US" sz="1200" dirty="0"/>
               <a:t>UI/</a:t>
             </a:r>
             <a:r>
-              <a:rPr lang="en-US" sz="400" dirty="0" err="1"/>
+              <a:rPr lang="en-US" sz="1200" dirty="0" err="1"/>
               <a:t>Vue</a:t>
             </a:r>
             <a:r>
-              <a:rPr lang="en-US" sz="400" dirty="0"/>
+              <a:rPr lang="en-US" sz="1200" dirty="0"/>
               <a:t> components</a:t>
+            </a:r>
+          </a:p>
+          <a:p>
+            <a:r>
+              <a:rPr lang="en-US" sz="400" dirty="0"/>
+              <a:t>-have no knowledge of their objects</a:t>
+            </a:r>
+          </a:p>
+          <a:p>
+            <a:r>
+              <a:rPr lang="en-US" sz="400" dirty="0"/>
+              <a:t>-should not call any databases or ORMs to retrieve data</a:t>
+            </a:r>
+          </a:p>
+          <a:p>
+            <a:pPr defTabSz="114300"/>
+            <a:r>
+              <a:rPr lang="en-US" sz="400" dirty="0"/>
+              <a:t>	-should get all of its data from the JSON/ JS object from the sigma Nodes</a:t>
+            </a:r>
+          </a:p>
+          <a:p>
+            <a:r>
+              <a:rPr lang="en-US" sz="400" dirty="0"/>
+              <a:t>-only call mutations on store</a:t>
             </a:r>
           </a:p>
         </p:txBody>
@@ -4205,19 +6600,23 @@
           </p:cNvPr>
           <p:cNvCxnSpPr>
             <a:cxnSpLocks/>
+            <a:stCxn id="2" idx="2"/>
             <a:endCxn id="11" idx="0"/>
           </p:cNvCxnSpPr>
           <p:nvPr/>
         </p:nvCxnSpPr>
         <p:spPr>
           <a:xfrm>
-            <a:off x="22309787" y="21647440"/>
-            <a:ext cx="637692" cy="1195791"/>
+            <a:off x="20936399" y="19469967"/>
+            <a:ext cx="2011080" cy="3099124"/>
           </a:xfrm>
           <a:prstGeom prst="straightConnector1">
             <a:avLst/>
           </a:prstGeom>
-          <a:ln>
+          <a:ln w="76200">
+            <a:solidFill>
+              <a:schemeClr val="accent4"/>
+            </a:solidFill>
             <a:tailEnd type="triangle"/>
           </a:ln>
         </p:spPr>
@@ -4250,8 +6649,8 @@
         </p:nvSpPr>
         <p:spPr>
           <a:xfrm>
-            <a:off x="21759196" y="22843231"/>
-            <a:ext cx="2376566" cy="461665"/>
+            <a:off x="21759196" y="22569091"/>
+            <a:ext cx="2376566" cy="707886"/>
           </a:xfrm>
           <a:prstGeom prst="rect">
             <a:avLst/>
@@ -4277,7 +6676,7 @@
             </a:pPr>
             <a:r>
               <a:rPr lang="en-US" sz="400" dirty="0"/>
-              <a:t>receives messages/ APP_LEVEL_DATA_MUTATIONS</a:t>
+              <a:t>receives messages/ APP_LEVEL_DATA_MUTATIONS from UI_COMPONENTS or SIGMA_LISTENER</a:t>
             </a:r>
           </a:p>
           <a:p>
@@ -4287,7 +6686,7 @@
             </a:pPr>
             <a:r>
               <a:rPr lang="en-US" sz="400" dirty="0"/>
-              <a:t>Chooses to pass the message along to correct data store as an TYPE_LEVEL_DATA_MUTATION</a:t>
+              <a:t>Has a reference to each data types data store</a:t>
             </a:r>
           </a:p>
           <a:p>
@@ -4297,6 +6696,16 @@
             </a:pPr>
             <a:r>
               <a:rPr lang="en-US" sz="400" dirty="0"/>
+              <a:t>Chooses to pass the message along to correct data store as an TYPE_LEVEL_DATA_MUTATION</a:t>
+            </a:r>
+          </a:p>
+          <a:p>
+            <a:pPr marL="171450" indent="-171450">
+              <a:buFont typeface="Arial" panose="020B0604020202020204" pitchFamily="34" charset="0"/>
+              <a:buChar char="•"/>
+            </a:pPr>
+            <a:r>
+              <a:rPr lang="en-US" sz="400" dirty="0"/>
               <a:t>e.g. “</a:t>
             </a:r>
             <a:r>
@@ -4317,11 +6726,50 @@
             </a:r>
           </a:p>
           <a:p>
-            <a:pPr marL="463834" indent="-463834" algn="ctr">
-              <a:buFontTx/>
-              <a:buChar char="-"/>
+            <a:pPr marL="171450" indent="-171450">
+              <a:buFont typeface="Arial" panose="020B0604020202020204" pitchFamily="34" charset="0"/>
+              <a:buChar char="•"/>
             </a:pPr>
-            <a:endParaRPr lang="en-US" sz="400" dirty="0"/>
+            <a:r>
+              <a:rPr lang="en-US" sz="400" dirty="0"/>
+              <a:t>Also receives messages/TYPE_LEVEL_DATA_UPDATES from each TYPE_DATA_STORE. It does this by subscribing to each of the TYPE_DATA_STORES, </a:t>
+            </a:r>
+            <a:r>
+              <a:rPr lang="en-US" sz="400" dirty="0" err="1"/>
+              <a:t>onUpdate</a:t>
+            </a:r>
+            <a:r>
+              <a:rPr lang="en-US" sz="400" dirty="0"/>
+              <a:t> Methods</a:t>
+            </a:r>
+          </a:p>
+          <a:p>
+            <a:pPr marL="171450" indent="-171450">
+              <a:buFont typeface="Arial" panose="020B0604020202020204" pitchFamily="34" charset="0"/>
+              <a:buChar char="•"/>
+            </a:pPr>
+            <a:r>
+              <a:rPr lang="en-US" sz="400" dirty="0"/>
+              <a:t>Has an </a:t>
+            </a:r>
+            <a:r>
+              <a:rPr lang="en-US" sz="400" dirty="0" err="1"/>
+              <a:t>onUpdate</a:t>
+            </a:r>
+            <a:r>
+              <a:rPr lang="en-US" sz="400" dirty="0"/>
+              <a:t> method that DATA_UI_BRIDGE or other objects can subscribe to</a:t>
+            </a:r>
+          </a:p>
+          <a:p>
+            <a:pPr marL="171450" indent="-171450">
+              <a:buFont typeface="Arial" panose="020B0604020202020204" pitchFamily="34" charset="0"/>
+              <a:buChar char="•"/>
+            </a:pPr>
+            <a:r>
+              <a:rPr lang="en-US" sz="400" dirty="0"/>
+              <a:t>Has no static knowledge of DATA_UI_BRIDGE</a:t>
+            </a:r>
           </a:p>
         </p:txBody>
       </p:sp>
@@ -4339,8 +6787,8 @@
         </p:nvSpPr>
         <p:spPr>
           <a:xfrm>
-            <a:off x="19232899" y="23827346"/>
-            <a:ext cx="2061776" cy="461665"/>
+            <a:off x="19235885" y="23767664"/>
+            <a:ext cx="2061776" cy="646331"/>
           </a:xfrm>
           <a:prstGeom prst="rect">
             <a:avLst/>
@@ -4362,7 +6810,15 @@
             <a:pPr defTabSz="160020"/>
             <a:r>
               <a:rPr lang="en-US" sz="400" dirty="0"/>
-              <a:t>	- receive messages/TYPE_LEVEL_DATA_MUTATIONS</a:t>
+              <a:t>	- receive messages/TYPE_LEVEL_DATA_MUTATIONS via </a:t>
+            </a:r>
+            <a:r>
+              <a:rPr lang="en-US" sz="400" dirty="0" err="1"/>
+              <a:t>this.addMutation</a:t>
+            </a:r>
+            <a:r>
+              <a:rPr lang="en-US" sz="400" dirty="0"/>
+              <a:t>()</a:t>
             </a:r>
           </a:p>
           <a:p>
@@ -4393,6 +6849,13 @@
             <a:r>
               <a:rPr lang="en-US" sz="400" dirty="0"/>
               <a:t>({property: children, mutation})</a:t>
+            </a:r>
+          </a:p>
+          <a:p>
+            <a:pPr defTabSz="160020"/>
+            <a:r>
+              <a:rPr lang="en-US" sz="400" dirty="0"/>
+              <a:t>	-also subscribes to each of its members’ update events, appends the object id to the update/event, and bubbles up these modified events to any objects that subscribed to it</a:t>
             </a:r>
           </a:p>
         </p:txBody>
@@ -4411,7 +6874,7 @@
         </p:nvSpPr>
         <p:spPr>
           <a:xfrm>
-            <a:off x="21740367" y="23845073"/>
+            <a:off x="23591031" y="23952178"/>
             <a:ext cx="818723" cy="153888"/>
           </a:xfrm>
           <a:prstGeom prst="rect">
@@ -4446,7 +6909,7 @@
         </p:nvSpPr>
         <p:spPr>
           <a:xfrm>
-            <a:off x="22704185" y="23827346"/>
+            <a:off x="24554849" y="23934451"/>
             <a:ext cx="818723" cy="153888"/>
           </a:xfrm>
           <a:prstGeom prst="rect">
@@ -4481,7 +6944,7 @@
         </p:nvSpPr>
         <p:spPr>
           <a:xfrm>
-            <a:off x="23566962" y="23820840"/>
+            <a:off x="25417626" y="23927945"/>
             <a:ext cx="886519" cy="153888"/>
           </a:xfrm>
           <a:prstGeom prst="rect">
@@ -4516,7 +6979,7 @@
         </p:nvSpPr>
         <p:spPr>
           <a:xfrm>
-            <a:off x="24533230" y="23833417"/>
+            <a:off x="26383894" y="23940522"/>
             <a:ext cx="470809" cy="153888"/>
           </a:xfrm>
           <a:prstGeom prst="rect">
@@ -4548,19 +7011,23 @@
           </p:cNvPr>
           <p:cNvCxnSpPr>
             <a:cxnSpLocks/>
+            <a:stCxn id="289" idx="2"/>
             <a:endCxn id="12" idx="0"/>
           </p:cNvCxnSpPr>
           <p:nvPr/>
         </p:nvCxnSpPr>
         <p:spPr>
           <a:xfrm flipH="1">
-            <a:off x="20263787" y="23647064"/>
-            <a:ext cx="2664864" cy="180282"/>
+            <a:off x="20266773" y="23527789"/>
+            <a:ext cx="2680706" cy="239875"/>
           </a:xfrm>
           <a:prstGeom prst="straightConnector1">
             <a:avLst/>
           </a:prstGeom>
-          <a:ln>
+          <a:ln w="28575">
+            <a:solidFill>
+              <a:schemeClr val="accent4"/>
+            </a:solidFill>
             <a:tailEnd type="triangle"/>
           </a:ln>
         </p:spPr>
@@ -4590,19 +7057,23 @@
           </p:cNvPr>
           <p:cNvCxnSpPr>
             <a:cxnSpLocks/>
+            <a:stCxn id="289" idx="2"/>
             <a:endCxn id="13" idx="0"/>
           </p:cNvCxnSpPr>
           <p:nvPr/>
         </p:nvCxnSpPr>
         <p:spPr>
-          <a:xfrm flipH="1">
-            <a:off x="22149729" y="23647064"/>
-            <a:ext cx="778922" cy="198009"/>
+          <a:xfrm>
+            <a:off x="22947479" y="23527789"/>
+            <a:ext cx="1052914" cy="424389"/>
           </a:xfrm>
           <a:prstGeom prst="straightConnector1">
             <a:avLst/>
           </a:prstGeom>
-          <a:ln>
+          <a:ln w="28575">
+            <a:solidFill>
+              <a:schemeClr val="accent4"/>
+            </a:solidFill>
             <a:tailEnd type="triangle"/>
           </a:ln>
         </p:spPr>
@@ -4632,19 +7103,23 @@
           </p:cNvPr>
           <p:cNvCxnSpPr>
             <a:cxnSpLocks/>
+            <a:stCxn id="289" idx="2"/>
             <a:endCxn id="14" idx="0"/>
           </p:cNvCxnSpPr>
           <p:nvPr/>
         </p:nvCxnSpPr>
         <p:spPr>
           <a:xfrm>
-            <a:off x="22928651" y="23647064"/>
-            <a:ext cx="184896" cy="180282"/>
+            <a:off x="22947479" y="23527789"/>
+            <a:ext cx="2016732" cy="406662"/>
           </a:xfrm>
           <a:prstGeom prst="straightConnector1">
             <a:avLst/>
           </a:prstGeom>
-          <a:ln>
+          <a:ln w="38100">
+            <a:solidFill>
+              <a:schemeClr val="accent4"/>
+            </a:solidFill>
             <a:tailEnd type="triangle"/>
           </a:ln>
         </p:spPr>
@@ -4674,19 +7149,23 @@
           </p:cNvPr>
           <p:cNvCxnSpPr>
             <a:cxnSpLocks/>
+            <a:stCxn id="289" idx="2"/>
             <a:endCxn id="15" idx="0"/>
           </p:cNvCxnSpPr>
           <p:nvPr/>
         </p:nvCxnSpPr>
         <p:spPr>
           <a:xfrm>
-            <a:off x="22928651" y="23647064"/>
-            <a:ext cx="1081571" cy="173776"/>
+            <a:off x="22947479" y="23527789"/>
+            <a:ext cx="2913407" cy="400156"/>
           </a:xfrm>
           <a:prstGeom prst="straightConnector1">
             <a:avLst/>
           </a:prstGeom>
-          <a:ln>
+          <a:ln w="38100">
+            <a:solidFill>
+              <a:schemeClr val="accent4"/>
+            </a:solidFill>
             <a:tailEnd type="triangle"/>
           </a:ln>
         </p:spPr>
@@ -4716,19 +7195,23 @@
           </p:cNvPr>
           <p:cNvCxnSpPr>
             <a:cxnSpLocks/>
+            <a:stCxn id="289" idx="2"/>
             <a:endCxn id="16" idx="0"/>
           </p:cNvCxnSpPr>
           <p:nvPr/>
         </p:nvCxnSpPr>
         <p:spPr>
           <a:xfrm>
-            <a:off x="22928651" y="23647064"/>
-            <a:ext cx="1839984" cy="186353"/>
+            <a:off x="22947479" y="23527789"/>
+            <a:ext cx="3671820" cy="412733"/>
           </a:xfrm>
           <a:prstGeom prst="straightConnector1">
             <a:avLst/>
           </a:prstGeom>
-          <a:ln>
+          <a:ln w="28575">
+            <a:solidFill>
+              <a:schemeClr val="accent4"/>
+            </a:solidFill>
             <a:tailEnd type="triangle"/>
           </a:ln>
         </p:spPr>
@@ -4764,14 +7247,17 @@
           <p:nvPr/>
         </p:nvCxnSpPr>
         <p:spPr>
-          <a:xfrm>
-            <a:off x="20263787" y="24289011"/>
-            <a:ext cx="0" cy="54602"/>
+          <a:xfrm flipH="1">
+            <a:off x="20263785" y="24413995"/>
+            <a:ext cx="2988" cy="166543"/>
           </a:xfrm>
           <a:prstGeom prst="straightConnector1">
             <a:avLst/>
           </a:prstGeom>
-          <a:ln>
+          <a:ln w="19050">
+            <a:solidFill>
+              <a:srgbClr val="FFC000"/>
+            </a:solidFill>
             <a:tailEnd type="triangle"/>
           </a:ln>
         </p:spPr>
@@ -4845,68 +7331,6 @@
           </a:p>
           <a:p>
             <a:endParaRPr lang="en-US" sz="400" dirty="0"/>
-          </a:p>
-        </p:txBody>
-      </p:sp>
-      <p:sp>
-        <p:nvSpPr>
-          <p:cNvPr id="39" name="TextBox 38">
-            <a:extLst>
-              <a:ext uri="{FF2B5EF4-FFF2-40B4-BE49-F238E27FC236}">
-                <a16:creationId xmlns:a16="http://schemas.microsoft.com/office/drawing/2014/main" id="{DD57A433-0007-4121-9801-659C2F20C3A2}"/>
-              </a:ext>
-            </a:extLst>
-          </p:cNvPr>
-          <p:cNvSpPr txBox="1"/>
-          <p:nvPr/>
-        </p:nvSpPr>
-        <p:spPr>
-          <a:xfrm>
-            <a:off x="19232899" y="24343613"/>
-            <a:ext cx="2061776" cy="400110"/>
-          </a:xfrm>
-          <a:prstGeom prst="rect">
-            <a:avLst/>
-          </a:prstGeom>
-          <a:noFill/>
-        </p:spPr>
-        <p:txBody>
-          <a:bodyPr wrap="square" rtlCol="0">
-            <a:spAutoFit/>
-          </a:bodyPr>
-          <a:lstStyle/>
-          <a:p>
-            <a:r>
-              <a:rPr lang="en-US" sz="400" dirty="0" err="1"/>
-              <a:t>ISubscribableBasicTree</a:t>
-            </a:r>
-            <a:endParaRPr lang="en-US" sz="400" dirty="0"/>
-          </a:p>
-          <a:p>
-            <a:r>
-              <a:rPr lang="en-US" sz="400" dirty="0"/>
-              <a:t>-receive messages/PROPERTY_LEVEL_DATA_MUTATIONS</a:t>
-            </a:r>
-          </a:p>
-          <a:p>
-            <a:r>
-              <a:rPr lang="en-US" sz="400" dirty="0"/>
-              <a:t>-chooses to pass the message along to the correct property as a PROPERTY_LEVEL_DATA_MUTATION</a:t>
-            </a:r>
-          </a:p>
-          <a:p>
-            <a:r>
-              <a:rPr lang="en-US" sz="400" dirty="0"/>
-              <a:t>-e.g. </a:t>
-            </a:r>
-            <a:r>
-              <a:rPr lang="en-US" sz="400" dirty="0" err="1"/>
-              <a:t>this.children.addMutation</a:t>
-            </a:r>
-            <a:r>
-              <a:rPr lang="en-US" sz="400" dirty="0"/>
-              <a:t>({mutation})</a:t>
-            </a:r>
           </a:p>
         </p:txBody>
       </p:sp>
@@ -4928,56 +7352,16 @@
         </p:nvCxnSpPr>
         <p:spPr>
           <a:xfrm flipH="1">
-            <a:off x="19239678" y="24743723"/>
-            <a:ext cx="1024109" cy="70763"/>
+            <a:off x="19445391" y="25349979"/>
+            <a:ext cx="818394" cy="235724"/>
           </a:xfrm>
           <a:prstGeom prst="straightConnector1">
             <a:avLst/>
           </a:prstGeom>
-          <a:ln>
-            <a:tailEnd type="triangle"/>
-          </a:ln>
-        </p:spPr>
-        <p:style>
-          <a:lnRef idx="1">
-            <a:schemeClr val="accent1"/>
-          </a:lnRef>
-          <a:fillRef idx="0">
-            <a:schemeClr val="accent1"/>
-          </a:fillRef>
-          <a:effectRef idx="0">
-            <a:schemeClr val="accent1"/>
-          </a:effectRef>
-          <a:fontRef idx="minor">
-            <a:schemeClr val="tx1"/>
-          </a:fontRef>
-        </p:style>
-      </p:cxnSp>
-      <p:cxnSp>
-        <p:nvCxnSpPr>
-          <p:cNvPr id="42" name="Straight Arrow Connector 41">
-            <a:extLst>
-              <a:ext uri="{FF2B5EF4-FFF2-40B4-BE49-F238E27FC236}">
-                <a16:creationId xmlns:a16="http://schemas.microsoft.com/office/drawing/2014/main" id="{B833E051-D06A-4CED-AF7C-02B23DDAD984}"/>
-              </a:ext>
-            </a:extLst>
-          </p:cNvPr>
-          <p:cNvCxnSpPr>
-            <a:cxnSpLocks/>
-            <a:stCxn id="39" idx="2"/>
-            <a:endCxn id="47" idx="0"/>
-          </p:cNvCxnSpPr>
-          <p:nvPr/>
-        </p:nvCxnSpPr>
-        <p:spPr>
-          <a:xfrm>
-            <a:off x="20263787" y="24743723"/>
-            <a:ext cx="0" cy="81954"/>
-          </a:xfrm>
-          <a:prstGeom prst="straightConnector1">
-            <a:avLst/>
-          </a:prstGeom>
-          <a:ln>
+          <a:ln w="9525">
+            <a:solidFill>
+              <a:srgbClr val="FFC000"/>
+            </a:solidFill>
             <a:tailEnd type="triangle"/>
           </a:ln>
         </p:spPr>
@@ -5014,13 +7398,16 @@
         </p:nvCxnSpPr>
         <p:spPr>
           <a:xfrm>
-            <a:off x="20263787" y="24743723"/>
-            <a:ext cx="1311398" cy="59809"/>
+            <a:off x="20263785" y="25349979"/>
+            <a:ext cx="1053118" cy="224770"/>
           </a:xfrm>
           <a:prstGeom prst="straightConnector1">
             <a:avLst/>
           </a:prstGeom>
-          <a:ln>
+          <a:ln w="9525">
+            <a:solidFill>
+              <a:srgbClr val="FFC000"/>
+            </a:solidFill>
             <a:tailEnd type="triangle"/>
           </a:ln>
         </p:spPr>
@@ -5053,8 +7440,8 @@
         </p:nvSpPr>
         <p:spPr>
           <a:xfrm>
-            <a:off x="18847438" y="24814486"/>
-            <a:ext cx="784480" cy="153888"/>
+            <a:off x="19269426" y="25585703"/>
+            <a:ext cx="351929" cy="153888"/>
           </a:xfrm>
           <a:prstGeom prst="rect">
             <a:avLst/>
@@ -5071,42 +7458,6 @@
               <a:rPr lang="en-US" sz="400" dirty="0"/>
               <a:t>children</a:t>
             </a:r>
-          </a:p>
-        </p:txBody>
-      </p:sp>
-      <p:sp>
-        <p:nvSpPr>
-          <p:cNvPr id="47" name="TextBox 46">
-            <a:extLst>
-              <a:ext uri="{FF2B5EF4-FFF2-40B4-BE49-F238E27FC236}">
-                <a16:creationId xmlns:a16="http://schemas.microsoft.com/office/drawing/2014/main" id="{6D2784D3-CB84-4430-B261-FC5C230CBC59}"/>
-              </a:ext>
-            </a:extLst>
-          </p:cNvPr>
-          <p:cNvSpPr txBox="1"/>
-          <p:nvPr/>
-        </p:nvSpPr>
-        <p:spPr>
-          <a:xfrm>
-            <a:off x="19871547" y="24825677"/>
-            <a:ext cx="784480" cy="153888"/>
-          </a:xfrm>
-          <a:prstGeom prst="rect">
-            <a:avLst/>
-          </a:prstGeom>
-          <a:noFill/>
-        </p:spPr>
-        <p:txBody>
-          <a:bodyPr wrap="square" rtlCol="0">
-            <a:spAutoFit/>
-          </a:bodyPr>
-          <a:lstStyle/>
-          <a:p>
-            <a:r>
-              <a:rPr lang="en-US" sz="400" dirty="0" err="1"/>
-              <a:t>parentId</a:t>
-            </a:r>
-            <a:endParaRPr lang="en-US" sz="400" dirty="0"/>
           </a:p>
         </p:txBody>
       </p:sp>
@@ -5124,8 +7475,8 @@
         </p:nvSpPr>
         <p:spPr>
           <a:xfrm>
-            <a:off x="21124964" y="24803532"/>
-            <a:ext cx="900441" cy="153888"/>
+            <a:off x="21114403" y="25574749"/>
+            <a:ext cx="405000" cy="153888"/>
           </a:xfrm>
           <a:prstGeom prst="rect">
             <a:avLst/>
@@ -5160,8 +7511,8 @@
         </p:nvSpPr>
         <p:spPr>
           <a:xfrm>
-            <a:off x="19060742" y="25030367"/>
-            <a:ext cx="2867263" cy="276999"/>
+            <a:off x="18993577" y="26105132"/>
+            <a:ext cx="2867263" cy="461665"/>
           </a:xfrm>
           <a:prstGeom prst="rect">
             <a:avLst/>
@@ -5199,51 +7550,23 @@
               <a:t>() or .mutations()</a:t>
             </a:r>
           </a:p>
-        </p:txBody>
-      </p:sp>
-      <p:cxnSp>
-        <p:nvCxnSpPr>
-          <p:cNvPr id="52" name="Straight Arrow Connector 51">
-            <a:extLst>
-              <a:ext uri="{FF2B5EF4-FFF2-40B4-BE49-F238E27FC236}">
-                <a16:creationId xmlns:a16="http://schemas.microsoft.com/office/drawing/2014/main" id="{B4CD7DBA-AC6C-42F4-ACAB-74BBF2C9B765}"/>
-              </a:ext>
-            </a:extLst>
-          </p:cNvPr>
-          <p:cNvCxnSpPr>
-            <a:cxnSpLocks/>
-            <a:stCxn id="46" idx="2"/>
-            <a:endCxn id="74" idx="0"/>
-          </p:cNvCxnSpPr>
-          <p:nvPr/>
-        </p:nvCxnSpPr>
-        <p:spPr>
-          <a:xfrm>
-            <a:off x="19239678" y="24968374"/>
-            <a:ext cx="1038315" cy="1111193"/>
-          </a:xfrm>
-          <a:prstGeom prst="straightConnector1">
-            <a:avLst/>
-          </a:prstGeom>
-          <a:ln>
-            <a:tailEnd type="triangle"/>
-          </a:ln>
-        </p:spPr>
-        <p:style>
-          <a:lnRef idx="1">
-            <a:schemeClr val="accent1"/>
-          </a:lnRef>
-          <a:fillRef idx="0">
-            <a:schemeClr val="accent1"/>
-          </a:fillRef>
-          <a:effectRef idx="0">
-            <a:schemeClr val="accent1"/>
-          </a:effectRef>
-          <a:fontRef idx="minor">
-            <a:schemeClr val="tx1"/>
-          </a:fontRef>
-        </p:style>
-      </p:cxnSp>
+          <a:p>
+            <a:endParaRPr lang="en-US" sz="400" dirty="0"/>
+          </a:p>
+          <a:p>
+            <a:r>
+              <a:rPr lang="en-US" sz="400" dirty="0"/>
+              <a:t>OR MAY NOT DO ANY UPDATES AT ALL, and thus not publish any updates to any subscribers</a:t>
+            </a:r>
+          </a:p>
+          <a:p>
+            <a:r>
+              <a:rPr lang="en-US" sz="400" dirty="0"/>
+              <a:t>Not all mutations result in updates</a:t>
+            </a:r>
+          </a:p>
+        </p:txBody>
+      </p:sp>
       <p:cxnSp>
         <p:nvCxnSpPr>
           <p:cNvPr id="54" name="Straight Arrow Connector 53">
@@ -5262,13 +7585,16 @@
         </p:nvCxnSpPr>
         <p:spPr>
           <a:xfrm flipH="1">
-            <a:off x="18615459" y="24968374"/>
-            <a:ext cx="624219" cy="1528020"/>
+            <a:off x="18445776" y="25739591"/>
+            <a:ext cx="999615" cy="2458063"/>
           </a:xfrm>
           <a:prstGeom prst="straightConnector1">
             <a:avLst/>
           </a:prstGeom>
-          <a:ln>
+          <a:ln w="3175">
+            <a:solidFill>
+              <a:srgbClr val="00B050"/>
+            </a:solidFill>
             <a:tailEnd type="triangle"/>
           </a:ln>
         </p:spPr>
@@ -5305,13 +7631,16 @@
         </p:nvCxnSpPr>
         <p:spPr>
           <a:xfrm flipH="1">
-            <a:off x="18111165" y="24968374"/>
-            <a:ext cx="1128513" cy="1487519"/>
+            <a:off x="17965327" y="25739591"/>
+            <a:ext cx="1480064" cy="2020182"/>
           </a:xfrm>
           <a:prstGeom prst="straightConnector1">
             <a:avLst/>
           </a:prstGeom>
-          <a:ln>
+          <a:ln w="3175">
+            <a:solidFill>
+              <a:srgbClr val="00B050"/>
+            </a:solidFill>
             <a:tailEnd type="triangle"/>
           </a:ln>
         </p:spPr>
@@ -5344,13 +7673,18 @@
         </p:nvSpPr>
         <p:spPr>
           <a:xfrm>
-            <a:off x="18331558" y="26496394"/>
-            <a:ext cx="567802" cy="276999"/>
-          </a:xfrm>
-          <a:prstGeom prst="rect">
+            <a:off x="18024867" y="28197654"/>
+            <a:ext cx="841818" cy="389513"/>
+          </a:xfrm>
+          <a:prstGeom prst="flowChartMagneticTape">
             <a:avLst/>
           </a:prstGeom>
           <a:noFill/>
+          <a:ln>
+            <a:solidFill>
+              <a:schemeClr val="tx1"/>
+            </a:solidFill>
+          </a:ln>
         </p:spPr>
         <p:txBody>
           <a:bodyPr wrap="square" rtlCol="0">
@@ -5391,13 +7725,18 @@
         </p:nvSpPr>
         <p:spPr>
           <a:xfrm>
-            <a:off x="17831540" y="26455893"/>
-            <a:ext cx="559249" cy="276999"/>
-          </a:xfrm>
-          <a:prstGeom prst="rect">
+            <a:off x="17574687" y="27759773"/>
+            <a:ext cx="781279" cy="389513"/>
+          </a:xfrm>
+          <a:prstGeom prst="flowChartMagneticTape">
             <a:avLst/>
           </a:prstGeom>
           <a:noFill/>
+          <a:ln>
+            <a:solidFill>
+              <a:schemeClr val="tx1"/>
+            </a:solidFill>
+          </a:ln>
         </p:spPr>
         <p:txBody>
           <a:bodyPr wrap="square" rtlCol="0">
@@ -5430,8 +7769,8 @@
         </p:nvSpPr>
         <p:spPr>
           <a:xfrm>
-            <a:off x="16945684" y="23880444"/>
-            <a:ext cx="1793443" cy="338554"/>
+            <a:off x="16305115" y="22054416"/>
+            <a:ext cx="1793443" cy="400110"/>
           </a:xfrm>
           <a:prstGeom prst="rect">
             <a:avLst/>
@@ -5460,13 +7799,19 @@
           <a:p>
             <a:r>
               <a:rPr lang="en-US" sz="400" dirty="0"/>
-              <a:t>-parses update</a:t>
-            </a:r>
-          </a:p>
-          <a:p>
-            <a:r>
-              <a:rPr lang="en-US" sz="400" dirty="0"/>
-              <a:t>-has reference to a </a:t>
+              <a:t>- Subscribes to store updates</a:t>
+            </a:r>
+          </a:p>
+          <a:p>
+            <a:r>
+              <a:rPr lang="en-US" sz="400" dirty="0"/>
+              <a:t>parses update</a:t>
+            </a:r>
+          </a:p>
+          <a:p>
+            <a:r>
+              <a:rPr lang="en-US" sz="400" dirty="0"/>
+              <a:t>- has reference to a </a:t>
             </a:r>
             <a:r>
               <a:rPr lang="en-US" sz="400" dirty="0" err="1"/>
@@ -5480,7 +7825,7 @@
           <a:p>
             <a:r>
               <a:rPr lang="en-US" sz="400" dirty="0"/>
-              <a:t>-calls the correct method w/ correct </a:t>
+              <a:t>- calls the correct method w/ correct </a:t>
             </a:r>
             <a:r>
               <a:rPr lang="en-US" sz="400" dirty="0" err="1"/>
@@ -5583,42 +7928,6 @@
             <a:r>
               <a:rPr lang="en-US" sz="400" dirty="0"/>
               <a:t>()</a:t>
-            </a:r>
-          </a:p>
-        </p:txBody>
-      </p:sp>
-      <p:sp>
-        <p:nvSpPr>
-          <p:cNvPr id="9" name="TextBox 8">
-            <a:extLst>
-              <a:ext uri="{FF2B5EF4-FFF2-40B4-BE49-F238E27FC236}">
-                <a16:creationId xmlns:a16="http://schemas.microsoft.com/office/drawing/2014/main" id="{22ED3CD5-8334-4F5C-8D58-D71B4B3CF94B}"/>
-              </a:ext>
-            </a:extLst>
-          </p:cNvPr>
-          <p:cNvSpPr txBox="1"/>
-          <p:nvPr/>
-        </p:nvSpPr>
-        <p:spPr>
-          <a:xfrm>
-            <a:off x="17434721" y="22852918"/>
-            <a:ext cx="1349874" cy="153888"/>
-          </a:xfrm>
-          <a:prstGeom prst="rect">
-            <a:avLst/>
-          </a:prstGeom>
-          <a:noFill/>
-        </p:spPr>
-        <p:txBody>
-          <a:bodyPr wrap="square" rtlCol="0">
-            <a:spAutoFit/>
-          </a:bodyPr>
-          <a:lstStyle/>
-          <a:p>
-            <a:pPr defTabSz="160020"/>
-            <a:r>
-              <a:rPr lang="en-US" sz="400" dirty="0"/>
-              <a:t>	</a:t>
             </a:r>
           </a:p>
         </p:txBody>
@@ -5640,9 +7949,9 @@
           <p:nvPr/>
         </p:nvCxnSpPr>
         <p:spPr>
-          <a:xfrm flipH="1" flipV="1">
-            <a:off x="17162316" y="22365078"/>
-            <a:ext cx="680090" cy="1515366"/>
+          <a:xfrm flipV="1">
+            <a:off x="17201837" y="21931305"/>
+            <a:ext cx="312178" cy="123111"/>
           </a:xfrm>
           <a:prstGeom prst="straightConnector1">
             <a:avLst/>
@@ -5685,7 +7994,7 @@
         <p:spPr>
           <a:xfrm flipH="1" flipV="1">
             <a:off x="16928240" y="20949160"/>
-            <a:ext cx="234076" cy="954253"/>
+            <a:ext cx="585775" cy="458925"/>
           </a:xfrm>
           <a:prstGeom prst="straightConnector1">
             <a:avLst/>
@@ -5727,8 +8036,8 @@
         </p:nvCxnSpPr>
         <p:spPr>
           <a:xfrm flipV="1">
-            <a:off x="17162316" y="21051929"/>
-            <a:ext cx="756428" cy="851484"/>
+            <a:off x="17514015" y="21051929"/>
+            <a:ext cx="404729" cy="356156"/>
           </a:xfrm>
           <a:prstGeom prst="straightConnector1">
             <a:avLst/>
@@ -5766,7 +8075,7 @@
         </p:nvSpPr>
         <p:spPr>
           <a:xfrm>
-            <a:off x="15114038" y="20933409"/>
+            <a:off x="14610360" y="20988505"/>
             <a:ext cx="737369" cy="215444"/>
           </a:xfrm>
           <a:prstGeom prst="rect">
@@ -5802,15 +8111,15 @@
           </p:cNvPr>
           <p:cNvCxnSpPr>
             <a:cxnSpLocks/>
-            <a:stCxn id="65" idx="3"/>
+            <a:stCxn id="65" idx="2"/>
             <a:endCxn id="274" idx="1"/>
           </p:cNvCxnSpPr>
           <p:nvPr/>
         </p:nvCxnSpPr>
         <p:spPr>
           <a:xfrm>
-            <a:off x="18262798" y="18886276"/>
-            <a:ext cx="1277421" cy="1961027"/>
+            <a:off x="17918743" y="18963220"/>
+            <a:ext cx="1621476" cy="1914861"/>
           </a:xfrm>
           <a:prstGeom prst="straightConnector1">
             <a:avLst/>
@@ -6058,8 +8367,8 @@
         </p:nvSpPr>
         <p:spPr>
           <a:xfrm>
-            <a:off x="16922548" y="21903413"/>
-            <a:ext cx="479535" cy="461665"/>
+            <a:off x="16854946" y="21408085"/>
+            <a:ext cx="1318138" cy="523220"/>
           </a:xfrm>
           <a:prstGeom prst="rect">
             <a:avLst/>
@@ -6127,131 +8436,22 @@
             <a:endParaRPr lang="en-US" sz="400" dirty="0"/>
           </a:p>
           <a:p>
+            <a:pPr defTabSz="160020"/>
+            <a:r>
+              <a:rPr lang="en-US" sz="400" dirty="0"/>
+              <a:t>- Has a reference to an array of </a:t>
+            </a:r>
+            <a:r>
+              <a:rPr lang="en-US" sz="400" dirty="0" err="1"/>
+              <a:t>SigmaNodeHandlers</a:t>
+            </a:r>
             <a:endParaRPr lang="en-US" sz="400" dirty="0"/>
           </a:p>
-        </p:txBody>
-      </p:sp>
-      <p:sp>
-        <p:nvSpPr>
-          <p:cNvPr id="74" name="TextBox 73">
-            <a:extLst>
-              <a:ext uri="{FF2B5EF4-FFF2-40B4-BE49-F238E27FC236}">
-                <a16:creationId xmlns:a16="http://schemas.microsoft.com/office/drawing/2014/main" id="{F20E2355-56AB-43B3-9809-E275B39D5D92}"/>
-              </a:ext>
-            </a:extLst>
-          </p:cNvPr>
-          <p:cNvSpPr txBox="1"/>
-          <p:nvPr/>
-        </p:nvSpPr>
-        <p:spPr>
-          <a:xfrm>
-            <a:off x="19937059" y="26079567"/>
-            <a:ext cx="681867" cy="153888"/>
-          </a:xfrm>
-          <a:prstGeom prst="rect">
-            <a:avLst/>
-          </a:prstGeom>
-          <a:noFill/>
-        </p:spPr>
-        <p:txBody>
-          <a:bodyPr wrap="square" rtlCol="0">
-            <a:spAutoFit/>
-          </a:bodyPr>
-          <a:lstStyle/>
-          <a:p>
-            <a:r>
-              <a:rPr lang="en-US" sz="400" dirty="0"/>
-              <a:t>TREE_DATA_UI_BRIDGE</a:t>
-            </a:r>
-          </a:p>
-        </p:txBody>
-      </p:sp>
-      <p:cxnSp>
-        <p:nvCxnSpPr>
-          <p:cNvPr id="78" name="Straight Arrow Connector 77">
-            <a:extLst>
-              <a:ext uri="{FF2B5EF4-FFF2-40B4-BE49-F238E27FC236}">
-                <a16:creationId xmlns:a16="http://schemas.microsoft.com/office/drawing/2014/main" id="{0EEED5FD-2648-4274-AA5E-F2647C6F7A17}"/>
-              </a:ext>
-            </a:extLst>
-          </p:cNvPr>
-          <p:cNvCxnSpPr>
-            <a:cxnSpLocks/>
-            <a:stCxn id="47" idx="2"/>
-            <a:endCxn id="74" idx="0"/>
-          </p:cNvCxnSpPr>
-          <p:nvPr/>
-        </p:nvCxnSpPr>
-        <p:spPr>
-          <a:xfrm>
-            <a:off x="20263787" y="24979565"/>
-            <a:ext cx="14206" cy="1100002"/>
-          </a:xfrm>
-          <a:prstGeom prst="straightConnector1">
-            <a:avLst/>
-          </a:prstGeom>
-          <a:ln>
-            <a:tailEnd type="triangle"/>
-          </a:ln>
-        </p:spPr>
-        <p:style>
-          <a:lnRef idx="1">
-            <a:schemeClr val="accent1"/>
-          </a:lnRef>
-          <a:fillRef idx="0">
-            <a:schemeClr val="accent1"/>
-          </a:fillRef>
-          <a:effectRef idx="0">
-            <a:schemeClr val="accent1"/>
-          </a:effectRef>
-          <a:fontRef idx="minor">
-            <a:schemeClr val="tx1"/>
-          </a:fontRef>
-        </p:style>
-      </p:cxnSp>
-      <p:cxnSp>
-        <p:nvCxnSpPr>
-          <p:cNvPr id="81" name="Straight Arrow Connector 80">
-            <a:extLst>
-              <a:ext uri="{FF2B5EF4-FFF2-40B4-BE49-F238E27FC236}">
-                <a16:creationId xmlns:a16="http://schemas.microsoft.com/office/drawing/2014/main" id="{2B2623C0-ACA4-4195-BFF1-635F0EE234A6}"/>
-              </a:ext>
-            </a:extLst>
-          </p:cNvPr>
-          <p:cNvCxnSpPr>
-            <a:cxnSpLocks/>
-            <a:stCxn id="48" idx="2"/>
-            <a:endCxn id="74" idx="0"/>
-          </p:cNvCxnSpPr>
-          <p:nvPr/>
-        </p:nvCxnSpPr>
-        <p:spPr>
-          <a:xfrm flipH="1">
-            <a:off x="20277993" y="24957420"/>
-            <a:ext cx="1297192" cy="1122147"/>
-          </a:xfrm>
-          <a:prstGeom prst="straightConnector1">
-            <a:avLst/>
-          </a:prstGeom>
-          <a:ln>
-            <a:tailEnd type="triangle"/>
-          </a:ln>
-        </p:spPr>
-        <p:style>
-          <a:lnRef idx="1">
-            <a:schemeClr val="accent1"/>
-          </a:lnRef>
-          <a:fillRef idx="0">
-            <a:schemeClr val="accent1"/>
-          </a:fillRef>
-          <a:effectRef idx="0">
-            <a:schemeClr val="accent1"/>
-          </a:effectRef>
-          <a:fontRef idx="minor">
-            <a:schemeClr val="tx1"/>
-          </a:fontRef>
-        </p:style>
-      </p:cxnSp>
+          <a:p>
+            <a:endParaRPr lang="en-US" sz="400" dirty="0"/>
+          </a:p>
+        </p:txBody>
+      </p:sp>
       <p:sp>
         <p:nvSpPr>
           <p:cNvPr id="86" name="TextBox 85">
@@ -6266,13 +8466,18 @@
         </p:nvSpPr>
         <p:spPr>
           <a:xfrm>
-            <a:off x="19136502" y="26486696"/>
-            <a:ext cx="567802" cy="276999"/>
-          </a:xfrm>
-          <a:prstGeom prst="rect">
+            <a:off x="18869370" y="27790576"/>
+            <a:ext cx="800111" cy="389513"/>
+          </a:xfrm>
+          <a:prstGeom prst="flowChartMagneticTape">
             <a:avLst/>
           </a:prstGeom>
           <a:noFill/>
+          <a:ln>
+            <a:solidFill>
+              <a:schemeClr val="tx1"/>
+            </a:solidFill>
+          </a:ln>
         </p:spPr>
         <p:txBody>
           <a:bodyPr wrap="square" rtlCol="0">
@@ -6302,20 +8507,23 @@
           </p:cNvPr>
           <p:cNvCxnSpPr>
             <a:cxnSpLocks/>
-            <a:stCxn id="47" idx="2"/>
+            <a:stCxn id="349" idx="2"/>
             <a:endCxn id="86" idx="0"/>
           </p:cNvCxnSpPr>
           <p:nvPr/>
         </p:nvCxnSpPr>
         <p:spPr>
           <a:xfrm flipH="1">
-            <a:off x="19420403" y="24979565"/>
-            <a:ext cx="843384" cy="1507131"/>
+            <a:off x="19269426" y="25878528"/>
+            <a:ext cx="1036269" cy="1912048"/>
           </a:xfrm>
           <a:prstGeom prst="straightConnector1">
             <a:avLst/>
           </a:prstGeom>
-          <a:ln>
+          <a:ln w="3175">
+            <a:solidFill>
+              <a:srgbClr val="00B050"/>
+            </a:solidFill>
             <a:tailEnd type="triangle"/>
           </a:ln>
         </p:spPr>
@@ -6352,13 +8560,16 @@
         </p:nvCxnSpPr>
         <p:spPr>
           <a:xfrm flipH="1">
-            <a:off x="20894421" y="24957420"/>
-            <a:ext cx="680764" cy="1487451"/>
+            <a:off x="20749974" y="25728637"/>
+            <a:ext cx="566929" cy="2020114"/>
           </a:xfrm>
           <a:prstGeom prst="straightConnector1">
             <a:avLst/>
           </a:prstGeom>
-          <a:ln>
+          <a:ln w="3175">
+            <a:solidFill>
+              <a:srgbClr val="00B050"/>
+            </a:solidFill>
             <a:tailEnd type="triangle"/>
           </a:ln>
         </p:spPr>
@@ -6391,13 +8602,18 @@
         </p:nvSpPr>
         <p:spPr>
           <a:xfrm>
-            <a:off x="20591491" y="26444871"/>
-            <a:ext cx="605860" cy="276999"/>
-          </a:xfrm>
-          <a:prstGeom prst="rect">
+            <a:off x="20337420" y="27748751"/>
+            <a:ext cx="825108" cy="389513"/>
+          </a:xfrm>
+          <a:prstGeom prst="flowChartMagneticTape">
             <a:avLst/>
           </a:prstGeom>
           <a:noFill/>
+          <a:ln>
+            <a:solidFill>
+              <a:schemeClr val="tx1"/>
+            </a:solidFill>
+          </a:ln>
         </p:spPr>
         <p:txBody>
           <a:bodyPr wrap="square" rtlCol="0">
@@ -6430,13 +8646,18 @@
         </p:nvSpPr>
         <p:spPr>
           <a:xfrm>
-            <a:off x="19609876" y="26486696"/>
-            <a:ext cx="563366" cy="276999"/>
-          </a:xfrm>
-          <a:prstGeom prst="rect">
+            <a:off x="19334779" y="28197654"/>
+            <a:ext cx="803640" cy="389513"/>
+          </a:xfrm>
+          <a:prstGeom prst="flowChartMagneticTape">
             <a:avLst/>
           </a:prstGeom>
           <a:noFill/>
+          <a:ln>
+            <a:solidFill>
+              <a:schemeClr val="tx1"/>
+            </a:solidFill>
+          </a:ln>
         </p:spPr>
         <p:txBody>
           <a:bodyPr wrap="square" rtlCol="0">
@@ -6474,20 +8695,23 @@
           </p:cNvPr>
           <p:cNvCxnSpPr>
             <a:cxnSpLocks/>
-            <a:stCxn id="47" idx="2"/>
+            <a:stCxn id="349" idx="2"/>
             <a:endCxn id="135" idx="0"/>
           </p:cNvCxnSpPr>
           <p:nvPr/>
         </p:nvCxnSpPr>
         <p:spPr>
           <a:xfrm flipH="1">
-            <a:off x="19891559" y="24979565"/>
-            <a:ext cx="372228" cy="1507131"/>
+            <a:off x="19736599" y="25878528"/>
+            <a:ext cx="569096" cy="2319126"/>
           </a:xfrm>
           <a:prstGeom prst="straightConnector1">
             <a:avLst/>
           </a:prstGeom>
-          <a:ln>
+          <a:ln w="3175">
+            <a:solidFill>
+              <a:srgbClr val="00B050"/>
+            </a:solidFill>
             <a:tailEnd type="triangle"/>
           </a:ln>
         </p:spPr>
@@ -6520,13 +8744,18 @@
         </p:nvSpPr>
         <p:spPr>
           <a:xfrm>
-            <a:off x="21131896" y="26455893"/>
-            <a:ext cx="777881" cy="215444"/>
-          </a:xfrm>
-          <a:prstGeom prst="rect">
+            <a:off x="20911835" y="28249211"/>
+            <a:ext cx="777881" cy="389513"/>
+          </a:xfrm>
+          <a:prstGeom prst="flowChartMagneticTape">
             <a:avLst/>
           </a:prstGeom>
           <a:noFill/>
+          <a:ln>
+            <a:solidFill>
+              <a:schemeClr val="tx1"/>
+            </a:solidFill>
+          </a:ln>
         </p:spPr>
         <p:txBody>
           <a:bodyPr wrap="square" rtlCol="0">
@@ -6571,13 +8800,16 @@
         </p:nvCxnSpPr>
         <p:spPr>
           <a:xfrm flipH="1">
-            <a:off x="21520837" y="24957420"/>
-            <a:ext cx="54348" cy="1498473"/>
+            <a:off x="21300776" y="25728637"/>
+            <a:ext cx="16127" cy="2520574"/>
           </a:xfrm>
           <a:prstGeom prst="straightConnector1">
             <a:avLst/>
           </a:prstGeom>
-          <a:ln>
+          <a:ln w="3175">
+            <a:solidFill>
+              <a:srgbClr val="00B050"/>
+            </a:solidFill>
             <a:tailEnd type="triangle"/>
           </a:ln>
         </p:spPr>
@@ -6816,49 +9048,6 @@
           </a:p>
         </p:txBody>
       </p:sp>
-      <p:cxnSp>
-        <p:nvCxnSpPr>
-          <p:cNvPr id="225" name="Straight Arrow Connector 224">
-            <a:extLst>
-              <a:ext uri="{FF2B5EF4-FFF2-40B4-BE49-F238E27FC236}">
-                <a16:creationId xmlns:a16="http://schemas.microsoft.com/office/drawing/2014/main" id="{E08327BF-7144-48A8-BB19-6F781F13FDDA}"/>
-              </a:ext>
-            </a:extLst>
-          </p:cNvPr>
-          <p:cNvCxnSpPr>
-            <a:cxnSpLocks/>
-            <a:stCxn id="74" idx="1"/>
-            <a:endCxn id="61" idx="2"/>
-          </p:cNvCxnSpPr>
-          <p:nvPr/>
-        </p:nvCxnSpPr>
-        <p:spPr>
-          <a:xfrm flipH="1" flipV="1">
-            <a:off x="17842406" y="24218998"/>
-            <a:ext cx="2094653" cy="1937513"/>
-          </a:xfrm>
-          <a:prstGeom prst="straightConnector1">
-            <a:avLst/>
-          </a:prstGeom>
-          <a:ln>
-            <a:tailEnd type="triangle"/>
-          </a:ln>
-        </p:spPr>
-        <p:style>
-          <a:lnRef idx="1">
-            <a:schemeClr val="accent1"/>
-          </a:lnRef>
-          <a:fillRef idx="0">
-            <a:schemeClr val="accent1"/>
-          </a:fillRef>
-          <a:effectRef idx="0">
-            <a:schemeClr val="accent1"/>
-          </a:effectRef>
-          <a:fontRef idx="minor">
-            <a:schemeClr val="tx1"/>
-          </a:fontRef>
-        </p:style>
-      </p:cxnSp>
       <p:cxnSp>
         <p:nvCxnSpPr>
           <p:cNvPr id="51" name="Straight Arrow Connector 50">
@@ -7035,7 +9224,7 @@
         </p:nvSpPr>
         <p:spPr>
           <a:xfrm>
-            <a:off x="18848665" y="19366778"/>
+            <a:off x="18594775" y="19705438"/>
             <a:ext cx="780039" cy="215444"/>
           </a:xfrm>
           <a:prstGeom prst="rect">
@@ -7091,7 +9280,7 @@
         <p:spPr>
           <a:xfrm>
             <a:off x="19540219" y="20554915"/>
-            <a:ext cx="1134636" cy="584775"/>
+            <a:ext cx="1134636" cy="646331"/>
           </a:xfrm>
           <a:prstGeom prst="rect">
             <a:avLst/>
@@ -7113,7 +9302,23 @@
           <a:p>
             <a:r>
               <a:rPr lang="en-US" sz="400" dirty="0"/>
-              <a:t>-listens to sigma Events and converts them to store mutations</a:t>
+              <a:t>-listens to sigma Events and converts them to 1) store mutations, 2) open </a:t>
+            </a:r>
+            <a:r>
+              <a:rPr lang="en-US" sz="400" dirty="0" err="1"/>
+              <a:t>Vue</a:t>
+            </a:r>
+            <a:r>
+              <a:rPr lang="en-US" sz="400" dirty="0"/>
+              <a:t> templates or 3) UI mutations (such as </a:t>
+            </a:r>
+            <a:r>
+              <a:rPr lang="en-US" sz="400" dirty="0" err="1"/>
+              <a:t>saveHistory</a:t>
+            </a:r>
+            <a:r>
+              <a:rPr lang="en-US" sz="400" dirty="0"/>
+              <a:t>)</a:t>
             </a:r>
           </a:p>
           <a:p>
@@ -7168,13 +9373,16 @@
         </p:nvCxnSpPr>
         <p:spPr>
           <a:xfrm>
-            <a:off x="20107537" y="21139690"/>
-            <a:ext cx="2839942" cy="1703541"/>
+            <a:off x="20107537" y="21201246"/>
+            <a:ext cx="2839942" cy="1367845"/>
           </a:xfrm>
           <a:prstGeom prst="straightConnector1">
             <a:avLst/>
           </a:prstGeom>
-          <a:ln>
+          <a:ln w="76200">
+            <a:solidFill>
+              <a:schemeClr val="accent4"/>
+            </a:solidFill>
             <a:tailEnd type="triangle"/>
           </a:ln>
         </p:spPr>
@@ -7207,7 +9415,7 @@
         </p:nvSpPr>
         <p:spPr>
           <a:xfrm>
-            <a:off x="19033391" y="19620019"/>
+            <a:off x="18771648" y="19878058"/>
             <a:ext cx="922496" cy="215444"/>
           </a:xfrm>
           <a:prstGeom prst="rect">
@@ -7337,7 +9545,7 @@
         </p:nvSpPr>
         <p:spPr>
           <a:xfrm>
-            <a:off x="21622574" y="23249258"/>
+            <a:off x="21680545" y="23312345"/>
             <a:ext cx="2533868" cy="215444"/>
           </a:xfrm>
           <a:prstGeom prst="rect">
@@ -7355,7 +9563,7 @@
           <a:p>
             <a:r>
               <a:rPr lang="en-US" sz="400" dirty="0" err="1"/>
-              <a:t>Store.addMutation</a:t>
+              <a:t>TREE_LOCATION_DATA_STORE.addMutation</a:t>
             </a:r>
             <a:r>
               <a:rPr lang="en-US" sz="400" dirty="0"/>
@@ -7363,43 +9571,2527 @@
             </a:r>
             <a:r>
               <a:rPr lang="en-US" sz="400" dirty="0" err="1"/>
+              <a:t>objectId</a:t>
+            </a:r>
+            <a:r>
+              <a:rPr lang="en-US" sz="400" dirty="0"/>
+              <a:t>: efa234, property: </a:t>
+            </a:r>
+            <a:r>
+              <a:rPr lang="en-US" sz="400" dirty="0" err="1"/>
+              <a:t>val</a:t>
+            </a:r>
+            <a:r>
+              <a:rPr lang="en-US" sz="400" dirty="0"/>
+              <a:t>, mutation: {type: TREE_LOCATION_MUTATONS.SET, data: { x: 101, y:102}}})</a:t>
+            </a:r>
+          </a:p>
+        </p:txBody>
+      </p:sp>
+      <p:cxnSp>
+        <p:nvCxnSpPr>
+          <p:cNvPr id="10" name="Straight Connector 9">
+            <a:extLst>
+              <a:ext uri="{FF2B5EF4-FFF2-40B4-BE49-F238E27FC236}">
+                <a16:creationId xmlns:a16="http://schemas.microsoft.com/office/drawing/2014/main" id="{919358E6-A621-4E5B-893E-6CE925F5D2D9}"/>
+              </a:ext>
+            </a:extLst>
+          </p:cNvPr>
+          <p:cNvCxnSpPr>
+            <a:cxnSpLocks/>
+            <a:stCxn id="11" idx="2"/>
+            <a:endCxn id="289" idx="0"/>
+          </p:cNvCxnSpPr>
+          <p:nvPr/>
+        </p:nvCxnSpPr>
+        <p:spPr>
+          <a:xfrm>
+            <a:off x="22947479" y="23276977"/>
+            <a:ext cx="0" cy="35368"/>
+          </a:xfrm>
+          <a:prstGeom prst="line">
+            <a:avLst/>
+          </a:prstGeom>
+        </p:spPr>
+        <p:style>
+          <a:lnRef idx="1">
+            <a:schemeClr val="accent1"/>
+          </a:lnRef>
+          <a:fillRef idx="0">
+            <a:schemeClr val="accent1"/>
+          </a:fillRef>
+          <a:effectRef idx="0">
+            <a:schemeClr val="accent1"/>
+          </a:effectRef>
+          <a:fontRef idx="minor">
+            <a:schemeClr val="tx1"/>
+          </a:fontRef>
+        </p:style>
+      </p:cxnSp>
+      <p:sp>
+        <p:nvSpPr>
+          <p:cNvPr id="92" name="TextBox 91">
+            <a:extLst>
+              <a:ext uri="{FF2B5EF4-FFF2-40B4-BE49-F238E27FC236}">
+                <a16:creationId xmlns:a16="http://schemas.microsoft.com/office/drawing/2014/main" id="{A325C783-55A5-4256-BEAD-D6F831DAC7FB}"/>
+              </a:ext>
+            </a:extLst>
+          </p:cNvPr>
+          <p:cNvSpPr txBox="1"/>
+          <p:nvPr/>
+        </p:nvSpPr>
+        <p:spPr>
+          <a:xfrm>
+            <a:off x="21794612" y="23814862"/>
+            <a:ext cx="1923010" cy="338554"/>
+          </a:xfrm>
+          <a:prstGeom prst="rect">
+            <a:avLst/>
+          </a:prstGeom>
+          <a:noFill/>
+        </p:spPr>
+        <p:txBody>
+          <a:bodyPr wrap="square" rtlCol="0">
+            <a:spAutoFit/>
+          </a:bodyPr>
+          <a:lstStyle/>
+          <a:p>
+            <a:r>
+              <a:rPr lang="en-US" sz="400" dirty="0"/>
+              <a:t>TREE_LOCATION_DATA STORE</a:t>
+            </a:r>
+          </a:p>
+          <a:p>
+            <a:pPr defTabSz="160020"/>
+            <a:r>
+              <a:rPr lang="en-US" sz="400" dirty="0"/>
+              <a:t>	- receive messages/TYPE_LEVEL_DATA_MUTATIONS</a:t>
+            </a:r>
+          </a:p>
+          <a:p>
+            <a:pPr defTabSz="160020"/>
+            <a:r>
+              <a:rPr lang="en-US" sz="400" dirty="0"/>
+              <a:t>	- chooses to pass the message along to correct data object as an INSTANCE_LEVEL_DATA_MUTATION</a:t>
+            </a:r>
+          </a:p>
+        </p:txBody>
+      </p:sp>
+      <p:cxnSp>
+        <p:nvCxnSpPr>
+          <p:cNvPr id="93" name="Straight Arrow Connector 92">
+            <a:extLst>
+              <a:ext uri="{FF2B5EF4-FFF2-40B4-BE49-F238E27FC236}">
+                <a16:creationId xmlns:a16="http://schemas.microsoft.com/office/drawing/2014/main" id="{CF29B801-6A15-4A86-B589-F45EB9739EA8}"/>
+              </a:ext>
+            </a:extLst>
+          </p:cNvPr>
+          <p:cNvCxnSpPr>
+            <a:cxnSpLocks/>
+            <a:stCxn id="289" idx="2"/>
+            <a:endCxn id="92" idx="0"/>
+          </p:cNvCxnSpPr>
+          <p:nvPr/>
+        </p:nvCxnSpPr>
+        <p:spPr>
+          <a:xfrm flipH="1">
+            <a:off x="22756117" y="23527789"/>
+            <a:ext cx="191362" cy="287073"/>
+          </a:xfrm>
+          <a:prstGeom prst="straightConnector1">
+            <a:avLst/>
+          </a:prstGeom>
+          <a:ln w="28575">
+            <a:solidFill>
+              <a:schemeClr val="accent4"/>
+            </a:solidFill>
+            <a:tailEnd type="triangle"/>
+          </a:ln>
+        </p:spPr>
+        <p:style>
+          <a:lnRef idx="1">
+            <a:schemeClr val="accent1"/>
+          </a:lnRef>
+          <a:fillRef idx="0">
+            <a:schemeClr val="accent1"/>
+          </a:fillRef>
+          <a:effectRef idx="0">
+            <a:schemeClr val="accent1"/>
+          </a:effectRef>
+          <a:fontRef idx="minor">
+            <a:schemeClr val="tx1"/>
+          </a:fontRef>
+        </p:style>
+      </p:cxnSp>
+      <p:sp>
+        <p:nvSpPr>
+          <p:cNvPr id="98" name="TextBox 97">
+            <a:extLst>
+              <a:ext uri="{FF2B5EF4-FFF2-40B4-BE49-F238E27FC236}">
+                <a16:creationId xmlns:a16="http://schemas.microsoft.com/office/drawing/2014/main" id="{05A8A0D4-9CF6-4AE3-8E72-BE732BB7DF08}"/>
+              </a:ext>
+            </a:extLst>
+          </p:cNvPr>
+          <p:cNvSpPr txBox="1"/>
+          <p:nvPr/>
+        </p:nvSpPr>
+        <p:spPr>
+          <a:xfrm>
+            <a:off x="21725229" y="24747407"/>
+            <a:ext cx="2061776" cy="461665"/>
+          </a:xfrm>
+          <a:prstGeom prst="rect">
+            <a:avLst/>
+          </a:prstGeom>
+          <a:noFill/>
+        </p:spPr>
+        <p:txBody>
+          <a:bodyPr wrap="square" rtlCol="0">
+            <a:spAutoFit/>
+          </a:bodyPr>
+          <a:lstStyle/>
+          <a:p>
+            <a:r>
+              <a:rPr lang="en-US" sz="400" dirty="0" err="1"/>
+              <a:t>ISubscribableTreeLocation</a:t>
+            </a:r>
+            <a:endParaRPr lang="en-US" sz="400" dirty="0"/>
+          </a:p>
+          <a:p>
+            <a:r>
+              <a:rPr lang="en-US" sz="400" dirty="0"/>
+              <a:t>-receive messages/PROPERTY_LEVEL_DATA_MUTATIONS</a:t>
+            </a:r>
+          </a:p>
+          <a:p>
+            <a:r>
+              <a:rPr lang="en-US" sz="400" dirty="0"/>
+              <a:t>-only properties are `</a:t>
+            </a:r>
+            <a:r>
+              <a:rPr lang="en-US" sz="400" dirty="0" err="1"/>
+              <a:t>val</a:t>
+            </a:r>
+            <a:r>
+              <a:rPr lang="en-US" sz="400" dirty="0"/>
+              <a:t>` which is an </a:t>
+            </a:r>
+            <a:r>
+              <a:rPr lang="en-US" sz="400" dirty="0" err="1"/>
+              <a:t>IMutablePoint</a:t>
+            </a:r>
+            <a:endParaRPr lang="en-US" sz="400" dirty="0"/>
+          </a:p>
+          <a:p>
+            <a:r>
+              <a:rPr lang="en-US" sz="400" dirty="0"/>
+              <a:t>-chooses to pass the message along to the correct property as a PROPERTY_LEVEL_DATA_MUTATION</a:t>
+            </a:r>
+          </a:p>
+          <a:p>
+            <a:r>
+              <a:rPr lang="en-US" sz="400" dirty="0"/>
+              <a:t>-e.g. </a:t>
+            </a:r>
+            <a:r>
+              <a:rPr lang="en-US" sz="400" dirty="0" err="1"/>
+              <a:t>this.children.addMutation</a:t>
+            </a:r>
+            <a:r>
+              <a:rPr lang="en-US" sz="400" dirty="0"/>
+              <a:t>({mutation})</a:t>
+            </a:r>
+          </a:p>
+        </p:txBody>
+      </p:sp>
+      <p:cxnSp>
+        <p:nvCxnSpPr>
+          <p:cNvPr id="100" name="Straight Arrow Connector 99">
+            <a:extLst>
+              <a:ext uri="{FF2B5EF4-FFF2-40B4-BE49-F238E27FC236}">
+                <a16:creationId xmlns:a16="http://schemas.microsoft.com/office/drawing/2014/main" id="{C39B49B3-33F9-4CAD-A8F1-763875EFA3B9}"/>
+              </a:ext>
+            </a:extLst>
+          </p:cNvPr>
+          <p:cNvCxnSpPr>
+            <a:cxnSpLocks/>
+            <a:stCxn id="282" idx="2"/>
+            <a:endCxn id="98" idx="0"/>
+          </p:cNvCxnSpPr>
+          <p:nvPr/>
+        </p:nvCxnSpPr>
+        <p:spPr>
+          <a:xfrm>
+            <a:off x="22756117" y="24500930"/>
+            <a:ext cx="0" cy="246477"/>
+          </a:xfrm>
+          <a:prstGeom prst="straightConnector1">
+            <a:avLst/>
+          </a:prstGeom>
+          <a:ln w="19050">
+            <a:solidFill>
+              <a:srgbClr val="FFC000"/>
+            </a:solidFill>
+            <a:tailEnd type="triangle"/>
+          </a:ln>
+        </p:spPr>
+        <p:style>
+          <a:lnRef idx="1">
+            <a:schemeClr val="accent1"/>
+          </a:lnRef>
+          <a:fillRef idx="0">
+            <a:schemeClr val="accent1"/>
+          </a:fillRef>
+          <a:effectRef idx="0">
+            <a:schemeClr val="accent1"/>
+          </a:effectRef>
+          <a:fontRef idx="minor">
+            <a:schemeClr val="tx1"/>
+          </a:fontRef>
+        </p:style>
+      </p:cxnSp>
+      <p:cxnSp>
+        <p:nvCxnSpPr>
+          <p:cNvPr id="125" name="Straight Arrow Connector 124">
+            <a:extLst>
+              <a:ext uri="{FF2B5EF4-FFF2-40B4-BE49-F238E27FC236}">
+                <a16:creationId xmlns:a16="http://schemas.microsoft.com/office/drawing/2014/main" id="{8197E5DB-3D86-4FDD-9955-3C4707B9E46A}"/>
+              </a:ext>
+            </a:extLst>
+          </p:cNvPr>
+          <p:cNvCxnSpPr>
+            <a:cxnSpLocks/>
+            <a:stCxn id="98" idx="2"/>
+            <a:endCxn id="128" idx="0"/>
+          </p:cNvCxnSpPr>
+          <p:nvPr/>
+        </p:nvCxnSpPr>
+        <p:spPr>
+          <a:xfrm>
+            <a:off x="22756117" y="25209072"/>
+            <a:ext cx="0" cy="406160"/>
+          </a:xfrm>
+          <a:prstGeom prst="straightConnector1">
+            <a:avLst/>
+          </a:prstGeom>
+          <a:ln w="9525">
+            <a:solidFill>
+              <a:srgbClr val="FFC000"/>
+            </a:solidFill>
+            <a:tailEnd type="triangle"/>
+          </a:ln>
+        </p:spPr>
+        <p:style>
+          <a:lnRef idx="1">
+            <a:schemeClr val="accent1"/>
+          </a:lnRef>
+          <a:fillRef idx="0">
+            <a:schemeClr val="accent1"/>
+          </a:fillRef>
+          <a:effectRef idx="0">
+            <a:schemeClr val="accent1"/>
+          </a:effectRef>
+          <a:fontRef idx="minor">
+            <a:schemeClr val="tx1"/>
+          </a:fontRef>
+        </p:style>
+      </p:cxnSp>
+      <p:sp>
+        <p:nvSpPr>
+          <p:cNvPr id="128" name="TextBox 127">
+            <a:extLst>
+              <a:ext uri="{FF2B5EF4-FFF2-40B4-BE49-F238E27FC236}">
+                <a16:creationId xmlns:a16="http://schemas.microsoft.com/office/drawing/2014/main" id="{1BEEC7A4-4434-47E8-8056-F10FD090F311}"/>
+              </a:ext>
+            </a:extLst>
+          </p:cNvPr>
+          <p:cNvSpPr txBox="1"/>
+          <p:nvPr/>
+        </p:nvSpPr>
+        <p:spPr>
+          <a:xfrm>
+            <a:off x="22623019" y="25615232"/>
+            <a:ext cx="266196" cy="153888"/>
+          </a:xfrm>
+          <a:prstGeom prst="rect">
+            <a:avLst/>
+          </a:prstGeom>
+          <a:noFill/>
+        </p:spPr>
+        <p:txBody>
+          <a:bodyPr wrap="square" rtlCol="0">
+            <a:spAutoFit/>
+          </a:bodyPr>
+          <a:lstStyle/>
+          <a:p>
+            <a:r>
+              <a:rPr lang="en-US" sz="400" dirty="0" err="1"/>
+              <a:t>val</a:t>
+            </a:r>
+            <a:endParaRPr lang="en-US" sz="400" dirty="0"/>
+          </a:p>
+        </p:txBody>
+      </p:sp>
+      <p:sp>
+        <p:nvSpPr>
+          <p:cNvPr id="134" name="TextBox 133">
+            <a:extLst>
+              <a:ext uri="{FF2B5EF4-FFF2-40B4-BE49-F238E27FC236}">
+                <a16:creationId xmlns:a16="http://schemas.microsoft.com/office/drawing/2014/main" id="{9EE3AC22-031A-4D3D-A4EC-1C28ED869B25}"/>
+              </a:ext>
+            </a:extLst>
+          </p:cNvPr>
+          <p:cNvSpPr txBox="1"/>
+          <p:nvPr/>
+        </p:nvSpPr>
+        <p:spPr>
+          <a:xfrm>
+            <a:off x="21689716" y="27727308"/>
+            <a:ext cx="770041" cy="389513"/>
+          </a:xfrm>
+          <a:prstGeom prst="flowChartMagneticTape">
+            <a:avLst/>
+          </a:prstGeom>
+          <a:noFill/>
+          <a:ln>
+            <a:solidFill>
+              <a:schemeClr val="tx1"/>
+            </a:solidFill>
+          </a:ln>
+        </p:spPr>
+        <p:txBody>
+          <a:bodyPr wrap="square" rtlCol="0">
+            <a:spAutoFit/>
+          </a:bodyPr>
+          <a:lstStyle/>
+          <a:p>
+            <a:r>
+              <a:rPr lang="en-US" sz="400" dirty="0" err="1"/>
+              <a:t>treeLocationVal</a:t>
+            </a:r>
+            <a:r>
+              <a:rPr lang="en-US" sz="400" dirty="0"/>
+              <a:t> DatabaseSyncer1 (firebase)</a:t>
+            </a:r>
+          </a:p>
+        </p:txBody>
+      </p:sp>
+      <p:sp>
+        <p:nvSpPr>
+          <p:cNvPr id="137" name="TextBox 136">
+            <a:extLst>
+              <a:ext uri="{FF2B5EF4-FFF2-40B4-BE49-F238E27FC236}">
+                <a16:creationId xmlns:a16="http://schemas.microsoft.com/office/drawing/2014/main" id="{9398D006-3CA0-4A99-A0DD-46D1A305425D}"/>
+              </a:ext>
+            </a:extLst>
+          </p:cNvPr>
+          <p:cNvSpPr txBox="1"/>
+          <p:nvPr/>
+        </p:nvSpPr>
+        <p:spPr>
+          <a:xfrm>
+            <a:off x="22413912" y="28216747"/>
+            <a:ext cx="809942" cy="389513"/>
+          </a:xfrm>
+          <a:prstGeom prst="flowChartMagneticTape">
+            <a:avLst/>
+          </a:prstGeom>
+          <a:noFill/>
+          <a:ln>
+            <a:solidFill>
+              <a:schemeClr val="tx1"/>
+            </a:solidFill>
+          </a:ln>
+        </p:spPr>
+        <p:txBody>
+          <a:bodyPr wrap="square" rtlCol="0">
+            <a:spAutoFit/>
+          </a:bodyPr>
+          <a:lstStyle/>
+          <a:p>
+            <a:r>
+              <a:rPr lang="en-US" sz="400" dirty="0" err="1"/>
+              <a:t>treeLocationVal</a:t>
+            </a:r>
+            <a:r>
+              <a:rPr lang="en-US" sz="400" dirty="0"/>
+              <a:t> DatabaseSyncer2  (local{ST,F}</a:t>
+            </a:r>
+            <a:r>
+              <a:rPr lang="en-US" sz="400" dirty="0" err="1"/>
+              <a:t>orage</a:t>
+            </a:r>
+            <a:r>
+              <a:rPr lang="en-US" sz="400" dirty="0"/>
+              <a:t>)</a:t>
+            </a:r>
+          </a:p>
+        </p:txBody>
+      </p:sp>
+      <p:cxnSp>
+        <p:nvCxnSpPr>
+          <p:cNvPr id="138" name="Straight Arrow Connector 137">
+            <a:extLst>
+              <a:ext uri="{FF2B5EF4-FFF2-40B4-BE49-F238E27FC236}">
+                <a16:creationId xmlns:a16="http://schemas.microsoft.com/office/drawing/2014/main" id="{1CBEBA8E-1166-427F-BEA4-0C3A3FAF7463}"/>
+              </a:ext>
+            </a:extLst>
+          </p:cNvPr>
+          <p:cNvCxnSpPr>
+            <a:cxnSpLocks/>
+            <a:stCxn id="128" idx="2"/>
+            <a:endCxn id="134" idx="0"/>
+          </p:cNvCxnSpPr>
+          <p:nvPr/>
+        </p:nvCxnSpPr>
+        <p:spPr>
+          <a:xfrm flipH="1">
+            <a:off x="22074737" y="25769120"/>
+            <a:ext cx="681380" cy="1958188"/>
+          </a:xfrm>
+          <a:prstGeom prst="straightConnector1">
+            <a:avLst/>
+          </a:prstGeom>
+          <a:ln w="3175">
+            <a:solidFill>
+              <a:srgbClr val="00B050"/>
+            </a:solidFill>
+            <a:tailEnd type="triangle"/>
+          </a:ln>
+        </p:spPr>
+        <p:style>
+          <a:lnRef idx="1">
+            <a:schemeClr val="accent1"/>
+          </a:lnRef>
+          <a:fillRef idx="0">
+            <a:schemeClr val="accent1"/>
+          </a:fillRef>
+          <a:effectRef idx="0">
+            <a:schemeClr val="accent1"/>
+          </a:effectRef>
+          <a:fontRef idx="minor">
+            <a:schemeClr val="tx1"/>
+          </a:fontRef>
+        </p:style>
+      </p:cxnSp>
+      <p:cxnSp>
+        <p:nvCxnSpPr>
+          <p:cNvPr id="141" name="Straight Arrow Connector 140">
+            <a:extLst>
+              <a:ext uri="{FF2B5EF4-FFF2-40B4-BE49-F238E27FC236}">
+                <a16:creationId xmlns:a16="http://schemas.microsoft.com/office/drawing/2014/main" id="{5227FAA8-2CAE-41F1-8755-AC1F47DFD876}"/>
+              </a:ext>
+            </a:extLst>
+          </p:cNvPr>
+          <p:cNvCxnSpPr>
+            <a:cxnSpLocks/>
+            <a:stCxn id="128" idx="2"/>
+          </p:cNvCxnSpPr>
+          <p:nvPr/>
+        </p:nvCxnSpPr>
+        <p:spPr>
+          <a:xfrm>
+            <a:off x="22756117" y="25769120"/>
+            <a:ext cx="92775" cy="2370683"/>
+          </a:xfrm>
+          <a:prstGeom prst="straightConnector1">
+            <a:avLst/>
+          </a:prstGeom>
+          <a:ln w="3175">
+            <a:solidFill>
+              <a:srgbClr val="00B050"/>
+            </a:solidFill>
+            <a:tailEnd type="triangle"/>
+          </a:ln>
+        </p:spPr>
+        <p:style>
+          <a:lnRef idx="1">
+            <a:schemeClr val="accent1"/>
+          </a:lnRef>
+          <a:fillRef idx="0">
+            <a:schemeClr val="accent1"/>
+          </a:fillRef>
+          <a:effectRef idx="0">
+            <a:schemeClr val="accent1"/>
+          </a:effectRef>
+          <a:fontRef idx="minor">
+            <a:schemeClr val="tx1"/>
+          </a:fontRef>
+        </p:style>
+      </p:cxnSp>
+      <p:sp>
+        <p:nvSpPr>
+          <p:cNvPr id="282" name="TextBox 281">
+            <a:extLst>
+              <a:ext uri="{FF2B5EF4-FFF2-40B4-BE49-F238E27FC236}">
+                <a16:creationId xmlns:a16="http://schemas.microsoft.com/office/drawing/2014/main" id="{EA2DE870-1B04-4197-A7E2-51A69F194C42}"/>
+              </a:ext>
+            </a:extLst>
+          </p:cNvPr>
+          <p:cNvSpPr txBox="1"/>
+          <p:nvPr/>
+        </p:nvSpPr>
+        <p:spPr>
+          <a:xfrm>
+            <a:off x="21838050" y="24223931"/>
+            <a:ext cx="1836133" cy="276999"/>
+          </a:xfrm>
+          <a:prstGeom prst="rect">
+            <a:avLst/>
+          </a:prstGeom>
+          <a:solidFill>
+            <a:srgbClr val="F0DADA"/>
+          </a:solidFill>
+        </p:spPr>
+        <p:txBody>
+          <a:bodyPr wrap="square" rtlCol="0">
+            <a:spAutoFit/>
+          </a:bodyPr>
+          <a:lstStyle/>
+          <a:p>
+            <a:r>
+              <a:rPr lang="en-US" sz="400" dirty="0"/>
+              <a:t>- e.g. </a:t>
+            </a:r>
+            <a:r>
+              <a:rPr lang="en-US" sz="400" dirty="0" err="1"/>
+              <a:t>tree_location</a:t>
+            </a:r>
+            <a:r>
+              <a:rPr lang="en-US" sz="400" dirty="0"/>
+              <a:t> = </a:t>
+            </a:r>
+            <a:r>
+              <a:rPr lang="en-US" sz="400" dirty="0" err="1"/>
+              <a:t>TREE_LOCATION_DATA_STORE.get</a:t>
+            </a:r>
+            <a:r>
+              <a:rPr lang="en-US" sz="400" dirty="0"/>
+              <a:t>(‘efa234’); </a:t>
+            </a:r>
+            <a:r>
+              <a:rPr lang="en-US" sz="400" dirty="0" err="1"/>
+              <a:t>tree_location.addMutation</a:t>
+            </a:r>
+            <a:r>
+              <a:rPr lang="en-US" sz="400" dirty="0"/>
+              <a:t>(({property: </a:t>
+            </a:r>
+            <a:r>
+              <a:rPr lang="en-US" sz="400" dirty="0" err="1"/>
+              <a:t>val</a:t>
+            </a:r>
+            <a:r>
+              <a:rPr lang="en-US" sz="400" dirty="0"/>
+              <a:t>, mutation: {type: TREE_LOCATION_MUTATONS.SET, data: { x: 101, y:102}}})</a:t>
+            </a:r>
+          </a:p>
+        </p:txBody>
+      </p:sp>
+      <p:cxnSp>
+        <p:nvCxnSpPr>
+          <p:cNvPr id="69" name="Straight Connector 68">
+            <a:extLst>
+              <a:ext uri="{FF2B5EF4-FFF2-40B4-BE49-F238E27FC236}">
+                <a16:creationId xmlns:a16="http://schemas.microsoft.com/office/drawing/2014/main" id="{B64D568F-4181-4DBE-AD36-E084C3576B52}"/>
+              </a:ext>
+            </a:extLst>
+          </p:cNvPr>
+          <p:cNvCxnSpPr>
+            <a:stCxn id="92" idx="2"/>
+            <a:endCxn id="282" idx="0"/>
+          </p:cNvCxnSpPr>
+          <p:nvPr/>
+        </p:nvCxnSpPr>
+        <p:spPr>
+          <a:xfrm>
+            <a:off x="22756117" y="24153416"/>
+            <a:ext cx="0" cy="70515"/>
+          </a:xfrm>
+          <a:prstGeom prst="line">
+            <a:avLst/>
+          </a:prstGeom>
+        </p:spPr>
+        <p:style>
+          <a:lnRef idx="1">
+            <a:schemeClr val="accent1"/>
+          </a:lnRef>
+          <a:fillRef idx="0">
+            <a:schemeClr val="accent1"/>
+          </a:fillRef>
+          <a:effectRef idx="0">
+            <a:schemeClr val="accent1"/>
+          </a:effectRef>
+          <a:fontRef idx="minor">
+            <a:schemeClr val="tx1"/>
+          </a:fontRef>
+        </p:style>
+      </p:cxnSp>
+      <p:cxnSp>
+        <p:nvCxnSpPr>
+          <p:cNvPr id="290" name="Straight Arrow Connector 289">
+            <a:extLst>
+              <a:ext uri="{FF2B5EF4-FFF2-40B4-BE49-F238E27FC236}">
+                <a16:creationId xmlns:a16="http://schemas.microsoft.com/office/drawing/2014/main" id="{319F0F59-FB9A-446D-A6D0-4B1254BB477F}"/>
+              </a:ext>
+            </a:extLst>
+          </p:cNvPr>
+          <p:cNvCxnSpPr/>
+          <p:nvPr/>
+        </p:nvCxnSpPr>
+        <p:spPr>
+          <a:xfrm>
+            <a:off x="19206714" y="23830972"/>
+            <a:ext cx="0" cy="1087171"/>
+          </a:xfrm>
+          <a:prstGeom prst="straightConnector1">
+            <a:avLst/>
+          </a:prstGeom>
+          <a:ln>
+            <a:solidFill>
+              <a:schemeClr val="accent4"/>
+            </a:solidFill>
+            <a:tailEnd type="triangle"/>
+          </a:ln>
+        </p:spPr>
+        <p:style>
+          <a:lnRef idx="1">
+            <a:schemeClr val="accent1"/>
+          </a:lnRef>
+          <a:fillRef idx="0">
+            <a:schemeClr val="accent1"/>
+          </a:fillRef>
+          <a:effectRef idx="0">
+            <a:schemeClr val="accent1"/>
+          </a:effectRef>
+          <a:fontRef idx="minor">
+            <a:schemeClr val="tx1"/>
+          </a:fontRef>
+        </p:style>
+      </p:cxnSp>
+      <p:sp>
+        <p:nvSpPr>
+          <p:cNvPr id="291" name="TextBox 290">
+            <a:extLst>
+              <a:ext uri="{FF2B5EF4-FFF2-40B4-BE49-F238E27FC236}">
+                <a16:creationId xmlns:a16="http://schemas.microsoft.com/office/drawing/2014/main" id="{CCD98B0A-8E73-4E1F-B956-4EDC9028A385}"/>
+              </a:ext>
+            </a:extLst>
+          </p:cNvPr>
+          <p:cNvSpPr txBox="1"/>
+          <p:nvPr/>
+        </p:nvSpPr>
+        <p:spPr>
+          <a:xfrm>
+            <a:off x="18931650" y="23910984"/>
+            <a:ext cx="369332" cy="750497"/>
+          </a:xfrm>
+          <a:prstGeom prst="rect">
+            <a:avLst/>
+          </a:prstGeom>
+          <a:noFill/>
+        </p:spPr>
+        <p:txBody>
+          <a:bodyPr vert="eaVert" wrap="square" rtlCol="0">
+            <a:spAutoFit/>
+          </a:bodyPr>
+          <a:lstStyle/>
+          <a:p>
+            <a:r>
+              <a:rPr lang="en-US" sz="1200" dirty="0">
+                <a:solidFill>
+                  <a:schemeClr val="accent4"/>
+                </a:solidFill>
+              </a:rPr>
+              <a:t>Mutations</a:t>
+            </a:r>
+          </a:p>
+        </p:txBody>
+      </p:sp>
+      <p:sp>
+        <p:nvSpPr>
+          <p:cNvPr id="185" name="TextBox 184">
+            <a:extLst>
+              <a:ext uri="{FF2B5EF4-FFF2-40B4-BE49-F238E27FC236}">
+                <a16:creationId xmlns:a16="http://schemas.microsoft.com/office/drawing/2014/main" id="{9DB91F78-95C9-42A9-BF6C-33A91D15643D}"/>
+              </a:ext>
+            </a:extLst>
+          </p:cNvPr>
+          <p:cNvSpPr txBox="1"/>
+          <p:nvPr/>
+        </p:nvSpPr>
+        <p:spPr>
+          <a:xfrm rot="10800000">
+            <a:off x="18305105" y="23920342"/>
+            <a:ext cx="369332" cy="655307"/>
+          </a:xfrm>
+          <a:prstGeom prst="rect">
+            <a:avLst/>
+          </a:prstGeom>
+          <a:noFill/>
+          <a:ln>
+            <a:noFill/>
+          </a:ln>
+        </p:spPr>
+        <p:txBody>
+          <a:bodyPr vert="eaVert" wrap="square" rtlCol="0">
+            <a:spAutoFit/>
+          </a:bodyPr>
+          <a:lstStyle/>
+          <a:p>
+            <a:r>
+              <a:rPr lang="en-US" sz="1200" dirty="0">
+                <a:solidFill>
+                  <a:schemeClr val="accent6"/>
+                </a:solidFill>
+              </a:rPr>
+              <a:t>Updates</a:t>
+            </a:r>
+          </a:p>
+        </p:txBody>
+      </p:sp>
+      <p:cxnSp>
+        <p:nvCxnSpPr>
+          <p:cNvPr id="186" name="Straight Arrow Connector 185">
+            <a:extLst>
+              <a:ext uri="{FF2B5EF4-FFF2-40B4-BE49-F238E27FC236}">
+                <a16:creationId xmlns:a16="http://schemas.microsoft.com/office/drawing/2014/main" id="{48F06973-70FA-4682-8A9C-725091B31CEE}"/>
+              </a:ext>
+            </a:extLst>
+          </p:cNvPr>
+          <p:cNvCxnSpPr>
+            <a:cxnSpLocks/>
+          </p:cNvCxnSpPr>
+          <p:nvPr/>
+        </p:nvCxnSpPr>
+        <p:spPr>
+          <a:xfrm flipV="1">
+            <a:off x="18594775" y="23814862"/>
+            <a:ext cx="0" cy="885672"/>
+          </a:xfrm>
+          <a:prstGeom prst="straightConnector1">
+            <a:avLst/>
+          </a:prstGeom>
+          <a:ln>
+            <a:solidFill>
+              <a:schemeClr val="accent6"/>
+            </a:solidFill>
+            <a:tailEnd type="triangle"/>
+          </a:ln>
+        </p:spPr>
+        <p:style>
+          <a:lnRef idx="1">
+            <a:schemeClr val="accent1"/>
+          </a:lnRef>
+          <a:fillRef idx="0">
+            <a:schemeClr val="accent1"/>
+          </a:fillRef>
+          <a:effectRef idx="0">
+            <a:schemeClr val="accent1"/>
+          </a:effectRef>
+          <a:fontRef idx="minor">
+            <a:schemeClr val="tx1"/>
+          </a:fontRef>
+        </p:style>
+      </p:cxnSp>
+      <p:sp>
+        <p:nvSpPr>
+          <p:cNvPr id="293" name="Octagon 292">
+            <a:extLst>
+              <a:ext uri="{FF2B5EF4-FFF2-40B4-BE49-F238E27FC236}">
+                <a16:creationId xmlns:a16="http://schemas.microsoft.com/office/drawing/2014/main" id="{0BF90D05-B6ED-46F8-9CCF-DB747CA60AF7}"/>
+              </a:ext>
+            </a:extLst>
+          </p:cNvPr>
+          <p:cNvSpPr/>
+          <p:nvPr/>
+        </p:nvSpPr>
+        <p:spPr>
+          <a:xfrm>
+            <a:off x="18371652" y="25801584"/>
+            <a:ext cx="378613" cy="412582"/>
+          </a:xfrm>
+          <a:prstGeom prst="octagon">
+            <a:avLst/>
+          </a:prstGeom>
+          <a:solidFill>
+            <a:srgbClr val="C00000"/>
+          </a:solidFill>
+          <a:ln>
+            <a:solidFill>
+              <a:srgbClr val="C00000"/>
+            </a:solidFill>
+          </a:ln>
+        </p:spPr>
+        <p:style>
+          <a:lnRef idx="2">
+            <a:schemeClr val="accent1">
+              <a:shade val="50000"/>
+            </a:schemeClr>
+          </a:lnRef>
+          <a:fillRef idx="1">
+            <a:schemeClr val="accent1"/>
+          </a:fillRef>
+          <a:effectRef idx="0">
+            <a:schemeClr val="accent1"/>
+          </a:effectRef>
+          <a:fontRef idx="minor">
+            <a:schemeClr val="lt1"/>
+          </a:fontRef>
+        </p:style>
+        <p:txBody>
+          <a:bodyPr rtlCol="0" anchor="ctr"/>
+          <a:lstStyle/>
+          <a:p>
+            <a:pPr algn="ctr"/>
+            <a:endParaRPr lang="en-US"/>
+          </a:p>
+        </p:txBody>
+      </p:sp>
+      <p:sp>
+        <p:nvSpPr>
+          <p:cNvPr id="294" name="TextBox 293">
+            <a:extLst>
+              <a:ext uri="{FF2B5EF4-FFF2-40B4-BE49-F238E27FC236}">
+                <a16:creationId xmlns:a16="http://schemas.microsoft.com/office/drawing/2014/main" id="{2020C08B-8D8B-4DA1-8284-E3F99AC2437B}"/>
+              </a:ext>
+            </a:extLst>
+          </p:cNvPr>
+          <p:cNvSpPr txBox="1"/>
+          <p:nvPr/>
+        </p:nvSpPr>
+        <p:spPr>
+          <a:xfrm>
+            <a:off x="18202464" y="25601812"/>
+            <a:ext cx="765816" cy="215444"/>
+          </a:xfrm>
+          <a:prstGeom prst="rect">
+            <a:avLst/>
+          </a:prstGeom>
+          <a:noFill/>
+        </p:spPr>
+        <p:txBody>
+          <a:bodyPr wrap="square" rtlCol="0">
+            <a:spAutoFit/>
+          </a:bodyPr>
+          <a:lstStyle/>
+          <a:p>
+            <a:r>
+              <a:rPr lang="en-US" sz="400" dirty="0"/>
+              <a:t>Data flow stops, if mutation caused no updates</a:t>
+            </a:r>
+          </a:p>
+        </p:txBody>
+      </p:sp>
+      <p:cxnSp>
+        <p:nvCxnSpPr>
+          <p:cNvPr id="300" name="Connector: Elbow 299">
+            <a:extLst>
+              <a:ext uri="{FF2B5EF4-FFF2-40B4-BE49-F238E27FC236}">
+                <a16:creationId xmlns:a16="http://schemas.microsoft.com/office/drawing/2014/main" id="{F7EA0D06-7F8D-4C8D-89A2-39AB11A6909F}"/>
+              </a:ext>
+            </a:extLst>
+          </p:cNvPr>
+          <p:cNvCxnSpPr>
+            <a:cxnSpLocks/>
+            <a:stCxn id="46" idx="1"/>
+            <a:endCxn id="39" idx="1"/>
+          </p:cNvCxnSpPr>
+          <p:nvPr/>
+        </p:nvCxnSpPr>
+        <p:spPr>
+          <a:xfrm rot="10800000">
+            <a:off x="19232898" y="24965259"/>
+            <a:ext cx="36529" cy="697388"/>
+          </a:xfrm>
+          <a:prstGeom prst="bentConnector3">
+            <a:avLst>
+              <a:gd name="adj1" fmla="val 725804"/>
+            </a:avLst>
+          </a:prstGeom>
+          <a:ln w="3175">
+            <a:solidFill>
+              <a:srgbClr val="00B050"/>
+            </a:solidFill>
+            <a:tailEnd type="triangle"/>
+          </a:ln>
+        </p:spPr>
+        <p:style>
+          <a:lnRef idx="1">
+            <a:schemeClr val="accent1"/>
+          </a:lnRef>
+          <a:fillRef idx="0">
+            <a:schemeClr val="accent1"/>
+          </a:fillRef>
+          <a:effectRef idx="0">
+            <a:schemeClr val="accent1"/>
+          </a:effectRef>
+          <a:fontRef idx="minor">
+            <a:schemeClr val="tx1"/>
+          </a:fontRef>
+        </p:style>
+      </p:cxnSp>
+      <p:sp>
+        <p:nvSpPr>
+          <p:cNvPr id="301" name="TextBox 300">
+            <a:extLst>
+              <a:ext uri="{FF2B5EF4-FFF2-40B4-BE49-F238E27FC236}">
+                <a16:creationId xmlns:a16="http://schemas.microsoft.com/office/drawing/2014/main" id="{7F9FBADE-B2B6-4C23-83F8-72A35C29CABE}"/>
+              </a:ext>
+            </a:extLst>
+          </p:cNvPr>
+          <p:cNvSpPr txBox="1"/>
+          <p:nvPr/>
+        </p:nvSpPr>
+        <p:spPr>
+          <a:xfrm>
+            <a:off x="18630706" y="24066152"/>
+            <a:ext cx="307777" cy="562763"/>
+          </a:xfrm>
+          <a:prstGeom prst="rect">
+            <a:avLst/>
+          </a:prstGeom>
+          <a:noFill/>
+        </p:spPr>
+        <p:txBody>
+          <a:bodyPr vert="eaVert" wrap="square" rtlCol="0">
+            <a:spAutoFit/>
+          </a:bodyPr>
+          <a:lstStyle/>
+          <a:p>
+            <a:r>
+              <a:rPr lang="en-US" sz="400" dirty="0">
+                <a:solidFill>
+                  <a:schemeClr val="accent6"/>
+                </a:solidFill>
+              </a:rPr>
+              <a:t>Add </a:t>
+            </a:r>
+            <a:r>
+              <a:rPr lang="en-US" sz="400" dirty="0" err="1">
+                <a:solidFill>
+                  <a:schemeClr val="accent6"/>
+                </a:solidFill>
+              </a:rPr>
+              <a:t>propertyName</a:t>
+            </a:r>
+            <a:r>
+              <a:rPr lang="en-US" sz="400" dirty="0">
+                <a:solidFill>
+                  <a:schemeClr val="accent6"/>
+                </a:solidFill>
+              </a:rPr>
+              <a:t> on </a:t>
+            </a:r>
+            <a:r>
+              <a:rPr lang="en-US" sz="400" dirty="0" err="1">
+                <a:solidFill>
+                  <a:schemeClr val="accent6"/>
+                </a:solidFill>
+              </a:rPr>
+              <a:t>Iupdates</a:t>
+            </a:r>
+            <a:r>
+              <a:rPr lang="en-US" sz="400" dirty="0">
+                <a:solidFill>
+                  <a:schemeClr val="accent6"/>
+                </a:solidFill>
+              </a:rPr>
+              <a:t> Object</a:t>
+            </a:r>
+          </a:p>
+        </p:txBody>
+      </p:sp>
+      <p:cxnSp>
+        <p:nvCxnSpPr>
+          <p:cNvPr id="197" name="Connector: Elbow 196">
+            <a:extLst>
+              <a:ext uri="{FF2B5EF4-FFF2-40B4-BE49-F238E27FC236}">
+                <a16:creationId xmlns:a16="http://schemas.microsoft.com/office/drawing/2014/main" id="{F945477A-284E-47C1-9FC8-41153BE9D50A}"/>
+              </a:ext>
+            </a:extLst>
+          </p:cNvPr>
+          <p:cNvCxnSpPr>
+            <a:cxnSpLocks/>
+            <a:stCxn id="39" idx="1"/>
+            <a:endCxn id="12" idx="1"/>
+          </p:cNvCxnSpPr>
+          <p:nvPr/>
+        </p:nvCxnSpPr>
+        <p:spPr>
+          <a:xfrm rot="10800000" flipH="1">
+            <a:off x="19232897" y="24090831"/>
+            <a:ext cx="2988" cy="874429"/>
+          </a:xfrm>
+          <a:prstGeom prst="bentConnector3">
+            <a:avLst>
+              <a:gd name="adj1" fmla="val -7650602"/>
+            </a:avLst>
+          </a:prstGeom>
+          <a:ln w="9525">
+            <a:solidFill>
+              <a:srgbClr val="00B050"/>
+            </a:solidFill>
+            <a:tailEnd type="triangle"/>
+          </a:ln>
+        </p:spPr>
+        <p:style>
+          <a:lnRef idx="1">
+            <a:schemeClr val="accent1"/>
+          </a:lnRef>
+          <a:fillRef idx="0">
+            <a:schemeClr val="accent1"/>
+          </a:fillRef>
+          <a:effectRef idx="0">
+            <a:schemeClr val="accent1"/>
+          </a:effectRef>
+          <a:fontRef idx="minor">
+            <a:schemeClr val="tx1"/>
+          </a:fontRef>
+        </p:style>
+      </p:cxnSp>
+      <p:cxnSp>
+        <p:nvCxnSpPr>
+          <p:cNvPr id="207" name="Connector: Elbow 206">
+            <a:extLst>
+              <a:ext uri="{FF2B5EF4-FFF2-40B4-BE49-F238E27FC236}">
+                <a16:creationId xmlns:a16="http://schemas.microsoft.com/office/drawing/2014/main" id="{77CD302B-B056-4D6D-87C5-DD980729373A}"/>
+              </a:ext>
+            </a:extLst>
+          </p:cNvPr>
+          <p:cNvCxnSpPr>
+            <a:cxnSpLocks/>
+            <a:stCxn id="12" idx="1"/>
+            <a:endCxn id="11" idx="1"/>
+          </p:cNvCxnSpPr>
+          <p:nvPr/>
+        </p:nvCxnSpPr>
+        <p:spPr>
+          <a:xfrm rot="10800000" flipH="1">
+            <a:off x="19235884" y="22923034"/>
+            <a:ext cx="2523311" cy="1167796"/>
+          </a:xfrm>
+          <a:prstGeom prst="bentConnector3">
+            <a:avLst>
+              <a:gd name="adj1" fmla="val -9060"/>
+            </a:avLst>
+          </a:prstGeom>
+          <a:ln w="19050">
+            <a:solidFill>
+              <a:srgbClr val="00B050"/>
+            </a:solidFill>
+            <a:tailEnd type="triangle"/>
+          </a:ln>
+        </p:spPr>
+        <p:style>
+          <a:lnRef idx="1">
+            <a:schemeClr val="accent1"/>
+          </a:lnRef>
+          <a:fillRef idx="0">
+            <a:schemeClr val="accent1"/>
+          </a:fillRef>
+          <a:effectRef idx="0">
+            <a:schemeClr val="accent1"/>
+          </a:effectRef>
+          <a:fontRef idx="minor">
+            <a:schemeClr val="tx1"/>
+          </a:fontRef>
+        </p:style>
+      </p:cxnSp>
+      <p:sp>
+        <p:nvSpPr>
+          <p:cNvPr id="316" name="TextBox 315">
+            <a:extLst>
+              <a:ext uri="{FF2B5EF4-FFF2-40B4-BE49-F238E27FC236}">
+                <a16:creationId xmlns:a16="http://schemas.microsoft.com/office/drawing/2014/main" id="{8FFEFBEE-9C1C-4924-B473-50003578A63E}"/>
+              </a:ext>
+            </a:extLst>
+          </p:cNvPr>
+          <p:cNvSpPr txBox="1"/>
+          <p:nvPr/>
+        </p:nvSpPr>
+        <p:spPr>
+          <a:xfrm>
+            <a:off x="19663202" y="22951586"/>
+            <a:ext cx="931185" cy="153888"/>
+          </a:xfrm>
+          <a:prstGeom prst="rect">
+            <a:avLst/>
+          </a:prstGeom>
+          <a:noFill/>
+        </p:spPr>
+        <p:txBody>
+          <a:bodyPr wrap="square" rtlCol="0">
+            <a:spAutoFit/>
+          </a:bodyPr>
+          <a:lstStyle/>
+          <a:p>
+            <a:r>
+              <a:rPr lang="en-US" sz="400" dirty="0">
+                <a:solidFill>
+                  <a:schemeClr val="accent6"/>
+                </a:solidFill>
+              </a:rPr>
+              <a:t>Add </a:t>
+            </a:r>
+            <a:r>
+              <a:rPr lang="en-US" sz="400" dirty="0" err="1">
+                <a:solidFill>
+                  <a:schemeClr val="accent6"/>
+                </a:solidFill>
+              </a:rPr>
+              <a:t>objectId</a:t>
+            </a:r>
+            <a:r>
+              <a:rPr lang="en-US" sz="400" dirty="0">
+                <a:solidFill>
+                  <a:schemeClr val="accent6"/>
+                </a:solidFill>
+              </a:rPr>
+              <a:t> on </a:t>
+            </a:r>
+            <a:r>
+              <a:rPr lang="en-US" sz="400" dirty="0" err="1">
+                <a:solidFill>
+                  <a:schemeClr val="accent6"/>
+                </a:solidFill>
+              </a:rPr>
+              <a:t>IUpdates</a:t>
+            </a:r>
+            <a:r>
+              <a:rPr lang="en-US" sz="400" dirty="0">
+                <a:solidFill>
+                  <a:schemeClr val="accent6"/>
+                </a:solidFill>
+              </a:rPr>
+              <a:t> Object</a:t>
+            </a:r>
+          </a:p>
+        </p:txBody>
+      </p:sp>
+      <p:cxnSp>
+        <p:nvCxnSpPr>
+          <p:cNvPr id="182" name="Straight Arrow Connector 181">
+            <a:extLst>
+              <a:ext uri="{FF2B5EF4-FFF2-40B4-BE49-F238E27FC236}">
+                <a16:creationId xmlns:a16="http://schemas.microsoft.com/office/drawing/2014/main" id="{64C3201D-D357-46F1-A0B2-5CBB81C825D2}"/>
+              </a:ext>
+            </a:extLst>
+          </p:cNvPr>
+          <p:cNvCxnSpPr>
+            <a:cxnSpLocks/>
+            <a:stCxn id="11" idx="1"/>
+            <a:endCxn id="61" idx="2"/>
+          </p:cNvCxnSpPr>
+          <p:nvPr/>
+        </p:nvCxnSpPr>
+        <p:spPr>
+          <a:xfrm flipH="1" flipV="1">
+            <a:off x="17201837" y="22454526"/>
+            <a:ext cx="4557359" cy="468508"/>
+          </a:xfrm>
+          <a:prstGeom prst="straightConnector1">
+            <a:avLst/>
+          </a:prstGeom>
+          <a:ln w="38100">
+            <a:solidFill>
+              <a:srgbClr val="00B050"/>
+            </a:solidFill>
+            <a:tailEnd type="triangle"/>
+          </a:ln>
+        </p:spPr>
+        <p:style>
+          <a:lnRef idx="1">
+            <a:schemeClr val="accent1"/>
+          </a:lnRef>
+          <a:fillRef idx="0">
+            <a:schemeClr val="accent1"/>
+          </a:fillRef>
+          <a:effectRef idx="0">
+            <a:schemeClr val="accent1"/>
+          </a:effectRef>
+          <a:fontRef idx="minor">
+            <a:schemeClr val="tx1"/>
+          </a:fontRef>
+        </p:style>
+      </p:cxnSp>
+      <p:sp>
+        <p:nvSpPr>
+          <p:cNvPr id="320" name="TextBox 319">
+            <a:extLst>
+              <a:ext uri="{FF2B5EF4-FFF2-40B4-BE49-F238E27FC236}">
+                <a16:creationId xmlns:a16="http://schemas.microsoft.com/office/drawing/2014/main" id="{0D748716-EB81-403C-B9D7-F95AF32473C3}"/>
+              </a:ext>
+            </a:extLst>
+          </p:cNvPr>
+          <p:cNvSpPr txBox="1"/>
+          <p:nvPr/>
+        </p:nvSpPr>
+        <p:spPr>
+          <a:xfrm>
+            <a:off x="18801877" y="22389659"/>
+            <a:ext cx="931185" cy="153888"/>
+          </a:xfrm>
+          <a:prstGeom prst="rect">
+            <a:avLst/>
+          </a:prstGeom>
+          <a:noFill/>
+        </p:spPr>
+        <p:txBody>
+          <a:bodyPr wrap="square" rtlCol="0">
+            <a:spAutoFit/>
+          </a:bodyPr>
+          <a:lstStyle/>
+          <a:p>
+            <a:r>
+              <a:rPr lang="en-US" sz="400" dirty="0">
+                <a:solidFill>
+                  <a:schemeClr val="accent6"/>
+                </a:solidFill>
+              </a:rPr>
+              <a:t>Add </a:t>
+            </a:r>
+            <a:r>
+              <a:rPr lang="en-US" sz="400" dirty="0" err="1">
+                <a:solidFill>
+                  <a:schemeClr val="accent6"/>
+                </a:solidFill>
+              </a:rPr>
               <a:t>objectType</a:t>
             </a:r>
             <a:r>
+              <a:rPr lang="en-US" sz="400" dirty="0">
+                <a:solidFill>
+                  <a:schemeClr val="accent6"/>
+                </a:solidFill>
+              </a:rPr>
+              <a:t> on </a:t>
+            </a:r>
+            <a:r>
+              <a:rPr lang="en-US" sz="400" dirty="0" err="1">
+                <a:solidFill>
+                  <a:schemeClr val="accent6"/>
+                </a:solidFill>
+              </a:rPr>
+              <a:t>IUpdates</a:t>
+            </a:r>
+            <a:r>
+              <a:rPr lang="en-US" sz="400" dirty="0">
+                <a:solidFill>
+                  <a:schemeClr val="accent6"/>
+                </a:solidFill>
+              </a:rPr>
+              <a:t> Object</a:t>
+            </a:r>
+          </a:p>
+        </p:txBody>
+      </p:sp>
+      <p:sp>
+        <p:nvSpPr>
+          <p:cNvPr id="189" name="TextBox 188">
+            <a:extLst>
+              <a:ext uri="{FF2B5EF4-FFF2-40B4-BE49-F238E27FC236}">
+                <a16:creationId xmlns:a16="http://schemas.microsoft.com/office/drawing/2014/main" id="{3046735E-CB09-4D2E-9B8F-04B15B81C79F}"/>
+              </a:ext>
+            </a:extLst>
+          </p:cNvPr>
+          <p:cNvSpPr txBox="1"/>
+          <p:nvPr/>
+        </p:nvSpPr>
+        <p:spPr>
+          <a:xfrm>
+            <a:off x="11601240" y="20566399"/>
+            <a:ext cx="2550303" cy="2923877"/>
+          </a:xfrm>
+          <a:prstGeom prst="rect">
+            <a:avLst/>
+          </a:prstGeom>
+          <a:noFill/>
+        </p:spPr>
+        <p:txBody>
+          <a:bodyPr wrap="square" rtlCol="0">
+            <a:spAutoFit/>
+          </a:bodyPr>
+          <a:lstStyle/>
+          <a:p>
+            <a:r>
+              <a:rPr lang="en-US" sz="400" dirty="0"/>
+              <a:t>Should each sigma node have the full tree/content objects that they do now?</a:t>
+            </a:r>
+          </a:p>
+          <a:p>
+            <a:endParaRPr lang="en-US" sz="400" dirty="0"/>
+          </a:p>
+          <a:p>
+            <a:r>
+              <a:rPr lang="en-US" sz="400" dirty="0"/>
+              <a:t>Each </a:t>
+            </a:r>
+            <a:r>
+              <a:rPr lang="en-US" sz="400" dirty="0" err="1"/>
+              <a:t>SigmaNodeHandler</a:t>
+            </a:r>
+            <a:r>
+              <a:rPr lang="en-US" sz="400" dirty="0"/>
+              <a:t> class instance subscribes to updates from a </a:t>
+            </a:r>
+            <a:r>
+              <a:rPr lang="en-US" sz="400" dirty="0" err="1"/>
+              <a:t>SubscribableContentItem</a:t>
+            </a:r>
+            <a:r>
+              <a:rPr lang="en-US" sz="400" dirty="0"/>
+              <a:t>, </a:t>
+            </a:r>
+            <a:r>
+              <a:rPr lang="en-US" sz="400" dirty="0" err="1"/>
+              <a:t>SubscribableTree</a:t>
+            </a:r>
+            <a:r>
+              <a:rPr lang="en-US" sz="400" dirty="0"/>
+              <a:t>, </a:t>
+            </a:r>
+            <a:r>
+              <a:rPr lang="en-US" sz="400" dirty="0" err="1"/>
+              <a:t>SubscribableTreeUserData</a:t>
+            </a:r>
+            <a:r>
+              <a:rPr lang="en-US" sz="400" dirty="0"/>
+              <a:t>, </a:t>
+            </a:r>
+            <a:r>
+              <a:rPr lang="en-US" sz="400" dirty="0" err="1"/>
+              <a:t>SubscribableContentUserData</a:t>
+            </a:r>
+            <a:r>
+              <a:rPr lang="en-US" sz="400" dirty="0"/>
+              <a:t>. Each of these emit an </a:t>
+            </a:r>
+            <a:r>
+              <a:rPr lang="en-US" sz="400" dirty="0" err="1"/>
+              <a:t>oldVal</a:t>
+            </a:r>
+            <a:r>
+              <a:rPr lang="en-US" sz="400" dirty="0"/>
+              <a:t>, and </a:t>
+            </a:r>
+            <a:r>
+              <a:rPr lang="en-US" sz="400" dirty="0" err="1"/>
+              <a:t>newVal</a:t>
+            </a:r>
+            <a:r>
+              <a:rPr lang="en-US" sz="400" dirty="0"/>
+              <a:t>. Each of those may be objects, with </a:t>
+            </a:r>
+            <a:r>
+              <a:rPr lang="en-US" sz="400" dirty="0" err="1"/>
+              <a:t>subproperties</a:t>
+            </a:r>
+            <a:endParaRPr lang="en-US" sz="400" dirty="0"/>
+          </a:p>
+          <a:p>
+            <a:endParaRPr lang="en-US" sz="400" dirty="0"/>
+          </a:p>
+          <a:p>
+            <a:r>
+              <a:rPr lang="en-US" sz="400" dirty="0"/>
+              <a:t>Constructor({</a:t>
+            </a:r>
+            <a:r>
+              <a:rPr lang="en-US" sz="400" dirty="0" err="1"/>
+              <a:t>sigmaNode</a:t>
+            </a:r>
+            <a:r>
+              <a:rPr lang="en-US" sz="400" dirty="0"/>
+              <a:t>}) {</a:t>
+            </a:r>
+          </a:p>
+          <a:p>
+            <a:pPr defTabSz="114300"/>
+            <a:r>
+              <a:rPr lang="en-US" sz="400" dirty="0"/>
+              <a:t>	</a:t>
+            </a:r>
+            <a:r>
+              <a:rPr lang="en-US" sz="400" dirty="0" err="1"/>
+              <a:t>this.sigmaNode</a:t>
+            </a:r>
+            <a:r>
+              <a:rPr lang="en-US" sz="400" dirty="0"/>
+              <a:t> = </a:t>
+            </a:r>
+            <a:r>
+              <a:rPr lang="en-US" sz="400" dirty="0" err="1"/>
+              <a:t>sigmaNode</a:t>
+            </a:r>
+            <a:endParaRPr lang="en-US" sz="400" dirty="0"/>
+          </a:p>
+          <a:p>
+            <a:r>
+              <a:rPr lang="en-US" sz="400" dirty="0"/>
+              <a:t>})</a:t>
+            </a:r>
+          </a:p>
+          <a:p>
+            <a:endParaRPr lang="en-US" sz="400" dirty="0"/>
+          </a:p>
+          <a:p>
+            <a:r>
+              <a:rPr lang="en-US" sz="400" dirty="0" err="1"/>
+              <a:t>this.sigmaNode</a:t>
+            </a:r>
+            <a:r>
+              <a:rPr lang="en-US" sz="400" dirty="0"/>
+              <a:t> = {</a:t>
+            </a:r>
+          </a:p>
+          <a:p>
+            <a:r>
+              <a:rPr lang="en-US" sz="400" dirty="0"/>
+              <a:t>        ...</a:t>
+            </a:r>
+            <a:r>
+              <a:rPr lang="en-US" sz="400" dirty="0" err="1"/>
+              <a:t>treeData</a:t>
+            </a:r>
+            <a:r>
+              <a:rPr lang="en-US" sz="400" dirty="0"/>
+              <a:t>,</a:t>
+            </a:r>
+          </a:p>
+          <a:p>
+            <a:r>
+              <a:rPr lang="en-US" sz="400" dirty="0"/>
+              <a:t>        …</a:t>
+            </a:r>
+            <a:r>
+              <a:rPr lang="en-US" sz="400" dirty="0" err="1"/>
+              <a:t>treeLocationData</a:t>
+            </a:r>
+            <a:r>
+              <a:rPr lang="en-US" sz="400" dirty="0"/>
+              <a:t>,</a:t>
+            </a:r>
+          </a:p>
+          <a:p>
+            <a:r>
+              <a:rPr lang="en-US" sz="400" dirty="0"/>
+              <a:t>        content,</a:t>
+            </a:r>
+          </a:p>
+          <a:p>
+            <a:r>
+              <a:rPr lang="en-US" sz="400" dirty="0"/>
+              <a:t>        overdue: </a:t>
+            </a:r>
+            <a:r>
+              <a:rPr lang="en-US" sz="400" dirty="0" err="1"/>
+              <a:t>content.overdue</a:t>
+            </a:r>
+            <a:r>
+              <a:rPr lang="en-US" sz="400" dirty="0"/>
+              <a:t>,</a:t>
+            </a:r>
+          </a:p>
+          <a:p>
+            <a:r>
+              <a:rPr lang="en-US" sz="400" dirty="0"/>
+              <a:t>        label: </a:t>
+            </a:r>
+            <a:r>
+              <a:rPr lang="en-US" sz="400" dirty="0" err="1"/>
+              <a:t>getLabelFromContent</a:t>
+            </a:r>
+            <a:r>
+              <a:rPr lang="en-US" sz="400" dirty="0"/>
+              <a:t>(content), // better yet have a </a:t>
+            </a:r>
+            <a:r>
+              <a:rPr lang="en-US" sz="400" dirty="0" err="1"/>
+              <a:t>contentItemUI</a:t>
+            </a:r>
+            <a:r>
+              <a:rPr lang="en-US" sz="400" dirty="0"/>
+              <a:t> class that uses polymorphism for a label() property</a:t>
+            </a:r>
+          </a:p>
+          <a:p>
+            <a:r>
+              <a:rPr lang="en-US" sz="400" dirty="0"/>
+              <a:t>        size: </a:t>
+            </a:r>
+            <a:r>
+              <a:rPr lang="en-US" sz="400" dirty="0" err="1"/>
+              <a:t>getSizeFromUserContentData</a:t>
+            </a:r>
+            <a:r>
+              <a:rPr lang="en-US" sz="400" dirty="0"/>
+              <a:t> (</a:t>
+            </a:r>
+            <a:r>
+              <a:rPr lang="en-US" sz="400" dirty="0" err="1"/>
+              <a:t>userContentData</a:t>
+            </a:r>
+            <a:r>
+              <a:rPr lang="en-US" sz="400" dirty="0"/>
+              <a:t>), // maybe better yet have a </a:t>
+            </a:r>
+            <a:r>
+              <a:rPr lang="en-US" sz="400" dirty="0" err="1"/>
+              <a:t>UserContentItemUI</a:t>
+            </a:r>
+            <a:r>
+              <a:rPr lang="en-US" sz="400" dirty="0"/>
+              <a:t> class that determines the size from a .size() method. This class via composition has access to </a:t>
+            </a:r>
+            <a:r>
+              <a:rPr lang="en-US" sz="400" dirty="0" err="1"/>
+              <a:t>UserContentItem</a:t>
+            </a:r>
+            <a:r>
+              <a:rPr lang="en-US" sz="400" dirty="0"/>
+              <a:t>, or maybe just one of </a:t>
+            </a:r>
+            <a:r>
+              <a:rPr lang="en-US" sz="400" dirty="0" err="1"/>
+              <a:t>userContentItem’s</a:t>
+            </a:r>
+            <a:r>
+              <a:rPr lang="en-US" sz="400" dirty="0"/>
+              <a:t> properties.</a:t>
+            </a:r>
+          </a:p>
+          <a:p>
+            <a:r>
+              <a:rPr lang="en-US" sz="400" dirty="0"/>
+              <a:t>        color: </a:t>
+            </a:r>
+            <a:r>
+              <a:rPr lang="en-US" sz="400" dirty="0" err="1"/>
+              <a:t>getTreeColorFromUserContentData</a:t>
+            </a:r>
+            <a:r>
+              <a:rPr lang="en-US" sz="400" dirty="0"/>
+              <a:t>(</a:t>
+            </a:r>
+            <a:r>
+              <a:rPr lang="en-US" sz="400" dirty="0" err="1"/>
+              <a:t>userContentData</a:t>
+            </a:r>
+            <a:r>
+              <a:rPr lang="en-US" sz="400" dirty="0"/>
+              <a:t>),</a:t>
+            </a:r>
+          </a:p>
+          <a:p>
+            <a:r>
+              <a:rPr lang="en-US" sz="400" dirty="0"/>
+              <a:t>        colors: [</a:t>
+            </a:r>
+          </a:p>
+          <a:p>
+            <a:pPr defTabSz="173038"/>
+            <a:r>
+              <a:rPr lang="en-US" sz="400" dirty="0"/>
+              <a:t>	{color: “RED”,</a:t>
+            </a:r>
+          </a:p>
+          <a:p>
+            <a:pPr defTabSz="173038"/>
+            <a:r>
+              <a:rPr lang="en-US" sz="400" dirty="0"/>
+              <a:t>	start: pi/2,</a:t>
+            </a:r>
+          </a:p>
+          <a:p>
+            <a:pPr defTabSz="173038"/>
+            <a:r>
+              <a:rPr lang="en-US" sz="400" dirty="0"/>
+              <a:t>	end: 0,</a:t>
+            </a:r>
+          </a:p>
+          <a:p>
+            <a:pPr defTabSz="173038"/>
+            <a:r>
+              <a:rPr lang="en-US" sz="400" dirty="0"/>
+              <a:t>	}</a:t>
+            </a:r>
+          </a:p>
+          <a:p>
+            <a:pPr defTabSz="114300"/>
+            <a:r>
+              <a:rPr lang="en-US" sz="400" dirty="0"/>
+              <a:t>	]</a:t>
+            </a:r>
+          </a:p>
+          <a:p>
+            <a:r>
+              <a:rPr lang="en-US" sz="400" dirty="0"/>
+              <a:t>        type: NODE_TYPES.TREE,</a:t>
+            </a:r>
+          </a:p>
+          <a:p>
+            <a:r>
+              <a:rPr lang="en-US" sz="400" dirty="0"/>
+              <a:t>};</a:t>
+            </a:r>
+          </a:p>
+          <a:p>
+            <a:endParaRPr lang="en-US" sz="400" dirty="0"/>
+          </a:p>
+          <a:p>
+            <a:r>
+              <a:rPr lang="en-US" sz="400" dirty="0" err="1"/>
+              <a:t>changeSigmaNodeFromNewContentData</a:t>
+            </a:r>
+            <a:r>
+              <a:rPr lang="en-US" sz="400" dirty="0"/>
+              <a:t>(</a:t>
+            </a:r>
+            <a:r>
+              <a:rPr lang="en-US" sz="400" dirty="0" err="1"/>
+              <a:t>newContentData</a:t>
+            </a:r>
+            <a:r>
               <a:rPr lang="en-US" sz="400" dirty="0"/>
               <a:t>: </a:t>
             </a:r>
             <a:r>
               <a:rPr lang="en-US" sz="400" dirty="0" err="1"/>
-              <a:t>treeLocation</a:t>
-            </a:r>
-            <a:r>
-              <a:rPr lang="en-US" sz="400" dirty="0"/>
-              <a:t>, </a:t>
-            </a:r>
-            <a:r>
-              <a:rPr lang="en-US" sz="400" dirty="0" err="1"/>
-              <a:t>objectId</a:t>
-            </a:r>
-            <a:r>
-              <a:rPr lang="en-US" sz="400" dirty="0"/>
-              <a:t>: efa234, property: </a:t>
-            </a:r>
-            <a:r>
-              <a:rPr lang="en-US" sz="400" dirty="0" err="1"/>
-              <a:t>val</a:t>
-            </a:r>
-            <a:r>
-              <a:rPr lang="en-US" sz="400" dirty="0"/>
-              <a:t>, mutation: {type: TREE_LOCATION_MUTATONS.SET, data: {</a:t>
-            </a:r>
-            <a:r>
-              <a:rPr lang="en-US" sz="400" dirty="0" err="1"/>
-              <a:t>val</a:t>
-            </a:r>
-            <a:r>
-              <a:rPr lang="en-US" sz="400" dirty="0"/>
-              <a:t>: { x: 101, y:102}} . . .))</a:t>
+              <a:t>INewContentDataUI</a:t>
+            </a:r>
+            <a:r>
+              <a:rPr lang="en-US" sz="400" dirty="0"/>
+              <a:t>) {</a:t>
+            </a:r>
+          </a:p>
+          <a:p>
+            <a:pPr>
+              <a:tabLst>
+                <a:tab pos="112713" algn="l"/>
+              </a:tabLst>
+            </a:pPr>
+            <a:r>
+              <a:rPr lang="en-US" sz="400" dirty="0"/>
+              <a:t>	</a:t>
+            </a:r>
+            <a:r>
+              <a:rPr lang="en-US" sz="400" dirty="0" err="1"/>
+              <a:t>this.sigmaNode.label</a:t>
+            </a:r>
+            <a:r>
+              <a:rPr lang="en-US" sz="400" dirty="0"/>
+              <a:t> = </a:t>
+            </a:r>
+            <a:r>
+              <a:rPr lang="en-US" sz="400" dirty="0" err="1"/>
+              <a:t>newContentData.type</a:t>
+            </a:r>
+            <a:r>
+              <a:rPr lang="en-US" sz="400" dirty="0"/>
+              <a:t> === </a:t>
+            </a:r>
+            <a:r>
+              <a:rPr lang="en-US" sz="400" dirty="0" err="1"/>
+              <a:t>CONTENT_TYPES.category</a:t>
+            </a:r>
+            <a:r>
+              <a:rPr lang="en-US" sz="400" dirty="0"/>
+              <a:t> ? </a:t>
+            </a:r>
+            <a:r>
+              <a:rPr lang="en-US" sz="400" dirty="0" err="1"/>
+              <a:t>newContentData.title</a:t>
+            </a:r>
+            <a:r>
+              <a:rPr lang="en-US" sz="400" dirty="0"/>
+              <a:t> : …. === </a:t>
+            </a:r>
+            <a:r>
+              <a:rPr lang="en-US" sz="400" dirty="0" err="1"/>
+              <a:t>CONTENT_TYPES.fact</a:t>
+            </a:r>
+            <a:r>
+              <a:rPr lang="en-US" sz="400" dirty="0"/>
+              <a:t> ? </a:t>
+            </a:r>
+            <a:r>
+              <a:rPr lang="en-US" sz="400" dirty="0" err="1"/>
+              <a:t>newContentData.question</a:t>
+            </a:r>
+            <a:r>
+              <a:rPr lang="en-US" sz="400" dirty="0"/>
+              <a:t> + ‘: ‘ + </a:t>
+            </a:r>
+            <a:r>
+              <a:rPr lang="en-US" sz="400" dirty="0" err="1"/>
+              <a:t>newContentData.answer</a:t>
+            </a:r>
+            <a:endParaRPr lang="en-US" sz="400" dirty="0"/>
+          </a:p>
+          <a:p>
+            <a:pPr>
+              <a:tabLst>
+                <a:tab pos="112713" algn="l"/>
+              </a:tabLst>
+            </a:pPr>
+            <a:r>
+              <a:rPr lang="en-US" sz="400" dirty="0"/>
+              <a:t>	</a:t>
+            </a:r>
+            <a:r>
+              <a:rPr lang="en-US" sz="400" dirty="0" err="1"/>
+              <a:t>this.sigmaNode.question</a:t>
+            </a:r>
+            <a:r>
+              <a:rPr lang="en-US" sz="400" dirty="0"/>
+              <a:t> = </a:t>
+            </a:r>
+            <a:r>
+              <a:rPr lang="en-US" sz="400" dirty="0" err="1"/>
+              <a:t>newContentData.question</a:t>
+            </a:r>
+            <a:endParaRPr lang="en-US" sz="400" dirty="0"/>
+          </a:p>
+          <a:p>
+            <a:pPr>
+              <a:tabLst>
+                <a:tab pos="112713" algn="l"/>
+              </a:tabLst>
+            </a:pPr>
+            <a:r>
+              <a:rPr lang="en-US" sz="400" dirty="0"/>
+              <a:t>	answer</a:t>
+            </a:r>
+          </a:p>
+          <a:p>
+            <a:pPr>
+              <a:tabLst>
+                <a:tab pos="112713" algn="l"/>
+              </a:tabLst>
+            </a:pPr>
+            <a:r>
+              <a:rPr lang="en-US" sz="400" dirty="0"/>
+              <a:t>	title</a:t>
+            </a:r>
+          </a:p>
+          <a:p>
+            <a:r>
+              <a:rPr lang="en-US" sz="400" dirty="0"/>
+              <a:t>}</a:t>
+            </a:r>
+          </a:p>
+          <a:p>
+            <a:r>
+              <a:rPr lang="en-US" sz="400" dirty="0" err="1"/>
+              <a:t>changeSigmaNodeFromNewContentUserData</a:t>
+            </a:r>
+            <a:r>
+              <a:rPr lang="en-US" sz="400" dirty="0"/>
+              <a:t>(</a:t>
+            </a:r>
+            <a:r>
+              <a:rPr lang="en-US" sz="400" dirty="0" err="1"/>
+              <a:t>newContentUserDataUI</a:t>
+            </a:r>
+            <a:r>
+              <a:rPr lang="en-US" sz="400" dirty="0"/>
+              <a:t>: </a:t>
+            </a:r>
+            <a:r>
+              <a:rPr lang="en-US" sz="400" dirty="0" err="1"/>
+              <a:t>INewContentUserDataUI</a:t>
+            </a:r>
+            <a:r>
+              <a:rPr lang="en-US" sz="400" dirty="0"/>
+              <a:t>) {</a:t>
+            </a:r>
+          </a:p>
+          <a:p>
+            <a:pPr>
+              <a:tabLst>
+                <a:tab pos="112713" algn="l"/>
+              </a:tabLst>
+            </a:pPr>
+            <a:r>
+              <a:rPr lang="en-US" sz="400" dirty="0"/>
+              <a:t>	</a:t>
+            </a:r>
+            <a:r>
+              <a:rPr lang="en-US" sz="400" dirty="0" err="1"/>
+              <a:t>this.sigmaNode.overdue</a:t>
+            </a:r>
+            <a:r>
+              <a:rPr lang="en-US" sz="400" dirty="0"/>
+              <a:t> = </a:t>
+            </a:r>
+            <a:r>
+              <a:rPr lang="en-US" sz="400" dirty="0" err="1"/>
+              <a:t>newContentUserDataUI.overdue</a:t>
+            </a:r>
+            <a:r>
+              <a:rPr lang="en-US" sz="400" dirty="0"/>
+              <a:t>()</a:t>
+            </a:r>
+          </a:p>
+          <a:p>
+            <a:r>
+              <a:rPr lang="en-US" sz="400" dirty="0"/>
+              <a:t>}</a:t>
+            </a:r>
+          </a:p>
+          <a:p>
+            <a:r>
+              <a:rPr lang="en-US" sz="400" dirty="0" err="1"/>
+              <a:t>changeSigmaNodeFromNewTreeUserData</a:t>
+            </a:r>
+            <a:r>
+              <a:rPr lang="en-US" sz="400" dirty="0"/>
+              <a:t>(</a:t>
+            </a:r>
+            <a:r>
+              <a:rPr lang="en-US" sz="400" dirty="0" err="1"/>
+              <a:t>newTreeUserDataUI</a:t>
+            </a:r>
+            <a:r>
+              <a:rPr lang="en-US" sz="400" dirty="0"/>
+              <a:t>: </a:t>
+            </a:r>
+            <a:r>
+              <a:rPr lang="en-US" sz="400" dirty="0" err="1"/>
+              <a:t>INewTreeUserDataUI</a:t>
+            </a:r>
+            <a:r>
+              <a:rPr lang="en-US" sz="400" dirty="0"/>
+              <a:t>) {</a:t>
+            </a:r>
+          </a:p>
+          <a:p>
+            <a:pPr defTabSz="114300"/>
+            <a:r>
+              <a:rPr lang="en-US" sz="400" dirty="0"/>
+              <a:t>	</a:t>
+            </a:r>
+            <a:r>
+              <a:rPr lang="en-US" sz="400" dirty="0" err="1"/>
+              <a:t>this.sigmaNode.colors</a:t>
+            </a:r>
+            <a:r>
+              <a:rPr lang="en-US" sz="400" dirty="0"/>
+              <a:t> = </a:t>
+            </a:r>
+            <a:r>
+              <a:rPr lang="en-US" sz="400" dirty="0" err="1"/>
+              <a:t>SigmaNodeUIHelper.calculateColors</a:t>
+            </a:r>
+            <a:r>
+              <a:rPr lang="en-US" sz="400" dirty="0"/>
+              <a:t>(</a:t>
+            </a:r>
+            <a:r>
+              <a:rPr lang="en-US" sz="400" dirty="0" err="1"/>
+              <a:t>newTreeUserDataUI.proficiencyStats</a:t>
+            </a:r>
+            <a:r>
+              <a:rPr lang="en-US" sz="400" dirty="0"/>
+              <a:t>)</a:t>
+            </a:r>
+          </a:p>
+          <a:p>
+            <a:r>
+              <a:rPr lang="en-US" sz="400" dirty="0"/>
+              <a:t>}</a:t>
+            </a:r>
+          </a:p>
+          <a:p>
+            <a:r>
+              <a:rPr lang="en-US" sz="400" dirty="0" err="1"/>
+              <a:t>onTreeUpdate</a:t>
+            </a:r>
+            <a:r>
+              <a:rPr lang="en-US" sz="400" dirty="0"/>
+              <a:t>() {</a:t>
+            </a:r>
+          </a:p>
+          <a:p>
+            <a:pPr defTabSz="114300"/>
+            <a:r>
+              <a:rPr lang="en-US" sz="400" dirty="0"/>
+              <a:t>    	if </a:t>
+            </a:r>
+            <a:r>
+              <a:rPr lang="en-US" sz="400" dirty="0" err="1"/>
+              <a:t>this.contentId</a:t>
+            </a:r>
+            <a:r>
+              <a:rPr lang="en-US" sz="400" dirty="0"/>
+              <a:t> changes, will have to unsubscribe from old </a:t>
+            </a:r>
+            <a:r>
+              <a:rPr lang="en-US" sz="400" dirty="0" err="1"/>
+              <a:t>contentId</a:t>
+            </a:r>
+            <a:r>
+              <a:rPr lang="en-US" sz="400" dirty="0"/>
+              <a:t>, and subscribe to new </a:t>
+            </a:r>
+            <a:r>
+              <a:rPr lang="en-US" sz="400" dirty="0" err="1"/>
+              <a:t>contentId</a:t>
+            </a:r>
+            <a:endParaRPr lang="en-US" sz="400" dirty="0"/>
+          </a:p>
+          <a:p>
+            <a:endParaRPr lang="en-US" sz="400" dirty="0"/>
+          </a:p>
+        </p:txBody>
+      </p:sp>
+      <p:sp>
+        <p:nvSpPr>
+          <p:cNvPr id="190" name="TextBox 189">
+            <a:extLst>
+              <a:ext uri="{FF2B5EF4-FFF2-40B4-BE49-F238E27FC236}">
+                <a16:creationId xmlns:a16="http://schemas.microsoft.com/office/drawing/2014/main" id="{E8B13FDE-33D9-4DEE-9109-AF029B8FBB8C}"/>
+              </a:ext>
+            </a:extLst>
+          </p:cNvPr>
+          <p:cNvSpPr txBox="1"/>
+          <p:nvPr/>
+        </p:nvSpPr>
+        <p:spPr>
+          <a:xfrm>
+            <a:off x="18370230" y="15630525"/>
+            <a:ext cx="1957565" cy="923330"/>
+          </a:xfrm>
+          <a:prstGeom prst="rect">
+            <a:avLst/>
+          </a:prstGeom>
+          <a:noFill/>
+        </p:spPr>
+        <p:txBody>
+          <a:bodyPr wrap="square" rtlCol="0">
+            <a:spAutoFit/>
+          </a:bodyPr>
+          <a:lstStyle/>
+          <a:p>
+            <a:r>
+              <a:rPr lang="en-US" dirty="0" err="1"/>
+              <a:t>CreateTree</a:t>
+            </a:r>
+            <a:endParaRPr lang="en-US" dirty="0"/>
+          </a:p>
+          <a:p>
+            <a:r>
+              <a:rPr lang="en-US" dirty="0" err="1"/>
+              <a:t>createContentItem</a:t>
+            </a:r>
+            <a:endParaRPr lang="en-US" dirty="0"/>
+          </a:p>
+          <a:p>
+            <a:r>
+              <a:rPr lang="en-US" dirty="0" err="1"/>
+              <a:t>CreateExercise</a:t>
+            </a:r>
+            <a:endParaRPr lang="en-US" dirty="0"/>
+          </a:p>
+        </p:txBody>
+      </p:sp>
+      <p:sp>
+        <p:nvSpPr>
+          <p:cNvPr id="191" name="TextBox 190">
+            <a:extLst>
+              <a:ext uri="{FF2B5EF4-FFF2-40B4-BE49-F238E27FC236}">
+                <a16:creationId xmlns:a16="http://schemas.microsoft.com/office/drawing/2014/main" id="{0C31FAF1-8758-41C2-BEEB-A06FEADD6EF5}"/>
+              </a:ext>
+            </a:extLst>
+          </p:cNvPr>
+          <p:cNvSpPr txBox="1"/>
+          <p:nvPr/>
+        </p:nvSpPr>
+        <p:spPr>
+          <a:xfrm>
+            <a:off x="24391595" y="18363055"/>
+            <a:ext cx="2509836" cy="1200329"/>
+          </a:xfrm>
+          <a:prstGeom prst="rect">
+            <a:avLst/>
+          </a:prstGeom>
+          <a:noFill/>
+        </p:spPr>
+        <p:txBody>
+          <a:bodyPr wrap="square" rtlCol="0">
+            <a:spAutoFit/>
+          </a:bodyPr>
+          <a:lstStyle/>
+          <a:p>
+            <a:r>
+              <a:rPr lang="en-US" dirty="0"/>
+              <a:t>Db </a:t>
+            </a:r>
+            <a:r>
+              <a:rPr lang="en-US" dirty="0" err="1"/>
+              <a:t>auth</a:t>
+            </a:r>
+            <a:r>
+              <a:rPr lang="en-US" dirty="0"/>
+              <a:t> security?? How do we know that any old user couldn’t modify other users’ data?</a:t>
+            </a:r>
+          </a:p>
+        </p:txBody>
+      </p:sp>
+      <p:sp>
+        <p:nvSpPr>
+          <p:cNvPr id="321" name="TextBox 320">
+            <a:extLst>
+              <a:ext uri="{FF2B5EF4-FFF2-40B4-BE49-F238E27FC236}">
+                <a16:creationId xmlns:a16="http://schemas.microsoft.com/office/drawing/2014/main" id="{2B18A4E9-6450-4B03-9E67-B5DC995FEF06}"/>
+              </a:ext>
+            </a:extLst>
+          </p:cNvPr>
+          <p:cNvSpPr txBox="1"/>
+          <p:nvPr/>
+        </p:nvSpPr>
+        <p:spPr>
+          <a:xfrm>
+            <a:off x="23835703" y="-53370"/>
+            <a:ext cx="4240290" cy="1384995"/>
+          </a:xfrm>
+          <a:prstGeom prst="rect">
+            <a:avLst/>
+          </a:prstGeom>
+          <a:noFill/>
+        </p:spPr>
+        <p:txBody>
+          <a:bodyPr wrap="square" rtlCol="0">
+            <a:spAutoFit/>
+          </a:bodyPr>
+          <a:lstStyle/>
+          <a:p>
+            <a:pPr>
+              <a:tabLst>
+                <a:tab pos="4056063" algn="l"/>
+              </a:tabLst>
+            </a:pPr>
+            <a:r>
+              <a:rPr lang="en-US" sz="8400" dirty="0"/>
+              <a:t>ACTIONS</a:t>
+            </a:r>
+          </a:p>
+        </p:txBody>
+      </p:sp>
+      <p:sp>
+        <p:nvSpPr>
+          <p:cNvPr id="323" name="TextBox 322">
+            <a:extLst>
+              <a:ext uri="{FF2B5EF4-FFF2-40B4-BE49-F238E27FC236}">
+                <a16:creationId xmlns:a16="http://schemas.microsoft.com/office/drawing/2014/main" id="{976665C5-18D0-49AF-A865-9D1B54BF9352}"/>
+              </a:ext>
+            </a:extLst>
+          </p:cNvPr>
+          <p:cNvSpPr txBox="1"/>
+          <p:nvPr/>
+        </p:nvSpPr>
+        <p:spPr>
+          <a:xfrm>
+            <a:off x="15684570" y="21495336"/>
+            <a:ext cx="479535" cy="215444"/>
+          </a:xfrm>
+          <a:prstGeom prst="rect">
+            <a:avLst/>
+          </a:prstGeom>
+          <a:noFill/>
+        </p:spPr>
+        <p:txBody>
+          <a:bodyPr wrap="square" rtlCol="0">
+            <a:spAutoFit/>
+          </a:bodyPr>
+          <a:lstStyle/>
+          <a:p>
+            <a:r>
+              <a:rPr lang="en-US" sz="400" dirty="0" err="1"/>
+              <a:t>PointsUIUpdater</a:t>
+            </a:r>
+            <a:endParaRPr lang="en-US" sz="400" dirty="0"/>
+          </a:p>
+        </p:txBody>
+      </p:sp>
+      <p:cxnSp>
+        <p:nvCxnSpPr>
+          <p:cNvPr id="324" name="Straight Arrow Connector 323">
+            <a:extLst>
+              <a:ext uri="{FF2B5EF4-FFF2-40B4-BE49-F238E27FC236}">
+                <a16:creationId xmlns:a16="http://schemas.microsoft.com/office/drawing/2014/main" id="{C81C7CF1-F964-41CB-BC09-72AE1D0155C8}"/>
+              </a:ext>
+            </a:extLst>
+          </p:cNvPr>
+          <p:cNvCxnSpPr>
+            <a:cxnSpLocks/>
+            <a:stCxn id="61" idx="0"/>
+            <a:endCxn id="323" idx="2"/>
+          </p:cNvCxnSpPr>
+          <p:nvPr/>
+        </p:nvCxnSpPr>
+        <p:spPr>
+          <a:xfrm flipH="1" flipV="1">
+            <a:off x="15924338" y="21710780"/>
+            <a:ext cx="1277499" cy="343636"/>
+          </a:xfrm>
+          <a:prstGeom prst="straightConnector1">
+            <a:avLst/>
+          </a:prstGeom>
+          <a:ln>
+            <a:tailEnd type="triangle"/>
+          </a:ln>
+        </p:spPr>
+        <p:style>
+          <a:lnRef idx="1">
+            <a:schemeClr val="accent1"/>
+          </a:lnRef>
+          <a:fillRef idx="0">
+            <a:schemeClr val="accent1"/>
+          </a:fillRef>
+          <a:effectRef idx="0">
+            <a:schemeClr val="accent1"/>
+          </a:effectRef>
+          <a:fontRef idx="minor">
+            <a:schemeClr val="tx1"/>
+          </a:fontRef>
+        </p:style>
+      </p:cxnSp>
+      <p:cxnSp>
+        <p:nvCxnSpPr>
+          <p:cNvPr id="343" name="Straight Arrow Connector 342">
+            <a:extLst>
+              <a:ext uri="{FF2B5EF4-FFF2-40B4-BE49-F238E27FC236}">
+                <a16:creationId xmlns:a16="http://schemas.microsoft.com/office/drawing/2014/main" id="{9506071F-23B1-4B52-A738-04C58A8CC2A3}"/>
+              </a:ext>
+            </a:extLst>
+          </p:cNvPr>
+          <p:cNvCxnSpPr>
+            <a:cxnSpLocks/>
+            <a:stCxn id="39" idx="2"/>
+            <a:endCxn id="349" idx="0"/>
+          </p:cNvCxnSpPr>
+          <p:nvPr/>
+        </p:nvCxnSpPr>
+        <p:spPr>
+          <a:xfrm>
+            <a:off x="20263785" y="25349979"/>
+            <a:ext cx="41910" cy="374661"/>
+          </a:xfrm>
+          <a:prstGeom prst="straightConnector1">
+            <a:avLst/>
+          </a:prstGeom>
+          <a:ln w="9525">
+            <a:solidFill>
+              <a:srgbClr val="FFC000"/>
+            </a:solidFill>
+            <a:tailEnd type="triangle"/>
+          </a:ln>
+        </p:spPr>
+        <p:style>
+          <a:lnRef idx="1">
+            <a:schemeClr val="accent1"/>
+          </a:lnRef>
+          <a:fillRef idx="0">
+            <a:schemeClr val="accent1"/>
+          </a:fillRef>
+          <a:effectRef idx="0">
+            <a:schemeClr val="accent1"/>
+          </a:effectRef>
+          <a:fontRef idx="minor">
+            <a:schemeClr val="tx1"/>
+          </a:fontRef>
+        </p:style>
+      </p:cxnSp>
+      <p:sp>
+        <p:nvSpPr>
+          <p:cNvPr id="349" name="TextBox 348">
+            <a:extLst>
+              <a:ext uri="{FF2B5EF4-FFF2-40B4-BE49-F238E27FC236}">
+                <a16:creationId xmlns:a16="http://schemas.microsoft.com/office/drawing/2014/main" id="{3C0A0121-8000-430B-924A-C675D83969FE}"/>
+              </a:ext>
+            </a:extLst>
+          </p:cNvPr>
+          <p:cNvSpPr txBox="1"/>
+          <p:nvPr/>
+        </p:nvSpPr>
+        <p:spPr>
+          <a:xfrm>
+            <a:off x="20103195" y="25724640"/>
+            <a:ext cx="405000" cy="153888"/>
+          </a:xfrm>
+          <a:prstGeom prst="rect">
+            <a:avLst/>
+          </a:prstGeom>
+          <a:noFill/>
+        </p:spPr>
+        <p:txBody>
+          <a:bodyPr wrap="square" rtlCol="0">
+            <a:spAutoFit/>
+          </a:bodyPr>
+          <a:lstStyle/>
+          <a:p>
+            <a:r>
+              <a:rPr lang="en-US" sz="400" dirty="0" err="1"/>
+              <a:t>parentId</a:t>
+            </a:r>
+            <a:endParaRPr lang="en-US" sz="400" dirty="0"/>
+          </a:p>
+        </p:txBody>
+      </p:sp>
+      <p:sp>
+        <p:nvSpPr>
+          <p:cNvPr id="205" name="TextBox 204">
+            <a:extLst>
+              <a:ext uri="{FF2B5EF4-FFF2-40B4-BE49-F238E27FC236}">
+                <a16:creationId xmlns:a16="http://schemas.microsoft.com/office/drawing/2014/main" id="{B49FEA49-1259-4898-AA1A-9B4A11C75B73}"/>
+              </a:ext>
+            </a:extLst>
+          </p:cNvPr>
+          <p:cNvSpPr txBox="1"/>
+          <p:nvPr/>
+        </p:nvSpPr>
+        <p:spPr>
+          <a:xfrm>
+            <a:off x="11868475" y="23393660"/>
+            <a:ext cx="2283068" cy="276999"/>
+          </a:xfrm>
+          <a:prstGeom prst="rect">
+            <a:avLst/>
+          </a:prstGeom>
+          <a:noFill/>
+        </p:spPr>
+        <p:txBody>
+          <a:bodyPr wrap="square" rtlCol="0">
+            <a:spAutoFit/>
+          </a:bodyPr>
+          <a:lstStyle/>
+          <a:p>
+            <a:r>
+              <a:rPr lang="en-US" sz="400" dirty="0"/>
+              <a:t>Scenario 1</a:t>
+            </a:r>
+          </a:p>
+          <a:p>
+            <a:r>
+              <a:rPr lang="en-US" sz="400" dirty="0"/>
+              <a:t>- Each </a:t>
+            </a:r>
+            <a:r>
+              <a:rPr lang="en-US" sz="400" dirty="0" err="1"/>
+              <a:t>sigmaNodeHandler</a:t>
+            </a:r>
+            <a:r>
+              <a:rPr lang="en-US" sz="400" dirty="0"/>
+              <a:t> subscribes to </a:t>
+            </a:r>
+            <a:r>
+              <a:rPr lang="en-US" sz="400" dirty="0" err="1"/>
+              <a:t>onUpdate</a:t>
+            </a:r>
+            <a:r>
+              <a:rPr lang="en-US" sz="400" dirty="0"/>
+              <a:t> for TREE_USER_DATA, TREE_LOCATION_DATA, CONTENT_ITEM_USER_DATA, TREE_DATA</a:t>
+            </a:r>
+          </a:p>
+        </p:txBody>
+      </p:sp>
+      <p:sp>
+        <p:nvSpPr>
+          <p:cNvPr id="206" name="TextBox 205">
+            <a:extLst>
+              <a:ext uri="{FF2B5EF4-FFF2-40B4-BE49-F238E27FC236}">
+                <a16:creationId xmlns:a16="http://schemas.microsoft.com/office/drawing/2014/main" id="{1E15EEFB-13B1-4CCB-9DD3-EF0ECB003520}"/>
+              </a:ext>
+            </a:extLst>
+          </p:cNvPr>
+          <p:cNvSpPr txBox="1"/>
+          <p:nvPr/>
+        </p:nvSpPr>
+        <p:spPr>
+          <a:xfrm>
+            <a:off x="14382913" y="22419733"/>
+            <a:ext cx="1107179" cy="1477328"/>
+          </a:xfrm>
+          <a:prstGeom prst="rect">
+            <a:avLst/>
+          </a:prstGeom>
+          <a:noFill/>
+        </p:spPr>
+        <p:txBody>
+          <a:bodyPr wrap="square" rtlCol="0">
+            <a:spAutoFit/>
+          </a:bodyPr>
+          <a:lstStyle/>
+          <a:p>
+            <a:r>
+              <a:rPr lang="en-US" sz="1000" dirty="0"/>
+              <a:t>TODO: Figure out the class / method that passes updates from the data stores objects to the correct </a:t>
+            </a:r>
+            <a:r>
+              <a:rPr lang="en-US" sz="1000" dirty="0" err="1"/>
+              <a:t>sigmaNode</a:t>
+            </a:r>
+            <a:r>
+              <a:rPr lang="en-US" sz="1000" dirty="0"/>
+              <a:t> handler</a:t>
+            </a:r>
+          </a:p>
+        </p:txBody>
+      </p:sp>
+      <p:sp>
+        <p:nvSpPr>
+          <p:cNvPr id="214" name="TextBox 213">
+            <a:extLst>
+              <a:ext uri="{FF2B5EF4-FFF2-40B4-BE49-F238E27FC236}">
+                <a16:creationId xmlns:a16="http://schemas.microsoft.com/office/drawing/2014/main" id="{C641BC7B-B4B2-4583-B65C-8730FBC32949}"/>
+              </a:ext>
+            </a:extLst>
+          </p:cNvPr>
+          <p:cNvSpPr txBox="1"/>
+          <p:nvPr/>
+        </p:nvSpPr>
+        <p:spPr>
+          <a:xfrm>
+            <a:off x="20838613" y="21708115"/>
+            <a:ext cx="940452" cy="215444"/>
+          </a:xfrm>
+          <a:prstGeom prst="rect">
+            <a:avLst/>
+          </a:prstGeom>
+          <a:noFill/>
+        </p:spPr>
+        <p:txBody>
+          <a:bodyPr wrap="square" rtlCol="0">
+            <a:spAutoFit/>
+          </a:bodyPr>
+          <a:lstStyle/>
+          <a:p>
+            <a:r>
+              <a:rPr lang="en-US" sz="800" dirty="0"/>
+              <a:t>1 Store Mutations</a:t>
+            </a:r>
+          </a:p>
+        </p:txBody>
+      </p:sp>
+      <p:cxnSp>
+        <p:nvCxnSpPr>
+          <p:cNvPr id="353" name="Straight Arrow Connector 352">
+            <a:extLst>
+              <a:ext uri="{FF2B5EF4-FFF2-40B4-BE49-F238E27FC236}">
+                <a16:creationId xmlns:a16="http://schemas.microsoft.com/office/drawing/2014/main" id="{985FA9E2-F113-45B4-BD06-DE065001BC23}"/>
+              </a:ext>
+            </a:extLst>
+          </p:cNvPr>
+          <p:cNvCxnSpPr>
+            <a:cxnSpLocks/>
+            <a:stCxn id="274" idx="0"/>
+            <a:endCxn id="2" idx="2"/>
+          </p:cNvCxnSpPr>
+          <p:nvPr/>
+        </p:nvCxnSpPr>
+        <p:spPr>
+          <a:xfrm flipV="1">
+            <a:off x="20107537" y="19469967"/>
+            <a:ext cx="828862" cy="1084948"/>
+          </a:xfrm>
+          <a:prstGeom prst="straightConnector1">
+            <a:avLst/>
+          </a:prstGeom>
+          <a:ln>
+            <a:tailEnd type="triangle"/>
+          </a:ln>
+        </p:spPr>
+        <p:style>
+          <a:lnRef idx="1">
+            <a:schemeClr val="accent1"/>
+          </a:lnRef>
+          <a:fillRef idx="0">
+            <a:schemeClr val="accent1"/>
+          </a:fillRef>
+          <a:effectRef idx="0">
+            <a:schemeClr val="accent1"/>
+          </a:effectRef>
+          <a:fontRef idx="minor">
+            <a:schemeClr val="tx1"/>
+          </a:fontRef>
+        </p:style>
+      </p:cxnSp>
+      <p:sp>
+        <p:nvSpPr>
+          <p:cNvPr id="354" name="TextBox 353">
+            <a:extLst>
+              <a:ext uri="{FF2B5EF4-FFF2-40B4-BE49-F238E27FC236}">
+                <a16:creationId xmlns:a16="http://schemas.microsoft.com/office/drawing/2014/main" id="{33559102-5D30-47D0-80A8-869FFE3E532A}"/>
+              </a:ext>
+            </a:extLst>
+          </p:cNvPr>
+          <p:cNvSpPr txBox="1"/>
+          <p:nvPr/>
+        </p:nvSpPr>
+        <p:spPr>
+          <a:xfrm>
+            <a:off x="19881172" y="20086374"/>
+            <a:ext cx="1232345" cy="215444"/>
+          </a:xfrm>
+          <a:prstGeom prst="rect">
+            <a:avLst/>
+          </a:prstGeom>
+          <a:noFill/>
+        </p:spPr>
+        <p:txBody>
+          <a:bodyPr wrap="square" rtlCol="0">
+            <a:spAutoFit/>
+          </a:bodyPr>
+          <a:lstStyle/>
+          <a:p>
+            <a:r>
+              <a:rPr lang="en-US" sz="800" dirty="0"/>
+              <a:t>2 Open </a:t>
+            </a:r>
+            <a:r>
+              <a:rPr lang="en-US" sz="800" dirty="0" err="1"/>
+              <a:t>Vue</a:t>
+            </a:r>
+            <a:r>
+              <a:rPr lang="en-US" sz="800" dirty="0"/>
+              <a:t> Templates</a:t>
+            </a:r>
+          </a:p>
+        </p:txBody>
+      </p:sp>
+      <p:sp>
+        <p:nvSpPr>
+          <p:cNvPr id="355" name="TextBox 354">
+            <a:extLst>
+              <a:ext uri="{FF2B5EF4-FFF2-40B4-BE49-F238E27FC236}">
+                <a16:creationId xmlns:a16="http://schemas.microsoft.com/office/drawing/2014/main" id="{1A61EC0E-E9A4-4BB8-81CA-FA5903BB8D40}"/>
+              </a:ext>
+            </a:extLst>
+          </p:cNvPr>
+          <p:cNvSpPr txBox="1"/>
+          <p:nvPr/>
+        </p:nvSpPr>
+        <p:spPr>
+          <a:xfrm>
+            <a:off x="23861510" y="22613032"/>
+            <a:ext cx="2265619" cy="338554"/>
+          </a:xfrm>
+          <a:prstGeom prst="rect">
+            <a:avLst/>
+          </a:prstGeom>
+          <a:noFill/>
+        </p:spPr>
+        <p:txBody>
+          <a:bodyPr wrap="square" rtlCol="0">
+            <a:spAutoFit/>
+          </a:bodyPr>
+          <a:lstStyle/>
+          <a:p>
+            <a:r>
+              <a:rPr lang="en-US" sz="800" dirty="0"/>
+              <a:t>TODO: have the store use commit or something so that there is static time checking</a:t>
             </a:r>
           </a:p>
         </p:txBody>
@@ -7434,973 +12126,6 @@
           <a:chExt cx="0" cy="0"/>
         </a:xfrm>
       </p:grpSpPr>
-      <p:sp>
-        <p:nvSpPr>
-          <p:cNvPr id="4" name="TextBox 3">
-            <a:extLst>
-              <a:ext uri="{FF2B5EF4-FFF2-40B4-BE49-F238E27FC236}">
-                <a16:creationId xmlns:a16="http://schemas.microsoft.com/office/drawing/2014/main" id="{84BD5E95-B0B1-4B51-8600-CC0771CE718D}"/>
-              </a:ext>
-            </a:extLst>
-          </p:cNvPr>
-          <p:cNvSpPr txBox="1"/>
-          <p:nvPr/>
-        </p:nvSpPr>
-        <p:spPr>
-          <a:xfrm>
-            <a:off x="31171790" y="18585196"/>
-            <a:ext cx="7751180" cy="2423612"/>
-          </a:xfrm>
-          <a:prstGeom prst="rect">
-            <a:avLst/>
-          </a:prstGeom>
-          <a:noFill/>
-        </p:spPr>
-        <p:txBody>
-          <a:bodyPr wrap="square" rtlCol="0">
-            <a:spAutoFit/>
-          </a:bodyPr>
-          <a:lstStyle/>
-          <a:p>
-            <a:r>
-              <a:rPr lang="en-US" sz="2164" dirty="0" err="1"/>
-              <a:t>SubscribeToFirebase</a:t>
-            </a:r>
-            <a:r>
-              <a:rPr lang="en-US" sz="2164" dirty="0"/>
-              <a:t> class</a:t>
-            </a:r>
-          </a:p>
-          <a:p>
-            <a:pPr defTabSz="1245481">
-              <a:tabLst>
-                <a:tab pos="614152" algn="l"/>
-              </a:tabLst>
-            </a:pPr>
-            <a:r>
-              <a:rPr lang="en-US" sz="2164" dirty="0"/>
-              <a:t>	-subscribes to updates from firebase ref</a:t>
-            </a:r>
-          </a:p>
-          <a:p>
-            <a:pPr defTabSz="1245481">
-              <a:tabLst>
-                <a:tab pos="614152" algn="l"/>
-              </a:tabLst>
-            </a:pPr>
-            <a:r>
-              <a:rPr lang="en-US" sz="2164" dirty="0"/>
-              <a:t>	-transforms those updates and publishes them to any subscribers</a:t>
-            </a:r>
-          </a:p>
-          <a:p>
-            <a:pPr defTabSz="1245481">
-              <a:tabLst>
-                <a:tab pos="614152" algn="l"/>
-              </a:tabLst>
-            </a:pPr>
-            <a:r>
-              <a:rPr lang="en-US" sz="2164" dirty="0"/>
-              <a:t>	-has an </a:t>
-            </a:r>
-            <a:r>
-              <a:rPr lang="en-US" sz="2164" dirty="0" err="1"/>
-              <a:t>onUpdate</a:t>
-            </a:r>
-            <a:r>
-              <a:rPr lang="en-US" sz="2164" dirty="0"/>
-              <a:t> method to register subscribers</a:t>
-            </a:r>
-          </a:p>
-          <a:p>
-            <a:pPr defTabSz="1245481">
-              <a:tabLst>
-                <a:tab pos="614152" algn="l"/>
-              </a:tabLst>
-            </a:pPr>
-            <a:r>
-              <a:rPr lang="en-US" sz="2164" dirty="0"/>
-              <a:t>	&gt; </a:t>
-            </a:r>
-          </a:p>
-          <a:p>
-            <a:endParaRPr lang="en-US" sz="2164" dirty="0"/>
-          </a:p>
-        </p:txBody>
-      </p:sp>
-      <p:sp>
-        <p:nvSpPr>
-          <p:cNvPr id="5" name="TextBox 4">
-            <a:extLst>
-              <a:ext uri="{FF2B5EF4-FFF2-40B4-BE49-F238E27FC236}">
-                <a16:creationId xmlns:a16="http://schemas.microsoft.com/office/drawing/2014/main" id="{7C3EE8C1-ED8C-459B-B8B5-3578ACFB93D8}"/>
-              </a:ext>
-            </a:extLst>
-          </p:cNvPr>
-          <p:cNvSpPr txBox="1"/>
-          <p:nvPr/>
-        </p:nvSpPr>
-        <p:spPr>
-          <a:xfrm>
-            <a:off x="10940027" y="22119741"/>
-            <a:ext cx="6898928" cy="8085290"/>
-          </a:xfrm>
-          <a:prstGeom prst="rect">
-            <a:avLst/>
-          </a:prstGeom>
-          <a:noFill/>
-        </p:spPr>
-        <p:txBody>
-          <a:bodyPr wrap="square" rtlCol="0">
-            <a:spAutoFit/>
-          </a:bodyPr>
-          <a:lstStyle/>
-          <a:p>
-            <a:r>
-              <a:rPr lang="en-US" sz="2164" dirty="0"/>
-              <a:t>TREE_LOADER</a:t>
-            </a:r>
-          </a:p>
-          <a:p>
-            <a:pPr defTabSz="614152"/>
-            <a:r>
-              <a:rPr lang="en-US" sz="2164" dirty="0"/>
-              <a:t>	+ load(</a:t>
-            </a:r>
-            <a:r>
-              <a:rPr lang="en-US" sz="2164" dirty="0" err="1"/>
-              <a:t>treeId</a:t>
-            </a:r>
-            <a:r>
-              <a:rPr lang="en-US" sz="2164" dirty="0"/>
-              <a:t>)</a:t>
-            </a:r>
-          </a:p>
-          <a:p>
-            <a:pPr defTabSz="614152"/>
-            <a:r>
-              <a:rPr lang="en-US" sz="2164" dirty="0"/>
-              <a:t>	+ </a:t>
-            </a:r>
-          </a:p>
-          <a:p>
-            <a:pPr defTabSz="614152"/>
-            <a:endParaRPr lang="en-US" sz="2164" dirty="0"/>
-          </a:p>
-          <a:p>
-            <a:pPr defTabSz="614152"/>
-            <a:r>
-              <a:rPr lang="en-US" sz="2164" dirty="0"/>
-              <a:t>load(</a:t>
-            </a:r>
-            <a:r>
-              <a:rPr lang="en-US" sz="2164" dirty="0" err="1"/>
-              <a:t>treeId</a:t>
-            </a:r>
-            <a:r>
-              <a:rPr lang="en-US" sz="2164" dirty="0"/>
-              <a:t>) implementation:</a:t>
-            </a:r>
-          </a:p>
-          <a:p>
-            <a:pPr defTabSz="614152"/>
-            <a:r>
-              <a:rPr lang="en-US" sz="2164" dirty="0"/>
-              <a:t>	</a:t>
-            </a:r>
-            <a:r>
-              <a:rPr lang="en-US" sz="2164" dirty="0" err="1"/>
-              <a:t>const</a:t>
-            </a:r>
-            <a:r>
-              <a:rPr lang="en-US" sz="2164" dirty="0"/>
-              <a:t> </a:t>
-            </a:r>
-            <a:r>
-              <a:rPr lang="en-US" sz="2164" dirty="0" err="1"/>
-              <a:t>json</a:t>
-            </a:r>
-            <a:r>
-              <a:rPr lang="en-US" sz="2164" dirty="0"/>
-              <a:t> = await </a:t>
-            </a:r>
-            <a:r>
-              <a:rPr lang="en-US" sz="2164" dirty="0" err="1"/>
-              <a:t>getTreeJson</a:t>
-            </a:r>
-            <a:r>
-              <a:rPr lang="en-US" sz="2164" dirty="0"/>
-              <a:t>(</a:t>
-            </a:r>
-            <a:r>
-              <a:rPr lang="en-US" sz="2164" dirty="0" err="1"/>
-              <a:t>treeId</a:t>
-            </a:r>
-            <a:r>
-              <a:rPr lang="en-US" sz="2164" dirty="0"/>
-              <a:t>)</a:t>
-            </a:r>
-          </a:p>
-          <a:p>
-            <a:pPr defTabSz="614152"/>
-            <a:r>
-              <a:rPr lang="en-US" sz="2164" dirty="0"/>
-              <a:t>	</a:t>
-            </a:r>
-            <a:r>
-              <a:rPr lang="en-US" sz="2164" dirty="0" err="1"/>
-              <a:t>const</a:t>
-            </a:r>
-            <a:r>
-              <a:rPr lang="en-US" sz="2164" dirty="0"/>
-              <a:t> </a:t>
-            </a:r>
-            <a:r>
-              <a:rPr lang="en-US" sz="2164" dirty="0" err="1"/>
-              <a:t>deserializer</a:t>
-            </a:r>
-            <a:r>
-              <a:rPr lang="en-US" sz="2164" dirty="0"/>
-              <a:t> = new </a:t>
-            </a:r>
-            <a:r>
-              <a:rPr lang="en-US" sz="2164" dirty="0" err="1"/>
-              <a:t>SubscribableTreeDeserializer</a:t>
-            </a:r>
-            <a:r>
-              <a:rPr lang="en-US" sz="2164" dirty="0"/>
-              <a:t>(</a:t>
-            </a:r>
-            <a:r>
-              <a:rPr lang="en-US" sz="2164" dirty="0" err="1"/>
-              <a:t>treeId</a:t>
-            </a:r>
-            <a:r>
-              <a:rPr lang="en-US" sz="2164" dirty="0"/>
-              <a:t>, </a:t>
-            </a:r>
-            <a:r>
-              <a:rPr lang="en-US" sz="2164" dirty="0" err="1"/>
-              <a:t>json</a:t>
-            </a:r>
-            <a:r>
-              <a:rPr lang="en-US" sz="2164" dirty="0"/>
-              <a:t>) //TODO: I wish I could </a:t>
-            </a:r>
-            <a:r>
-              <a:rPr lang="en-US" sz="2164" dirty="0" err="1"/>
-              <a:t>deserialize</a:t>
-            </a:r>
-            <a:r>
-              <a:rPr lang="en-US" sz="2164" dirty="0"/>
-              <a:t> the normal tree, and then apply the </a:t>
-            </a:r>
-            <a:r>
-              <a:rPr lang="en-US" sz="2164" dirty="0" err="1"/>
-              <a:t>subscribable</a:t>
-            </a:r>
-            <a:r>
-              <a:rPr lang="en-US" sz="2164" dirty="0"/>
-              <a:t> behaviors onto the normal tree to transform it into a </a:t>
-            </a:r>
-            <a:r>
-              <a:rPr lang="en-US" sz="2164" dirty="0" err="1"/>
-              <a:t>subscribable</a:t>
-            </a:r>
-            <a:r>
-              <a:rPr lang="en-US" sz="2164" dirty="0"/>
-              <a:t> tree</a:t>
-            </a:r>
-          </a:p>
-          <a:p>
-            <a:pPr defTabSz="614152"/>
-            <a:r>
-              <a:rPr lang="en-US" sz="2164" dirty="0"/>
-              <a:t>	</a:t>
-            </a:r>
-            <a:r>
-              <a:rPr lang="en-US" sz="2164" dirty="0" err="1"/>
-              <a:t>const</a:t>
-            </a:r>
-            <a:r>
-              <a:rPr lang="en-US" sz="2164" dirty="0"/>
-              <a:t> tree = </a:t>
-            </a:r>
-            <a:r>
-              <a:rPr lang="en-US" sz="2164" dirty="0" err="1"/>
-              <a:t>deserializer.deserialize</a:t>
-            </a:r>
-            <a:r>
-              <a:rPr lang="en-US" sz="2164" dirty="0"/>
-              <a:t>()</a:t>
-            </a:r>
-          </a:p>
-          <a:p>
-            <a:pPr defTabSz="614152"/>
-            <a:r>
-              <a:rPr lang="en-US" sz="2164" dirty="0"/>
-              <a:t>	return tree</a:t>
-            </a:r>
-          </a:p>
-          <a:p>
-            <a:pPr defTabSz="614152"/>
-            <a:endParaRPr lang="en-US" sz="2164" dirty="0"/>
-          </a:p>
-          <a:p>
-            <a:pPr defTabSz="614152"/>
-            <a:endParaRPr lang="en-US" sz="2164" dirty="0"/>
-          </a:p>
-          <a:p>
-            <a:pPr defTabSz="614152"/>
-            <a:r>
-              <a:rPr lang="en-US" sz="2164" dirty="0"/>
-              <a:t>	//now</a:t>
-            </a:r>
-          </a:p>
-          <a:p>
-            <a:pPr defTabSz="614152"/>
-            <a:r>
-              <a:rPr lang="en-US" sz="2164" dirty="0"/>
-              <a:t>	</a:t>
-            </a:r>
-          </a:p>
-          <a:p>
-            <a:pPr defTabSz="614152"/>
-            <a:endParaRPr lang="en-US" sz="2164" dirty="0"/>
-          </a:p>
-          <a:p>
-            <a:pPr defTabSz="614152"/>
-            <a:endParaRPr lang="en-US" sz="2164" dirty="0"/>
-          </a:p>
-          <a:p>
-            <a:pPr defTabSz="614152"/>
-            <a:r>
-              <a:rPr lang="en-US" sz="2164" dirty="0"/>
-              <a:t>SUBSCRIBABLE_TREE_DESERIALIZER (</a:t>
-            </a:r>
-            <a:r>
-              <a:rPr lang="en-US" sz="2164" dirty="0" err="1"/>
-              <a:t>json</a:t>
-            </a:r>
-            <a:r>
-              <a:rPr lang="en-US" sz="2164" dirty="0"/>
-              <a:t>)</a:t>
-            </a:r>
-          </a:p>
-          <a:p>
-            <a:pPr defTabSz="614152"/>
-            <a:r>
-              <a:rPr lang="en-US" sz="2164" dirty="0"/>
-              <a:t>	+ constructor(</a:t>
-            </a:r>
-            <a:r>
-              <a:rPr lang="en-US" sz="2164" dirty="0" err="1"/>
-              <a:t>json</a:t>
-            </a:r>
-            <a:r>
-              <a:rPr lang="en-US" sz="2164" dirty="0"/>
-              <a:t>)</a:t>
-            </a:r>
-          </a:p>
-          <a:p>
-            <a:pPr defTabSz="614152"/>
-            <a:r>
-              <a:rPr lang="en-US" sz="2164" dirty="0"/>
-              <a:t>	+ </a:t>
-            </a:r>
-            <a:r>
-              <a:rPr lang="en-US" sz="2164" dirty="0" err="1"/>
-              <a:t>deserialize</a:t>
-            </a:r>
-            <a:r>
-              <a:rPr lang="en-US" sz="2164" dirty="0"/>
-              <a:t>() : </a:t>
-            </a:r>
-            <a:r>
-              <a:rPr lang="en-US" sz="2164" dirty="0" err="1"/>
-              <a:t>ISubscribableBasicTree</a:t>
-            </a:r>
-            <a:endParaRPr lang="en-US" sz="2164" dirty="0"/>
-          </a:p>
-          <a:p>
-            <a:pPr defTabSz="614152"/>
-            <a:endParaRPr lang="en-US" sz="2164" dirty="0"/>
-          </a:p>
-          <a:p>
-            <a:endParaRPr lang="en-US" sz="2164" dirty="0"/>
-          </a:p>
-        </p:txBody>
-      </p:sp>
-      <p:sp>
-        <p:nvSpPr>
-          <p:cNvPr id="6" name="TextBox 5">
-            <a:extLst>
-              <a:ext uri="{FF2B5EF4-FFF2-40B4-BE49-F238E27FC236}">
-                <a16:creationId xmlns:a16="http://schemas.microsoft.com/office/drawing/2014/main" id="{A31C6F34-BE63-4CE2-80E6-7B97A0734016}"/>
-              </a:ext>
-            </a:extLst>
-          </p:cNvPr>
-          <p:cNvSpPr txBox="1"/>
-          <p:nvPr/>
-        </p:nvSpPr>
-        <p:spPr>
-          <a:xfrm>
-            <a:off x="18977537" y="21453626"/>
-            <a:ext cx="10448266" cy="9084410"/>
-          </a:xfrm>
-          <a:prstGeom prst="rect">
-            <a:avLst/>
-          </a:prstGeom>
-          <a:noFill/>
-        </p:spPr>
-        <p:txBody>
-          <a:bodyPr wrap="square" rtlCol="0">
-            <a:spAutoFit/>
-          </a:bodyPr>
-          <a:lstStyle/>
-          <a:p>
-            <a:r>
-              <a:rPr lang="en-US" sz="2164" dirty="0" err="1"/>
-              <a:t>const</a:t>
-            </a:r>
-            <a:r>
-              <a:rPr lang="en-US" sz="2164" dirty="0"/>
-              <a:t> </a:t>
-            </a:r>
-            <a:r>
-              <a:rPr lang="en-US" sz="2164" dirty="0" err="1"/>
-              <a:t>subscribableTree</a:t>
-            </a:r>
-            <a:r>
-              <a:rPr lang="en-US" sz="2164" dirty="0"/>
-              <a:t> = </a:t>
-            </a:r>
-            <a:r>
-              <a:rPr lang="en-US" sz="2164" dirty="0" err="1"/>
-              <a:t>SubscribableTreeLoader.load</a:t>
-            </a:r>
-            <a:r>
-              <a:rPr lang="en-US" sz="2164" dirty="0"/>
-              <a:t>(</a:t>
-            </a:r>
-            <a:r>
-              <a:rPr lang="en-US" sz="2164" dirty="0" err="1"/>
-              <a:t>treeId</a:t>
-            </a:r>
-            <a:r>
-              <a:rPr lang="en-US" sz="2164" dirty="0"/>
-              <a:t>)</a:t>
-            </a:r>
-          </a:p>
-          <a:p>
-            <a:r>
-              <a:rPr lang="en-US" sz="2164" dirty="0" err="1"/>
-              <a:t>const</a:t>
-            </a:r>
-            <a:r>
-              <a:rPr lang="en-US" sz="2164" dirty="0"/>
-              <a:t> </a:t>
-            </a:r>
-            <a:r>
-              <a:rPr lang="en-US" sz="2164" dirty="0" err="1"/>
-              <a:t>firebaseTreesRef</a:t>
-            </a:r>
-            <a:r>
-              <a:rPr lang="en-US" sz="2164" dirty="0"/>
-              <a:t> = </a:t>
-            </a:r>
-            <a:r>
-              <a:rPr lang="en-US" sz="2164" dirty="0" err="1"/>
-              <a:t>firebase.database</a:t>
-            </a:r>
-            <a:r>
-              <a:rPr lang="en-US" sz="2164" dirty="0"/>
-              <a:t>().ref(‘trees/’) // rather this would be injected from the </a:t>
-            </a:r>
-            <a:r>
-              <a:rPr lang="en-US" sz="2164" dirty="0" err="1"/>
-              <a:t>inversify.config</a:t>
-            </a:r>
-            <a:r>
-              <a:rPr lang="en-US" sz="2164" dirty="0"/>
-              <a:t> object graph</a:t>
-            </a:r>
-          </a:p>
-          <a:p>
-            <a:r>
-              <a:rPr lang="en-US" sz="2164" dirty="0" err="1"/>
-              <a:t>const</a:t>
-            </a:r>
-            <a:r>
-              <a:rPr lang="en-US" sz="2164" dirty="0"/>
-              <a:t> </a:t>
-            </a:r>
-            <a:r>
-              <a:rPr lang="en-US" sz="2164" dirty="0" err="1"/>
-              <a:t>treeRef</a:t>
-            </a:r>
-            <a:r>
-              <a:rPr lang="en-US" sz="2164" dirty="0"/>
-              <a:t> = </a:t>
-            </a:r>
-            <a:r>
-              <a:rPr lang="en-US" sz="2164" dirty="0" err="1"/>
-              <a:t>firebaseTreesRef.child</a:t>
-            </a:r>
-            <a:r>
-              <a:rPr lang="en-US" sz="2164" dirty="0"/>
-              <a:t>(</a:t>
-            </a:r>
-            <a:r>
-              <a:rPr lang="en-US" sz="2164" dirty="0" err="1"/>
-              <a:t>treeId</a:t>
-            </a:r>
-            <a:r>
-              <a:rPr lang="en-US" sz="2164" dirty="0"/>
-              <a:t>)</a:t>
-            </a:r>
-          </a:p>
-          <a:p>
-            <a:r>
-              <a:rPr lang="en-US" sz="2164" dirty="0" err="1"/>
-              <a:t>const</a:t>
-            </a:r>
-            <a:r>
-              <a:rPr lang="en-US" sz="2164" dirty="0"/>
-              <a:t> </a:t>
-            </a:r>
-            <a:r>
-              <a:rPr lang="en-US" sz="2164" dirty="0" err="1"/>
-              <a:t>contentIdRef</a:t>
-            </a:r>
-            <a:r>
-              <a:rPr lang="en-US" sz="2164" dirty="0"/>
-              <a:t> = </a:t>
-            </a:r>
-            <a:r>
-              <a:rPr lang="en-US" sz="2164" dirty="0" err="1"/>
-              <a:t>firebaseTreesRef.child</a:t>
-            </a:r>
-            <a:r>
-              <a:rPr lang="en-US" sz="2164" dirty="0"/>
-              <a:t>(‘</a:t>
-            </a:r>
-            <a:r>
-              <a:rPr lang="en-US" sz="2164" dirty="0" err="1"/>
-              <a:t>contentId</a:t>
-            </a:r>
-            <a:r>
-              <a:rPr lang="en-US" sz="2164" dirty="0"/>
-              <a:t>’)</a:t>
-            </a:r>
-          </a:p>
-          <a:p>
-            <a:r>
-              <a:rPr lang="en-US" sz="2164" dirty="0" err="1"/>
-              <a:t>const</a:t>
-            </a:r>
-            <a:r>
-              <a:rPr lang="en-US" sz="2164" dirty="0"/>
-              <a:t> </a:t>
-            </a:r>
-            <a:r>
-              <a:rPr lang="en-US" sz="2164" dirty="0" err="1"/>
-              <a:t>parentIdRef</a:t>
-            </a:r>
-            <a:r>
-              <a:rPr lang="en-US" sz="2164" dirty="0"/>
-              <a:t> = </a:t>
-            </a:r>
-            <a:r>
-              <a:rPr lang="en-US" sz="2164" dirty="0" err="1"/>
-              <a:t>firebaseTreesRef.child</a:t>
-            </a:r>
-            <a:r>
-              <a:rPr lang="en-US" sz="2164" dirty="0"/>
-              <a:t>(‘</a:t>
-            </a:r>
-            <a:r>
-              <a:rPr lang="en-US" sz="2164" dirty="0" err="1"/>
-              <a:t>parentId</a:t>
-            </a:r>
-            <a:r>
-              <a:rPr lang="en-US" sz="2164" dirty="0"/>
-              <a:t>’)</a:t>
-            </a:r>
-          </a:p>
-          <a:p>
-            <a:r>
-              <a:rPr lang="en-US" sz="2164" dirty="0" err="1"/>
-              <a:t>const</a:t>
-            </a:r>
-            <a:r>
-              <a:rPr lang="en-US" sz="2164" dirty="0"/>
-              <a:t> </a:t>
-            </a:r>
-            <a:r>
-              <a:rPr lang="en-US" sz="2164" dirty="0" err="1"/>
-              <a:t>childrenRef</a:t>
-            </a:r>
-            <a:r>
-              <a:rPr lang="en-US" sz="2164" dirty="0"/>
-              <a:t> = </a:t>
-            </a:r>
-            <a:r>
-              <a:rPr lang="en-US" sz="2164" dirty="0" err="1"/>
-              <a:t>firebaseTreesRef.child</a:t>
-            </a:r>
-            <a:r>
-              <a:rPr lang="en-US" sz="2164" dirty="0"/>
-              <a:t>(‘children’)</a:t>
-            </a:r>
-          </a:p>
-          <a:p>
-            <a:endParaRPr lang="en-US" sz="2164" dirty="0"/>
-          </a:p>
-          <a:p>
-            <a:r>
-              <a:rPr lang="en-US" sz="2164" dirty="0" err="1"/>
-              <a:t>const</a:t>
-            </a:r>
-            <a:r>
-              <a:rPr lang="en-US" sz="2164" dirty="0"/>
-              <a:t> </a:t>
-            </a:r>
-            <a:r>
-              <a:rPr lang="en-US" sz="2164" dirty="0" err="1"/>
-              <a:t>contentIdSaver</a:t>
-            </a:r>
-            <a:r>
-              <a:rPr lang="en-US" sz="2164" dirty="0"/>
-              <a:t> = new </a:t>
-            </a:r>
-            <a:r>
-              <a:rPr lang="en-US" sz="2164" dirty="0" err="1"/>
-              <a:t>FirebaseSaver</a:t>
-            </a:r>
-            <a:r>
-              <a:rPr lang="en-US" sz="2164" dirty="0"/>
-              <a:t>({</a:t>
-            </a:r>
-            <a:r>
-              <a:rPr lang="en-US" sz="2164" dirty="0" err="1"/>
-              <a:t>contentIdRef</a:t>
-            </a:r>
-            <a:r>
-              <a:rPr lang="en-US" sz="2164" dirty="0"/>
-              <a:t>}) //TODO: avoid new. Somehow can we inject this or use a factory or something?</a:t>
-            </a:r>
-          </a:p>
-          <a:p>
-            <a:r>
-              <a:rPr lang="en-US" sz="2164" dirty="0" err="1"/>
-              <a:t>const</a:t>
-            </a:r>
-            <a:r>
-              <a:rPr lang="en-US" sz="2164" dirty="0"/>
-              <a:t> </a:t>
-            </a:r>
-            <a:r>
-              <a:rPr lang="en-US" sz="2164" dirty="0" err="1"/>
-              <a:t>parentIdSaver</a:t>
-            </a:r>
-            <a:r>
-              <a:rPr lang="en-US" sz="2164" dirty="0"/>
-              <a:t> = new </a:t>
-            </a:r>
-            <a:r>
-              <a:rPr lang="en-US" sz="2164" dirty="0" err="1"/>
-              <a:t>FirebaseSaver</a:t>
-            </a:r>
-            <a:r>
-              <a:rPr lang="en-US" sz="2164" dirty="0"/>
-              <a:t>({</a:t>
-            </a:r>
-            <a:r>
-              <a:rPr lang="en-US" sz="2164" dirty="0" err="1"/>
-              <a:t>parentIdRef</a:t>
-            </a:r>
-            <a:r>
-              <a:rPr lang="en-US" sz="2164" dirty="0"/>
-              <a:t>}) //TODO: avoid new. Somehow can we inject this or use a factory or something?</a:t>
-            </a:r>
-          </a:p>
-          <a:p>
-            <a:r>
-              <a:rPr lang="en-US" sz="2164" dirty="0" err="1"/>
-              <a:t>const</a:t>
-            </a:r>
-            <a:r>
-              <a:rPr lang="en-US" sz="2164" dirty="0"/>
-              <a:t> </a:t>
-            </a:r>
-            <a:r>
-              <a:rPr lang="en-US" sz="2164" dirty="0" err="1"/>
-              <a:t>childrenSaver</a:t>
-            </a:r>
-            <a:r>
-              <a:rPr lang="en-US" sz="2164" dirty="0"/>
-              <a:t> = new </a:t>
-            </a:r>
-            <a:r>
-              <a:rPr lang="en-US" sz="2164" dirty="0" err="1"/>
-              <a:t>FirebaseSaver</a:t>
-            </a:r>
-            <a:r>
-              <a:rPr lang="en-US" sz="2164" dirty="0"/>
-              <a:t>({</a:t>
-            </a:r>
-            <a:r>
-              <a:rPr lang="en-US" sz="2164" dirty="0" err="1"/>
-              <a:t>childrenRef</a:t>
-            </a:r>
-            <a:r>
-              <a:rPr lang="en-US" sz="2164" dirty="0"/>
-              <a:t>}) //TODO: avoid new. Somehow can we inject this or use a factory or something?</a:t>
-            </a:r>
-          </a:p>
-          <a:p>
-            <a:endParaRPr lang="en-US" sz="2164" dirty="0"/>
-          </a:p>
-          <a:p>
-            <a:r>
-              <a:rPr lang="en-US" sz="2164" dirty="0" err="1"/>
-              <a:t>const</a:t>
-            </a:r>
-            <a:r>
-              <a:rPr lang="en-US" sz="2164" dirty="0"/>
-              <a:t> </a:t>
-            </a:r>
-            <a:r>
-              <a:rPr lang="en-US" sz="2164" dirty="0" err="1"/>
-              <a:t>contentIdSyncerToDB</a:t>
-            </a:r>
-            <a:r>
-              <a:rPr lang="en-US" sz="2164" dirty="0"/>
-              <a:t> = new </a:t>
-            </a:r>
-            <a:r>
-              <a:rPr lang="en-US" sz="2164" dirty="0" err="1"/>
-              <a:t>SyncToDB</a:t>
-            </a:r>
-            <a:r>
-              <a:rPr lang="en-US" sz="2164" dirty="0"/>
-              <a:t>({</a:t>
-            </a:r>
-            <a:r>
-              <a:rPr lang="en-US" sz="2164" dirty="0" err="1"/>
-              <a:t>saveUpdatesToDBFunction</a:t>
-            </a:r>
-            <a:r>
-              <a:rPr lang="en-US" sz="2164" dirty="0"/>
-              <a:t>: </a:t>
-            </a:r>
-            <a:r>
-              <a:rPr lang="en-US" sz="2164" dirty="0" err="1"/>
-              <a:t>contentIdSaver.save</a:t>
-            </a:r>
-            <a:r>
-              <a:rPr lang="en-US" sz="2164" dirty="0"/>
-              <a:t>})</a:t>
-            </a:r>
-          </a:p>
-          <a:p>
-            <a:r>
-              <a:rPr lang="en-US" sz="2164" dirty="0" err="1"/>
-              <a:t>const</a:t>
-            </a:r>
-            <a:r>
-              <a:rPr lang="en-US" sz="2164" dirty="0"/>
-              <a:t> </a:t>
-            </a:r>
-            <a:r>
-              <a:rPr lang="en-US" sz="2164" dirty="0" err="1"/>
-              <a:t>parentIdSyncerToDB</a:t>
-            </a:r>
-            <a:r>
-              <a:rPr lang="en-US" sz="2164" dirty="0"/>
-              <a:t> = new </a:t>
-            </a:r>
-            <a:r>
-              <a:rPr lang="en-US" sz="2164" dirty="0" err="1"/>
-              <a:t>SyncToDB</a:t>
-            </a:r>
-            <a:r>
-              <a:rPr lang="en-US" sz="2164" dirty="0"/>
-              <a:t>({</a:t>
-            </a:r>
-            <a:r>
-              <a:rPr lang="en-US" sz="2164" dirty="0" err="1"/>
-              <a:t>saveUpdatesToDBFunction</a:t>
-            </a:r>
-            <a:r>
-              <a:rPr lang="en-US" sz="2164" dirty="0"/>
-              <a:t>: </a:t>
-            </a:r>
-            <a:r>
-              <a:rPr lang="en-US" sz="2164" dirty="0" err="1"/>
-              <a:t>parentIdSaver.save</a:t>
-            </a:r>
-            <a:r>
-              <a:rPr lang="en-US" sz="2164" dirty="0"/>
-              <a:t>})</a:t>
-            </a:r>
-          </a:p>
-          <a:p>
-            <a:r>
-              <a:rPr lang="en-US" sz="2164" dirty="0" err="1"/>
-              <a:t>const</a:t>
-            </a:r>
-            <a:r>
-              <a:rPr lang="en-US" sz="2164" dirty="0"/>
-              <a:t> </a:t>
-            </a:r>
-            <a:r>
-              <a:rPr lang="en-US" sz="2164" dirty="0" err="1"/>
-              <a:t>childrenSyncerToDB</a:t>
-            </a:r>
-            <a:r>
-              <a:rPr lang="en-US" sz="2164" dirty="0"/>
-              <a:t> = new </a:t>
-            </a:r>
-            <a:r>
-              <a:rPr lang="en-US" sz="2164" dirty="0" err="1"/>
-              <a:t>SyncToDB</a:t>
-            </a:r>
-            <a:r>
-              <a:rPr lang="en-US" sz="2164" dirty="0"/>
-              <a:t>({</a:t>
-            </a:r>
-            <a:r>
-              <a:rPr lang="en-US" sz="2164" dirty="0" err="1"/>
-              <a:t>saveUpdatesToDBFunction</a:t>
-            </a:r>
-            <a:r>
-              <a:rPr lang="en-US" sz="2164" dirty="0"/>
-              <a:t>: </a:t>
-            </a:r>
-            <a:r>
-              <a:rPr lang="en-US" sz="2164" dirty="0" err="1"/>
-              <a:t>childrenSaver.save</a:t>
-            </a:r>
-            <a:r>
-              <a:rPr lang="en-US" sz="2164" dirty="0"/>
-              <a:t>})</a:t>
-            </a:r>
-          </a:p>
-          <a:p>
-            <a:endParaRPr lang="en-US" sz="2164" dirty="0"/>
-          </a:p>
-          <a:p>
-            <a:endParaRPr lang="en-US" sz="2164" dirty="0"/>
-          </a:p>
-          <a:p>
-            <a:r>
-              <a:rPr lang="en-US" sz="2164" dirty="0" err="1"/>
-              <a:t>const</a:t>
-            </a:r>
-            <a:r>
-              <a:rPr lang="en-US" sz="2164" dirty="0"/>
-              <a:t> </a:t>
-            </a:r>
-            <a:r>
-              <a:rPr lang="en-US" sz="2164" dirty="0" err="1"/>
-              <a:t>dbSubscriberToTree</a:t>
-            </a:r>
-            <a:r>
-              <a:rPr lang="en-US" sz="2164" dirty="0"/>
-              <a:t> = new </a:t>
-            </a:r>
-            <a:r>
-              <a:rPr lang="en-US" sz="2164" dirty="0" err="1"/>
-              <a:t>DBSubscriberToTree</a:t>
-            </a:r>
-            <a:r>
-              <a:rPr lang="en-US" sz="2164" dirty="0"/>
-              <a:t>(</a:t>
-            </a:r>
-            <a:r>
-              <a:rPr lang="en-US" sz="2164" dirty="0" err="1"/>
-              <a:t>subscribableTree</a:t>
-            </a:r>
-            <a:r>
-              <a:rPr lang="en-US" sz="2164" dirty="0"/>
-              <a:t>, </a:t>
-            </a:r>
-            <a:r>
-              <a:rPr lang="en-US" sz="2164" dirty="0" err="1"/>
-              <a:t>contentIdSyncerToDB</a:t>
-            </a:r>
-            <a:r>
-              <a:rPr lang="en-US" sz="2164" dirty="0"/>
-              <a:t>, </a:t>
-            </a:r>
-            <a:r>
-              <a:rPr lang="en-US" sz="2164" dirty="0" err="1"/>
-              <a:t>parentIdSyncerToDB</a:t>
-            </a:r>
-            <a:r>
-              <a:rPr lang="en-US" sz="2164" dirty="0"/>
-              <a:t>, </a:t>
-            </a:r>
-            <a:r>
-              <a:rPr lang="en-US" sz="2164" dirty="0" err="1"/>
-              <a:t>childrenSyncerToDB</a:t>
-            </a:r>
-            <a:r>
-              <a:rPr lang="en-US" sz="2164" dirty="0"/>
-              <a:t>)</a:t>
-            </a:r>
-          </a:p>
-          <a:p>
-            <a:r>
-              <a:rPr lang="en-US" sz="2164" dirty="0" err="1"/>
-              <a:t>dbSubscriberToTree.subscribe</a:t>
-            </a:r>
-            <a:r>
-              <a:rPr lang="en-US" sz="2164" dirty="0"/>
-              <a:t>()</a:t>
-            </a:r>
-          </a:p>
-          <a:p>
-            <a:endParaRPr lang="en-US" sz="2164" dirty="0"/>
-          </a:p>
-          <a:p>
-            <a:r>
-              <a:rPr lang="en-US" sz="2164" dirty="0" err="1"/>
-              <a:t>const</a:t>
-            </a:r>
-            <a:r>
-              <a:rPr lang="en-US" sz="2164" dirty="0"/>
-              <a:t> </a:t>
-            </a:r>
-            <a:r>
-              <a:rPr lang="en-US" sz="2164" dirty="0" err="1"/>
-              <a:t>dbSubscriberFromTree</a:t>
-            </a:r>
-            <a:r>
-              <a:rPr lang="en-US" sz="2164" dirty="0"/>
-              <a:t> = new </a:t>
-            </a:r>
-            <a:r>
-              <a:rPr lang="en-US" sz="2164" dirty="0" err="1"/>
-              <a:t>DBSubscriberFromTree</a:t>
-            </a:r>
-            <a:r>
-              <a:rPr lang="en-US" sz="2164" dirty="0"/>
-              <a:t>(</a:t>
-            </a:r>
-            <a:r>
-              <a:rPr lang="en-US" sz="2164" dirty="0" err="1"/>
-              <a:t>subscribableTree</a:t>
-            </a:r>
-            <a:r>
-              <a:rPr lang="en-US" sz="2164" dirty="0"/>
-              <a:t>, </a:t>
-            </a:r>
-          </a:p>
-        </p:txBody>
-      </p:sp>
     </p:spTree>
     <p:extLst>
       <p:ext uri="{BB962C8B-B14F-4D97-AF65-F5344CB8AC3E}">

--- a/docs/architecture.pptx
+++ b/docs/architecture.pptx
@@ -261,7 +261,7 @@
           <a:p>
             <a:fld id="{0A05F3B5-6F50-4323-80C0-955EB0110BAC}" type="datetimeFigureOut">
               <a:rPr lang="en-US" smtClean="0"/>
-              <a:t>11/27/2017</a:t>
+              <a:t>11/29/2017</a:t>
             </a:fld>
             <a:endParaRPr lang="en-US"/>
           </a:p>
@@ -431,7 +431,7 @@
           <a:p>
             <a:fld id="{0A05F3B5-6F50-4323-80C0-955EB0110BAC}" type="datetimeFigureOut">
               <a:rPr lang="en-US" smtClean="0"/>
-              <a:t>11/27/2017</a:t>
+              <a:t>11/29/2017</a:t>
             </a:fld>
             <a:endParaRPr lang="en-US"/>
           </a:p>
@@ -611,7 +611,7 @@
           <a:p>
             <a:fld id="{0A05F3B5-6F50-4323-80C0-955EB0110BAC}" type="datetimeFigureOut">
               <a:rPr lang="en-US" smtClean="0"/>
-              <a:t>11/27/2017</a:t>
+              <a:t>11/29/2017</a:t>
             </a:fld>
             <a:endParaRPr lang="en-US"/>
           </a:p>
@@ -781,7 +781,7 @@
           <a:p>
             <a:fld id="{0A05F3B5-6F50-4323-80C0-955EB0110BAC}" type="datetimeFigureOut">
               <a:rPr lang="en-US" smtClean="0"/>
-              <a:t>11/27/2017</a:t>
+              <a:t>11/29/2017</a:t>
             </a:fld>
             <a:endParaRPr lang="en-US"/>
           </a:p>
@@ -1025,7 +1025,7 @@
           <a:p>
             <a:fld id="{0A05F3B5-6F50-4323-80C0-955EB0110BAC}" type="datetimeFigureOut">
               <a:rPr lang="en-US" smtClean="0"/>
-              <a:t>11/27/2017</a:t>
+              <a:t>11/29/2017</a:t>
             </a:fld>
             <a:endParaRPr lang="en-US"/>
           </a:p>
@@ -1257,7 +1257,7 @@
           <a:p>
             <a:fld id="{0A05F3B5-6F50-4323-80C0-955EB0110BAC}" type="datetimeFigureOut">
               <a:rPr lang="en-US" smtClean="0"/>
-              <a:t>11/27/2017</a:t>
+              <a:t>11/29/2017</a:t>
             </a:fld>
             <a:endParaRPr lang="en-US"/>
           </a:p>
@@ -1624,7 +1624,7 @@
           <a:p>
             <a:fld id="{0A05F3B5-6F50-4323-80C0-955EB0110BAC}" type="datetimeFigureOut">
               <a:rPr lang="en-US" smtClean="0"/>
-              <a:t>11/27/2017</a:t>
+              <a:t>11/29/2017</a:t>
             </a:fld>
             <a:endParaRPr lang="en-US"/>
           </a:p>
@@ -1742,7 +1742,7 @@
           <a:p>
             <a:fld id="{0A05F3B5-6F50-4323-80C0-955EB0110BAC}" type="datetimeFigureOut">
               <a:rPr lang="en-US" smtClean="0"/>
-              <a:t>11/27/2017</a:t>
+              <a:t>11/29/2017</a:t>
             </a:fld>
             <a:endParaRPr lang="en-US"/>
           </a:p>
@@ -1837,7 +1837,7 @@
           <a:p>
             <a:fld id="{0A05F3B5-6F50-4323-80C0-955EB0110BAC}" type="datetimeFigureOut">
               <a:rPr lang="en-US" smtClean="0"/>
-              <a:t>11/27/2017</a:t>
+              <a:t>11/29/2017</a:t>
             </a:fld>
             <a:endParaRPr lang="en-US"/>
           </a:p>
@@ -2114,7 +2114,7 @@
           <a:p>
             <a:fld id="{0A05F3B5-6F50-4323-80C0-955EB0110BAC}" type="datetimeFigureOut">
               <a:rPr lang="en-US" smtClean="0"/>
-              <a:t>11/27/2017</a:t>
+              <a:t>11/29/2017</a:t>
             </a:fld>
             <a:endParaRPr lang="en-US"/>
           </a:p>
@@ -2371,7 +2371,7 @@
           <a:p>
             <a:fld id="{0A05F3B5-6F50-4323-80C0-955EB0110BAC}" type="datetimeFigureOut">
               <a:rPr lang="en-US" smtClean="0"/>
-              <a:t>11/27/2017</a:t>
+              <a:t>11/29/2017</a:t>
             </a:fld>
             <a:endParaRPr lang="en-US"/>
           </a:p>
@@ -2584,7 +2584,7 @@
           <a:p>
             <a:fld id="{0A05F3B5-6F50-4323-80C0-955EB0110BAC}" type="datetimeFigureOut">
               <a:rPr lang="en-US" smtClean="0"/>
-              <a:t>11/27/2017</a:t>
+              <a:t>11/29/2017</a:t>
             </a:fld>
             <a:endParaRPr lang="en-US"/>
           </a:p>
@@ -6608,7 +6608,7 @@
         <p:spPr>
           <a:xfrm>
             <a:off x="20936399" y="19469967"/>
-            <a:ext cx="2011080" cy="3099124"/>
+            <a:ext cx="2011080" cy="2997240"/>
           </a:xfrm>
           <a:prstGeom prst="straightConnector1">
             <a:avLst/>
@@ -6649,8 +6649,8 @@
         </p:nvSpPr>
         <p:spPr>
           <a:xfrm>
-            <a:off x="21759196" y="22569091"/>
-            <a:ext cx="2376566" cy="707886"/>
+            <a:off x="21759196" y="22467207"/>
+            <a:ext cx="2376566" cy="830997"/>
           </a:xfrm>
           <a:prstGeom prst="rect">
             <a:avLst/>
@@ -6760,6 +6760,53 @@
               <a:rPr lang="en-US" sz="400" dirty="0"/>
               <a:t> method that DATA_UI_BRIDGE or other objects can subscribe to</a:t>
             </a:r>
+          </a:p>
+          <a:p>
+            <a:pPr marL="287338" lvl="1" indent="-115888">
+              <a:buFont typeface="Arial" panose="020B0604020202020204" pitchFamily="34" charset="0"/>
+              <a:buChar char="•"/>
+            </a:pPr>
+            <a:r>
+              <a:rPr lang="en-US" sz="400" dirty="0"/>
+              <a:t>This method publishes the entire </a:t>
+            </a:r>
+            <a:r>
+              <a:rPr lang="en-US" sz="400" dirty="0" err="1"/>
+              <a:t>tree_data</a:t>
+            </a:r>
+            <a:r>
+              <a:rPr lang="en-US" sz="400" dirty="0"/>
+              <a:t>, or </a:t>
+            </a:r>
+            <a:r>
+              <a:rPr lang="en-US" sz="400" dirty="0" err="1"/>
+              <a:t>tree_location_data</a:t>
+            </a:r>
+            <a:r>
+              <a:rPr lang="en-US" sz="400" dirty="0"/>
+              <a:t>, </a:t>
+            </a:r>
+            <a:r>
+              <a:rPr lang="en-US" sz="400" dirty="0" err="1"/>
+              <a:t>tree_user_data</a:t>
+            </a:r>
+            <a:r>
+              <a:rPr lang="en-US" sz="400" dirty="0"/>
+              <a:t> value etc. along with the </a:t>
+            </a:r>
+            <a:r>
+              <a:rPr lang="en-US" sz="400" dirty="0" err="1"/>
+              <a:t>data_type</a:t>
+            </a:r>
+            <a:r>
+              <a:rPr lang="en-US" sz="400" dirty="0"/>
+              <a:t>, and </a:t>
+            </a:r>
+            <a:r>
+              <a:rPr lang="en-US" sz="400" dirty="0" err="1"/>
+              <a:t>objectId</a:t>
+            </a:r>
+            <a:endParaRPr lang="en-US" sz="400" dirty="0"/>
           </a:p>
           <a:p>
             <a:pPr marL="171450" indent="-171450">
@@ -9374,7 +9421,7 @@
         <p:spPr>
           <a:xfrm>
             <a:off x="20107537" y="21201246"/>
-            <a:ext cx="2839942" cy="1367845"/>
+            <a:ext cx="2839942" cy="1265961"/>
           </a:xfrm>
           <a:prstGeom prst="straightConnector1">
             <a:avLst/>
@@ -9606,8 +9653,8 @@
         </p:nvCxnSpPr>
         <p:spPr>
           <a:xfrm>
-            <a:off x="22947479" y="23276977"/>
-            <a:ext cx="0" cy="35368"/>
+            <a:off x="22947479" y="23298204"/>
+            <a:ext cx="0" cy="14141"/>
           </a:xfrm>
           <a:prstGeom prst="line">
             <a:avLst/>
@@ -10322,7 +10369,7 @@
         </p:nvSpPr>
         <p:spPr>
           <a:xfrm rot="10800000">
-            <a:off x="18305105" y="23920342"/>
+            <a:off x="18269078" y="23923111"/>
             <a:ext cx="369332" cy="655307"/>
           </a:xfrm>
           <a:prstGeom prst="rect">
@@ -10506,7 +10553,7 @@
           </a:xfrm>
           <a:prstGeom prst="bentConnector3">
             <a:avLst>
-              <a:gd name="adj1" fmla="val 725804"/>
+              <a:gd name="adj1" fmla="val 1079728"/>
             </a:avLst>
           </a:prstGeom>
           <a:ln w="3175">
@@ -10545,8 +10592,8 @@
         </p:nvSpPr>
         <p:spPr>
           <a:xfrm>
-            <a:off x="18630706" y="24066152"/>
-            <a:ext cx="307777" cy="562763"/>
+            <a:off x="18582623" y="24106066"/>
+            <a:ext cx="369332" cy="562763"/>
           </a:xfrm>
           <a:prstGeom prst="rect">
             <a:avLst/>
@@ -10565,7 +10612,7 @@
                   <a:schemeClr val="accent6"/>
                 </a:solidFill>
               </a:rPr>
-              <a:t>Add </a:t>
+              <a:t>Publishes via </a:t>
             </a:r>
             <a:r>
               <a:rPr lang="en-US" sz="400" dirty="0" err="1">
@@ -10573,7 +10620,7 @@
                   <a:schemeClr val="accent6"/>
                 </a:solidFill>
               </a:rPr>
-              <a:t>propertyName</a:t>
+              <a:t>onUpdate</a:t>
             </a:r>
             <a:r>
               <a:rPr lang="en-US" sz="400" dirty="0">
@@ -10581,7 +10628,7 @@
                   <a:schemeClr val="accent6"/>
                 </a:solidFill>
               </a:rPr>
-              <a:t> on </a:t>
+              <a:t> the entire .</a:t>
             </a:r>
             <a:r>
               <a:rPr lang="en-US" sz="400" dirty="0" err="1">
@@ -10589,7 +10636,7 @@
                   <a:schemeClr val="accent6"/>
                 </a:solidFill>
               </a:rPr>
-              <a:t>Iupdates</a:t>
+              <a:t>val</a:t>
             </a:r>
             <a:r>
               <a:rPr lang="en-US" sz="400" dirty="0">
@@ -10597,7 +10644,7 @@
                   <a:schemeClr val="accent6"/>
                 </a:solidFill>
               </a:rPr>
-              <a:t> Object</a:t>
+              <a:t>() of the tree</a:t>
             </a:r>
           </a:p>
         </p:txBody>
@@ -10625,7 +10672,7 @@
           </a:xfrm>
           <a:prstGeom prst="bentConnector3">
             <a:avLst>
-              <a:gd name="adj1" fmla="val -7650602"/>
+              <a:gd name="adj1" fmla="val -9460007"/>
             </a:avLst>
           </a:prstGeom>
           <a:ln w="9525">
@@ -10668,8 +10715,8 @@
         </p:nvCxnSpPr>
         <p:spPr>
           <a:xfrm rot="10800000" flipH="1">
-            <a:off x="19235884" y="22923034"/>
-            <a:ext cx="2523311" cy="1167796"/>
+            <a:off x="19235884" y="22882706"/>
+            <a:ext cx="2523311" cy="1208124"/>
           </a:xfrm>
           <a:prstGeom prst="bentConnector3">
             <a:avLst>
@@ -10788,7 +10835,7 @@
         <p:spPr>
           <a:xfrm flipH="1" flipV="1">
             <a:off x="17201837" y="22454526"/>
-            <a:ext cx="4557359" cy="468508"/>
+            <a:ext cx="4557359" cy="428180"/>
           </a:xfrm>
           <a:prstGeom prst="straightConnector1">
             <a:avLst/>

--- a/docs/architecture.pptx
+++ b/docs/architecture.pptx
@@ -6,8 +6,9 @@
   </p:sldMasterIdLst>
   <p:sldIdLst>
     <p:sldId id="256" r:id="rId2"/>
-    <p:sldId id="258" r:id="rId3"/>
-    <p:sldId id="257" r:id="rId4"/>
+    <p:sldId id="259" r:id="rId3"/>
+    <p:sldId id="258" r:id="rId4"/>
+    <p:sldId id="257" r:id="rId5"/>
   </p:sldIdLst>
   <p:sldSz cx="51206400" cy="51206400"/>
   <p:notesSz cx="6858000" cy="9144000"/>
@@ -261,7 +262,7 @@
           <a:p>
             <a:fld id="{0A05F3B5-6F50-4323-80C0-955EB0110BAC}" type="datetimeFigureOut">
               <a:rPr lang="en-US" smtClean="0"/>
-              <a:t>11/29/2017</a:t>
+              <a:t>12/6/2017</a:t>
             </a:fld>
             <a:endParaRPr lang="en-US"/>
           </a:p>
@@ -431,7 +432,7 @@
           <a:p>
             <a:fld id="{0A05F3B5-6F50-4323-80C0-955EB0110BAC}" type="datetimeFigureOut">
               <a:rPr lang="en-US" smtClean="0"/>
-              <a:t>11/29/2017</a:t>
+              <a:t>12/6/2017</a:t>
             </a:fld>
             <a:endParaRPr lang="en-US"/>
           </a:p>
@@ -611,7 +612,7 @@
           <a:p>
             <a:fld id="{0A05F3B5-6F50-4323-80C0-955EB0110BAC}" type="datetimeFigureOut">
               <a:rPr lang="en-US" smtClean="0"/>
-              <a:t>11/29/2017</a:t>
+              <a:t>12/6/2017</a:t>
             </a:fld>
             <a:endParaRPr lang="en-US"/>
           </a:p>
@@ -781,7 +782,7 @@
           <a:p>
             <a:fld id="{0A05F3B5-6F50-4323-80C0-955EB0110BAC}" type="datetimeFigureOut">
               <a:rPr lang="en-US" smtClean="0"/>
-              <a:t>11/29/2017</a:t>
+              <a:t>12/6/2017</a:t>
             </a:fld>
             <a:endParaRPr lang="en-US"/>
           </a:p>
@@ -1025,7 +1026,7 @@
           <a:p>
             <a:fld id="{0A05F3B5-6F50-4323-80C0-955EB0110BAC}" type="datetimeFigureOut">
               <a:rPr lang="en-US" smtClean="0"/>
-              <a:t>11/29/2017</a:t>
+              <a:t>12/6/2017</a:t>
             </a:fld>
             <a:endParaRPr lang="en-US"/>
           </a:p>
@@ -1257,7 +1258,7 @@
           <a:p>
             <a:fld id="{0A05F3B5-6F50-4323-80C0-955EB0110BAC}" type="datetimeFigureOut">
               <a:rPr lang="en-US" smtClean="0"/>
-              <a:t>11/29/2017</a:t>
+              <a:t>12/6/2017</a:t>
             </a:fld>
             <a:endParaRPr lang="en-US"/>
           </a:p>
@@ -1624,7 +1625,7 @@
           <a:p>
             <a:fld id="{0A05F3B5-6F50-4323-80C0-955EB0110BAC}" type="datetimeFigureOut">
               <a:rPr lang="en-US" smtClean="0"/>
-              <a:t>11/29/2017</a:t>
+              <a:t>12/6/2017</a:t>
             </a:fld>
             <a:endParaRPr lang="en-US"/>
           </a:p>
@@ -1742,7 +1743,7 @@
           <a:p>
             <a:fld id="{0A05F3B5-6F50-4323-80C0-955EB0110BAC}" type="datetimeFigureOut">
               <a:rPr lang="en-US" smtClean="0"/>
-              <a:t>11/29/2017</a:t>
+              <a:t>12/6/2017</a:t>
             </a:fld>
             <a:endParaRPr lang="en-US"/>
           </a:p>
@@ -1837,7 +1838,7 @@
           <a:p>
             <a:fld id="{0A05F3B5-6F50-4323-80C0-955EB0110BAC}" type="datetimeFigureOut">
               <a:rPr lang="en-US" smtClean="0"/>
-              <a:t>11/29/2017</a:t>
+              <a:t>12/6/2017</a:t>
             </a:fld>
             <a:endParaRPr lang="en-US"/>
           </a:p>
@@ -2114,7 +2115,7 @@
           <a:p>
             <a:fld id="{0A05F3B5-6F50-4323-80C0-955EB0110BAC}" type="datetimeFigureOut">
               <a:rPr lang="en-US" smtClean="0"/>
-              <a:t>11/29/2017</a:t>
+              <a:t>12/6/2017</a:t>
             </a:fld>
             <a:endParaRPr lang="en-US"/>
           </a:p>
@@ -2371,7 +2372,7 @@
           <a:p>
             <a:fld id="{0A05F3B5-6F50-4323-80C0-955EB0110BAC}" type="datetimeFigureOut">
               <a:rPr lang="en-US" smtClean="0"/>
-              <a:t>11/29/2017</a:t>
+              <a:t>12/6/2017</a:t>
             </a:fld>
             <a:endParaRPr lang="en-US"/>
           </a:p>
@@ -2584,7 +2585,7 @@
           <a:p>
             <a:fld id="{0A05F3B5-6F50-4323-80C0-955EB0110BAC}" type="datetimeFigureOut">
               <a:rPr lang="en-US" smtClean="0"/>
-              <a:t>11/29/2017</a:t>
+              <a:t>12/6/2017</a:t>
             </a:fld>
             <a:endParaRPr lang="en-US"/>
           </a:p>
@@ -5290,6 +5291,41 @@
           </a:p>
         </p:txBody>
       </p:sp>
+      <p:sp>
+        <p:nvSpPr>
+          <p:cNvPr id="2" name="TextBox 1">
+            <a:extLst>
+              <a:ext uri="{FF2B5EF4-FFF2-40B4-BE49-F238E27FC236}">
+                <a16:creationId xmlns:a16="http://schemas.microsoft.com/office/drawing/2014/main" id="{EA370618-05C0-4FEC-875C-A3BF933428FD}"/>
+              </a:ext>
+            </a:extLst>
+          </p:cNvPr>
+          <p:cNvSpPr txBox="1"/>
+          <p:nvPr/>
+        </p:nvSpPr>
+        <p:spPr>
+          <a:xfrm>
+            <a:off x="4921135" y="11371811"/>
+            <a:ext cx="10440785" cy="369332"/>
+          </a:xfrm>
+          <a:prstGeom prst="rect">
+            <a:avLst/>
+          </a:prstGeom>
+          <a:noFill/>
+        </p:spPr>
+        <p:txBody>
+          <a:bodyPr wrap="square" rtlCol="0">
+            <a:spAutoFit/>
+          </a:bodyPr>
+          <a:lstStyle/>
+          <a:p>
+            <a:r>
+              <a:rPr lang="en-US"/>
+              <a:t>Data_LOADER</a:t>
+            </a:r>
+          </a:p>
+        </p:txBody>
+      </p:sp>
     </p:spTree>
     <p:extLst>
       <p:ext uri="{BB962C8B-B14F-4D97-AF65-F5344CB8AC3E}">
@@ -5304,6 +5340,86 @@
 </file>
 
 <file path=ppt/slides/slide2.xml><?xml version="1.0" encoding="utf-8"?>
+<p:sld xmlns:a="http://schemas.openxmlformats.org/drawingml/2006/main" xmlns:r="http://schemas.openxmlformats.org/officeDocument/2006/relationships" xmlns:p="http://schemas.openxmlformats.org/presentationml/2006/main">
+  <p:cSld>
+    <p:spTree>
+      <p:nvGrpSpPr>
+        <p:cNvPr id="1" name=""/>
+        <p:cNvGrpSpPr/>
+        <p:nvPr/>
+      </p:nvGrpSpPr>
+      <p:grpSpPr>
+        <a:xfrm>
+          <a:off x="0" y="0"/>
+          <a:ext cx="0" cy="0"/>
+          <a:chOff x="0" y="0"/>
+          <a:chExt cx="0" cy="0"/>
+        </a:xfrm>
+      </p:grpSpPr>
+      <p:sp>
+        <p:nvSpPr>
+          <p:cNvPr id="2" name="Title 1">
+            <a:extLst>
+              <a:ext uri="{FF2B5EF4-FFF2-40B4-BE49-F238E27FC236}">
+                <a16:creationId xmlns:a16="http://schemas.microsoft.com/office/drawing/2014/main" id="{C3C78CE3-64B4-4FE2-A104-2D91ED6136F0}"/>
+              </a:ext>
+            </a:extLst>
+          </p:cNvPr>
+          <p:cNvSpPr>
+            <a:spLocks noGrp="1"/>
+          </p:cNvSpPr>
+          <p:nvPr>
+            <p:ph type="title"/>
+          </p:nvPr>
+        </p:nvSpPr>
+        <p:spPr/>
+        <p:txBody>
+          <a:bodyPr/>
+          <a:lstStyle/>
+          <a:p>
+            <a:endParaRPr lang="en-US"/>
+          </a:p>
+        </p:txBody>
+      </p:sp>
+      <p:sp>
+        <p:nvSpPr>
+          <p:cNvPr id="3" name="Content Placeholder 2">
+            <a:extLst>
+              <a:ext uri="{FF2B5EF4-FFF2-40B4-BE49-F238E27FC236}">
+                <a16:creationId xmlns:a16="http://schemas.microsoft.com/office/drawing/2014/main" id="{D8740FB9-1276-4E68-A390-991A10158EC7}"/>
+              </a:ext>
+            </a:extLst>
+          </p:cNvPr>
+          <p:cNvSpPr>
+            <a:spLocks noGrp="1"/>
+          </p:cNvSpPr>
+          <p:nvPr>
+            <p:ph idx="1"/>
+          </p:nvPr>
+        </p:nvSpPr>
+        <p:spPr/>
+        <p:txBody>
+          <a:bodyPr/>
+          <a:lstStyle/>
+          <a:p>
+            <a:endParaRPr lang="en-US"/>
+          </a:p>
+        </p:txBody>
+      </p:sp>
+    </p:spTree>
+    <p:extLst>
+      <p:ext uri="{BB962C8B-B14F-4D97-AF65-F5344CB8AC3E}">
+        <p14:creationId xmlns:p14="http://schemas.microsoft.com/office/powerpoint/2010/main" val="570421381"/>
+      </p:ext>
+    </p:extLst>
+  </p:cSld>
+  <p:clrMapOvr>
+    <a:masterClrMapping/>
+  </p:clrMapOvr>
+</p:sld>
+</file>
+
+<file path=ppt/slides/slide3.xml><?xml version="1.0" encoding="utf-8"?>
 <p:sld xmlns:a="http://schemas.openxmlformats.org/drawingml/2006/main" xmlns:r="http://schemas.openxmlformats.org/officeDocument/2006/relationships" xmlns:p="http://schemas.openxmlformats.org/presentationml/2006/main">
   <p:cSld>
     <p:spTree>
@@ -12156,7 +12272,7 @@
 </p:sld>
 </file>
 
-<file path=ppt/slides/slide3.xml><?xml version="1.0" encoding="utf-8"?>
+<file path=ppt/slides/slide4.xml><?xml version="1.0" encoding="utf-8"?>
 <p:sld xmlns:a="http://schemas.openxmlformats.org/drawingml/2006/main" xmlns:r="http://schemas.openxmlformats.org/officeDocument/2006/relationships" xmlns:p="http://schemas.openxmlformats.org/presentationml/2006/main">
   <p:cSld>
     <p:spTree>

--- a/docs/architecture.pptx
+++ b/docs/architecture.pptx
@@ -262,7 +262,7 @@
           <a:p>
             <a:fld id="{0A05F3B5-6F50-4323-80C0-955EB0110BAC}" type="datetimeFigureOut">
               <a:rPr lang="en-US" smtClean="0"/>
-              <a:t>12/6/2017</a:t>
+              <a:t>12/8/2017</a:t>
             </a:fld>
             <a:endParaRPr lang="en-US"/>
           </a:p>
@@ -432,7 +432,7 @@
           <a:p>
             <a:fld id="{0A05F3B5-6F50-4323-80C0-955EB0110BAC}" type="datetimeFigureOut">
               <a:rPr lang="en-US" smtClean="0"/>
-              <a:t>12/6/2017</a:t>
+              <a:t>12/8/2017</a:t>
             </a:fld>
             <a:endParaRPr lang="en-US"/>
           </a:p>
@@ -612,7 +612,7 @@
           <a:p>
             <a:fld id="{0A05F3B5-6F50-4323-80C0-955EB0110BAC}" type="datetimeFigureOut">
               <a:rPr lang="en-US" smtClean="0"/>
-              <a:t>12/6/2017</a:t>
+              <a:t>12/8/2017</a:t>
             </a:fld>
             <a:endParaRPr lang="en-US"/>
           </a:p>
@@ -782,7 +782,7 @@
           <a:p>
             <a:fld id="{0A05F3B5-6F50-4323-80C0-955EB0110BAC}" type="datetimeFigureOut">
               <a:rPr lang="en-US" smtClean="0"/>
-              <a:t>12/6/2017</a:t>
+              <a:t>12/8/2017</a:t>
             </a:fld>
             <a:endParaRPr lang="en-US"/>
           </a:p>
@@ -1026,7 +1026,7 @@
           <a:p>
             <a:fld id="{0A05F3B5-6F50-4323-80C0-955EB0110BAC}" type="datetimeFigureOut">
               <a:rPr lang="en-US" smtClean="0"/>
-              <a:t>12/6/2017</a:t>
+              <a:t>12/8/2017</a:t>
             </a:fld>
             <a:endParaRPr lang="en-US"/>
           </a:p>
@@ -1258,7 +1258,7 @@
           <a:p>
             <a:fld id="{0A05F3B5-6F50-4323-80C0-955EB0110BAC}" type="datetimeFigureOut">
               <a:rPr lang="en-US" smtClean="0"/>
-              <a:t>12/6/2017</a:t>
+              <a:t>12/8/2017</a:t>
             </a:fld>
             <a:endParaRPr lang="en-US"/>
           </a:p>
@@ -1625,7 +1625,7 @@
           <a:p>
             <a:fld id="{0A05F3B5-6F50-4323-80C0-955EB0110BAC}" type="datetimeFigureOut">
               <a:rPr lang="en-US" smtClean="0"/>
-              <a:t>12/6/2017</a:t>
+              <a:t>12/8/2017</a:t>
             </a:fld>
             <a:endParaRPr lang="en-US"/>
           </a:p>
@@ -1743,7 +1743,7 @@
           <a:p>
             <a:fld id="{0A05F3B5-6F50-4323-80C0-955EB0110BAC}" type="datetimeFigureOut">
               <a:rPr lang="en-US" smtClean="0"/>
-              <a:t>12/6/2017</a:t>
+              <a:t>12/8/2017</a:t>
             </a:fld>
             <a:endParaRPr lang="en-US"/>
           </a:p>
@@ -1838,7 +1838,7 @@
           <a:p>
             <a:fld id="{0A05F3B5-6F50-4323-80C0-955EB0110BAC}" type="datetimeFigureOut">
               <a:rPr lang="en-US" smtClean="0"/>
-              <a:t>12/6/2017</a:t>
+              <a:t>12/8/2017</a:t>
             </a:fld>
             <a:endParaRPr lang="en-US"/>
           </a:p>
@@ -2115,7 +2115,7 @@
           <a:p>
             <a:fld id="{0A05F3B5-6F50-4323-80C0-955EB0110BAC}" type="datetimeFigureOut">
               <a:rPr lang="en-US" smtClean="0"/>
-              <a:t>12/6/2017</a:t>
+              <a:t>12/8/2017</a:t>
             </a:fld>
             <a:endParaRPr lang="en-US"/>
           </a:p>
@@ -2372,7 +2372,7 @@
           <a:p>
             <a:fld id="{0A05F3B5-6F50-4323-80C0-955EB0110BAC}" type="datetimeFigureOut">
               <a:rPr lang="en-US" smtClean="0"/>
-              <a:t>12/6/2017</a:t>
+              <a:t>12/8/2017</a:t>
             </a:fld>
             <a:endParaRPr lang="en-US"/>
           </a:p>
@@ -2585,7 +2585,7 @@
           <a:p>
             <a:fld id="{0A05F3B5-6F50-4323-80C0-955EB0110BAC}" type="datetimeFigureOut">
               <a:rPr lang="en-US" smtClean="0"/>
-              <a:t>12/6/2017</a:t>
+              <a:t>12/8/2017</a:t>
             </a:fld>
             <a:endParaRPr lang="en-US"/>
           </a:p>
@@ -5553,7 +5553,7 @@
         </p:nvSpPr>
         <p:spPr>
           <a:xfrm>
-            <a:off x="17434721" y="19397303"/>
+            <a:off x="17401429" y="17841941"/>
             <a:ext cx="947687" cy="215444"/>
           </a:xfrm>
           <a:prstGeom prst="roundRect">
@@ -6591,7 +6591,7 @@
         </p:nvSpPr>
         <p:spPr>
           <a:xfrm>
-            <a:off x="20128794" y="18885192"/>
+            <a:off x="20095502" y="17329830"/>
             <a:ext cx="1615210" cy="584775"/>
           </a:xfrm>
           <a:prstGeom prst="rect">
@@ -6717,14 +6717,14 @@
           <p:cNvCxnSpPr>
             <a:cxnSpLocks/>
             <a:stCxn id="2" idx="2"/>
-            <a:endCxn id="11" idx="0"/>
+            <a:endCxn id="37" idx="0"/>
           </p:cNvCxnSpPr>
           <p:nvPr/>
         </p:nvCxnSpPr>
         <p:spPr>
           <a:xfrm>
-            <a:off x="20936399" y="19469967"/>
-            <a:ext cx="2011080" cy="2997240"/>
+            <a:off x="20903107" y="17914605"/>
+            <a:ext cx="2044372" cy="3374502"/>
           </a:xfrm>
           <a:prstGeom prst="straightConnector1">
             <a:avLst/>
@@ -7453,7 +7453,7 @@
         </p:nvSpPr>
         <p:spPr>
           <a:xfrm>
-            <a:off x="22725310" y="21859733"/>
+            <a:off x="21571165" y="21289107"/>
             <a:ext cx="2752628" cy="215444"/>
           </a:xfrm>
           <a:prstGeom prst="rect">
@@ -7932,7 +7932,7 @@
         </p:nvSpPr>
         <p:spPr>
           <a:xfrm>
-            <a:off x="16305115" y="22054416"/>
+            <a:off x="16294418" y="21495711"/>
             <a:ext cx="1793443" cy="400110"/>
           </a:xfrm>
           <a:prstGeom prst="rect">
@@ -8015,7 +8015,7 @@
         </p:nvSpPr>
         <p:spPr>
           <a:xfrm>
-            <a:off x="16454396" y="20672161"/>
+            <a:off x="16086560" y="18346897"/>
             <a:ext cx="947687" cy="276999"/>
           </a:xfrm>
           <a:prstGeom prst="rect">
@@ -8058,7 +8058,7 @@
         </p:nvSpPr>
         <p:spPr>
           <a:xfrm>
-            <a:off x="17444900" y="20836485"/>
+            <a:off x="17077064" y="18511221"/>
             <a:ext cx="947687" cy="215444"/>
           </a:xfrm>
           <a:prstGeom prst="rect">
@@ -8107,14 +8107,14 @@
           <p:cNvCxnSpPr>
             <a:cxnSpLocks/>
             <a:stCxn id="61" idx="0"/>
-            <a:endCxn id="72" idx="2"/>
+            <a:endCxn id="20" idx="2"/>
           </p:cNvCxnSpPr>
           <p:nvPr/>
         </p:nvCxnSpPr>
         <p:spPr>
           <a:xfrm flipV="1">
-            <a:off x="17201837" y="21931305"/>
-            <a:ext cx="312178" cy="123111"/>
+            <a:off x="17191140" y="21158287"/>
+            <a:ext cx="218581" cy="337424"/>
           </a:xfrm>
           <a:prstGeom prst="straightConnector1">
             <a:avLst/>
@@ -8156,8 +8156,8 @@
         </p:nvCxnSpPr>
         <p:spPr>
           <a:xfrm flipH="1" flipV="1">
-            <a:off x="16928240" y="20949160"/>
-            <a:ext cx="585775" cy="458925"/>
+            <a:off x="16560404" y="18623896"/>
+            <a:ext cx="1256342" cy="195082"/>
           </a:xfrm>
           <a:prstGeom prst="straightConnector1">
             <a:avLst/>
@@ -8198,9 +8198,9 @@
           <p:nvPr/>
         </p:nvCxnSpPr>
         <p:spPr>
-          <a:xfrm flipV="1">
-            <a:off x="17514015" y="21051929"/>
-            <a:ext cx="404729" cy="356156"/>
+          <a:xfrm flipH="1" flipV="1">
+            <a:off x="17550908" y="18726665"/>
+            <a:ext cx="265838" cy="92313"/>
           </a:xfrm>
           <a:prstGeom prst="straightConnector1">
             <a:avLst/>
@@ -8281,7 +8281,7 @@
         </p:nvCxnSpPr>
         <p:spPr>
           <a:xfrm>
-            <a:off x="17918743" y="18963220"/>
+            <a:off x="17885451" y="17407858"/>
             <a:ext cx="1621476" cy="1914861"/>
           </a:xfrm>
           <a:prstGeom prst="straightConnector1">
@@ -8320,7 +8320,7 @@
         </p:nvSpPr>
         <p:spPr>
           <a:xfrm>
-            <a:off x="16215850" y="18568076"/>
+            <a:off x="16182558" y="17012714"/>
             <a:ext cx="914120" cy="707886"/>
           </a:xfrm>
           <a:prstGeom prst="rect">
@@ -8413,7 +8413,7 @@
         </p:nvCxnSpPr>
         <p:spPr>
           <a:xfrm flipV="1">
-            <a:off x="17908565" y="18963220"/>
+            <a:off x="17875273" y="17407858"/>
             <a:ext cx="10178" cy="434083"/>
           </a:xfrm>
           <a:prstGeom prst="straightConnector1">
@@ -8452,7 +8452,7 @@
         </p:nvSpPr>
         <p:spPr>
           <a:xfrm>
-            <a:off x="17574687" y="18809332"/>
+            <a:off x="17541395" y="17253970"/>
             <a:ext cx="688111" cy="153888"/>
           </a:xfrm>
           <a:prstGeom prst="rect">
@@ -8491,7 +8491,7 @@
         </p:nvCxnSpPr>
         <p:spPr>
           <a:xfrm>
-            <a:off x="16672910" y="19275962"/>
+            <a:off x="16639618" y="17720600"/>
             <a:ext cx="761811" cy="229063"/>
           </a:xfrm>
           <a:prstGeom prst="straightConnector1">
@@ -8530,7 +8530,7 @@
         </p:nvSpPr>
         <p:spPr>
           <a:xfrm>
-            <a:off x="16854946" y="21408085"/>
+            <a:off x="17157677" y="18818978"/>
             <a:ext cx="1318138" cy="523220"/>
           </a:xfrm>
           <a:prstGeom prst="rect">
@@ -9223,13 +9223,12 @@
           <p:cNvCxnSpPr>
             <a:cxnSpLocks/>
             <a:stCxn id="38" idx="0"/>
-            <a:endCxn id="68" idx="2"/>
           </p:cNvCxnSpPr>
           <p:nvPr/>
         </p:nvCxnSpPr>
         <p:spPr>
           <a:xfrm flipH="1" flipV="1">
-            <a:off x="17908565" y="19612747"/>
+            <a:off x="17540729" y="17287483"/>
             <a:ext cx="10179" cy="1223738"/>
           </a:xfrm>
           <a:prstGeom prst="straightConnector1">
@@ -9268,7 +9267,7 @@
         </p:nvSpPr>
         <p:spPr>
           <a:xfrm>
-            <a:off x="16672910" y="19895640"/>
+            <a:off x="16639618" y="18340278"/>
             <a:ext cx="1458345" cy="215444"/>
           </a:xfrm>
           <a:prstGeom prst="rect">
@@ -9313,7 +9312,7 @@
         </p:nvCxnSpPr>
         <p:spPr>
           <a:xfrm flipV="1">
-            <a:off x="17402083" y="19612747"/>
+            <a:off x="17368791" y="18057385"/>
             <a:ext cx="506482" cy="282893"/>
           </a:xfrm>
           <a:prstGeom prst="line">
@@ -9387,7 +9386,7 @@
         </p:nvSpPr>
         <p:spPr>
           <a:xfrm>
-            <a:off x="18594775" y="19705438"/>
+            <a:off x="18561483" y="18150076"/>
             <a:ext cx="780039" cy="215444"/>
           </a:xfrm>
           <a:prstGeom prst="rect">
@@ -9442,7 +9441,7 @@
         </p:nvSpPr>
         <p:spPr>
           <a:xfrm>
-            <a:off x="19540219" y="20554915"/>
+            <a:off x="19506927" y="18999553"/>
             <a:ext cx="1134636" cy="646331"/>
           </a:xfrm>
           <a:prstGeom prst="rect">
@@ -9530,14 +9529,14 @@
           <p:cNvCxnSpPr>
             <a:cxnSpLocks/>
             <a:stCxn id="274" idx="2"/>
-            <a:endCxn id="11" idx="0"/>
+            <a:endCxn id="37" idx="0"/>
           </p:cNvCxnSpPr>
           <p:nvPr/>
         </p:nvCxnSpPr>
         <p:spPr>
           <a:xfrm>
-            <a:off x="20107537" y="21201246"/>
-            <a:ext cx="2839942" cy="1265961"/>
+            <a:off x="20074245" y="19645884"/>
+            <a:ext cx="2873234" cy="1643223"/>
           </a:xfrm>
           <a:prstGeom prst="straightConnector1">
             <a:avLst/>
@@ -9578,7 +9577,7 @@
         </p:nvSpPr>
         <p:spPr>
           <a:xfrm>
-            <a:off x="18771648" y="19878058"/>
+            <a:off x="18738356" y="18322696"/>
             <a:ext cx="922496" cy="215444"/>
           </a:xfrm>
           <a:prstGeom prst="rect">
@@ -9627,7 +9626,7 @@
         </p:nvSpPr>
         <p:spPr>
           <a:xfrm>
-            <a:off x="19955887" y="21566167"/>
+            <a:off x="19922595" y="20010805"/>
             <a:ext cx="804552" cy="523220"/>
           </a:xfrm>
           <a:prstGeom prst="rect">
@@ -10950,8 +10949,8 @@
         </p:nvCxnSpPr>
         <p:spPr>
           <a:xfrm flipH="1" flipV="1">
-            <a:off x="17201837" y="22454526"/>
-            <a:ext cx="4557359" cy="428180"/>
+            <a:off x="17191140" y="21895821"/>
+            <a:ext cx="4568056" cy="986885"/>
           </a:xfrm>
           <a:prstGeom prst="straightConnector1">
             <a:avLst/>
@@ -11856,7 +11855,7 @@
         </p:nvSpPr>
         <p:spPr>
           <a:xfrm>
-            <a:off x="15684570" y="21495336"/>
+            <a:off x="15684741" y="20858205"/>
             <a:ext cx="479535" cy="215444"/>
           </a:xfrm>
           <a:prstGeom prst="rect">
@@ -11896,8 +11895,8 @@
         </p:nvCxnSpPr>
         <p:spPr>
           <a:xfrm flipH="1" flipV="1">
-            <a:off x="15924338" y="21710780"/>
-            <a:ext cx="1277499" cy="343636"/>
+            <a:off x="15924509" y="21073649"/>
+            <a:ext cx="1266631" cy="422062"/>
           </a:xfrm>
           <a:prstGeom prst="straightConnector1">
             <a:avLst/>
@@ -12117,7 +12116,7 @@
         </p:nvSpPr>
         <p:spPr>
           <a:xfrm>
-            <a:off x="20838613" y="21708115"/>
+            <a:off x="20805321" y="20152753"/>
             <a:ext cx="940452" cy="215444"/>
           </a:xfrm>
           <a:prstGeom prst="rect">
@@ -12156,7 +12155,7 @@
         </p:nvCxnSpPr>
         <p:spPr>
           <a:xfrm flipV="1">
-            <a:off x="20107537" y="19469967"/>
+            <a:off x="20074245" y="17914605"/>
             <a:ext cx="828862" cy="1084948"/>
           </a:xfrm>
           <a:prstGeom prst="straightConnector1">
@@ -12195,7 +12194,7 @@
         </p:nvSpPr>
         <p:spPr>
           <a:xfrm>
-            <a:off x="19881172" y="20086374"/>
+            <a:off x="19847880" y="18531012"/>
             <a:ext cx="1232345" cy="215444"/>
           </a:xfrm>
           <a:prstGeom prst="rect">
@@ -12256,6 +12255,508 @@
               <a:rPr lang="en-US" sz="800" dirty="0"/>
               <a:t>TODO: have the store use commit or something so that there is static time checking</a:t>
             </a:r>
+          </a:p>
+        </p:txBody>
+      </p:sp>
+      <p:sp>
+        <p:nvSpPr>
+          <p:cNvPr id="20" name="TextBox 19">
+            <a:extLst>
+              <a:ext uri="{FF2B5EF4-FFF2-40B4-BE49-F238E27FC236}">
+                <a16:creationId xmlns:a16="http://schemas.microsoft.com/office/drawing/2014/main" id="{B4A941F8-BE53-4677-ADF6-63928907B001}"/>
+              </a:ext>
+            </a:extLst>
+          </p:cNvPr>
+          <p:cNvSpPr txBox="1"/>
+          <p:nvPr/>
+        </p:nvSpPr>
+        <p:spPr>
+          <a:xfrm>
+            <a:off x="17202007" y="20989010"/>
+            <a:ext cx="415428" cy="169277"/>
+          </a:xfrm>
+          <a:prstGeom prst="rect">
+            <a:avLst/>
+          </a:prstGeom>
+          <a:noFill/>
+        </p:spPr>
+        <p:txBody>
+          <a:bodyPr wrap="square" rtlCol="0">
+            <a:spAutoFit/>
+          </a:bodyPr>
+          <a:lstStyle/>
+          <a:p>
+            <a:r>
+              <a:rPr lang="en-US" sz="500" dirty="0" err="1"/>
+              <a:t>canvasUI</a:t>
+            </a:r>
+            <a:endParaRPr lang="en-US" sz="500" dirty="0"/>
+          </a:p>
+        </p:txBody>
+      </p:sp>
+      <p:cxnSp>
+        <p:nvCxnSpPr>
+          <p:cNvPr id="118" name="Straight Arrow Connector 117">
+            <a:extLst>
+              <a:ext uri="{FF2B5EF4-FFF2-40B4-BE49-F238E27FC236}">
+                <a16:creationId xmlns:a16="http://schemas.microsoft.com/office/drawing/2014/main" id="{A3653C92-1F3B-450C-A382-B1F41481C345}"/>
+              </a:ext>
+            </a:extLst>
+          </p:cNvPr>
+          <p:cNvCxnSpPr>
+            <a:cxnSpLocks/>
+            <a:stCxn id="20" idx="0"/>
+            <a:endCxn id="27" idx="2"/>
+          </p:cNvCxnSpPr>
+          <p:nvPr/>
+        </p:nvCxnSpPr>
+        <p:spPr>
+          <a:xfrm flipH="1" flipV="1">
+            <a:off x="17398120" y="20255820"/>
+            <a:ext cx="11601" cy="733190"/>
+          </a:xfrm>
+          <a:prstGeom prst="straightConnector1">
+            <a:avLst/>
+          </a:prstGeom>
+          <a:ln>
+            <a:tailEnd type="triangle"/>
+          </a:ln>
+        </p:spPr>
+        <p:style>
+          <a:lnRef idx="1">
+            <a:schemeClr val="accent1"/>
+          </a:lnRef>
+          <a:fillRef idx="0">
+            <a:schemeClr val="accent1"/>
+          </a:fillRef>
+          <a:effectRef idx="0">
+            <a:schemeClr val="accent1"/>
+          </a:effectRef>
+          <a:fontRef idx="minor">
+            <a:schemeClr val="tx1"/>
+          </a:fontRef>
+        </p:style>
+      </p:cxnSp>
+      <p:sp>
+        <p:nvSpPr>
+          <p:cNvPr id="227" name="TextBox 226">
+            <a:extLst>
+              <a:ext uri="{FF2B5EF4-FFF2-40B4-BE49-F238E27FC236}">
+                <a16:creationId xmlns:a16="http://schemas.microsoft.com/office/drawing/2014/main" id="{A02F600D-4816-49CE-9344-5072BD55863A}"/>
+              </a:ext>
+            </a:extLst>
+          </p:cNvPr>
+          <p:cNvSpPr txBox="1"/>
+          <p:nvPr/>
+        </p:nvSpPr>
+        <p:spPr>
+          <a:xfrm>
+            <a:off x="17640370" y="20170688"/>
+            <a:ext cx="861489" cy="400110"/>
+          </a:xfrm>
+          <a:prstGeom prst="rect">
+            <a:avLst/>
+          </a:prstGeom>
+          <a:noFill/>
+        </p:spPr>
+        <p:txBody>
+          <a:bodyPr wrap="square" rtlCol="0">
+            <a:spAutoFit/>
+          </a:bodyPr>
+          <a:lstStyle/>
+          <a:p>
+            <a:r>
+              <a:rPr lang="en-US" sz="400" dirty="0" err="1"/>
+              <a:t>receiveNewTreeData</a:t>
+            </a:r>
+            <a:endParaRPr lang="en-US" sz="400" dirty="0"/>
+          </a:p>
+          <a:p>
+            <a:r>
+              <a:rPr lang="en-US" sz="400" dirty="0" err="1"/>
+              <a:t>receiveNewTreeLocationData</a:t>
+            </a:r>
+            <a:endParaRPr lang="en-US" sz="400" dirty="0"/>
+          </a:p>
+          <a:p>
+            <a:r>
+              <a:rPr lang="en-US" sz="400" dirty="0" err="1"/>
+              <a:t>receiveNewTreeUserData</a:t>
+            </a:r>
+            <a:endParaRPr lang="en-US" sz="400" dirty="0"/>
+          </a:p>
+          <a:p>
+            <a:r>
+              <a:rPr lang="en-US" sz="400" dirty="0" err="1"/>
+              <a:t>receiveNewContentData</a:t>
+            </a:r>
+            <a:endParaRPr lang="en-US" sz="400" dirty="0"/>
+          </a:p>
+          <a:p>
+            <a:r>
+              <a:rPr lang="en-US" sz="400" dirty="0" err="1"/>
+              <a:t>receivenewContentUserData</a:t>
+            </a:r>
+            <a:endParaRPr lang="en-US" sz="400" dirty="0"/>
+          </a:p>
+        </p:txBody>
+      </p:sp>
+      <p:cxnSp>
+        <p:nvCxnSpPr>
+          <p:cNvPr id="129" name="Straight Arrow Connector 128">
+            <a:extLst>
+              <a:ext uri="{FF2B5EF4-FFF2-40B4-BE49-F238E27FC236}">
+                <a16:creationId xmlns:a16="http://schemas.microsoft.com/office/drawing/2014/main" id="{EF5B787E-C97D-45DB-9363-5A954A8F0F56}"/>
+              </a:ext>
+            </a:extLst>
+          </p:cNvPr>
+          <p:cNvCxnSpPr>
+            <a:cxnSpLocks/>
+            <a:stCxn id="37" idx="2"/>
+            <a:endCxn id="11" idx="0"/>
+          </p:cNvCxnSpPr>
+          <p:nvPr/>
+        </p:nvCxnSpPr>
+        <p:spPr>
+          <a:xfrm>
+            <a:off x="22947479" y="21504551"/>
+            <a:ext cx="0" cy="962656"/>
+          </a:xfrm>
+          <a:prstGeom prst="straightConnector1">
+            <a:avLst/>
+          </a:prstGeom>
+          <a:ln w="76200">
+            <a:solidFill>
+              <a:schemeClr val="accent4"/>
+            </a:solidFill>
+            <a:tailEnd type="triangle"/>
+          </a:ln>
+        </p:spPr>
+        <p:style>
+          <a:lnRef idx="1">
+            <a:schemeClr val="accent1"/>
+          </a:lnRef>
+          <a:fillRef idx="0">
+            <a:schemeClr val="accent1"/>
+          </a:fillRef>
+          <a:effectRef idx="0">
+            <a:schemeClr val="accent1"/>
+          </a:effectRef>
+          <a:fontRef idx="minor">
+            <a:schemeClr val="tx1"/>
+          </a:fontRef>
+        </p:style>
+      </p:cxnSp>
+      <p:grpSp>
+        <p:nvGrpSpPr>
+          <p:cNvPr id="248" name="Group 247">
+            <a:extLst>
+              <a:ext uri="{FF2B5EF4-FFF2-40B4-BE49-F238E27FC236}">
+                <a16:creationId xmlns:a16="http://schemas.microsoft.com/office/drawing/2014/main" id="{B28CFFC1-B2A4-4D6E-A8C0-C1488E736547}"/>
+              </a:ext>
+            </a:extLst>
+          </p:cNvPr>
+          <p:cNvGrpSpPr/>
+          <p:nvPr/>
+        </p:nvGrpSpPr>
+        <p:grpSpPr>
+          <a:xfrm>
+            <a:off x="17120073" y="20101932"/>
+            <a:ext cx="611354" cy="153888"/>
+            <a:chOff x="17131674" y="20101587"/>
+            <a:chExt cx="611354" cy="153888"/>
+          </a:xfrm>
+        </p:grpSpPr>
+        <p:sp>
+          <p:nvSpPr>
+            <p:cNvPr id="27" name="TextBox 26">
+              <a:extLst>
+                <a:ext uri="{FF2B5EF4-FFF2-40B4-BE49-F238E27FC236}">
+                  <a16:creationId xmlns:a16="http://schemas.microsoft.com/office/drawing/2014/main" id="{6AC54344-A2C7-4C7C-B52D-9A85BB3777D3}"/>
+                </a:ext>
+              </a:extLst>
+            </p:cNvPr>
+            <p:cNvSpPr txBox="1"/>
+            <p:nvPr/>
+          </p:nvSpPr>
+          <p:spPr>
+            <a:xfrm>
+              <a:off x="17131674" y="20101587"/>
+              <a:ext cx="556094" cy="153888"/>
+            </a:xfrm>
+            <a:prstGeom prst="rect">
+              <a:avLst/>
+            </a:prstGeom>
+            <a:noFill/>
+          </p:spPr>
+          <p:txBody>
+            <a:bodyPr wrap="square" rtlCol="0">
+              <a:spAutoFit/>
+            </a:bodyPr>
+            <a:lstStyle/>
+            <a:p>
+              <a:r>
+                <a:rPr lang="en-US" sz="400" dirty="0" err="1"/>
+                <a:t>sigmaNodeStore</a:t>
+              </a:r>
+              <a:endParaRPr lang="en-US" sz="400" dirty="0"/>
+            </a:p>
+          </p:txBody>
+        </p:sp>
+        <p:sp>
+          <p:nvSpPr>
+            <p:cNvPr id="247" name="Diamond 246">
+              <a:extLst>
+                <a:ext uri="{FF2B5EF4-FFF2-40B4-BE49-F238E27FC236}">
+                  <a16:creationId xmlns:a16="http://schemas.microsoft.com/office/drawing/2014/main" id="{DCDDFB65-7A05-4DD9-9DF3-C3C28638401B}"/>
+                </a:ext>
+              </a:extLst>
+            </p:cNvPr>
+            <p:cNvSpPr/>
+            <p:nvPr/>
+          </p:nvSpPr>
+          <p:spPr>
+            <a:xfrm>
+              <a:off x="17624626" y="20141593"/>
+              <a:ext cx="118402" cy="79187"/>
+            </a:xfrm>
+            <a:prstGeom prst="diamond">
+              <a:avLst/>
+            </a:prstGeom>
+          </p:spPr>
+          <p:style>
+            <a:lnRef idx="2">
+              <a:schemeClr val="accent1">
+                <a:shade val="50000"/>
+              </a:schemeClr>
+            </a:lnRef>
+            <a:fillRef idx="1">
+              <a:schemeClr val="accent1"/>
+            </a:fillRef>
+            <a:effectRef idx="0">
+              <a:schemeClr val="accent1"/>
+            </a:effectRef>
+            <a:fontRef idx="minor">
+              <a:schemeClr val="lt1"/>
+            </a:fontRef>
+          </p:style>
+          <p:txBody>
+            <a:bodyPr rtlCol="0" anchor="ctr"/>
+            <a:lstStyle/>
+            <a:p>
+              <a:pPr algn="ctr"/>
+              <a:endParaRPr lang="en-US"/>
+            </a:p>
+          </p:txBody>
+        </p:sp>
+      </p:grpSp>
+      <p:sp>
+        <p:nvSpPr>
+          <p:cNvPr id="251" name="TextBox 250">
+            <a:extLst>
+              <a:ext uri="{FF2B5EF4-FFF2-40B4-BE49-F238E27FC236}">
+                <a16:creationId xmlns:a16="http://schemas.microsoft.com/office/drawing/2014/main" id="{696B0F49-FCDC-4106-A8C6-49C1AAF765B8}"/>
+              </a:ext>
+            </a:extLst>
+          </p:cNvPr>
+          <p:cNvSpPr txBox="1"/>
+          <p:nvPr/>
+        </p:nvSpPr>
+        <p:spPr>
+          <a:xfrm>
+            <a:off x="18167876" y="20106275"/>
+            <a:ext cx="599413" cy="153888"/>
+          </a:xfrm>
+          <a:prstGeom prst="rect">
+            <a:avLst/>
+          </a:prstGeom>
+          <a:noFill/>
+        </p:spPr>
+        <p:txBody>
+          <a:bodyPr wrap="square" rtlCol="0">
+            <a:spAutoFit/>
+          </a:bodyPr>
+          <a:lstStyle/>
+          <a:p>
+            <a:r>
+              <a:rPr lang="en-US" sz="400" dirty="0" err="1"/>
+              <a:t>sigmaNode</a:t>
+            </a:r>
+            <a:endParaRPr lang="en-US" sz="400" dirty="0"/>
+          </a:p>
+        </p:txBody>
+      </p:sp>
+      <p:grpSp>
+        <p:nvGrpSpPr>
+          <p:cNvPr id="33" name="Group 32">
+            <a:extLst>
+              <a:ext uri="{FF2B5EF4-FFF2-40B4-BE49-F238E27FC236}">
+                <a16:creationId xmlns:a16="http://schemas.microsoft.com/office/drawing/2014/main" id="{C85F0F09-F546-4A35-B91D-9A8C33FDACAB}"/>
+              </a:ext>
+            </a:extLst>
+          </p:cNvPr>
+          <p:cNvGrpSpPr/>
+          <p:nvPr/>
+        </p:nvGrpSpPr>
+        <p:grpSpPr>
+          <a:xfrm>
+            <a:off x="17667076" y="19990279"/>
+            <a:ext cx="571126" cy="192940"/>
+            <a:chOff x="17667076" y="19990279"/>
+            <a:chExt cx="571126" cy="192940"/>
+          </a:xfrm>
+        </p:grpSpPr>
+        <p:cxnSp>
+          <p:nvCxnSpPr>
+            <p:cNvPr id="250" name="Straight Arrow Connector 249">
+              <a:extLst>
+                <a:ext uri="{FF2B5EF4-FFF2-40B4-BE49-F238E27FC236}">
+                  <a16:creationId xmlns:a16="http://schemas.microsoft.com/office/drawing/2014/main" id="{98ECDA57-B0DE-4EED-8B17-DA43B9C16F1B}"/>
+                </a:ext>
+              </a:extLst>
+            </p:cNvPr>
+            <p:cNvCxnSpPr>
+              <a:cxnSpLocks/>
+              <a:stCxn id="247" idx="3"/>
+              <a:endCxn id="251" idx="1"/>
+            </p:cNvCxnSpPr>
+            <p:nvPr/>
+          </p:nvCxnSpPr>
+          <p:spPr>
+            <a:xfrm>
+              <a:off x="17731427" y="20181532"/>
+              <a:ext cx="436449" cy="1687"/>
+            </a:xfrm>
+            <a:prstGeom prst="straightConnector1">
+              <a:avLst/>
+            </a:prstGeom>
+            <a:ln>
+              <a:tailEnd type="triangle"/>
+            </a:ln>
+          </p:spPr>
+          <p:style>
+            <a:lnRef idx="1">
+              <a:schemeClr val="accent1"/>
+            </a:lnRef>
+            <a:fillRef idx="0">
+              <a:schemeClr val="accent1"/>
+            </a:fillRef>
+            <a:effectRef idx="0">
+              <a:schemeClr val="accent1"/>
+            </a:effectRef>
+            <a:fontRef idx="minor">
+              <a:schemeClr val="tx1"/>
+            </a:fontRef>
+          </p:style>
+        </p:cxnSp>
+        <p:sp>
+          <p:nvSpPr>
+            <p:cNvPr id="255" name="TextBox 254">
+              <a:extLst>
+                <a:ext uri="{FF2B5EF4-FFF2-40B4-BE49-F238E27FC236}">
+                  <a16:creationId xmlns:a16="http://schemas.microsoft.com/office/drawing/2014/main" id="{89D86D9C-62DF-483F-B5B6-4560D78A332D}"/>
+                </a:ext>
+              </a:extLst>
+            </p:cNvPr>
+            <p:cNvSpPr txBox="1"/>
+            <p:nvPr/>
+          </p:nvSpPr>
+          <p:spPr>
+            <a:xfrm>
+              <a:off x="17667076" y="19990279"/>
+              <a:ext cx="571126" cy="153888"/>
+            </a:xfrm>
+            <a:prstGeom prst="rect">
+              <a:avLst/>
+            </a:prstGeom>
+            <a:noFill/>
+          </p:spPr>
+          <p:txBody>
+            <a:bodyPr wrap="square" rtlCol="0">
+              <a:spAutoFit/>
+            </a:bodyPr>
+            <a:lstStyle/>
+            <a:p>
+              <a:r>
+                <a:rPr lang="en-US" sz="400" dirty="0"/>
+                <a:t>1                      n</a:t>
+              </a:r>
+            </a:p>
+          </p:txBody>
+        </p:sp>
+      </p:grpSp>
+      <p:sp>
+        <p:nvSpPr>
+          <p:cNvPr id="152" name="TextBox 151">
+            <a:extLst>
+              <a:ext uri="{FF2B5EF4-FFF2-40B4-BE49-F238E27FC236}">
+                <a16:creationId xmlns:a16="http://schemas.microsoft.com/office/drawing/2014/main" id="{8929E5D7-A820-44FF-A890-88E8F8F48EFE}"/>
+              </a:ext>
+            </a:extLst>
+          </p:cNvPr>
+          <p:cNvSpPr txBox="1"/>
+          <p:nvPr/>
+        </p:nvSpPr>
+        <p:spPr>
+          <a:xfrm>
+            <a:off x="18167876" y="19924455"/>
+            <a:ext cx="698809" cy="153888"/>
+          </a:xfrm>
+          <a:prstGeom prst="rect">
+            <a:avLst/>
+          </a:prstGeom>
+          <a:noFill/>
+        </p:spPr>
+        <p:txBody>
+          <a:bodyPr wrap="square" rtlCol="0">
+            <a:spAutoFit/>
+          </a:bodyPr>
+          <a:lstStyle/>
+          <a:p>
+            <a:r>
+              <a:rPr lang="en-US" sz="400" dirty="0" err="1"/>
+              <a:t>sigmaNodeManager</a:t>
+            </a:r>
+            <a:endParaRPr lang="en-US" sz="400" dirty="0"/>
+          </a:p>
+        </p:txBody>
+      </p:sp>
+      <p:sp>
+        <p:nvSpPr>
+          <p:cNvPr id="153" name="TextBox 152">
+            <a:extLst>
+              <a:ext uri="{FF2B5EF4-FFF2-40B4-BE49-F238E27FC236}">
+                <a16:creationId xmlns:a16="http://schemas.microsoft.com/office/drawing/2014/main" id="{EFAEEB77-8326-4257-99A9-1B22EAE7ECB7}"/>
+              </a:ext>
+            </a:extLst>
+          </p:cNvPr>
+          <p:cNvSpPr txBox="1"/>
+          <p:nvPr/>
+        </p:nvSpPr>
+        <p:spPr>
+          <a:xfrm>
+            <a:off x="17821017" y="19659473"/>
+            <a:ext cx="599413" cy="215444"/>
+          </a:xfrm>
+          <a:prstGeom prst="rect">
+            <a:avLst/>
+          </a:prstGeom>
+          <a:noFill/>
+        </p:spPr>
+        <p:txBody>
+          <a:bodyPr wrap="square" rtlCol="0">
+            <a:spAutoFit/>
+          </a:bodyPr>
+          <a:lstStyle/>
+          <a:p>
+            <a:r>
+              <a:rPr lang="en-US" sz="400" dirty="0" err="1"/>
+              <a:t>renderedNodes</a:t>
+            </a:r>
+            <a:endParaRPr lang="en-US" sz="400"/>
+          </a:p>
+          <a:p>
+            <a:endParaRPr lang="en-US" sz="400" dirty="0"/>
           </a:p>
         </p:txBody>
       </p:sp>

--- a/docs/architecture.pptx
+++ b/docs/architecture.pptx
@@ -262,7 +262,7 @@
           <a:p>
             <a:fld id="{0A05F3B5-6F50-4323-80C0-955EB0110BAC}" type="datetimeFigureOut">
               <a:rPr lang="en-US" smtClean="0"/>
-              <a:t>12/8/2017</a:t>
+              <a:t>12/9/2017</a:t>
             </a:fld>
             <a:endParaRPr lang="en-US"/>
           </a:p>
@@ -432,7 +432,7 @@
           <a:p>
             <a:fld id="{0A05F3B5-6F50-4323-80C0-955EB0110BAC}" type="datetimeFigureOut">
               <a:rPr lang="en-US" smtClean="0"/>
-              <a:t>12/8/2017</a:t>
+              <a:t>12/9/2017</a:t>
             </a:fld>
             <a:endParaRPr lang="en-US"/>
           </a:p>
@@ -612,7 +612,7 @@
           <a:p>
             <a:fld id="{0A05F3B5-6F50-4323-80C0-955EB0110BAC}" type="datetimeFigureOut">
               <a:rPr lang="en-US" smtClean="0"/>
-              <a:t>12/8/2017</a:t>
+              <a:t>12/9/2017</a:t>
             </a:fld>
             <a:endParaRPr lang="en-US"/>
           </a:p>
@@ -782,7 +782,7 @@
           <a:p>
             <a:fld id="{0A05F3B5-6F50-4323-80C0-955EB0110BAC}" type="datetimeFigureOut">
               <a:rPr lang="en-US" smtClean="0"/>
-              <a:t>12/8/2017</a:t>
+              <a:t>12/9/2017</a:t>
             </a:fld>
             <a:endParaRPr lang="en-US"/>
           </a:p>
@@ -1026,7 +1026,7 @@
           <a:p>
             <a:fld id="{0A05F3B5-6F50-4323-80C0-955EB0110BAC}" type="datetimeFigureOut">
               <a:rPr lang="en-US" smtClean="0"/>
-              <a:t>12/8/2017</a:t>
+              <a:t>12/9/2017</a:t>
             </a:fld>
             <a:endParaRPr lang="en-US"/>
           </a:p>
@@ -1258,7 +1258,7 @@
           <a:p>
             <a:fld id="{0A05F3B5-6F50-4323-80C0-955EB0110BAC}" type="datetimeFigureOut">
               <a:rPr lang="en-US" smtClean="0"/>
-              <a:t>12/8/2017</a:t>
+              <a:t>12/9/2017</a:t>
             </a:fld>
             <a:endParaRPr lang="en-US"/>
           </a:p>
@@ -1625,7 +1625,7 @@
           <a:p>
             <a:fld id="{0A05F3B5-6F50-4323-80C0-955EB0110BAC}" type="datetimeFigureOut">
               <a:rPr lang="en-US" smtClean="0"/>
-              <a:t>12/8/2017</a:t>
+              <a:t>12/9/2017</a:t>
             </a:fld>
             <a:endParaRPr lang="en-US"/>
           </a:p>
@@ -1743,7 +1743,7 @@
           <a:p>
             <a:fld id="{0A05F3B5-6F50-4323-80C0-955EB0110BAC}" type="datetimeFigureOut">
               <a:rPr lang="en-US" smtClean="0"/>
-              <a:t>12/8/2017</a:t>
+              <a:t>12/9/2017</a:t>
             </a:fld>
             <a:endParaRPr lang="en-US"/>
           </a:p>
@@ -1838,7 +1838,7 @@
           <a:p>
             <a:fld id="{0A05F3B5-6F50-4323-80C0-955EB0110BAC}" type="datetimeFigureOut">
               <a:rPr lang="en-US" smtClean="0"/>
-              <a:t>12/8/2017</a:t>
+              <a:t>12/9/2017</a:t>
             </a:fld>
             <a:endParaRPr lang="en-US"/>
           </a:p>
@@ -2115,7 +2115,7 @@
           <a:p>
             <a:fld id="{0A05F3B5-6F50-4323-80C0-955EB0110BAC}" type="datetimeFigureOut">
               <a:rPr lang="en-US" smtClean="0"/>
-              <a:t>12/8/2017</a:t>
+              <a:t>12/9/2017</a:t>
             </a:fld>
             <a:endParaRPr lang="en-US"/>
           </a:p>
@@ -2372,7 +2372,7 @@
           <a:p>
             <a:fld id="{0A05F3B5-6F50-4323-80C0-955EB0110BAC}" type="datetimeFigureOut">
               <a:rPr lang="en-US" smtClean="0"/>
-              <a:t>12/8/2017</a:t>
+              <a:t>12/9/2017</a:t>
             </a:fld>
             <a:endParaRPr lang="en-US"/>
           </a:p>
@@ -2585,7 +2585,7 @@
           <a:p>
             <a:fld id="{0A05F3B5-6F50-4323-80C0-955EB0110BAC}" type="datetimeFigureOut">
               <a:rPr lang="en-US" smtClean="0"/>
-              <a:t>12/8/2017</a:t>
+              <a:t>12/9/2017</a:t>
             </a:fld>
             <a:endParaRPr lang="en-US"/>
           </a:p>
@@ -6938,93 +6938,6 @@
       </p:sp>
       <p:sp>
         <p:nvSpPr>
-          <p:cNvPr id="12" name="TextBox 11">
-            <a:extLst>
-              <a:ext uri="{FF2B5EF4-FFF2-40B4-BE49-F238E27FC236}">
-                <a16:creationId xmlns:a16="http://schemas.microsoft.com/office/drawing/2014/main" id="{4B37ED4C-78D1-4932-A469-317043D020BC}"/>
-              </a:ext>
-            </a:extLst>
-          </p:cNvPr>
-          <p:cNvSpPr txBox="1"/>
-          <p:nvPr/>
-        </p:nvSpPr>
-        <p:spPr>
-          <a:xfrm>
-            <a:off x="19235885" y="23767664"/>
-            <a:ext cx="2061776" cy="646331"/>
-          </a:xfrm>
-          <a:prstGeom prst="rect">
-            <a:avLst/>
-          </a:prstGeom>
-          <a:noFill/>
-        </p:spPr>
-        <p:txBody>
-          <a:bodyPr wrap="square" rtlCol="0">
-            <a:spAutoFit/>
-          </a:bodyPr>
-          <a:lstStyle/>
-          <a:p>
-            <a:r>
-              <a:rPr lang="en-US" sz="400" dirty="0"/>
-              <a:t>TREE_DATA STORE</a:t>
-            </a:r>
-          </a:p>
-          <a:p>
-            <a:pPr defTabSz="160020"/>
-            <a:r>
-              <a:rPr lang="en-US" sz="400" dirty="0"/>
-              <a:t>	- receive messages/TYPE_LEVEL_DATA_MUTATIONS via </a:t>
-            </a:r>
-            <a:r>
-              <a:rPr lang="en-US" sz="400" dirty="0" err="1"/>
-              <a:t>this.addMutation</a:t>
-            </a:r>
-            <a:r>
-              <a:rPr lang="en-US" sz="400" dirty="0"/>
-              <a:t>()</a:t>
-            </a:r>
-          </a:p>
-          <a:p>
-            <a:pPr defTabSz="160020"/>
-            <a:r>
-              <a:rPr lang="en-US" sz="400" dirty="0"/>
-              <a:t>	- chooses to pass the message along to correct data object as an INSTANCE_LEVEL_DATA_MUTATION</a:t>
-            </a:r>
-          </a:p>
-          <a:p>
-            <a:pPr defTabSz="160020"/>
-            <a:r>
-              <a:rPr lang="en-US" sz="400" dirty="0"/>
-              <a:t>	- e.g. tree = </a:t>
-            </a:r>
-            <a:r>
-              <a:rPr lang="en-US" sz="400" dirty="0" err="1"/>
-              <a:t>TREE_DATA_STORE.get</a:t>
-            </a:r>
-            <a:r>
-              <a:rPr lang="en-US" sz="400" dirty="0"/>
-              <a:t>(‘efa234’); </a:t>
-            </a:r>
-            <a:r>
-              <a:rPr lang="en-US" sz="400" dirty="0" err="1"/>
-              <a:t>tree.addMutation</a:t>
-            </a:r>
-            <a:r>
-              <a:rPr lang="en-US" sz="400" dirty="0"/>
-              <a:t>({property: children, mutation})</a:t>
-            </a:r>
-          </a:p>
-          <a:p>
-            <a:pPr defTabSz="160020"/>
-            <a:r>
-              <a:rPr lang="en-US" sz="400" dirty="0"/>
-              <a:t>	-also subscribes to each of its members’ update events, appends the object id to the update/event, and bubbles up these modified events to any objects that subscribed to it</a:t>
-            </a:r>
-          </a:p>
-        </p:txBody>
-      </p:sp>
-      <p:sp>
-        <p:nvSpPr>
           <p:cNvPr id="13" name="TextBox 12">
             <a:extLst>
               <a:ext uri="{FF2B5EF4-FFF2-40B4-BE49-F238E27FC236}">
@@ -12073,7 +11986,7 @@
         </p:nvSpPr>
         <p:spPr>
           <a:xfrm>
-            <a:off x="14382913" y="22419733"/>
+            <a:off x="14173588" y="22735823"/>
             <a:ext cx="1107179" cy="1477328"/>
           </a:xfrm>
           <a:prstGeom prst="rect">
@@ -12312,8 +12225,8 @@
         </p:nvCxnSpPr>
         <p:spPr>
           <a:xfrm flipH="1" flipV="1">
-            <a:off x="17398120" y="20255820"/>
-            <a:ext cx="11601" cy="733190"/>
+            <a:off x="17314213" y="20255893"/>
+            <a:ext cx="95508" cy="733117"/>
           </a:xfrm>
           <a:prstGeom prst="straightConnector1">
             <a:avLst/>
@@ -12461,10 +12374,10 @@
         </p:nvGrpSpPr>
         <p:grpSpPr>
           <a:xfrm>
-            <a:off x="17120073" y="20101932"/>
-            <a:ext cx="611354" cy="153888"/>
+            <a:off x="16966170" y="20102004"/>
+            <a:ext cx="765257" cy="153889"/>
             <a:chOff x="17131674" y="20101587"/>
-            <a:chExt cx="611354" cy="153888"/>
+            <a:chExt cx="611354" cy="122849"/>
           </a:xfrm>
         </p:grpSpPr>
         <p:sp>
@@ -12482,7 +12395,7 @@
           <p:spPr>
             <a:xfrm>
               <a:off x="17131674" y="20101587"/>
-              <a:ext cx="556094" cy="153888"/>
+              <a:ext cx="556094" cy="122849"/>
             </a:xfrm>
             <a:prstGeom prst="rect">
               <a:avLst/>
@@ -12497,7 +12410,7 @@
             <a:p>
               <a:r>
                 <a:rPr lang="en-US" sz="400" dirty="0" err="1"/>
-                <a:t>sigmaNodeStore</a:t>
+                <a:t>sigmaNodesUpdater</a:t>
               </a:r>
               <a:endParaRPr lang="en-US" sz="400" dirty="0"/>
             </a:p>
@@ -12550,42 +12463,6 @@
           </p:txBody>
         </p:sp>
       </p:grpSp>
-      <p:sp>
-        <p:nvSpPr>
-          <p:cNvPr id="251" name="TextBox 250">
-            <a:extLst>
-              <a:ext uri="{FF2B5EF4-FFF2-40B4-BE49-F238E27FC236}">
-                <a16:creationId xmlns:a16="http://schemas.microsoft.com/office/drawing/2014/main" id="{696B0F49-FCDC-4106-A8C6-49C1AAF765B8}"/>
-              </a:ext>
-            </a:extLst>
-          </p:cNvPr>
-          <p:cNvSpPr txBox="1"/>
-          <p:nvPr/>
-        </p:nvSpPr>
-        <p:spPr>
-          <a:xfrm>
-            <a:off x="18167876" y="20106275"/>
-            <a:ext cx="599413" cy="153888"/>
-          </a:xfrm>
-          <a:prstGeom prst="rect">
-            <a:avLst/>
-          </a:prstGeom>
-          <a:noFill/>
-        </p:spPr>
-        <p:txBody>
-          <a:bodyPr wrap="square" rtlCol="0">
-            <a:spAutoFit/>
-          </a:bodyPr>
-          <a:lstStyle/>
-          <a:p>
-            <a:r>
-              <a:rPr lang="en-US" sz="400" dirty="0" err="1"/>
-              <a:t>sigmaNode</a:t>
-            </a:r>
-            <a:endParaRPr lang="en-US" sz="400" dirty="0"/>
-          </a:p>
-        </p:txBody>
-      </p:sp>
       <p:grpSp>
         <p:nvGrpSpPr>
           <p:cNvPr id="33" name="Group 32">
@@ -12601,9 +12478,9 @@
         <p:grpSpPr>
           <a:xfrm>
             <a:off x="17667076" y="19990279"/>
-            <a:ext cx="571126" cy="192940"/>
+            <a:ext cx="571126" cy="211437"/>
             <a:chOff x="17667076" y="19990279"/>
-            <a:chExt cx="571126" cy="192940"/>
+            <a:chExt cx="571126" cy="211437"/>
           </a:xfrm>
         </p:grpSpPr>
         <p:cxnSp>
@@ -12623,9 +12500,9 @@
             <p:nvPr/>
           </p:nvCxnSpPr>
           <p:spPr>
-            <a:xfrm>
-              <a:off x="17731427" y="20181532"/>
-              <a:ext cx="436449" cy="1687"/>
+            <a:xfrm flipV="1">
+              <a:off x="17731427" y="20175262"/>
+              <a:ext cx="436449" cy="26454"/>
             </a:xfrm>
             <a:prstGeom prst="straightConnector1">
               <a:avLst/>
@@ -12760,6 +12637,1047 @@
           </a:p>
         </p:txBody>
       </p:sp>
+      <p:sp>
+        <p:nvSpPr>
+          <p:cNvPr id="7" name="TextBox 6">
+            <a:extLst>
+              <a:ext uri="{FF2B5EF4-FFF2-40B4-BE49-F238E27FC236}">
+                <a16:creationId xmlns:a16="http://schemas.microsoft.com/office/drawing/2014/main" id="{24373883-A316-4753-B237-B9C89AAAD269}"/>
+              </a:ext>
+            </a:extLst>
+          </p:cNvPr>
+          <p:cNvSpPr txBox="1"/>
+          <p:nvPr/>
+        </p:nvSpPr>
+        <p:spPr>
+          <a:xfrm>
+            <a:off x="16531657" y="23670659"/>
+            <a:ext cx="559474" cy="338554"/>
+          </a:xfrm>
+          <a:prstGeom prst="rect">
+            <a:avLst/>
+          </a:prstGeom>
+          <a:noFill/>
+        </p:spPr>
+        <p:txBody>
+          <a:bodyPr wrap="square" rtlCol="0">
+            <a:spAutoFit/>
+          </a:bodyPr>
+          <a:lstStyle/>
+          <a:p>
+            <a:r>
+              <a:rPr lang="en-US" sz="400" dirty="0" err="1"/>
+              <a:t>treeStoreSource</a:t>
+            </a:r>
+            <a:endParaRPr lang="en-US" sz="400" dirty="0"/>
+          </a:p>
+          <a:p>
+            <a:r>
+              <a:rPr lang="en-US" sz="400" dirty="0"/>
+              <a:t>+get</a:t>
+            </a:r>
+          </a:p>
+          <a:p>
+            <a:r>
+              <a:rPr lang="en-US" sz="400" dirty="0"/>
+              <a:t>+set</a:t>
+            </a:r>
+          </a:p>
+          <a:p>
+            <a:r>
+              <a:rPr lang="en-US" sz="400" dirty="0"/>
+              <a:t>+</a:t>
+            </a:r>
+            <a:r>
+              <a:rPr lang="en-US" sz="400" dirty="0" err="1"/>
+              <a:t>onUpdate</a:t>
+            </a:r>
+            <a:endParaRPr lang="en-US" sz="400" dirty="0"/>
+          </a:p>
+        </p:txBody>
+      </p:sp>
+      <p:sp>
+        <p:nvSpPr>
+          <p:cNvPr id="12" name="TextBox 11">
+            <a:extLst>
+              <a:ext uri="{FF2B5EF4-FFF2-40B4-BE49-F238E27FC236}">
+                <a16:creationId xmlns:a16="http://schemas.microsoft.com/office/drawing/2014/main" id="{4B37ED4C-78D1-4932-A469-317043D020BC}"/>
+              </a:ext>
+            </a:extLst>
+          </p:cNvPr>
+          <p:cNvSpPr txBox="1"/>
+          <p:nvPr/>
+        </p:nvSpPr>
+        <p:spPr>
+          <a:xfrm>
+            <a:off x="19235885" y="23767664"/>
+            <a:ext cx="2061776" cy="646331"/>
+          </a:xfrm>
+          <a:prstGeom prst="rect">
+            <a:avLst/>
+          </a:prstGeom>
+          <a:noFill/>
+        </p:spPr>
+        <p:txBody>
+          <a:bodyPr wrap="square" rtlCol="0">
+            <a:spAutoFit/>
+          </a:bodyPr>
+          <a:lstStyle/>
+          <a:p>
+            <a:r>
+              <a:rPr lang="en-US" sz="400" dirty="0"/>
+              <a:t>TREE_DATA STORE</a:t>
+            </a:r>
+          </a:p>
+          <a:p>
+            <a:pPr defTabSz="160020"/>
+            <a:r>
+              <a:rPr lang="en-US" sz="400" dirty="0"/>
+              <a:t>	- receive messages/TYPE_LEVEL_DATA_MUTATIONS via </a:t>
+            </a:r>
+            <a:r>
+              <a:rPr lang="en-US" sz="400" dirty="0" err="1"/>
+              <a:t>this.addMutation</a:t>
+            </a:r>
+            <a:r>
+              <a:rPr lang="en-US" sz="400" dirty="0"/>
+              <a:t>()</a:t>
+            </a:r>
+          </a:p>
+          <a:p>
+            <a:pPr defTabSz="160020"/>
+            <a:r>
+              <a:rPr lang="en-US" sz="400" dirty="0"/>
+              <a:t>	- chooses to pass the message along to correct data object as an INSTANCE_LEVEL_DATA_MUTATION</a:t>
+            </a:r>
+          </a:p>
+          <a:p>
+            <a:pPr defTabSz="160020"/>
+            <a:r>
+              <a:rPr lang="en-US" sz="400" dirty="0"/>
+              <a:t>	- e.g. tree = </a:t>
+            </a:r>
+            <a:r>
+              <a:rPr lang="en-US" sz="400" dirty="0" err="1"/>
+              <a:t>TREE_DATA_STORE.get</a:t>
+            </a:r>
+            <a:r>
+              <a:rPr lang="en-US" sz="400" dirty="0"/>
+              <a:t>(‘efa234’); </a:t>
+            </a:r>
+            <a:r>
+              <a:rPr lang="en-US" sz="400" dirty="0" err="1"/>
+              <a:t>tree.addMutation</a:t>
+            </a:r>
+            <a:r>
+              <a:rPr lang="en-US" sz="400" dirty="0"/>
+              <a:t>({property: children, mutation})</a:t>
+            </a:r>
+          </a:p>
+          <a:p>
+            <a:pPr defTabSz="160020"/>
+            <a:r>
+              <a:rPr lang="en-US" sz="400" dirty="0"/>
+              <a:t>	-also subscribes to each of its members’ update events, appends the object id to the update/event, and bubbles up these modified events to any objects that subscribed to it</a:t>
+            </a:r>
+          </a:p>
+        </p:txBody>
+      </p:sp>
+      <p:sp>
+        <p:nvSpPr>
+          <p:cNvPr id="9" name="Diamond 8">
+            <a:extLst>
+              <a:ext uri="{FF2B5EF4-FFF2-40B4-BE49-F238E27FC236}">
+                <a16:creationId xmlns:a16="http://schemas.microsoft.com/office/drawing/2014/main" id="{C761699F-6789-49A5-8A90-B1B5CF0F8243}"/>
+              </a:ext>
+            </a:extLst>
+          </p:cNvPr>
+          <p:cNvSpPr/>
+          <p:nvPr/>
+        </p:nvSpPr>
+        <p:spPr>
+          <a:xfrm>
+            <a:off x="19251162" y="23814862"/>
+            <a:ext cx="90360" cy="65319"/>
+          </a:xfrm>
+          <a:prstGeom prst="diamond">
+            <a:avLst/>
+          </a:prstGeom>
+          <a:noFill/>
+        </p:spPr>
+        <p:style>
+          <a:lnRef idx="2">
+            <a:schemeClr val="accent1">
+              <a:shade val="50000"/>
+            </a:schemeClr>
+          </a:lnRef>
+          <a:fillRef idx="1">
+            <a:schemeClr val="accent1"/>
+          </a:fillRef>
+          <a:effectRef idx="0">
+            <a:schemeClr val="accent1"/>
+          </a:effectRef>
+          <a:fontRef idx="minor">
+            <a:schemeClr val="lt1"/>
+          </a:fontRef>
+        </p:style>
+        <p:txBody>
+          <a:bodyPr rtlCol="0" anchor="ctr"/>
+          <a:lstStyle/>
+          <a:p>
+            <a:pPr algn="ctr"/>
+            <a:endParaRPr lang="en-US"/>
+          </a:p>
+        </p:txBody>
+      </p:sp>
+      <p:cxnSp>
+        <p:nvCxnSpPr>
+          <p:cNvPr id="19" name="Straight Connector 18">
+            <a:extLst>
+              <a:ext uri="{FF2B5EF4-FFF2-40B4-BE49-F238E27FC236}">
+                <a16:creationId xmlns:a16="http://schemas.microsoft.com/office/drawing/2014/main" id="{F84F211D-5DDF-4CD0-A33F-D612EB95343D}"/>
+              </a:ext>
+            </a:extLst>
+          </p:cNvPr>
+          <p:cNvCxnSpPr>
+            <a:cxnSpLocks/>
+            <a:stCxn id="9" idx="1"/>
+            <a:endCxn id="7" idx="3"/>
+          </p:cNvCxnSpPr>
+          <p:nvPr/>
+        </p:nvCxnSpPr>
+        <p:spPr>
+          <a:xfrm flipH="1" flipV="1">
+            <a:off x="17091131" y="23839936"/>
+            <a:ext cx="2160031" cy="7586"/>
+          </a:xfrm>
+          <a:prstGeom prst="line">
+            <a:avLst/>
+          </a:prstGeom>
+        </p:spPr>
+        <p:style>
+          <a:lnRef idx="1">
+            <a:schemeClr val="accent1"/>
+          </a:lnRef>
+          <a:fillRef idx="0">
+            <a:schemeClr val="accent1"/>
+          </a:fillRef>
+          <a:effectRef idx="0">
+            <a:schemeClr val="accent1"/>
+          </a:effectRef>
+          <a:fontRef idx="minor">
+            <a:schemeClr val="tx1"/>
+          </a:fontRef>
+        </p:style>
+      </p:cxnSp>
+      <p:sp>
+        <p:nvSpPr>
+          <p:cNvPr id="24" name="TextBox 23">
+            <a:extLst>
+              <a:ext uri="{FF2B5EF4-FFF2-40B4-BE49-F238E27FC236}">
+                <a16:creationId xmlns:a16="http://schemas.microsoft.com/office/drawing/2014/main" id="{07C93F7F-3E40-4678-BAAA-0BCFDB3D87DB}"/>
+              </a:ext>
+            </a:extLst>
+          </p:cNvPr>
+          <p:cNvSpPr txBox="1"/>
+          <p:nvPr/>
+        </p:nvSpPr>
+        <p:spPr>
+          <a:xfrm>
+            <a:off x="19520146" y="23357305"/>
+            <a:ext cx="1285175" cy="215444"/>
+          </a:xfrm>
+          <a:prstGeom prst="rect">
+            <a:avLst/>
+          </a:prstGeom>
+          <a:noFill/>
+        </p:spPr>
+        <p:txBody>
+          <a:bodyPr wrap="square" rtlCol="0">
+            <a:spAutoFit/>
+          </a:bodyPr>
+          <a:lstStyle/>
+          <a:p>
+            <a:r>
+              <a:rPr lang="en-US" sz="400" dirty="0"/>
+              <a:t>Will somehow have an add tree or </a:t>
+            </a:r>
+            <a:r>
+              <a:rPr lang="en-US" sz="400" dirty="0" err="1"/>
+              <a:t>addContent</a:t>
+            </a:r>
+            <a:r>
+              <a:rPr lang="en-US" sz="400" dirty="0"/>
+              <a:t> mutation as well</a:t>
+            </a:r>
+          </a:p>
+        </p:txBody>
+      </p:sp>
+      <p:grpSp>
+        <p:nvGrpSpPr>
+          <p:cNvPr id="233" name="Group 232">
+            <a:extLst>
+              <a:ext uri="{FF2B5EF4-FFF2-40B4-BE49-F238E27FC236}">
+                <a16:creationId xmlns:a16="http://schemas.microsoft.com/office/drawing/2014/main" id="{12020553-0C66-45C0-BB7F-6B10FEAE2C53}"/>
+              </a:ext>
+            </a:extLst>
+          </p:cNvPr>
+          <p:cNvGrpSpPr/>
+          <p:nvPr/>
+        </p:nvGrpSpPr>
+        <p:grpSpPr>
+          <a:xfrm>
+            <a:off x="15119419" y="23803237"/>
+            <a:ext cx="445475" cy="153888"/>
+            <a:chOff x="15107011" y="23742908"/>
+            <a:chExt cx="445475" cy="153888"/>
+          </a:xfrm>
+        </p:grpSpPr>
+        <p:sp>
+          <p:nvSpPr>
+            <p:cNvPr id="31" name="TextBox 30">
+              <a:extLst>
+                <a:ext uri="{FF2B5EF4-FFF2-40B4-BE49-F238E27FC236}">
+                  <a16:creationId xmlns:a16="http://schemas.microsoft.com/office/drawing/2014/main" id="{0DDEC84C-E9C1-4C9B-A0A0-181E0B41DC19}"/>
+                </a:ext>
+              </a:extLst>
+            </p:cNvPr>
+            <p:cNvSpPr txBox="1"/>
+            <p:nvPr/>
+          </p:nvSpPr>
+          <p:spPr>
+            <a:xfrm>
+              <a:off x="15107011" y="23742908"/>
+              <a:ext cx="445475" cy="153888"/>
+            </a:xfrm>
+            <a:prstGeom prst="rect">
+              <a:avLst/>
+            </a:prstGeom>
+            <a:noFill/>
+          </p:spPr>
+          <p:txBody>
+            <a:bodyPr wrap="square" rtlCol="0">
+              <a:spAutoFit/>
+            </a:bodyPr>
+            <a:lstStyle/>
+            <a:p>
+              <a:r>
+                <a:rPr lang="en-US" sz="400" dirty="0" err="1"/>
+                <a:t>treeLoader</a:t>
+              </a:r>
+              <a:endParaRPr lang="en-US" sz="400" dirty="0"/>
+            </a:p>
+          </p:txBody>
+        </p:sp>
+        <p:sp>
+          <p:nvSpPr>
+            <p:cNvPr id="225" name="Diamond 224">
+              <a:extLst>
+                <a:ext uri="{FF2B5EF4-FFF2-40B4-BE49-F238E27FC236}">
+                  <a16:creationId xmlns:a16="http://schemas.microsoft.com/office/drawing/2014/main" id="{F5BAA9DC-DB49-4DB9-AEA3-78CD0218C8EB}"/>
+                </a:ext>
+              </a:extLst>
+            </p:cNvPr>
+            <p:cNvSpPr/>
+            <p:nvPr/>
+          </p:nvSpPr>
+          <p:spPr>
+            <a:xfrm>
+              <a:off x="15439488" y="23795197"/>
+              <a:ext cx="89877" cy="75310"/>
+            </a:xfrm>
+            <a:prstGeom prst="diamond">
+              <a:avLst/>
+            </a:prstGeom>
+            <a:noFill/>
+          </p:spPr>
+          <p:style>
+            <a:lnRef idx="2">
+              <a:schemeClr val="accent1">
+                <a:shade val="50000"/>
+              </a:schemeClr>
+            </a:lnRef>
+            <a:fillRef idx="1">
+              <a:schemeClr val="accent1"/>
+            </a:fillRef>
+            <a:effectRef idx="0">
+              <a:schemeClr val="accent1"/>
+            </a:effectRef>
+            <a:fontRef idx="minor">
+              <a:schemeClr val="lt1"/>
+            </a:fontRef>
+          </p:style>
+          <p:txBody>
+            <a:bodyPr rtlCol="0" anchor="ctr"/>
+            <a:lstStyle/>
+            <a:p>
+              <a:pPr algn="ctr"/>
+              <a:endParaRPr lang="en-US"/>
+            </a:p>
+          </p:txBody>
+        </p:sp>
+      </p:grpSp>
+      <p:cxnSp>
+        <p:nvCxnSpPr>
+          <p:cNvPr id="229" name="Straight Connector 228">
+            <a:extLst>
+              <a:ext uri="{FF2B5EF4-FFF2-40B4-BE49-F238E27FC236}">
+                <a16:creationId xmlns:a16="http://schemas.microsoft.com/office/drawing/2014/main" id="{C4093DAC-B0F0-4FBC-9C1C-2DCFC4559793}"/>
+              </a:ext>
+            </a:extLst>
+          </p:cNvPr>
+          <p:cNvCxnSpPr>
+            <a:cxnSpLocks/>
+            <a:stCxn id="225" idx="3"/>
+            <a:endCxn id="7" idx="1"/>
+          </p:cNvCxnSpPr>
+          <p:nvPr/>
+        </p:nvCxnSpPr>
+        <p:spPr>
+          <a:xfrm flipV="1">
+            <a:off x="15541773" y="23839936"/>
+            <a:ext cx="989884" cy="53245"/>
+          </a:xfrm>
+          <a:prstGeom prst="line">
+            <a:avLst/>
+          </a:prstGeom>
+        </p:spPr>
+        <p:style>
+          <a:lnRef idx="1">
+            <a:schemeClr val="accent1"/>
+          </a:lnRef>
+          <a:fillRef idx="0">
+            <a:schemeClr val="accent1"/>
+          </a:fillRef>
+          <a:effectRef idx="0">
+            <a:schemeClr val="accent1"/>
+          </a:effectRef>
+          <a:fontRef idx="minor">
+            <a:schemeClr val="tx1"/>
+          </a:fontRef>
+        </p:style>
+      </p:cxnSp>
+      <p:cxnSp>
+        <p:nvCxnSpPr>
+          <p:cNvPr id="242" name="Straight Arrow Connector 241">
+            <a:extLst>
+              <a:ext uri="{FF2B5EF4-FFF2-40B4-BE49-F238E27FC236}">
+                <a16:creationId xmlns:a16="http://schemas.microsoft.com/office/drawing/2014/main" id="{F12ED237-9C6D-4CE2-8840-69D2FDF75C78}"/>
+              </a:ext>
+            </a:extLst>
+          </p:cNvPr>
+          <p:cNvCxnSpPr>
+            <a:cxnSpLocks/>
+            <a:stCxn id="7" idx="0"/>
+            <a:endCxn id="162" idx="2"/>
+          </p:cNvCxnSpPr>
+          <p:nvPr/>
+        </p:nvCxnSpPr>
+        <p:spPr>
+          <a:xfrm flipV="1">
+            <a:off x="16811394" y="21052198"/>
+            <a:ext cx="1734404" cy="2618461"/>
+          </a:xfrm>
+          <a:prstGeom prst="straightConnector1">
+            <a:avLst/>
+          </a:prstGeom>
+          <a:ln>
+            <a:prstDash val="sysDash"/>
+            <a:tailEnd type="triangle"/>
+          </a:ln>
+        </p:spPr>
+        <p:style>
+          <a:lnRef idx="1">
+            <a:schemeClr val="accent1"/>
+          </a:lnRef>
+          <a:fillRef idx="0">
+            <a:schemeClr val="accent1"/>
+          </a:fillRef>
+          <a:effectRef idx="0">
+            <a:schemeClr val="accent1"/>
+          </a:effectRef>
+          <a:fontRef idx="minor">
+            <a:schemeClr val="tx1"/>
+          </a:fontRef>
+        </p:style>
+      </p:cxnSp>
+      <p:sp>
+        <p:nvSpPr>
+          <p:cNvPr id="243" name="TextBox 242">
+            <a:extLst>
+              <a:ext uri="{FF2B5EF4-FFF2-40B4-BE49-F238E27FC236}">
+                <a16:creationId xmlns:a16="http://schemas.microsoft.com/office/drawing/2014/main" id="{D5AEADCA-05EC-4FDB-9E9A-EC29DF7073A2}"/>
+              </a:ext>
+            </a:extLst>
+          </p:cNvPr>
+          <p:cNvSpPr txBox="1"/>
+          <p:nvPr/>
+        </p:nvSpPr>
+        <p:spPr>
+          <a:xfrm>
+            <a:off x="18546281" y="20010651"/>
+            <a:ext cx="965310" cy="215444"/>
+          </a:xfrm>
+          <a:prstGeom prst="rect">
+            <a:avLst/>
+          </a:prstGeom>
+          <a:noFill/>
+        </p:spPr>
+        <p:txBody>
+          <a:bodyPr wrap="square" rtlCol="0">
+            <a:spAutoFit/>
+          </a:bodyPr>
+          <a:lstStyle/>
+          <a:p>
+            <a:r>
+              <a:rPr lang="en-US" sz="800" dirty="0" err="1"/>
+              <a:t>SigmaNodes</a:t>
+            </a:r>
+            <a:endParaRPr lang="en-US" sz="800" dirty="0"/>
+          </a:p>
+        </p:txBody>
+      </p:sp>
+      <p:sp>
+        <p:nvSpPr>
+          <p:cNvPr id="245" name="Rectangle: Rounded Corners 244">
+            <a:extLst>
+              <a:ext uri="{FF2B5EF4-FFF2-40B4-BE49-F238E27FC236}">
+                <a16:creationId xmlns:a16="http://schemas.microsoft.com/office/drawing/2014/main" id="{FAAFEE83-9D33-459C-A735-568F8E954317}"/>
+              </a:ext>
+            </a:extLst>
+          </p:cNvPr>
+          <p:cNvSpPr/>
+          <p:nvPr/>
+        </p:nvSpPr>
+        <p:spPr>
+          <a:xfrm>
+            <a:off x="18211535" y="20052962"/>
+            <a:ext cx="1149670" cy="413144"/>
+          </a:xfrm>
+          <a:prstGeom prst="roundRect">
+            <a:avLst/>
+          </a:prstGeom>
+          <a:noFill/>
+        </p:spPr>
+        <p:style>
+          <a:lnRef idx="2">
+            <a:schemeClr val="accent1">
+              <a:shade val="50000"/>
+            </a:schemeClr>
+          </a:lnRef>
+          <a:fillRef idx="1">
+            <a:schemeClr val="accent1"/>
+          </a:fillRef>
+          <a:effectRef idx="0">
+            <a:schemeClr val="accent1"/>
+          </a:effectRef>
+          <a:fontRef idx="minor">
+            <a:schemeClr val="lt1"/>
+          </a:fontRef>
+        </p:style>
+        <p:txBody>
+          <a:bodyPr rtlCol="0" anchor="ctr"/>
+          <a:lstStyle/>
+          <a:p>
+            <a:pPr algn="ctr"/>
+            <a:endParaRPr lang="en-US"/>
+          </a:p>
+        </p:txBody>
+      </p:sp>
+      <p:grpSp>
+        <p:nvGrpSpPr>
+          <p:cNvPr id="253" name="Group 252">
+            <a:extLst>
+              <a:ext uri="{FF2B5EF4-FFF2-40B4-BE49-F238E27FC236}">
+                <a16:creationId xmlns:a16="http://schemas.microsoft.com/office/drawing/2014/main" id="{5AB2885E-1821-4228-930E-27BDBA9F43EF}"/>
+              </a:ext>
+            </a:extLst>
+          </p:cNvPr>
+          <p:cNvGrpSpPr/>
+          <p:nvPr/>
+        </p:nvGrpSpPr>
+        <p:grpSpPr>
+          <a:xfrm>
+            <a:off x="18167876" y="20098318"/>
+            <a:ext cx="426899" cy="153888"/>
+            <a:chOff x="18167876" y="20098318"/>
+            <a:chExt cx="426899" cy="153888"/>
+          </a:xfrm>
+        </p:grpSpPr>
+        <p:sp>
+          <p:nvSpPr>
+            <p:cNvPr id="251" name="TextBox 250">
+              <a:extLst>
+                <a:ext uri="{FF2B5EF4-FFF2-40B4-BE49-F238E27FC236}">
+                  <a16:creationId xmlns:a16="http://schemas.microsoft.com/office/drawing/2014/main" id="{696B0F49-FCDC-4106-A8C6-49C1AAF765B8}"/>
+                </a:ext>
+              </a:extLst>
+            </p:cNvPr>
+            <p:cNvSpPr txBox="1"/>
+            <p:nvPr/>
+          </p:nvSpPr>
+          <p:spPr>
+            <a:xfrm>
+              <a:off x="18167876" y="20098318"/>
+              <a:ext cx="426899" cy="153888"/>
+            </a:xfrm>
+            <a:prstGeom prst="rect">
+              <a:avLst/>
+            </a:prstGeom>
+            <a:noFill/>
+          </p:spPr>
+          <p:txBody>
+            <a:bodyPr wrap="square" rtlCol="0">
+              <a:spAutoFit/>
+            </a:bodyPr>
+            <a:lstStyle/>
+            <a:p>
+              <a:r>
+                <a:rPr lang="en-US" sz="400" dirty="0" err="1"/>
+                <a:t>sigmaNode</a:t>
+              </a:r>
+              <a:endParaRPr lang="en-US" sz="400" dirty="0"/>
+            </a:p>
+          </p:txBody>
+        </p:sp>
+        <p:sp>
+          <p:nvSpPr>
+            <p:cNvPr id="246" name="Oval 245">
+              <a:extLst>
+                <a:ext uri="{FF2B5EF4-FFF2-40B4-BE49-F238E27FC236}">
+                  <a16:creationId xmlns:a16="http://schemas.microsoft.com/office/drawing/2014/main" id="{635112E9-574A-429B-9C42-D1F54E86AE10}"/>
+                </a:ext>
+              </a:extLst>
+            </p:cNvPr>
+            <p:cNvSpPr/>
+            <p:nvPr/>
+          </p:nvSpPr>
+          <p:spPr>
+            <a:xfrm>
+              <a:off x="18224910" y="20116528"/>
+              <a:ext cx="296863" cy="126948"/>
+            </a:xfrm>
+            <a:prstGeom prst="ellipse">
+              <a:avLst/>
+            </a:prstGeom>
+            <a:noFill/>
+          </p:spPr>
+          <p:style>
+            <a:lnRef idx="2">
+              <a:schemeClr val="accent1">
+                <a:shade val="50000"/>
+              </a:schemeClr>
+            </a:lnRef>
+            <a:fillRef idx="1">
+              <a:schemeClr val="accent1"/>
+            </a:fillRef>
+            <a:effectRef idx="0">
+              <a:schemeClr val="accent1"/>
+            </a:effectRef>
+            <a:fontRef idx="minor">
+              <a:schemeClr val="lt1"/>
+            </a:fontRef>
+          </p:style>
+          <p:txBody>
+            <a:bodyPr rtlCol="0" anchor="ctr"/>
+            <a:lstStyle/>
+            <a:p>
+              <a:pPr algn="ctr"/>
+              <a:endParaRPr lang="en-US"/>
+            </a:p>
+          </p:txBody>
+        </p:sp>
+      </p:grpSp>
+      <p:grpSp>
+        <p:nvGrpSpPr>
+          <p:cNvPr id="154" name="Group 153">
+            <a:extLst>
+              <a:ext uri="{FF2B5EF4-FFF2-40B4-BE49-F238E27FC236}">
+                <a16:creationId xmlns:a16="http://schemas.microsoft.com/office/drawing/2014/main" id="{6DFC7741-4582-453B-B6F7-A536A1BE6C7F}"/>
+              </a:ext>
+            </a:extLst>
+          </p:cNvPr>
+          <p:cNvGrpSpPr/>
+          <p:nvPr/>
+        </p:nvGrpSpPr>
+        <p:grpSpPr>
+          <a:xfrm>
+            <a:off x="18398522" y="20231503"/>
+            <a:ext cx="426899" cy="153888"/>
+            <a:chOff x="18167876" y="20098318"/>
+            <a:chExt cx="426899" cy="153888"/>
+          </a:xfrm>
+        </p:grpSpPr>
+        <p:sp>
+          <p:nvSpPr>
+            <p:cNvPr id="155" name="TextBox 154">
+              <a:extLst>
+                <a:ext uri="{FF2B5EF4-FFF2-40B4-BE49-F238E27FC236}">
+                  <a16:creationId xmlns:a16="http://schemas.microsoft.com/office/drawing/2014/main" id="{8D401AFD-02DA-4CDA-A912-2002B6E3578F}"/>
+                </a:ext>
+              </a:extLst>
+            </p:cNvPr>
+            <p:cNvSpPr txBox="1"/>
+            <p:nvPr/>
+          </p:nvSpPr>
+          <p:spPr>
+            <a:xfrm>
+              <a:off x="18167876" y="20098318"/>
+              <a:ext cx="426899" cy="153888"/>
+            </a:xfrm>
+            <a:prstGeom prst="rect">
+              <a:avLst/>
+            </a:prstGeom>
+            <a:noFill/>
+          </p:spPr>
+          <p:txBody>
+            <a:bodyPr wrap="square" rtlCol="0">
+              <a:spAutoFit/>
+            </a:bodyPr>
+            <a:lstStyle/>
+            <a:p>
+              <a:r>
+                <a:rPr lang="en-US" sz="400" dirty="0" err="1"/>
+                <a:t>sigmaNode</a:t>
+              </a:r>
+              <a:endParaRPr lang="en-US" sz="400" dirty="0"/>
+            </a:p>
+          </p:txBody>
+        </p:sp>
+        <p:sp>
+          <p:nvSpPr>
+            <p:cNvPr id="156" name="Oval 155">
+              <a:extLst>
+                <a:ext uri="{FF2B5EF4-FFF2-40B4-BE49-F238E27FC236}">
+                  <a16:creationId xmlns:a16="http://schemas.microsoft.com/office/drawing/2014/main" id="{17B7C42D-8875-4AE3-8682-12D00C0ED468}"/>
+                </a:ext>
+              </a:extLst>
+            </p:cNvPr>
+            <p:cNvSpPr/>
+            <p:nvPr/>
+          </p:nvSpPr>
+          <p:spPr>
+            <a:xfrm>
+              <a:off x="18224910" y="20116528"/>
+              <a:ext cx="296863" cy="126948"/>
+            </a:xfrm>
+            <a:prstGeom prst="ellipse">
+              <a:avLst/>
+            </a:prstGeom>
+            <a:noFill/>
+          </p:spPr>
+          <p:style>
+            <a:lnRef idx="2">
+              <a:schemeClr val="accent1">
+                <a:shade val="50000"/>
+              </a:schemeClr>
+            </a:lnRef>
+            <a:fillRef idx="1">
+              <a:schemeClr val="accent1"/>
+            </a:fillRef>
+            <a:effectRef idx="0">
+              <a:schemeClr val="accent1"/>
+            </a:effectRef>
+            <a:fontRef idx="minor">
+              <a:schemeClr val="lt1"/>
+            </a:fontRef>
+          </p:style>
+          <p:txBody>
+            <a:bodyPr rtlCol="0" anchor="ctr"/>
+            <a:lstStyle/>
+            <a:p>
+              <a:pPr algn="ctr"/>
+              <a:endParaRPr lang="en-US"/>
+            </a:p>
+          </p:txBody>
+        </p:sp>
+      </p:grpSp>
+      <p:grpSp>
+        <p:nvGrpSpPr>
+          <p:cNvPr id="158" name="Group 157">
+            <a:extLst>
+              <a:ext uri="{FF2B5EF4-FFF2-40B4-BE49-F238E27FC236}">
+                <a16:creationId xmlns:a16="http://schemas.microsoft.com/office/drawing/2014/main" id="{15EFBC32-8E53-46D4-8D0F-0304EF0A138F}"/>
+              </a:ext>
+            </a:extLst>
+          </p:cNvPr>
+          <p:cNvGrpSpPr/>
+          <p:nvPr/>
+        </p:nvGrpSpPr>
+        <p:grpSpPr>
+          <a:xfrm>
+            <a:off x="18773514" y="20217315"/>
+            <a:ext cx="426899" cy="153888"/>
+            <a:chOff x="18167876" y="20098318"/>
+            <a:chExt cx="426899" cy="153888"/>
+          </a:xfrm>
+        </p:grpSpPr>
+        <p:sp>
+          <p:nvSpPr>
+            <p:cNvPr id="159" name="TextBox 158">
+              <a:extLst>
+                <a:ext uri="{FF2B5EF4-FFF2-40B4-BE49-F238E27FC236}">
+                  <a16:creationId xmlns:a16="http://schemas.microsoft.com/office/drawing/2014/main" id="{D93AC00E-CF7B-4B33-A1B7-136AB7C705FB}"/>
+                </a:ext>
+              </a:extLst>
+            </p:cNvPr>
+            <p:cNvSpPr txBox="1"/>
+            <p:nvPr/>
+          </p:nvSpPr>
+          <p:spPr>
+            <a:xfrm>
+              <a:off x="18167876" y="20098318"/>
+              <a:ext cx="426899" cy="153888"/>
+            </a:xfrm>
+            <a:prstGeom prst="rect">
+              <a:avLst/>
+            </a:prstGeom>
+            <a:noFill/>
+          </p:spPr>
+          <p:txBody>
+            <a:bodyPr wrap="square" rtlCol="0">
+              <a:spAutoFit/>
+            </a:bodyPr>
+            <a:lstStyle/>
+            <a:p>
+              <a:r>
+                <a:rPr lang="en-US" sz="400" dirty="0" err="1"/>
+                <a:t>sigmaNode</a:t>
+              </a:r>
+              <a:endParaRPr lang="en-US" sz="400" dirty="0"/>
+            </a:p>
+          </p:txBody>
+        </p:sp>
+        <p:sp>
+          <p:nvSpPr>
+            <p:cNvPr id="160" name="Oval 159">
+              <a:extLst>
+                <a:ext uri="{FF2B5EF4-FFF2-40B4-BE49-F238E27FC236}">
+                  <a16:creationId xmlns:a16="http://schemas.microsoft.com/office/drawing/2014/main" id="{5FAC8C05-B59E-4498-9BDB-56EA97B59FA7}"/>
+                </a:ext>
+              </a:extLst>
+            </p:cNvPr>
+            <p:cNvSpPr/>
+            <p:nvPr/>
+          </p:nvSpPr>
+          <p:spPr>
+            <a:xfrm>
+              <a:off x="18224910" y="20116528"/>
+              <a:ext cx="296863" cy="126948"/>
+            </a:xfrm>
+            <a:prstGeom prst="ellipse">
+              <a:avLst/>
+            </a:prstGeom>
+            <a:noFill/>
+          </p:spPr>
+          <p:style>
+            <a:lnRef idx="2">
+              <a:schemeClr val="accent1">
+                <a:shade val="50000"/>
+              </a:schemeClr>
+            </a:lnRef>
+            <a:fillRef idx="1">
+              <a:schemeClr val="accent1"/>
+            </a:fillRef>
+            <a:effectRef idx="0">
+              <a:schemeClr val="accent1"/>
+            </a:effectRef>
+            <a:fontRef idx="minor">
+              <a:schemeClr val="lt1"/>
+            </a:fontRef>
+          </p:style>
+          <p:txBody>
+            <a:bodyPr rtlCol="0" anchor="ctr"/>
+            <a:lstStyle/>
+            <a:p>
+              <a:pPr algn="ctr"/>
+              <a:endParaRPr lang="en-US"/>
+            </a:p>
+          </p:txBody>
+        </p:sp>
+      </p:grpSp>
+      <p:sp>
+        <p:nvSpPr>
+          <p:cNvPr id="162" name="TextBox 161">
+            <a:extLst>
+              <a:ext uri="{FF2B5EF4-FFF2-40B4-BE49-F238E27FC236}">
+                <a16:creationId xmlns:a16="http://schemas.microsoft.com/office/drawing/2014/main" id="{C5453BFB-426C-41F1-A3BF-028AE67B1AA7}"/>
+              </a:ext>
+            </a:extLst>
+          </p:cNvPr>
+          <p:cNvSpPr txBox="1"/>
+          <p:nvPr/>
+        </p:nvSpPr>
+        <p:spPr>
+          <a:xfrm>
+            <a:off x="18224910" y="20898310"/>
+            <a:ext cx="641775" cy="153888"/>
+          </a:xfrm>
+          <a:prstGeom prst="rect">
+            <a:avLst/>
+          </a:prstGeom>
+          <a:noFill/>
+        </p:spPr>
+        <p:txBody>
+          <a:bodyPr wrap="square" rtlCol="0">
+            <a:spAutoFit/>
+          </a:bodyPr>
+          <a:lstStyle/>
+          <a:p>
+            <a:r>
+              <a:rPr lang="en-US" sz="400" dirty="0" err="1"/>
+              <a:t>sigmaNodeCreator</a:t>
+            </a:r>
+            <a:endParaRPr lang="en-US" sz="400" dirty="0"/>
+          </a:p>
+        </p:txBody>
+      </p:sp>
+      <p:cxnSp>
+        <p:nvCxnSpPr>
+          <p:cNvPr id="35" name="Straight Arrow Connector 34">
+            <a:extLst>
+              <a:ext uri="{FF2B5EF4-FFF2-40B4-BE49-F238E27FC236}">
+                <a16:creationId xmlns:a16="http://schemas.microsoft.com/office/drawing/2014/main" id="{A7EB4DE8-ED52-445E-B031-CC5DDD1B6F37}"/>
+              </a:ext>
+            </a:extLst>
+          </p:cNvPr>
+          <p:cNvCxnSpPr>
+            <a:stCxn id="162" idx="0"/>
+            <a:endCxn id="245" idx="2"/>
+          </p:cNvCxnSpPr>
+          <p:nvPr/>
+        </p:nvCxnSpPr>
+        <p:spPr>
+          <a:xfrm flipV="1">
+            <a:off x="18545798" y="20466106"/>
+            <a:ext cx="240572" cy="432204"/>
+          </a:xfrm>
+          <a:prstGeom prst="straightConnector1">
+            <a:avLst/>
+          </a:prstGeom>
+          <a:ln>
+            <a:tailEnd type="triangle"/>
+          </a:ln>
+        </p:spPr>
+        <p:style>
+          <a:lnRef idx="1">
+            <a:schemeClr val="accent1"/>
+          </a:lnRef>
+          <a:fillRef idx="0">
+            <a:schemeClr val="accent1"/>
+          </a:fillRef>
+          <a:effectRef idx="0">
+            <a:schemeClr val="accent1"/>
+          </a:effectRef>
+          <a:fontRef idx="minor">
+            <a:schemeClr val="tx1"/>
+          </a:fontRef>
+        </p:style>
+      </p:cxnSp>
+      <p:grpSp>
+        <p:nvGrpSpPr>
+          <p:cNvPr id="164" name="Group 163">
+            <a:extLst>
+              <a:ext uri="{FF2B5EF4-FFF2-40B4-BE49-F238E27FC236}">
+                <a16:creationId xmlns:a16="http://schemas.microsoft.com/office/drawing/2014/main" id="{4A67F3CD-4DBD-433F-9419-7B5331B647DB}"/>
+              </a:ext>
+            </a:extLst>
+          </p:cNvPr>
+          <p:cNvGrpSpPr/>
+          <p:nvPr/>
+        </p:nvGrpSpPr>
+        <p:grpSpPr>
+          <a:xfrm>
+            <a:off x="18505086" y="20620882"/>
+            <a:ext cx="426899" cy="153888"/>
+            <a:chOff x="18167876" y="20098318"/>
+            <a:chExt cx="426899" cy="153888"/>
+          </a:xfrm>
+        </p:grpSpPr>
+        <p:sp>
+          <p:nvSpPr>
+            <p:cNvPr id="165" name="TextBox 164">
+              <a:extLst>
+                <a:ext uri="{FF2B5EF4-FFF2-40B4-BE49-F238E27FC236}">
+                  <a16:creationId xmlns:a16="http://schemas.microsoft.com/office/drawing/2014/main" id="{BE6C3B9D-A28F-41FE-ABBE-2FAF00053EB2}"/>
+                </a:ext>
+              </a:extLst>
+            </p:cNvPr>
+            <p:cNvSpPr txBox="1"/>
+            <p:nvPr/>
+          </p:nvSpPr>
+          <p:spPr>
+            <a:xfrm>
+              <a:off x="18167876" y="20098318"/>
+              <a:ext cx="426899" cy="153888"/>
+            </a:xfrm>
+            <a:prstGeom prst="rect">
+              <a:avLst/>
+            </a:prstGeom>
+            <a:noFill/>
+          </p:spPr>
+          <p:txBody>
+            <a:bodyPr wrap="square" rtlCol="0">
+              <a:spAutoFit/>
+            </a:bodyPr>
+            <a:lstStyle/>
+            <a:p>
+              <a:r>
+                <a:rPr lang="en-US" sz="400" dirty="0" err="1"/>
+                <a:t>sigmaNode</a:t>
+              </a:r>
+              <a:endParaRPr lang="en-US" sz="400" dirty="0"/>
+            </a:p>
+          </p:txBody>
+        </p:sp>
+        <p:sp>
+          <p:nvSpPr>
+            <p:cNvPr id="166" name="Oval 165">
+              <a:extLst>
+                <a:ext uri="{FF2B5EF4-FFF2-40B4-BE49-F238E27FC236}">
+                  <a16:creationId xmlns:a16="http://schemas.microsoft.com/office/drawing/2014/main" id="{5504E514-EAC3-4BEC-9AE5-963D0782342F}"/>
+                </a:ext>
+              </a:extLst>
+            </p:cNvPr>
+            <p:cNvSpPr/>
+            <p:nvPr/>
+          </p:nvSpPr>
+          <p:spPr>
+            <a:xfrm>
+              <a:off x="18224910" y="20116528"/>
+              <a:ext cx="296863" cy="126948"/>
+            </a:xfrm>
+            <a:prstGeom prst="ellipse">
+              <a:avLst/>
+            </a:prstGeom>
+            <a:noFill/>
+          </p:spPr>
+          <p:style>
+            <a:lnRef idx="2">
+              <a:schemeClr val="accent1">
+                <a:shade val="50000"/>
+              </a:schemeClr>
+            </a:lnRef>
+            <a:fillRef idx="1">
+              <a:schemeClr val="accent1"/>
+            </a:fillRef>
+            <a:effectRef idx="0">
+              <a:schemeClr val="accent1"/>
+            </a:effectRef>
+            <a:fontRef idx="minor">
+              <a:schemeClr val="lt1"/>
+            </a:fontRef>
+          </p:style>
+          <p:txBody>
+            <a:bodyPr rtlCol="0" anchor="ctr"/>
+            <a:lstStyle/>
+            <a:p>
+              <a:pPr algn="ctr"/>
+              <a:endParaRPr lang="en-US"/>
+            </a:p>
+          </p:txBody>
+        </p:sp>
+      </p:grpSp>
     </p:spTree>
     <p:extLst>
       <p:ext uri="{BB962C8B-B14F-4D97-AF65-F5344CB8AC3E}">

--- a/docs/architecture.pptx
+++ b/docs/architecture.pptx
@@ -262,7 +262,7 @@
           <a:p>
             <a:fld id="{0A05F3B5-6F50-4323-80C0-955EB0110BAC}" type="datetimeFigureOut">
               <a:rPr lang="en-US" smtClean="0"/>
-              <a:t>12/9/2017</a:t>
+              <a:t>12/10/2017</a:t>
             </a:fld>
             <a:endParaRPr lang="en-US"/>
           </a:p>
@@ -432,7 +432,7 @@
           <a:p>
             <a:fld id="{0A05F3B5-6F50-4323-80C0-955EB0110BAC}" type="datetimeFigureOut">
               <a:rPr lang="en-US" smtClean="0"/>
-              <a:t>12/9/2017</a:t>
+              <a:t>12/10/2017</a:t>
             </a:fld>
             <a:endParaRPr lang="en-US"/>
           </a:p>
@@ -612,7 +612,7 @@
           <a:p>
             <a:fld id="{0A05F3B5-6F50-4323-80C0-955EB0110BAC}" type="datetimeFigureOut">
               <a:rPr lang="en-US" smtClean="0"/>
-              <a:t>12/9/2017</a:t>
+              <a:t>12/10/2017</a:t>
             </a:fld>
             <a:endParaRPr lang="en-US"/>
           </a:p>
@@ -782,7 +782,7 @@
           <a:p>
             <a:fld id="{0A05F3B5-6F50-4323-80C0-955EB0110BAC}" type="datetimeFigureOut">
               <a:rPr lang="en-US" smtClean="0"/>
-              <a:t>12/9/2017</a:t>
+              <a:t>12/10/2017</a:t>
             </a:fld>
             <a:endParaRPr lang="en-US"/>
           </a:p>
@@ -1026,7 +1026,7 @@
           <a:p>
             <a:fld id="{0A05F3B5-6F50-4323-80C0-955EB0110BAC}" type="datetimeFigureOut">
               <a:rPr lang="en-US" smtClean="0"/>
-              <a:t>12/9/2017</a:t>
+              <a:t>12/10/2017</a:t>
             </a:fld>
             <a:endParaRPr lang="en-US"/>
           </a:p>
@@ -1258,7 +1258,7 @@
           <a:p>
             <a:fld id="{0A05F3B5-6F50-4323-80C0-955EB0110BAC}" type="datetimeFigureOut">
               <a:rPr lang="en-US" smtClean="0"/>
-              <a:t>12/9/2017</a:t>
+              <a:t>12/10/2017</a:t>
             </a:fld>
             <a:endParaRPr lang="en-US"/>
           </a:p>
@@ -1625,7 +1625,7 @@
           <a:p>
             <a:fld id="{0A05F3B5-6F50-4323-80C0-955EB0110BAC}" type="datetimeFigureOut">
               <a:rPr lang="en-US" smtClean="0"/>
-              <a:t>12/9/2017</a:t>
+              <a:t>12/10/2017</a:t>
             </a:fld>
             <a:endParaRPr lang="en-US"/>
           </a:p>
@@ -1743,7 +1743,7 @@
           <a:p>
             <a:fld id="{0A05F3B5-6F50-4323-80C0-955EB0110BAC}" type="datetimeFigureOut">
               <a:rPr lang="en-US" smtClean="0"/>
-              <a:t>12/9/2017</a:t>
+              <a:t>12/10/2017</a:t>
             </a:fld>
             <a:endParaRPr lang="en-US"/>
           </a:p>
@@ -1838,7 +1838,7 @@
           <a:p>
             <a:fld id="{0A05F3B5-6F50-4323-80C0-955EB0110BAC}" type="datetimeFigureOut">
               <a:rPr lang="en-US" smtClean="0"/>
-              <a:t>12/9/2017</a:t>
+              <a:t>12/10/2017</a:t>
             </a:fld>
             <a:endParaRPr lang="en-US"/>
           </a:p>
@@ -2115,7 +2115,7 @@
           <a:p>
             <a:fld id="{0A05F3B5-6F50-4323-80C0-955EB0110BAC}" type="datetimeFigureOut">
               <a:rPr lang="en-US" smtClean="0"/>
-              <a:t>12/9/2017</a:t>
+              <a:t>12/10/2017</a:t>
             </a:fld>
             <a:endParaRPr lang="en-US"/>
           </a:p>
@@ -2372,7 +2372,7 @@
           <a:p>
             <a:fld id="{0A05F3B5-6F50-4323-80C0-955EB0110BAC}" type="datetimeFigureOut">
               <a:rPr lang="en-US" smtClean="0"/>
-              <a:t>12/9/2017</a:t>
+              <a:t>12/10/2017</a:t>
             </a:fld>
             <a:endParaRPr lang="en-US"/>
           </a:p>
@@ -2585,7 +2585,7 @@
           <a:p>
             <a:fld id="{0A05F3B5-6F50-4323-80C0-955EB0110BAC}" type="datetimeFigureOut">
               <a:rPr lang="en-US" smtClean="0"/>
-              <a:t>12/9/2017</a:t>
+              <a:t>12/10/2017</a:t>
             </a:fld>
             <a:endParaRPr lang="en-US"/>
           </a:p>
@@ -5436,6 +5436,190 @@
           <a:chExt cx="0" cy="0"/>
         </a:xfrm>
       </p:grpSpPr>
+      <p:cxnSp>
+        <p:nvCxnSpPr>
+          <p:cNvPr id="213" name="Straight Arrow Connector 212">
+            <a:extLst>
+              <a:ext uri="{FF2B5EF4-FFF2-40B4-BE49-F238E27FC236}">
+                <a16:creationId xmlns:a16="http://schemas.microsoft.com/office/drawing/2014/main" id="{A9ABA01D-D24D-4271-9E63-E950FDA48EF7}"/>
+              </a:ext>
+            </a:extLst>
+          </p:cNvPr>
+          <p:cNvCxnSpPr>
+            <a:cxnSpLocks/>
+            <a:stCxn id="92" idx="3"/>
+            <a:endCxn id="180" idx="3"/>
+          </p:cNvCxnSpPr>
+          <p:nvPr/>
+        </p:nvCxnSpPr>
+        <p:spPr>
+          <a:xfrm flipH="1">
+            <a:off x="17091131" y="23984139"/>
+            <a:ext cx="6626491" cy="722998"/>
+          </a:xfrm>
+          <a:prstGeom prst="straightConnector1">
+            <a:avLst/>
+          </a:prstGeom>
+          <a:ln w="28575">
+            <a:solidFill>
+              <a:srgbClr val="92D050"/>
+            </a:solidFill>
+            <a:tailEnd type="triangle"/>
+          </a:ln>
+        </p:spPr>
+        <p:style>
+          <a:lnRef idx="1">
+            <a:schemeClr val="accent1"/>
+          </a:lnRef>
+          <a:fillRef idx="0">
+            <a:schemeClr val="accent1"/>
+          </a:fillRef>
+          <a:effectRef idx="0">
+            <a:schemeClr val="accent1"/>
+          </a:effectRef>
+          <a:fontRef idx="minor">
+            <a:schemeClr val="tx1"/>
+          </a:fontRef>
+        </p:style>
+      </p:cxnSp>
+      <p:cxnSp>
+        <p:nvCxnSpPr>
+          <p:cNvPr id="217" name="Straight Arrow Connector 216">
+            <a:extLst>
+              <a:ext uri="{FF2B5EF4-FFF2-40B4-BE49-F238E27FC236}">
+                <a16:creationId xmlns:a16="http://schemas.microsoft.com/office/drawing/2014/main" id="{BB68E463-C5A3-4317-ACF8-81A3E5F530C4}"/>
+              </a:ext>
+            </a:extLst>
+          </p:cNvPr>
+          <p:cNvCxnSpPr>
+            <a:cxnSpLocks/>
+            <a:stCxn id="14" idx="1"/>
+            <a:endCxn id="188" idx="3"/>
+          </p:cNvCxnSpPr>
+          <p:nvPr/>
+        </p:nvCxnSpPr>
+        <p:spPr>
+          <a:xfrm flipH="1">
+            <a:off x="17093758" y="24011395"/>
+            <a:ext cx="7461091" cy="1076273"/>
+          </a:xfrm>
+          <a:prstGeom prst="straightConnector1">
+            <a:avLst/>
+          </a:prstGeom>
+          <a:ln w="28575">
+            <a:solidFill>
+              <a:srgbClr val="92D050"/>
+            </a:solidFill>
+            <a:tailEnd type="triangle"/>
+          </a:ln>
+        </p:spPr>
+        <p:style>
+          <a:lnRef idx="1">
+            <a:schemeClr val="accent1"/>
+          </a:lnRef>
+          <a:fillRef idx="0">
+            <a:schemeClr val="accent1"/>
+          </a:fillRef>
+          <a:effectRef idx="0">
+            <a:schemeClr val="accent1"/>
+          </a:effectRef>
+          <a:fontRef idx="minor">
+            <a:schemeClr val="tx1"/>
+          </a:fontRef>
+        </p:style>
+      </p:cxnSp>
+      <p:cxnSp>
+        <p:nvCxnSpPr>
+          <p:cNvPr id="220" name="Straight Arrow Connector 219">
+            <a:extLst>
+              <a:ext uri="{FF2B5EF4-FFF2-40B4-BE49-F238E27FC236}">
+                <a16:creationId xmlns:a16="http://schemas.microsoft.com/office/drawing/2014/main" id="{1BB03162-E841-4337-B43D-EB7E7880294A}"/>
+              </a:ext>
+            </a:extLst>
+          </p:cNvPr>
+          <p:cNvCxnSpPr>
+            <a:cxnSpLocks/>
+            <a:stCxn id="15" idx="1"/>
+            <a:endCxn id="196" idx="3"/>
+          </p:cNvCxnSpPr>
+          <p:nvPr/>
+        </p:nvCxnSpPr>
+        <p:spPr>
+          <a:xfrm flipH="1">
+            <a:off x="17091131" y="24004889"/>
+            <a:ext cx="8326495" cy="1434480"/>
+          </a:xfrm>
+          <a:prstGeom prst="straightConnector1">
+            <a:avLst/>
+          </a:prstGeom>
+          <a:ln w="28575">
+            <a:solidFill>
+              <a:srgbClr val="92D050"/>
+            </a:solidFill>
+            <a:tailEnd type="triangle"/>
+          </a:ln>
+        </p:spPr>
+        <p:style>
+          <a:lnRef idx="1">
+            <a:schemeClr val="accent1"/>
+          </a:lnRef>
+          <a:fillRef idx="0">
+            <a:schemeClr val="accent1"/>
+          </a:fillRef>
+          <a:effectRef idx="0">
+            <a:schemeClr val="accent1"/>
+          </a:effectRef>
+          <a:fontRef idx="minor">
+            <a:schemeClr val="tx1"/>
+          </a:fontRef>
+        </p:style>
+      </p:cxnSp>
+      <p:cxnSp>
+        <p:nvCxnSpPr>
+          <p:cNvPr id="210" name="Straight Arrow Connector 209">
+            <a:extLst>
+              <a:ext uri="{FF2B5EF4-FFF2-40B4-BE49-F238E27FC236}">
+                <a16:creationId xmlns:a16="http://schemas.microsoft.com/office/drawing/2014/main" id="{1F1C2115-404C-4E3A-B9A5-6E267DF6143D}"/>
+              </a:ext>
+            </a:extLst>
+          </p:cNvPr>
+          <p:cNvCxnSpPr>
+            <a:cxnSpLocks/>
+            <a:stCxn id="92" idx="1"/>
+            <a:endCxn id="175" idx="3"/>
+          </p:cNvCxnSpPr>
+          <p:nvPr/>
+        </p:nvCxnSpPr>
+        <p:spPr>
+          <a:xfrm flipH="1">
+            <a:off x="17091131" y="23984139"/>
+            <a:ext cx="4703481" cy="321556"/>
+          </a:xfrm>
+          <a:prstGeom prst="straightConnector1">
+            <a:avLst/>
+          </a:prstGeom>
+          <a:ln w="28575">
+            <a:solidFill>
+              <a:srgbClr val="92D050"/>
+            </a:solidFill>
+            <a:tailEnd type="triangle"/>
+          </a:ln>
+        </p:spPr>
+        <p:style>
+          <a:lnRef idx="1">
+            <a:schemeClr val="accent1"/>
+          </a:lnRef>
+          <a:fillRef idx="0">
+            <a:schemeClr val="accent1"/>
+          </a:fillRef>
+          <a:effectRef idx="0">
+            <a:schemeClr val="accent1"/>
+          </a:effectRef>
+          <a:fontRef idx="minor">
+            <a:schemeClr val="tx1"/>
+          </a:fontRef>
+        </p:style>
+      </p:cxnSp>
       <p:sp>
         <p:nvSpPr>
           <p:cNvPr id="39" name="TextBox 38">
@@ -7669,7 +7853,7 @@
           </a:prstGeom>
           <a:ln w="3175">
             <a:solidFill>
-              <a:srgbClr val="00B050"/>
+              <a:srgbClr val="00B0F0"/>
             </a:solidFill>
             <a:tailEnd type="triangle"/>
           </a:ln>
@@ -7715,7 +7899,7 @@
           </a:prstGeom>
           <a:ln w="3175">
             <a:solidFill>
-              <a:srgbClr val="00B050"/>
+              <a:srgbClr val="00B0F0"/>
             </a:solidFill>
             <a:tailEnd type="triangle"/>
           </a:ln>
@@ -8033,6 +8217,9 @@
             <a:avLst/>
           </a:prstGeom>
           <a:ln>
+            <a:solidFill>
+              <a:srgbClr val="00B0F0"/>
+            </a:solidFill>
             <a:tailEnd type="triangle"/>
           </a:ln>
         </p:spPr>
@@ -8076,6 +8263,9 @@
             <a:avLst/>
           </a:prstGeom>
           <a:ln>
+            <a:solidFill>
+              <a:srgbClr val="00B050"/>
+            </a:solidFill>
             <a:tailEnd type="triangle"/>
           </a:ln>
         </p:spPr>
@@ -8119,6 +8309,9 @@
             <a:avLst/>
           </a:prstGeom>
           <a:ln>
+            <a:solidFill>
+              <a:srgbClr val="00B050"/>
+            </a:solidFill>
             <a:tailEnd type="triangle"/>
           </a:ln>
         </p:spPr>
@@ -8201,6 +8394,9 @@
             <a:avLst/>
           </a:prstGeom>
           <a:ln>
+            <a:solidFill>
+              <a:srgbClr val="FFC000"/>
+            </a:solidFill>
             <a:tailEnd type="triangle"/>
           </a:ln>
         </p:spPr>
@@ -8333,6 +8529,9 @@
             <a:avLst/>
           </a:prstGeom>
           <a:ln>
+            <a:solidFill>
+              <a:srgbClr val="00B050"/>
+            </a:solidFill>
             <a:tailEnd type="triangle"/>
           </a:ln>
         </p:spPr>
@@ -8372,6 +8571,11 @@
             <a:avLst/>
           </a:prstGeom>
           <a:noFill/>
+          <a:ln>
+            <a:solidFill>
+              <a:srgbClr val="00B050"/>
+            </a:solidFill>
+          </a:ln>
         </p:spPr>
         <p:txBody>
           <a:bodyPr wrap="square" rtlCol="0">
@@ -8411,6 +8615,9 @@
             <a:avLst/>
           </a:prstGeom>
           <a:ln>
+            <a:solidFill>
+              <a:schemeClr val="accent4"/>
+            </a:solidFill>
             <a:tailEnd type="triangle"/>
           </a:ln>
         </p:spPr>
@@ -8598,7 +8805,7 @@
           </a:prstGeom>
           <a:ln w="3175">
             <a:solidFill>
-              <a:srgbClr val="00B050"/>
+              <a:srgbClr val="00B0F0"/>
             </a:solidFill>
             <a:tailEnd type="triangle"/>
           </a:ln>
@@ -8644,7 +8851,7 @@
           </a:prstGeom>
           <a:ln w="3175">
             <a:solidFill>
-              <a:srgbClr val="00B050"/>
+              <a:srgbClr val="00B0F0"/>
             </a:solidFill>
             <a:tailEnd type="triangle"/>
           </a:ln>
@@ -8786,7 +8993,7 @@
           </a:prstGeom>
           <a:ln w="3175">
             <a:solidFill>
-              <a:srgbClr val="00B050"/>
+              <a:srgbClr val="00B0F0"/>
             </a:solidFill>
             <a:tailEnd type="triangle"/>
           </a:ln>
@@ -8884,7 +9091,7 @@
           </a:prstGeom>
           <a:ln w="3175">
             <a:solidFill>
-              <a:srgbClr val="00B050"/>
+              <a:srgbClr val="00B0F0"/>
             </a:solidFill>
             <a:tailEnd type="triangle"/>
           </a:ln>
@@ -9148,6 +9355,9 @@
             <a:avLst/>
           </a:prstGeom>
           <a:ln>
+            <a:solidFill>
+              <a:srgbClr val="00B050"/>
+            </a:solidFill>
             <a:tailEnd type="triangle"/>
           </a:ln>
         </p:spPr>
@@ -9231,6 +9441,11 @@
           <a:prstGeom prst="line">
             <a:avLst/>
           </a:prstGeom>
+          <a:ln>
+            <a:solidFill>
+              <a:srgbClr val="00B050"/>
+            </a:solidFill>
+          </a:ln>
         </p:spPr>
         <p:style>
           <a:lnRef idx="1">
@@ -10129,7 +10344,7 @@
           </a:prstGeom>
           <a:ln w="3175">
             <a:solidFill>
-              <a:srgbClr val="00B050"/>
+              <a:srgbClr val="00B0F0"/>
             </a:solidFill>
             <a:tailEnd type="triangle"/>
           </a:ln>
@@ -10174,7 +10389,7 @@
           </a:prstGeom>
           <a:ln w="3175">
             <a:solidFill>
-              <a:srgbClr val="00B050"/>
+              <a:srgbClr val="00B0F0"/>
             </a:solidFill>
             <a:tailEnd type="triangle"/>
           </a:ln>
@@ -10405,7 +10620,9 @@
           </a:prstGeom>
           <a:noFill/>
           <a:ln>
-            <a:noFill/>
+            <a:solidFill>
+              <a:srgbClr val="00B0F0"/>
+            </a:solidFill>
           </a:ln>
         </p:spPr>
         <p:txBody>
@@ -10417,7 +10634,7 @@
             <a:r>
               <a:rPr lang="en-US" sz="1200" dirty="0">
                 <a:solidFill>
-                  <a:schemeClr val="accent6"/>
+                  <a:srgbClr val="00B0F0"/>
                 </a:solidFill>
               </a:rPr>
               <a:t>Updates</a:t>
@@ -10449,7 +10666,7 @@
           </a:prstGeom>
           <a:ln>
             <a:solidFill>
-              <a:schemeClr val="accent6"/>
+              <a:srgbClr val="00B0F0"/>
             </a:solidFill>
             <a:tailEnd type="triangle"/>
           </a:ln>
@@ -10586,7 +10803,7 @@
           </a:prstGeom>
           <a:ln w="3175">
             <a:solidFill>
-              <a:srgbClr val="00B050"/>
+              <a:srgbClr val="00B0F0"/>
             </a:solidFill>
             <a:tailEnd type="triangle"/>
           </a:ln>
@@ -10627,6 +10844,11 @@
             <a:avLst/>
           </a:prstGeom>
           <a:noFill/>
+          <a:ln>
+            <a:solidFill>
+              <a:srgbClr val="00B0F0"/>
+            </a:solidFill>
+          </a:ln>
         </p:spPr>
         <p:txBody>
           <a:bodyPr vert="eaVert" wrap="square" rtlCol="0">
@@ -10637,7 +10859,7 @@
             <a:r>
               <a:rPr lang="en-US" sz="400" dirty="0">
                 <a:solidFill>
-                  <a:schemeClr val="accent6"/>
+                  <a:srgbClr val="00B0F0"/>
                 </a:solidFill>
               </a:rPr>
               <a:t>Publishes via </a:t>
@@ -10645,7 +10867,7 @@
             <a:r>
               <a:rPr lang="en-US" sz="400" dirty="0" err="1">
                 <a:solidFill>
-                  <a:schemeClr val="accent6"/>
+                  <a:srgbClr val="00B0F0"/>
                 </a:solidFill>
               </a:rPr>
               <a:t>onUpdate</a:t>
@@ -10653,7 +10875,7 @@
             <a:r>
               <a:rPr lang="en-US" sz="400" dirty="0">
                 <a:solidFill>
-                  <a:schemeClr val="accent6"/>
+                  <a:srgbClr val="00B0F0"/>
                 </a:solidFill>
               </a:rPr>
               <a:t> the entire .</a:t>
@@ -10661,7 +10883,7 @@
             <a:r>
               <a:rPr lang="en-US" sz="400" dirty="0" err="1">
                 <a:solidFill>
-                  <a:schemeClr val="accent6"/>
+                  <a:srgbClr val="00B0F0"/>
                 </a:solidFill>
               </a:rPr>
               <a:t>val</a:t>
@@ -10669,7 +10891,7 @@
             <a:r>
               <a:rPr lang="en-US" sz="400" dirty="0">
                 <a:solidFill>
-                  <a:schemeClr val="accent6"/>
+                  <a:srgbClr val="00B0F0"/>
                 </a:solidFill>
               </a:rPr>
               <a:t>() of the tree</a:t>
@@ -10705,7 +10927,7 @@
           </a:prstGeom>
           <a:ln w="9525">
             <a:solidFill>
-              <a:srgbClr val="00B050"/>
+              <a:srgbClr val="00B0F0"/>
             </a:solidFill>
             <a:tailEnd type="triangle"/>
           </a:ln>
@@ -10753,7 +10975,7 @@
           </a:prstGeom>
           <a:ln w="19050">
             <a:solidFill>
-              <a:srgbClr val="00B050"/>
+              <a:srgbClr val="00B0F0"/>
             </a:solidFill>
             <a:tailEnd type="triangle"/>
           </a:ln>
@@ -10870,7 +11092,7 @@
           </a:prstGeom>
           <a:ln w="38100">
             <a:solidFill>
-              <a:srgbClr val="00B050"/>
+              <a:srgbClr val="00B0F0"/>
             </a:solidFill>
             <a:tailEnd type="triangle"/>
           </a:ln>
@@ -11815,6 +12037,9 @@
             <a:avLst/>
           </a:prstGeom>
           <a:ln>
+            <a:solidFill>
+              <a:srgbClr val="00B0F0"/>
+            </a:solidFill>
             <a:tailEnd type="triangle"/>
           </a:ln>
         </p:spPr>
@@ -12075,6 +12300,9 @@
             <a:avLst/>
           </a:prstGeom>
           <a:ln>
+            <a:solidFill>
+              <a:srgbClr val="FFC000"/>
+            </a:solidFill>
             <a:tailEnd type="triangle"/>
           </a:ln>
         </p:spPr>
@@ -12192,6 +12420,11 @@
             <a:avLst/>
           </a:prstGeom>
           <a:noFill/>
+          <a:ln>
+            <a:solidFill>
+              <a:schemeClr val="tx1"/>
+            </a:solidFill>
+          </a:ln>
         </p:spPr>
         <p:txBody>
           <a:bodyPr wrap="square" rtlCol="0">
@@ -12225,13 +12458,16 @@
         </p:nvCxnSpPr>
         <p:spPr>
           <a:xfrm flipH="1" flipV="1">
-            <a:off x="17314213" y="20255893"/>
-            <a:ext cx="95508" cy="733117"/>
+            <a:off x="16709140" y="20204204"/>
+            <a:ext cx="700581" cy="784806"/>
           </a:xfrm>
           <a:prstGeom prst="straightConnector1">
             <a:avLst/>
           </a:prstGeom>
           <a:ln>
+            <a:solidFill>
+              <a:srgbClr val="00B0F0"/>
+            </a:solidFill>
             <a:tailEnd type="triangle"/>
           </a:ln>
         </p:spPr>
@@ -12264,7 +12500,7 @@
         </p:nvSpPr>
         <p:spPr>
           <a:xfrm>
-            <a:off x="17640370" y="20170688"/>
+            <a:off x="17035297" y="20118999"/>
             <a:ext cx="861489" cy="400110"/>
           </a:xfrm>
           <a:prstGeom prst="rect">
@@ -12374,7 +12610,7 @@
         </p:nvGrpSpPr>
         <p:grpSpPr>
           <a:xfrm>
-            <a:off x="16966170" y="20102004"/>
+            <a:off x="16361097" y="20050315"/>
             <a:ext cx="765257" cy="153889"/>
             <a:chOff x="17131674" y="20101587"/>
             <a:chExt cx="611354" cy="122849"/>
@@ -12436,6 +12672,7 @@
             <a:prstGeom prst="diamond">
               <a:avLst/>
             </a:prstGeom>
+            <a:noFill/>
           </p:spPr>
           <p:style>
             <a:lnRef idx="2">
@@ -12458,7 +12695,7 @@
             <a:lstStyle/>
             <a:p>
               <a:pPr algn="ctr"/>
-              <a:endParaRPr lang="en-US"/>
+              <a:endParaRPr lang="en-US" dirty="0"/>
             </a:p>
           </p:txBody>
         </p:sp>
@@ -12477,10 +12714,10 @@
         </p:nvGrpSpPr>
         <p:grpSpPr>
           <a:xfrm>
-            <a:off x="17667076" y="19990279"/>
-            <a:ext cx="571126" cy="211437"/>
-            <a:chOff x="17667076" y="19990279"/>
-            <a:chExt cx="571126" cy="211437"/>
+            <a:off x="17062003" y="19938590"/>
+            <a:ext cx="1111848" cy="211437"/>
+            <a:chOff x="17126354" y="19990279"/>
+            <a:chExt cx="1111848" cy="211437"/>
           </a:xfrm>
         </p:grpSpPr>
         <p:cxnSp>
@@ -12501,13 +12738,16 @@
           </p:nvCxnSpPr>
           <p:spPr>
             <a:xfrm flipV="1">
-              <a:off x="17731427" y="20175262"/>
+              <a:off x="17126354" y="20175262"/>
               <a:ext cx="436449" cy="26454"/>
             </a:xfrm>
             <a:prstGeom prst="straightConnector1">
               <a:avLst/>
             </a:prstGeom>
             <a:ln>
+              <a:solidFill>
+                <a:srgbClr val="00B0F0"/>
+              </a:solidFill>
               <a:tailEnd type="triangle"/>
             </a:ln>
           </p:spPr>
@@ -12547,6 +12787,11 @@
               <a:avLst/>
             </a:prstGeom>
             <a:noFill/>
+            <a:ln>
+              <a:solidFill>
+                <a:srgbClr val="00B0F0"/>
+              </a:solidFill>
+            </a:ln>
           </p:spPr>
           <p:txBody>
             <a:bodyPr wrap="square" rtlCol="0">
@@ -12576,7 +12821,7 @@
         </p:nvSpPr>
         <p:spPr>
           <a:xfrm>
-            <a:off x="18167876" y="19924455"/>
+            <a:off x="17562803" y="19872766"/>
             <a:ext cx="698809" cy="153888"/>
           </a:xfrm>
           <a:prstGeom prst="rect">
@@ -12612,7 +12857,7 @@
         </p:nvSpPr>
         <p:spPr>
           <a:xfrm>
-            <a:off x="17821017" y="19659473"/>
+            <a:off x="17656172" y="19414848"/>
             <a:ext cx="599413" cy="215444"/>
           </a:xfrm>
           <a:prstGeom prst="rect">
@@ -12630,7 +12875,7 @@
               <a:rPr lang="en-US" sz="400" dirty="0" err="1"/>
               <a:t>renderedNodes</a:t>
             </a:r>
-            <a:endParaRPr lang="en-US" sz="400"/>
+            <a:endParaRPr lang="en-US" sz="400" dirty="0"/>
           </a:p>
           <a:p>
             <a:endParaRPr lang="en-US" sz="400" dirty="0"/>
@@ -12854,6 +13099,11 @@
           <a:prstGeom prst="line">
             <a:avLst/>
           </a:prstGeom>
+          <a:ln>
+            <a:solidFill>
+              <a:srgbClr val="00B0F0"/>
+            </a:solidFill>
+          </a:ln>
         </p:spPr>
         <p:style>
           <a:lnRef idx="1">
@@ -12927,9 +13177,9 @@
         </p:nvGrpSpPr>
         <p:grpSpPr>
           <a:xfrm>
-            <a:off x="15119419" y="23803237"/>
+            <a:off x="15122364" y="23757096"/>
             <a:ext cx="445475" cy="153888"/>
-            <a:chOff x="15107011" y="23742908"/>
+            <a:chOff x="15109956" y="23755534"/>
             <a:chExt cx="445475" cy="153888"/>
           </a:xfrm>
         </p:grpSpPr>
@@ -12947,7 +13197,7 @@
           </p:nvSpPr>
           <p:spPr>
             <a:xfrm>
-              <a:off x="15107011" y="23742908"/>
+              <a:off x="15109956" y="23755534"/>
               <a:ext cx="445475" cy="153888"/>
             </a:xfrm>
             <a:prstGeom prst="rect">
@@ -13019,46 +13269,6 @@
       </p:grpSp>
       <p:cxnSp>
         <p:nvCxnSpPr>
-          <p:cNvPr id="229" name="Straight Connector 228">
-            <a:extLst>
-              <a:ext uri="{FF2B5EF4-FFF2-40B4-BE49-F238E27FC236}">
-                <a16:creationId xmlns:a16="http://schemas.microsoft.com/office/drawing/2014/main" id="{C4093DAC-B0F0-4FBC-9C1C-2DCFC4559793}"/>
-              </a:ext>
-            </a:extLst>
-          </p:cNvPr>
-          <p:cNvCxnSpPr>
-            <a:cxnSpLocks/>
-            <a:stCxn id="225" idx="3"/>
-            <a:endCxn id="7" idx="1"/>
-          </p:cNvCxnSpPr>
-          <p:nvPr/>
-        </p:nvCxnSpPr>
-        <p:spPr>
-          <a:xfrm flipV="1">
-            <a:off x="15541773" y="23839936"/>
-            <a:ext cx="989884" cy="53245"/>
-          </a:xfrm>
-          <a:prstGeom prst="line">
-            <a:avLst/>
-          </a:prstGeom>
-        </p:spPr>
-        <p:style>
-          <a:lnRef idx="1">
-            <a:schemeClr val="accent1"/>
-          </a:lnRef>
-          <a:fillRef idx="0">
-            <a:schemeClr val="accent1"/>
-          </a:fillRef>
-          <a:effectRef idx="0">
-            <a:schemeClr val="accent1"/>
-          </a:effectRef>
-          <a:fontRef idx="minor">
-            <a:schemeClr val="tx1"/>
-          </a:fontRef>
-        </p:style>
-      </p:cxnSp>
-      <p:cxnSp>
-        <p:nvCxnSpPr>
           <p:cNvPr id="242" name="Straight Arrow Connector 241">
             <a:extLst>
               <a:ext uri="{FF2B5EF4-FFF2-40B4-BE49-F238E27FC236}">
@@ -13075,13 +13285,16 @@
         </p:nvCxnSpPr>
         <p:spPr>
           <a:xfrm flipV="1">
-            <a:off x="16811394" y="21052198"/>
-            <a:ext cx="1734404" cy="2618461"/>
+            <a:off x="16811394" y="20994970"/>
+            <a:ext cx="1180759" cy="2675689"/>
           </a:xfrm>
           <a:prstGeom prst="straightConnector1">
             <a:avLst/>
           </a:prstGeom>
           <a:ln>
+            <a:solidFill>
+              <a:srgbClr val="92D050"/>
+            </a:solidFill>
             <a:prstDash val="sysDash"/>
             <a:tailEnd type="triangle"/>
           </a:ln>
@@ -13115,7 +13328,7 @@
         </p:nvSpPr>
         <p:spPr>
           <a:xfrm>
-            <a:off x="18546281" y="20010651"/>
+            <a:off x="17941208" y="19958962"/>
             <a:ext cx="965310" cy="215444"/>
           </a:xfrm>
           <a:prstGeom prst="rect">
@@ -13151,13 +13364,18 @@
         </p:nvSpPr>
         <p:spPr>
           <a:xfrm>
-            <a:off x="18211535" y="20052962"/>
+            <a:off x="17606462" y="20001273"/>
             <a:ext cx="1149670" cy="413144"/>
           </a:xfrm>
           <a:prstGeom prst="roundRect">
             <a:avLst/>
           </a:prstGeom>
           <a:noFill/>
+          <a:ln>
+            <a:solidFill>
+              <a:schemeClr val="tx1"/>
+            </a:solidFill>
+          </a:ln>
         </p:spPr>
         <p:style>
           <a:lnRef idx="2">
@@ -13198,7 +13416,7 @@
         </p:nvGrpSpPr>
         <p:grpSpPr>
           <a:xfrm>
-            <a:off x="18167876" y="20098318"/>
+            <a:off x="17562803" y="20046629"/>
             <a:ext cx="426899" cy="153888"/>
             <a:chOff x="18167876" y="20098318"/>
             <a:chExt cx="426899" cy="153888"/>
@@ -13225,6 +13443,11 @@
               <a:avLst/>
             </a:prstGeom>
             <a:noFill/>
+            <a:ln>
+              <a:solidFill>
+                <a:schemeClr val="tx1"/>
+              </a:solidFill>
+            </a:ln>
           </p:spPr>
           <p:txBody>
             <a:bodyPr wrap="square" rtlCol="0">
@@ -13261,6 +13484,11 @@
               <a:avLst/>
             </a:prstGeom>
             <a:noFill/>
+            <a:ln>
+              <a:solidFill>
+                <a:schemeClr val="tx1"/>
+              </a:solidFill>
+            </a:ln>
           </p:spPr>
           <p:style>
             <a:lnRef idx="2">
@@ -13302,7 +13530,7 @@
         </p:nvGrpSpPr>
         <p:grpSpPr>
           <a:xfrm>
-            <a:off x="18398522" y="20231503"/>
+            <a:off x="17793449" y="20179814"/>
             <a:ext cx="426899" cy="153888"/>
             <a:chOff x="18167876" y="20098318"/>
             <a:chExt cx="426899" cy="153888"/>
@@ -13329,6 +13557,11 @@
               <a:avLst/>
             </a:prstGeom>
             <a:noFill/>
+            <a:ln>
+              <a:solidFill>
+                <a:schemeClr val="tx1"/>
+              </a:solidFill>
+            </a:ln>
           </p:spPr>
           <p:txBody>
             <a:bodyPr wrap="square" rtlCol="0">
@@ -13365,6 +13598,11 @@
               <a:avLst/>
             </a:prstGeom>
             <a:noFill/>
+            <a:ln>
+              <a:solidFill>
+                <a:schemeClr val="tx1"/>
+              </a:solidFill>
+            </a:ln>
           </p:spPr>
           <p:style>
             <a:lnRef idx="2">
@@ -13406,7 +13644,7 @@
         </p:nvGrpSpPr>
         <p:grpSpPr>
           <a:xfrm>
-            <a:off x="18773514" y="20217315"/>
+            <a:off x="18168441" y="20165626"/>
             <a:ext cx="426899" cy="153888"/>
             <a:chOff x="18167876" y="20098318"/>
             <a:chExt cx="426899" cy="153888"/>
@@ -13433,6 +13671,11 @@
               <a:avLst/>
             </a:prstGeom>
             <a:noFill/>
+            <a:ln>
+              <a:solidFill>
+                <a:schemeClr val="tx1"/>
+              </a:solidFill>
+            </a:ln>
           </p:spPr>
           <p:txBody>
             <a:bodyPr wrap="square" rtlCol="0">
@@ -13469,6 +13712,11 @@
               <a:avLst/>
             </a:prstGeom>
             <a:noFill/>
+            <a:ln>
+              <a:solidFill>
+                <a:schemeClr val="tx1"/>
+              </a:solidFill>
+            </a:ln>
           </p:spPr>
           <p:style>
             <a:lnRef idx="2">
@@ -13510,7 +13758,7 @@
         </p:nvSpPr>
         <p:spPr>
           <a:xfrm>
-            <a:off x="18224910" y="20898310"/>
+            <a:off x="17671265" y="20841082"/>
             <a:ext cx="641775" cy="153888"/>
           </a:xfrm>
           <a:prstGeom prst="rect">
@@ -13542,6 +13790,7 @@
             </a:extLst>
           </p:cNvPr>
           <p:cNvCxnSpPr>
+            <a:cxnSpLocks/>
             <a:stCxn id="162" idx="0"/>
             <a:endCxn id="245" idx="2"/>
           </p:cNvCxnSpPr>
@@ -13549,13 +13798,16 @@
         </p:nvCxnSpPr>
         <p:spPr>
           <a:xfrm flipV="1">
-            <a:off x="18545798" y="20466106"/>
-            <a:ext cx="240572" cy="432204"/>
+            <a:off x="17992153" y="20414417"/>
+            <a:ext cx="189144" cy="426665"/>
           </a:xfrm>
           <a:prstGeom prst="straightConnector1">
             <a:avLst/>
           </a:prstGeom>
           <a:ln>
+            <a:solidFill>
+              <a:srgbClr val="92D050"/>
+            </a:solidFill>
             <a:tailEnd type="triangle"/>
           </a:ln>
         </p:spPr>
@@ -13588,7 +13840,7 @@
         </p:nvGrpSpPr>
         <p:grpSpPr>
           <a:xfrm>
-            <a:off x="18505086" y="20620882"/>
+            <a:off x="17900013" y="20569193"/>
             <a:ext cx="426899" cy="153888"/>
             <a:chOff x="18167876" y="20098318"/>
             <a:chExt cx="426899" cy="153888"/>
@@ -13615,6 +13867,11 @@
               <a:avLst/>
             </a:prstGeom>
             <a:noFill/>
+            <a:ln>
+              <a:solidFill>
+                <a:srgbClr val="92D050"/>
+              </a:solidFill>
+            </a:ln>
           </p:spPr>
           <p:txBody>
             <a:bodyPr wrap="square" rtlCol="0">
@@ -13651,6 +13908,11 @@
               <a:avLst/>
             </a:prstGeom>
             <a:noFill/>
+            <a:ln>
+              <a:solidFill>
+                <a:srgbClr val="92D050"/>
+              </a:solidFill>
+            </a:ln>
           </p:spPr>
           <p:style>
             <a:lnRef idx="2">
@@ -13678,6 +13940,1811 @@
           </p:txBody>
         </p:sp>
       </p:grpSp>
+      <p:sp>
+        <p:nvSpPr>
+          <p:cNvPr id="145" name="Rectangle: Rounded Corners 144">
+            <a:extLst>
+              <a:ext uri="{FF2B5EF4-FFF2-40B4-BE49-F238E27FC236}">
+                <a16:creationId xmlns:a16="http://schemas.microsoft.com/office/drawing/2014/main" id="{28BF087E-A588-4367-B5A3-3F3F312AE07D}"/>
+              </a:ext>
+            </a:extLst>
+          </p:cNvPr>
+          <p:cNvSpPr/>
+          <p:nvPr/>
+        </p:nvSpPr>
+        <p:spPr>
+          <a:xfrm>
+            <a:off x="17409721" y="19425648"/>
+            <a:ext cx="1149670" cy="413144"/>
+          </a:xfrm>
+          <a:prstGeom prst="roundRect">
+            <a:avLst/>
+          </a:prstGeom>
+          <a:noFill/>
+          <a:ln>
+            <a:solidFill>
+              <a:schemeClr val="tx1"/>
+            </a:solidFill>
+          </a:ln>
+        </p:spPr>
+        <p:style>
+          <a:lnRef idx="2">
+            <a:schemeClr val="accent1">
+              <a:shade val="50000"/>
+            </a:schemeClr>
+          </a:lnRef>
+          <a:fillRef idx="1">
+            <a:schemeClr val="accent1"/>
+          </a:fillRef>
+          <a:effectRef idx="0">
+            <a:schemeClr val="accent1"/>
+          </a:effectRef>
+          <a:fontRef idx="minor">
+            <a:schemeClr val="lt1"/>
+          </a:fontRef>
+        </p:style>
+        <p:txBody>
+          <a:bodyPr rtlCol="0" anchor="ctr"/>
+          <a:lstStyle/>
+          <a:p>
+            <a:pPr algn="ctr"/>
+            <a:endParaRPr lang="en-US"/>
+          </a:p>
+        </p:txBody>
+      </p:sp>
+      <p:sp>
+        <p:nvSpPr>
+          <p:cNvPr id="23" name="TextBox 22">
+            <a:extLst>
+              <a:ext uri="{FF2B5EF4-FFF2-40B4-BE49-F238E27FC236}">
+                <a16:creationId xmlns:a16="http://schemas.microsoft.com/office/drawing/2014/main" id="{B28ABA47-4264-4167-BC0E-9F7B51553B63}"/>
+              </a:ext>
+            </a:extLst>
+          </p:cNvPr>
+          <p:cNvSpPr txBox="1"/>
+          <p:nvPr/>
+        </p:nvSpPr>
+        <p:spPr>
+          <a:xfrm>
+            <a:off x="18718536" y="20688439"/>
+            <a:ext cx="833667" cy="153888"/>
+          </a:xfrm>
+          <a:prstGeom prst="rect">
+            <a:avLst/>
+          </a:prstGeom>
+          <a:noFill/>
+        </p:spPr>
+        <p:txBody>
+          <a:bodyPr wrap="square" rtlCol="0">
+            <a:spAutoFit/>
+          </a:bodyPr>
+          <a:lstStyle/>
+          <a:p>
+            <a:r>
+              <a:rPr lang="en-US" sz="400" dirty="0" err="1"/>
+              <a:t>sigmaRenderManager</a:t>
+            </a:r>
+            <a:endParaRPr lang="en-US" sz="400" dirty="0"/>
+          </a:p>
+        </p:txBody>
+      </p:sp>
+      <p:cxnSp>
+        <p:nvCxnSpPr>
+          <p:cNvPr id="228" name="Straight Arrow Connector 227">
+            <a:extLst>
+              <a:ext uri="{FF2B5EF4-FFF2-40B4-BE49-F238E27FC236}">
+                <a16:creationId xmlns:a16="http://schemas.microsoft.com/office/drawing/2014/main" id="{DDA2EC47-BE2B-4111-BF0E-C0C09A2EC269}"/>
+              </a:ext>
+            </a:extLst>
+          </p:cNvPr>
+          <p:cNvCxnSpPr>
+            <a:stCxn id="162" idx="3"/>
+            <a:endCxn id="23" idx="1"/>
+          </p:cNvCxnSpPr>
+          <p:nvPr/>
+        </p:nvCxnSpPr>
+        <p:spPr>
+          <a:xfrm flipV="1">
+            <a:off x="18313040" y="20765383"/>
+            <a:ext cx="405496" cy="152643"/>
+          </a:xfrm>
+          <a:prstGeom prst="straightConnector1">
+            <a:avLst/>
+          </a:prstGeom>
+          <a:ln>
+            <a:solidFill>
+              <a:srgbClr val="92D050"/>
+            </a:solidFill>
+            <a:tailEnd type="triangle"/>
+          </a:ln>
+        </p:spPr>
+        <p:style>
+          <a:lnRef idx="1">
+            <a:schemeClr val="accent1"/>
+          </a:lnRef>
+          <a:fillRef idx="0">
+            <a:schemeClr val="accent1"/>
+          </a:fillRef>
+          <a:effectRef idx="0">
+            <a:schemeClr val="accent1"/>
+          </a:effectRef>
+          <a:fontRef idx="minor">
+            <a:schemeClr val="tx1"/>
+          </a:fontRef>
+        </p:style>
+      </p:cxnSp>
+      <p:cxnSp>
+        <p:nvCxnSpPr>
+          <p:cNvPr id="157" name="Straight Arrow Connector 156">
+            <a:extLst>
+              <a:ext uri="{FF2B5EF4-FFF2-40B4-BE49-F238E27FC236}">
+                <a16:creationId xmlns:a16="http://schemas.microsoft.com/office/drawing/2014/main" id="{80140D86-8B27-4F9D-BB11-4EBCF19E2C08}"/>
+              </a:ext>
+            </a:extLst>
+          </p:cNvPr>
+          <p:cNvCxnSpPr>
+            <a:cxnSpLocks/>
+            <a:stCxn id="27" idx="2"/>
+            <a:endCxn id="23" idx="1"/>
+          </p:cNvCxnSpPr>
+          <p:nvPr/>
+        </p:nvCxnSpPr>
+        <p:spPr>
+          <a:xfrm>
+            <a:off x="16709140" y="20204204"/>
+            <a:ext cx="2009396" cy="561179"/>
+          </a:xfrm>
+          <a:prstGeom prst="straightConnector1">
+            <a:avLst/>
+          </a:prstGeom>
+          <a:ln>
+            <a:solidFill>
+              <a:srgbClr val="00B0F0"/>
+            </a:solidFill>
+            <a:tailEnd type="triangle"/>
+          </a:ln>
+        </p:spPr>
+        <p:style>
+          <a:lnRef idx="1">
+            <a:schemeClr val="accent1"/>
+          </a:lnRef>
+          <a:fillRef idx="0">
+            <a:schemeClr val="accent1"/>
+          </a:fillRef>
+          <a:effectRef idx="0">
+            <a:schemeClr val="accent1"/>
+          </a:effectRef>
+          <a:fontRef idx="minor">
+            <a:schemeClr val="tx1"/>
+          </a:fontRef>
+        </p:style>
+      </p:cxnSp>
+      <p:grpSp>
+        <p:nvGrpSpPr>
+          <p:cNvPr id="161" name="Group 160">
+            <a:extLst>
+              <a:ext uri="{FF2B5EF4-FFF2-40B4-BE49-F238E27FC236}">
+                <a16:creationId xmlns:a16="http://schemas.microsoft.com/office/drawing/2014/main" id="{E8994C0B-84D7-4371-83B7-6A373B966CE4}"/>
+              </a:ext>
+            </a:extLst>
+          </p:cNvPr>
+          <p:cNvGrpSpPr/>
+          <p:nvPr/>
+        </p:nvGrpSpPr>
+        <p:grpSpPr>
+          <a:xfrm>
+            <a:off x="17486589" y="19575163"/>
+            <a:ext cx="426899" cy="153888"/>
+            <a:chOff x="18167876" y="20098318"/>
+            <a:chExt cx="426899" cy="153888"/>
+          </a:xfrm>
+        </p:grpSpPr>
+        <p:sp>
+          <p:nvSpPr>
+            <p:cNvPr id="163" name="TextBox 162">
+              <a:extLst>
+                <a:ext uri="{FF2B5EF4-FFF2-40B4-BE49-F238E27FC236}">
+                  <a16:creationId xmlns:a16="http://schemas.microsoft.com/office/drawing/2014/main" id="{5CE7F8DB-901A-4FC7-BBB9-4F0C6516FA23}"/>
+                </a:ext>
+              </a:extLst>
+            </p:cNvPr>
+            <p:cNvSpPr txBox="1"/>
+            <p:nvPr/>
+          </p:nvSpPr>
+          <p:spPr>
+            <a:xfrm>
+              <a:off x="18167876" y="20098318"/>
+              <a:ext cx="426899" cy="153888"/>
+            </a:xfrm>
+            <a:prstGeom prst="rect">
+              <a:avLst/>
+            </a:prstGeom>
+            <a:noFill/>
+            <a:ln>
+              <a:solidFill>
+                <a:schemeClr val="tx1"/>
+              </a:solidFill>
+            </a:ln>
+          </p:spPr>
+          <p:txBody>
+            <a:bodyPr wrap="square" rtlCol="0">
+              <a:spAutoFit/>
+            </a:bodyPr>
+            <a:lstStyle/>
+            <a:p>
+              <a:r>
+                <a:rPr lang="en-US" sz="400" dirty="0" err="1"/>
+                <a:t>sigmaNode</a:t>
+              </a:r>
+              <a:endParaRPr lang="en-US" sz="400" dirty="0"/>
+            </a:p>
+          </p:txBody>
+        </p:sp>
+        <p:sp>
+          <p:nvSpPr>
+            <p:cNvPr id="167" name="Oval 166">
+              <a:extLst>
+                <a:ext uri="{FF2B5EF4-FFF2-40B4-BE49-F238E27FC236}">
+                  <a16:creationId xmlns:a16="http://schemas.microsoft.com/office/drawing/2014/main" id="{C5FB491B-758C-4D10-8E15-AD51AAC35D2E}"/>
+                </a:ext>
+              </a:extLst>
+            </p:cNvPr>
+            <p:cNvSpPr/>
+            <p:nvPr/>
+          </p:nvSpPr>
+          <p:spPr>
+            <a:xfrm>
+              <a:off x="18224910" y="20116528"/>
+              <a:ext cx="296863" cy="126948"/>
+            </a:xfrm>
+            <a:prstGeom prst="ellipse">
+              <a:avLst/>
+            </a:prstGeom>
+            <a:noFill/>
+            <a:ln>
+              <a:solidFill>
+                <a:schemeClr val="tx1"/>
+              </a:solidFill>
+            </a:ln>
+          </p:spPr>
+          <p:style>
+            <a:lnRef idx="2">
+              <a:schemeClr val="accent1">
+                <a:shade val="50000"/>
+              </a:schemeClr>
+            </a:lnRef>
+            <a:fillRef idx="1">
+              <a:schemeClr val="accent1"/>
+            </a:fillRef>
+            <a:effectRef idx="0">
+              <a:schemeClr val="accent1"/>
+            </a:effectRef>
+            <a:fontRef idx="minor">
+              <a:schemeClr val="lt1"/>
+            </a:fontRef>
+          </p:style>
+          <p:txBody>
+            <a:bodyPr rtlCol="0" anchor="ctr"/>
+            <a:lstStyle/>
+            <a:p>
+              <a:pPr algn="ctr"/>
+              <a:endParaRPr lang="en-US"/>
+            </a:p>
+          </p:txBody>
+        </p:sp>
+      </p:grpSp>
+      <p:grpSp>
+        <p:nvGrpSpPr>
+          <p:cNvPr id="168" name="Group 167">
+            <a:extLst>
+              <a:ext uri="{FF2B5EF4-FFF2-40B4-BE49-F238E27FC236}">
+                <a16:creationId xmlns:a16="http://schemas.microsoft.com/office/drawing/2014/main" id="{A333DD01-74A0-4918-8CB3-09337B6DD317}"/>
+              </a:ext>
+            </a:extLst>
+          </p:cNvPr>
+          <p:cNvGrpSpPr/>
+          <p:nvPr/>
+        </p:nvGrpSpPr>
+        <p:grpSpPr>
+          <a:xfrm>
+            <a:off x="17823310" y="19566816"/>
+            <a:ext cx="426899" cy="153888"/>
+            <a:chOff x="18167876" y="20098318"/>
+            <a:chExt cx="426899" cy="153888"/>
+          </a:xfrm>
+        </p:grpSpPr>
+        <p:sp>
+          <p:nvSpPr>
+            <p:cNvPr id="169" name="TextBox 168">
+              <a:extLst>
+                <a:ext uri="{FF2B5EF4-FFF2-40B4-BE49-F238E27FC236}">
+                  <a16:creationId xmlns:a16="http://schemas.microsoft.com/office/drawing/2014/main" id="{39E31B5F-BD2E-422C-96A0-CCDD129E8CC5}"/>
+                </a:ext>
+              </a:extLst>
+            </p:cNvPr>
+            <p:cNvSpPr txBox="1"/>
+            <p:nvPr/>
+          </p:nvSpPr>
+          <p:spPr>
+            <a:xfrm>
+              <a:off x="18167876" y="20098318"/>
+              <a:ext cx="426899" cy="153888"/>
+            </a:xfrm>
+            <a:prstGeom prst="rect">
+              <a:avLst/>
+            </a:prstGeom>
+            <a:noFill/>
+            <a:ln>
+              <a:solidFill>
+                <a:schemeClr val="tx1"/>
+              </a:solidFill>
+            </a:ln>
+          </p:spPr>
+          <p:txBody>
+            <a:bodyPr wrap="square" rtlCol="0">
+              <a:spAutoFit/>
+            </a:bodyPr>
+            <a:lstStyle/>
+            <a:p>
+              <a:r>
+                <a:rPr lang="en-US" sz="400" dirty="0" err="1"/>
+                <a:t>sigmaNode</a:t>
+              </a:r>
+              <a:endParaRPr lang="en-US" sz="400" dirty="0"/>
+            </a:p>
+          </p:txBody>
+        </p:sp>
+        <p:sp>
+          <p:nvSpPr>
+            <p:cNvPr id="170" name="Oval 169">
+              <a:extLst>
+                <a:ext uri="{FF2B5EF4-FFF2-40B4-BE49-F238E27FC236}">
+                  <a16:creationId xmlns:a16="http://schemas.microsoft.com/office/drawing/2014/main" id="{2503F500-078F-49CC-AF7D-5AD5C7A3B112}"/>
+                </a:ext>
+              </a:extLst>
+            </p:cNvPr>
+            <p:cNvSpPr/>
+            <p:nvPr/>
+          </p:nvSpPr>
+          <p:spPr>
+            <a:xfrm>
+              <a:off x="18224910" y="20116528"/>
+              <a:ext cx="296863" cy="126948"/>
+            </a:xfrm>
+            <a:prstGeom prst="ellipse">
+              <a:avLst/>
+            </a:prstGeom>
+            <a:noFill/>
+            <a:ln>
+              <a:solidFill>
+                <a:schemeClr val="tx1"/>
+              </a:solidFill>
+            </a:ln>
+          </p:spPr>
+          <p:style>
+            <a:lnRef idx="2">
+              <a:schemeClr val="accent1">
+                <a:shade val="50000"/>
+              </a:schemeClr>
+            </a:lnRef>
+            <a:fillRef idx="1">
+              <a:schemeClr val="accent1"/>
+            </a:fillRef>
+            <a:effectRef idx="0">
+              <a:schemeClr val="accent1"/>
+            </a:effectRef>
+            <a:fontRef idx="minor">
+              <a:schemeClr val="lt1"/>
+            </a:fontRef>
+          </p:style>
+          <p:txBody>
+            <a:bodyPr rtlCol="0" anchor="ctr"/>
+            <a:lstStyle/>
+            <a:p>
+              <a:pPr algn="ctr"/>
+              <a:endParaRPr lang="en-US"/>
+            </a:p>
+          </p:txBody>
+        </p:sp>
+      </p:grpSp>
+      <p:cxnSp>
+        <p:nvCxnSpPr>
+          <p:cNvPr id="171" name="Straight Arrow Connector 170">
+            <a:extLst>
+              <a:ext uri="{FF2B5EF4-FFF2-40B4-BE49-F238E27FC236}">
+                <a16:creationId xmlns:a16="http://schemas.microsoft.com/office/drawing/2014/main" id="{383815E1-A9F4-4267-9431-ACDB54866999}"/>
+              </a:ext>
+            </a:extLst>
+          </p:cNvPr>
+          <p:cNvCxnSpPr>
+            <a:cxnSpLocks/>
+            <a:stCxn id="23" idx="0"/>
+            <a:endCxn id="232" idx="2"/>
+          </p:cNvCxnSpPr>
+          <p:nvPr/>
+        </p:nvCxnSpPr>
+        <p:spPr>
+          <a:xfrm flipV="1">
+            <a:off x="19135370" y="19747830"/>
+            <a:ext cx="14800" cy="940609"/>
+          </a:xfrm>
+          <a:prstGeom prst="straightConnector1">
+            <a:avLst/>
+          </a:prstGeom>
+          <a:ln>
+            <a:prstDash val="sysDash"/>
+            <a:tailEnd type="triangle"/>
+          </a:ln>
+        </p:spPr>
+        <p:style>
+          <a:lnRef idx="1">
+            <a:schemeClr val="accent1"/>
+          </a:lnRef>
+          <a:fillRef idx="0">
+            <a:schemeClr val="accent1"/>
+          </a:fillRef>
+          <a:effectRef idx="0">
+            <a:schemeClr val="accent1"/>
+          </a:effectRef>
+          <a:fontRef idx="minor">
+            <a:schemeClr val="tx1"/>
+          </a:fontRef>
+        </p:style>
+      </p:cxnSp>
+      <p:grpSp>
+        <p:nvGrpSpPr>
+          <p:cNvPr id="241" name="Group 240">
+            <a:extLst>
+              <a:ext uri="{FF2B5EF4-FFF2-40B4-BE49-F238E27FC236}">
+                <a16:creationId xmlns:a16="http://schemas.microsoft.com/office/drawing/2014/main" id="{BD68E3EB-CFFE-47C0-9936-836A3BD6C5F1}"/>
+              </a:ext>
+            </a:extLst>
+          </p:cNvPr>
+          <p:cNvGrpSpPr/>
+          <p:nvPr/>
+        </p:nvGrpSpPr>
+        <p:grpSpPr>
+          <a:xfrm>
+            <a:off x="18837460" y="19532386"/>
+            <a:ext cx="593642" cy="215444"/>
+            <a:chOff x="18837460" y="19532386"/>
+            <a:chExt cx="593642" cy="215444"/>
+          </a:xfrm>
+        </p:grpSpPr>
+        <p:sp>
+          <p:nvSpPr>
+            <p:cNvPr id="232" name="TextBox 231">
+              <a:extLst>
+                <a:ext uri="{FF2B5EF4-FFF2-40B4-BE49-F238E27FC236}">
+                  <a16:creationId xmlns:a16="http://schemas.microsoft.com/office/drawing/2014/main" id="{F2E46262-3422-4237-B820-CA1786CECC67}"/>
+                </a:ext>
+              </a:extLst>
+            </p:cNvPr>
+            <p:cNvSpPr txBox="1"/>
+            <p:nvPr/>
+          </p:nvSpPr>
+          <p:spPr>
+            <a:xfrm>
+              <a:off x="18869238" y="19532386"/>
+              <a:ext cx="561864" cy="215444"/>
+            </a:xfrm>
+            <a:prstGeom prst="rect">
+              <a:avLst/>
+            </a:prstGeom>
+            <a:noFill/>
+            <a:ln>
+              <a:solidFill>
+                <a:schemeClr val="tx1"/>
+              </a:solidFill>
+            </a:ln>
+          </p:spPr>
+          <p:txBody>
+            <a:bodyPr wrap="square" rtlCol="0">
+              <a:spAutoFit/>
+            </a:bodyPr>
+            <a:lstStyle/>
+            <a:p>
+              <a:r>
+                <a:rPr lang="en-US" sz="400" dirty="0" err="1"/>
+                <a:t>renderedNodesManager</a:t>
+              </a:r>
+              <a:endParaRPr lang="en-US" sz="400" dirty="0"/>
+            </a:p>
+          </p:txBody>
+        </p:sp>
+        <p:sp>
+          <p:nvSpPr>
+            <p:cNvPr id="240" name="Diamond 239">
+              <a:extLst>
+                <a:ext uri="{FF2B5EF4-FFF2-40B4-BE49-F238E27FC236}">
+                  <a16:creationId xmlns:a16="http://schemas.microsoft.com/office/drawing/2014/main" id="{CCB403D2-52DD-4EFA-A610-B2B6AD601E7C}"/>
+                </a:ext>
+              </a:extLst>
+            </p:cNvPr>
+            <p:cNvSpPr/>
+            <p:nvPr/>
+          </p:nvSpPr>
+          <p:spPr>
+            <a:xfrm>
+              <a:off x="18837460" y="19584559"/>
+              <a:ext cx="101062" cy="80742"/>
+            </a:xfrm>
+            <a:prstGeom prst="diamond">
+              <a:avLst/>
+            </a:prstGeom>
+            <a:noFill/>
+            <a:ln>
+              <a:solidFill>
+                <a:schemeClr val="tx1"/>
+              </a:solidFill>
+            </a:ln>
+          </p:spPr>
+          <p:style>
+            <a:lnRef idx="2">
+              <a:schemeClr val="accent1">
+                <a:shade val="50000"/>
+              </a:schemeClr>
+            </a:lnRef>
+            <a:fillRef idx="1">
+              <a:schemeClr val="accent1"/>
+            </a:fillRef>
+            <a:effectRef idx="0">
+              <a:schemeClr val="accent1"/>
+            </a:effectRef>
+            <a:fontRef idx="minor">
+              <a:schemeClr val="lt1"/>
+            </a:fontRef>
+          </p:style>
+          <p:txBody>
+            <a:bodyPr rtlCol="0" anchor="ctr"/>
+            <a:lstStyle/>
+            <a:p>
+              <a:pPr algn="ctr"/>
+              <a:endParaRPr lang="en-US"/>
+            </a:p>
+          </p:txBody>
+        </p:sp>
+      </p:grpSp>
+      <p:cxnSp>
+        <p:nvCxnSpPr>
+          <p:cNvPr id="252" name="Straight Arrow Connector 251">
+            <a:extLst>
+              <a:ext uri="{FF2B5EF4-FFF2-40B4-BE49-F238E27FC236}">
+                <a16:creationId xmlns:a16="http://schemas.microsoft.com/office/drawing/2014/main" id="{3CBE2F0C-8D9D-4CDA-8849-5365AD17AFE2}"/>
+              </a:ext>
+            </a:extLst>
+          </p:cNvPr>
+          <p:cNvCxnSpPr>
+            <a:stCxn id="240" idx="1"/>
+            <a:endCxn id="145" idx="3"/>
+          </p:cNvCxnSpPr>
+          <p:nvPr/>
+        </p:nvCxnSpPr>
+        <p:spPr>
+          <a:xfrm flipH="1">
+            <a:off x="18559391" y="19624930"/>
+            <a:ext cx="278069" cy="7290"/>
+          </a:xfrm>
+          <a:prstGeom prst="straightConnector1">
+            <a:avLst/>
+          </a:prstGeom>
+          <a:ln>
+            <a:solidFill>
+              <a:srgbClr val="00B050"/>
+            </a:solidFill>
+            <a:tailEnd type="triangle"/>
+          </a:ln>
+        </p:spPr>
+        <p:style>
+          <a:lnRef idx="1">
+            <a:schemeClr val="accent1"/>
+          </a:lnRef>
+          <a:fillRef idx="0">
+            <a:schemeClr val="accent1"/>
+          </a:fillRef>
+          <a:effectRef idx="0">
+            <a:schemeClr val="accent1"/>
+          </a:effectRef>
+          <a:fontRef idx="minor">
+            <a:schemeClr val="tx1"/>
+          </a:fontRef>
+        </p:style>
+      </p:cxnSp>
+      <p:cxnSp>
+        <p:nvCxnSpPr>
+          <p:cNvPr id="42" name="Straight Arrow Connector 41">
+            <a:extLst>
+              <a:ext uri="{FF2B5EF4-FFF2-40B4-BE49-F238E27FC236}">
+                <a16:creationId xmlns:a16="http://schemas.microsoft.com/office/drawing/2014/main" id="{2E39A5BD-240B-4F53-B97A-1B830C08AA5F}"/>
+              </a:ext>
+            </a:extLst>
+          </p:cNvPr>
+          <p:cNvCxnSpPr>
+            <a:stCxn id="225" idx="3"/>
+            <a:endCxn id="7" idx="1"/>
+          </p:cNvCxnSpPr>
+          <p:nvPr/>
+        </p:nvCxnSpPr>
+        <p:spPr>
+          <a:xfrm>
+            <a:off x="15541773" y="23834414"/>
+            <a:ext cx="989884" cy="5522"/>
+          </a:xfrm>
+          <a:prstGeom prst="straightConnector1">
+            <a:avLst/>
+          </a:prstGeom>
+          <a:ln>
+            <a:solidFill>
+              <a:srgbClr val="92D050"/>
+            </a:solidFill>
+            <a:tailEnd type="triangle"/>
+          </a:ln>
+        </p:spPr>
+        <p:style>
+          <a:lnRef idx="1">
+            <a:schemeClr val="accent1"/>
+          </a:lnRef>
+          <a:fillRef idx="0">
+            <a:schemeClr val="accent1"/>
+          </a:fillRef>
+          <a:effectRef idx="0">
+            <a:schemeClr val="accent1"/>
+          </a:effectRef>
+          <a:fontRef idx="minor">
+            <a:schemeClr val="tx1"/>
+          </a:fontRef>
+        </p:style>
+      </p:cxnSp>
+      <p:sp>
+        <p:nvSpPr>
+          <p:cNvPr id="175" name="TextBox 174">
+            <a:extLst>
+              <a:ext uri="{FF2B5EF4-FFF2-40B4-BE49-F238E27FC236}">
+                <a16:creationId xmlns:a16="http://schemas.microsoft.com/office/drawing/2014/main" id="{EE07BEB0-CB56-46AA-B980-57B393177F5B}"/>
+              </a:ext>
+            </a:extLst>
+          </p:cNvPr>
+          <p:cNvSpPr txBox="1"/>
+          <p:nvPr/>
+        </p:nvSpPr>
+        <p:spPr>
+          <a:xfrm>
+            <a:off x="16531657" y="24105640"/>
+            <a:ext cx="559474" cy="400110"/>
+          </a:xfrm>
+          <a:prstGeom prst="rect">
+            <a:avLst/>
+          </a:prstGeom>
+          <a:noFill/>
+        </p:spPr>
+        <p:txBody>
+          <a:bodyPr wrap="square" rtlCol="0">
+            <a:spAutoFit/>
+          </a:bodyPr>
+          <a:lstStyle/>
+          <a:p>
+            <a:r>
+              <a:rPr lang="en-US" sz="400" dirty="0" err="1"/>
+              <a:t>treeLocationStoreSource</a:t>
+            </a:r>
+            <a:endParaRPr lang="en-US" sz="400" dirty="0"/>
+          </a:p>
+          <a:p>
+            <a:r>
+              <a:rPr lang="en-US" sz="400" dirty="0"/>
+              <a:t>+get</a:t>
+            </a:r>
+          </a:p>
+          <a:p>
+            <a:r>
+              <a:rPr lang="en-US" sz="400" dirty="0"/>
+              <a:t>+set</a:t>
+            </a:r>
+          </a:p>
+          <a:p>
+            <a:r>
+              <a:rPr lang="en-US" sz="400" dirty="0"/>
+              <a:t>+</a:t>
+            </a:r>
+            <a:r>
+              <a:rPr lang="en-US" sz="400" dirty="0" err="1"/>
+              <a:t>onUpdate</a:t>
+            </a:r>
+            <a:endParaRPr lang="en-US" sz="400" dirty="0"/>
+          </a:p>
+        </p:txBody>
+      </p:sp>
+      <p:grpSp>
+        <p:nvGrpSpPr>
+          <p:cNvPr id="176" name="Group 175">
+            <a:extLst>
+              <a:ext uri="{FF2B5EF4-FFF2-40B4-BE49-F238E27FC236}">
+                <a16:creationId xmlns:a16="http://schemas.microsoft.com/office/drawing/2014/main" id="{A19E04D0-6858-4905-AA8F-A4EA5FB6B003}"/>
+              </a:ext>
+            </a:extLst>
+          </p:cNvPr>
+          <p:cNvGrpSpPr/>
+          <p:nvPr/>
+        </p:nvGrpSpPr>
+        <p:grpSpPr>
+          <a:xfrm>
+            <a:off x="15122364" y="24192077"/>
+            <a:ext cx="445475" cy="215444"/>
+            <a:chOff x="15109956" y="23755534"/>
+            <a:chExt cx="445475" cy="215444"/>
+          </a:xfrm>
+        </p:grpSpPr>
+        <p:sp>
+          <p:nvSpPr>
+            <p:cNvPr id="177" name="TextBox 176">
+              <a:extLst>
+                <a:ext uri="{FF2B5EF4-FFF2-40B4-BE49-F238E27FC236}">
+                  <a16:creationId xmlns:a16="http://schemas.microsoft.com/office/drawing/2014/main" id="{6837AC29-D38B-468C-8C6F-F99138161DBF}"/>
+                </a:ext>
+              </a:extLst>
+            </p:cNvPr>
+            <p:cNvSpPr txBox="1"/>
+            <p:nvPr/>
+          </p:nvSpPr>
+          <p:spPr>
+            <a:xfrm>
+              <a:off x="15109956" y="23755534"/>
+              <a:ext cx="445475" cy="215444"/>
+            </a:xfrm>
+            <a:prstGeom prst="rect">
+              <a:avLst/>
+            </a:prstGeom>
+            <a:noFill/>
+          </p:spPr>
+          <p:txBody>
+            <a:bodyPr wrap="square" rtlCol="0">
+              <a:spAutoFit/>
+            </a:bodyPr>
+            <a:lstStyle/>
+            <a:p>
+              <a:r>
+                <a:rPr lang="en-US" sz="400" dirty="0" err="1"/>
+                <a:t>treeLocationLoader</a:t>
+              </a:r>
+              <a:endParaRPr lang="en-US" sz="400" dirty="0"/>
+            </a:p>
+          </p:txBody>
+        </p:sp>
+        <p:sp>
+          <p:nvSpPr>
+            <p:cNvPr id="178" name="Diamond 177">
+              <a:extLst>
+                <a:ext uri="{FF2B5EF4-FFF2-40B4-BE49-F238E27FC236}">
+                  <a16:creationId xmlns:a16="http://schemas.microsoft.com/office/drawing/2014/main" id="{37C247BF-EC30-43E8-BF15-957DFBCD0457}"/>
+                </a:ext>
+              </a:extLst>
+            </p:cNvPr>
+            <p:cNvSpPr/>
+            <p:nvPr/>
+          </p:nvSpPr>
+          <p:spPr>
+            <a:xfrm>
+              <a:off x="15439488" y="23795197"/>
+              <a:ext cx="89877" cy="75310"/>
+            </a:xfrm>
+            <a:prstGeom prst="diamond">
+              <a:avLst/>
+            </a:prstGeom>
+            <a:noFill/>
+          </p:spPr>
+          <p:style>
+            <a:lnRef idx="2">
+              <a:schemeClr val="accent1">
+                <a:shade val="50000"/>
+              </a:schemeClr>
+            </a:lnRef>
+            <a:fillRef idx="1">
+              <a:schemeClr val="accent1"/>
+            </a:fillRef>
+            <a:effectRef idx="0">
+              <a:schemeClr val="accent1"/>
+            </a:effectRef>
+            <a:fontRef idx="minor">
+              <a:schemeClr val="lt1"/>
+            </a:fontRef>
+          </p:style>
+          <p:txBody>
+            <a:bodyPr rtlCol="0" anchor="ctr"/>
+            <a:lstStyle/>
+            <a:p>
+              <a:pPr algn="ctr"/>
+              <a:endParaRPr lang="en-US"/>
+            </a:p>
+          </p:txBody>
+        </p:sp>
+      </p:grpSp>
+      <p:cxnSp>
+        <p:nvCxnSpPr>
+          <p:cNvPr id="179" name="Straight Arrow Connector 178">
+            <a:extLst>
+              <a:ext uri="{FF2B5EF4-FFF2-40B4-BE49-F238E27FC236}">
+                <a16:creationId xmlns:a16="http://schemas.microsoft.com/office/drawing/2014/main" id="{84EE0A14-CD9B-44E6-AA5A-72C392EFB176}"/>
+              </a:ext>
+            </a:extLst>
+          </p:cNvPr>
+          <p:cNvCxnSpPr>
+            <a:stCxn id="178" idx="3"/>
+            <a:endCxn id="175" idx="1"/>
+          </p:cNvCxnSpPr>
+          <p:nvPr/>
+        </p:nvCxnSpPr>
+        <p:spPr>
+          <a:xfrm>
+            <a:off x="15541773" y="24269395"/>
+            <a:ext cx="989884" cy="36300"/>
+          </a:xfrm>
+          <a:prstGeom prst="straightConnector1">
+            <a:avLst/>
+          </a:prstGeom>
+          <a:ln>
+            <a:solidFill>
+              <a:srgbClr val="92D050"/>
+            </a:solidFill>
+            <a:tailEnd type="triangle"/>
+          </a:ln>
+        </p:spPr>
+        <p:style>
+          <a:lnRef idx="1">
+            <a:schemeClr val="accent1"/>
+          </a:lnRef>
+          <a:fillRef idx="0">
+            <a:schemeClr val="accent1"/>
+          </a:fillRef>
+          <a:effectRef idx="0">
+            <a:schemeClr val="accent1"/>
+          </a:effectRef>
+          <a:fontRef idx="minor">
+            <a:schemeClr val="tx1"/>
+          </a:fontRef>
+        </p:style>
+      </p:cxnSp>
+      <p:sp>
+        <p:nvSpPr>
+          <p:cNvPr id="180" name="TextBox 179">
+            <a:extLst>
+              <a:ext uri="{FF2B5EF4-FFF2-40B4-BE49-F238E27FC236}">
+                <a16:creationId xmlns:a16="http://schemas.microsoft.com/office/drawing/2014/main" id="{B472FBD4-B109-4148-B518-78E13B2673C9}"/>
+              </a:ext>
+            </a:extLst>
+          </p:cNvPr>
+          <p:cNvSpPr txBox="1"/>
+          <p:nvPr/>
+        </p:nvSpPr>
+        <p:spPr>
+          <a:xfrm>
+            <a:off x="16531657" y="24507082"/>
+            <a:ext cx="559474" cy="400110"/>
+          </a:xfrm>
+          <a:prstGeom prst="rect">
+            <a:avLst/>
+          </a:prstGeom>
+          <a:noFill/>
+        </p:spPr>
+        <p:txBody>
+          <a:bodyPr wrap="square" rtlCol="0">
+            <a:spAutoFit/>
+          </a:bodyPr>
+          <a:lstStyle/>
+          <a:p>
+            <a:r>
+              <a:rPr lang="en-US" sz="400" dirty="0" err="1"/>
+              <a:t>treeUserStoreSource</a:t>
+            </a:r>
+            <a:endParaRPr lang="en-US" sz="400" dirty="0"/>
+          </a:p>
+          <a:p>
+            <a:r>
+              <a:rPr lang="en-US" sz="400" dirty="0"/>
+              <a:t>+get</a:t>
+            </a:r>
+          </a:p>
+          <a:p>
+            <a:r>
+              <a:rPr lang="en-US" sz="400" dirty="0"/>
+              <a:t>+set</a:t>
+            </a:r>
+          </a:p>
+          <a:p>
+            <a:r>
+              <a:rPr lang="en-US" sz="400" dirty="0"/>
+              <a:t>+</a:t>
+            </a:r>
+            <a:r>
+              <a:rPr lang="en-US" sz="400" dirty="0" err="1"/>
+              <a:t>onUpdate</a:t>
+            </a:r>
+            <a:endParaRPr lang="en-US" sz="400" dirty="0"/>
+          </a:p>
+        </p:txBody>
+      </p:sp>
+      <p:grpSp>
+        <p:nvGrpSpPr>
+          <p:cNvPr id="181" name="Group 180">
+            <a:extLst>
+              <a:ext uri="{FF2B5EF4-FFF2-40B4-BE49-F238E27FC236}">
+                <a16:creationId xmlns:a16="http://schemas.microsoft.com/office/drawing/2014/main" id="{4D3FB1C9-3F6B-4494-BB39-8A05C29537AF}"/>
+              </a:ext>
+            </a:extLst>
+          </p:cNvPr>
+          <p:cNvGrpSpPr/>
+          <p:nvPr/>
+        </p:nvGrpSpPr>
+        <p:grpSpPr>
+          <a:xfrm>
+            <a:off x="15122364" y="24593519"/>
+            <a:ext cx="445475" cy="215444"/>
+            <a:chOff x="15109956" y="23755534"/>
+            <a:chExt cx="445475" cy="215444"/>
+          </a:xfrm>
+        </p:grpSpPr>
+        <p:sp>
+          <p:nvSpPr>
+            <p:cNvPr id="183" name="TextBox 182">
+              <a:extLst>
+                <a:ext uri="{FF2B5EF4-FFF2-40B4-BE49-F238E27FC236}">
+                  <a16:creationId xmlns:a16="http://schemas.microsoft.com/office/drawing/2014/main" id="{BA66F4E2-0564-4C4D-B166-646F25AAAE23}"/>
+                </a:ext>
+              </a:extLst>
+            </p:cNvPr>
+            <p:cNvSpPr txBox="1"/>
+            <p:nvPr/>
+          </p:nvSpPr>
+          <p:spPr>
+            <a:xfrm>
+              <a:off x="15109956" y="23755534"/>
+              <a:ext cx="445475" cy="215444"/>
+            </a:xfrm>
+            <a:prstGeom prst="rect">
+              <a:avLst/>
+            </a:prstGeom>
+            <a:noFill/>
+          </p:spPr>
+          <p:txBody>
+            <a:bodyPr wrap="square" rtlCol="0">
+              <a:spAutoFit/>
+            </a:bodyPr>
+            <a:lstStyle/>
+            <a:p>
+              <a:r>
+                <a:rPr lang="en-US" sz="400" dirty="0" err="1"/>
+                <a:t>treeUserLoader</a:t>
+              </a:r>
+              <a:endParaRPr lang="en-US" sz="400" dirty="0"/>
+            </a:p>
+          </p:txBody>
+        </p:sp>
+        <p:sp>
+          <p:nvSpPr>
+            <p:cNvPr id="184" name="Diamond 183">
+              <a:extLst>
+                <a:ext uri="{FF2B5EF4-FFF2-40B4-BE49-F238E27FC236}">
+                  <a16:creationId xmlns:a16="http://schemas.microsoft.com/office/drawing/2014/main" id="{471C62E2-86E3-49D6-A64E-1DE793C36A6B}"/>
+                </a:ext>
+              </a:extLst>
+            </p:cNvPr>
+            <p:cNvSpPr/>
+            <p:nvPr/>
+          </p:nvSpPr>
+          <p:spPr>
+            <a:xfrm>
+              <a:off x="15439488" y="23795197"/>
+              <a:ext cx="89877" cy="75310"/>
+            </a:xfrm>
+            <a:prstGeom prst="diamond">
+              <a:avLst/>
+            </a:prstGeom>
+            <a:noFill/>
+          </p:spPr>
+          <p:style>
+            <a:lnRef idx="2">
+              <a:schemeClr val="accent1">
+                <a:shade val="50000"/>
+              </a:schemeClr>
+            </a:lnRef>
+            <a:fillRef idx="1">
+              <a:schemeClr val="accent1"/>
+            </a:fillRef>
+            <a:effectRef idx="0">
+              <a:schemeClr val="accent1"/>
+            </a:effectRef>
+            <a:fontRef idx="minor">
+              <a:schemeClr val="lt1"/>
+            </a:fontRef>
+          </p:style>
+          <p:txBody>
+            <a:bodyPr rtlCol="0" anchor="ctr"/>
+            <a:lstStyle/>
+            <a:p>
+              <a:pPr algn="ctr"/>
+              <a:endParaRPr lang="en-US"/>
+            </a:p>
+          </p:txBody>
+        </p:sp>
+      </p:grpSp>
+      <p:cxnSp>
+        <p:nvCxnSpPr>
+          <p:cNvPr id="187" name="Straight Arrow Connector 186">
+            <a:extLst>
+              <a:ext uri="{FF2B5EF4-FFF2-40B4-BE49-F238E27FC236}">
+                <a16:creationId xmlns:a16="http://schemas.microsoft.com/office/drawing/2014/main" id="{8E156FA5-CEC4-4B85-BD4A-5A054F63C03F}"/>
+              </a:ext>
+            </a:extLst>
+          </p:cNvPr>
+          <p:cNvCxnSpPr>
+            <a:stCxn id="184" idx="3"/>
+            <a:endCxn id="180" idx="1"/>
+          </p:cNvCxnSpPr>
+          <p:nvPr/>
+        </p:nvCxnSpPr>
+        <p:spPr>
+          <a:xfrm>
+            <a:off x="15541773" y="24670837"/>
+            <a:ext cx="989884" cy="36300"/>
+          </a:xfrm>
+          <a:prstGeom prst="straightConnector1">
+            <a:avLst/>
+          </a:prstGeom>
+          <a:ln>
+            <a:solidFill>
+              <a:srgbClr val="92D050"/>
+            </a:solidFill>
+            <a:tailEnd type="triangle"/>
+          </a:ln>
+        </p:spPr>
+        <p:style>
+          <a:lnRef idx="1">
+            <a:schemeClr val="accent1"/>
+          </a:lnRef>
+          <a:fillRef idx="0">
+            <a:schemeClr val="accent1"/>
+          </a:fillRef>
+          <a:effectRef idx="0">
+            <a:schemeClr val="accent1"/>
+          </a:effectRef>
+          <a:fontRef idx="minor">
+            <a:schemeClr val="tx1"/>
+          </a:fontRef>
+        </p:style>
+      </p:cxnSp>
+      <p:sp>
+        <p:nvSpPr>
+          <p:cNvPr id="188" name="TextBox 187">
+            <a:extLst>
+              <a:ext uri="{FF2B5EF4-FFF2-40B4-BE49-F238E27FC236}">
+                <a16:creationId xmlns:a16="http://schemas.microsoft.com/office/drawing/2014/main" id="{45425462-5BCA-454D-A140-D0EABF7488BB}"/>
+              </a:ext>
+            </a:extLst>
+          </p:cNvPr>
+          <p:cNvSpPr txBox="1"/>
+          <p:nvPr/>
+        </p:nvSpPr>
+        <p:spPr>
+          <a:xfrm>
+            <a:off x="16534284" y="24887613"/>
+            <a:ext cx="559474" cy="400110"/>
+          </a:xfrm>
+          <a:prstGeom prst="rect">
+            <a:avLst/>
+          </a:prstGeom>
+          <a:noFill/>
+        </p:spPr>
+        <p:txBody>
+          <a:bodyPr wrap="square" rtlCol="0">
+            <a:spAutoFit/>
+          </a:bodyPr>
+          <a:lstStyle/>
+          <a:p>
+            <a:r>
+              <a:rPr lang="en-US" sz="400" dirty="0" err="1"/>
+              <a:t>contentStoreSource</a:t>
+            </a:r>
+            <a:endParaRPr lang="en-US" sz="400" dirty="0"/>
+          </a:p>
+          <a:p>
+            <a:r>
+              <a:rPr lang="en-US" sz="400" dirty="0"/>
+              <a:t>+get</a:t>
+            </a:r>
+          </a:p>
+          <a:p>
+            <a:r>
+              <a:rPr lang="en-US" sz="400" dirty="0"/>
+              <a:t>+set</a:t>
+            </a:r>
+          </a:p>
+          <a:p>
+            <a:r>
+              <a:rPr lang="en-US" sz="400" dirty="0"/>
+              <a:t>+</a:t>
+            </a:r>
+            <a:r>
+              <a:rPr lang="en-US" sz="400" dirty="0" err="1"/>
+              <a:t>onUpdate</a:t>
+            </a:r>
+            <a:endParaRPr lang="en-US" sz="400" dirty="0"/>
+          </a:p>
+        </p:txBody>
+      </p:sp>
+      <p:grpSp>
+        <p:nvGrpSpPr>
+          <p:cNvPr id="192" name="Group 191">
+            <a:extLst>
+              <a:ext uri="{FF2B5EF4-FFF2-40B4-BE49-F238E27FC236}">
+                <a16:creationId xmlns:a16="http://schemas.microsoft.com/office/drawing/2014/main" id="{C0A91313-A22B-45F8-AB7A-AD295C653EC9}"/>
+              </a:ext>
+            </a:extLst>
+          </p:cNvPr>
+          <p:cNvGrpSpPr/>
+          <p:nvPr/>
+        </p:nvGrpSpPr>
+        <p:grpSpPr>
+          <a:xfrm>
+            <a:off x="15124991" y="24974050"/>
+            <a:ext cx="445475" cy="215444"/>
+            <a:chOff x="15109956" y="23755534"/>
+            <a:chExt cx="445475" cy="215444"/>
+          </a:xfrm>
+        </p:grpSpPr>
+        <p:sp>
+          <p:nvSpPr>
+            <p:cNvPr id="193" name="TextBox 192">
+              <a:extLst>
+                <a:ext uri="{FF2B5EF4-FFF2-40B4-BE49-F238E27FC236}">
+                  <a16:creationId xmlns:a16="http://schemas.microsoft.com/office/drawing/2014/main" id="{1D8C55FA-B211-48F5-AC9B-B7E8CA93A7A2}"/>
+                </a:ext>
+              </a:extLst>
+            </p:cNvPr>
+            <p:cNvSpPr txBox="1"/>
+            <p:nvPr/>
+          </p:nvSpPr>
+          <p:spPr>
+            <a:xfrm>
+              <a:off x="15109956" y="23755534"/>
+              <a:ext cx="445475" cy="215444"/>
+            </a:xfrm>
+            <a:prstGeom prst="rect">
+              <a:avLst/>
+            </a:prstGeom>
+            <a:noFill/>
+          </p:spPr>
+          <p:txBody>
+            <a:bodyPr wrap="square" rtlCol="0">
+              <a:spAutoFit/>
+            </a:bodyPr>
+            <a:lstStyle/>
+            <a:p>
+              <a:r>
+                <a:rPr lang="en-US" sz="400" dirty="0" err="1"/>
+                <a:t>contentLoader</a:t>
+              </a:r>
+              <a:endParaRPr lang="en-US" sz="400" dirty="0"/>
+            </a:p>
+          </p:txBody>
+        </p:sp>
+        <p:sp>
+          <p:nvSpPr>
+            <p:cNvPr id="194" name="Diamond 193">
+              <a:extLst>
+                <a:ext uri="{FF2B5EF4-FFF2-40B4-BE49-F238E27FC236}">
+                  <a16:creationId xmlns:a16="http://schemas.microsoft.com/office/drawing/2014/main" id="{72932DCA-59FE-4FF3-89FA-7365EF56E8F4}"/>
+                </a:ext>
+              </a:extLst>
+            </p:cNvPr>
+            <p:cNvSpPr/>
+            <p:nvPr/>
+          </p:nvSpPr>
+          <p:spPr>
+            <a:xfrm>
+              <a:off x="15439488" y="23795197"/>
+              <a:ext cx="89877" cy="75310"/>
+            </a:xfrm>
+            <a:prstGeom prst="diamond">
+              <a:avLst/>
+            </a:prstGeom>
+            <a:noFill/>
+          </p:spPr>
+          <p:style>
+            <a:lnRef idx="2">
+              <a:schemeClr val="accent1">
+                <a:shade val="50000"/>
+              </a:schemeClr>
+            </a:lnRef>
+            <a:fillRef idx="1">
+              <a:schemeClr val="accent1"/>
+            </a:fillRef>
+            <a:effectRef idx="0">
+              <a:schemeClr val="accent1"/>
+            </a:effectRef>
+            <a:fontRef idx="minor">
+              <a:schemeClr val="lt1"/>
+            </a:fontRef>
+          </p:style>
+          <p:txBody>
+            <a:bodyPr rtlCol="0" anchor="ctr"/>
+            <a:lstStyle/>
+            <a:p>
+              <a:pPr algn="ctr"/>
+              <a:endParaRPr lang="en-US"/>
+            </a:p>
+          </p:txBody>
+        </p:sp>
+      </p:grpSp>
+      <p:cxnSp>
+        <p:nvCxnSpPr>
+          <p:cNvPr id="195" name="Straight Arrow Connector 194">
+            <a:extLst>
+              <a:ext uri="{FF2B5EF4-FFF2-40B4-BE49-F238E27FC236}">
+                <a16:creationId xmlns:a16="http://schemas.microsoft.com/office/drawing/2014/main" id="{D1D6C0AE-0AE8-4A25-B659-2F792880CC60}"/>
+              </a:ext>
+            </a:extLst>
+          </p:cNvPr>
+          <p:cNvCxnSpPr>
+            <a:stCxn id="194" idx="3"/>
+            <a:endCxn id="188" idx="1"/>
+          </p:cNvCxnSpPr>
+          <p:nvPr/>
+        </p:nvCxnSpPr>
+        <p:spPr>
+          <a:xfrm>
+            <a:off x="15544400" y="25051368"/>
+            <a:ext cx="989884" cy="36300"/>
+          </a:xfrm>
+          <a:prstGeom prst="straightConnector1">
+            <a:avLst/>
+          </a:prstGeom>
+          <a:ln>
+            <a:solidFill>
+              <a:srgbClr val="92D050"/>
+            </a:solidFill>
+            <a:tailEnd type="triangle"/>
+          </a:ln>
+        </p:spPr>
+        <p:style>
+          <a:lnRef idx="1">
+            <a:schemeClr val="accent1"/>
+          </a:lnRef>
+          <a:fillRef idx="0">
+            <a:schemeClr val="accent1"/>
+          </a:fillRef>
+          <a:effectRef idx="0">
+            <a:schemeClr val="accent1"/>
+          </a:effectRef>
+          <a:fontRef idx="minor">
+            <a:schemeClr val="tx1"/>
+          </a:fontRef>
+        </p:style>
+      </p:cxnSp>
+      <p:sp>
+        <p:nvSpPr>
+          <p:cNvPr id="196" name="TextBox 195">
+            <a:extLst>
+              <a:ext uri="{FF2B5EF4-FFF2-40B4-BE49-F238E27FC236}">
+                <a16:creationId xmlns:a16="http://schemas.microsoft.com/office/drawing/2014/main" id="{A7787E65-3C50-4693-92FD-9047823F7F99}"/>
+              </a:ext>
+            </a:extLst>
+          </p:cNvPr>
+          <p:cNvSpPr txBox="1"/>
+          <p:nvPr/>
+        </p:nvSpPr>
+        <p:spPr>
+          <a:xfrm>
+            <a:off x="16531657" y="25239314"/>
+            <a:ext cx="559474" cy="400110"/>
+          </a:xfrm>
+          <a:prstGeom prst="rect">
+            <a:avLst/>
+          </a:prstGeom>
+          <a:noFill/>
+        </p:spPr>
+        <p:txBody>
+          <a:bodyPr wrap="square" rtlCol="0">
+            <a:spAutoFit/>
+          </a:bodyPr>
+          <a:lstStyle/>
+          <a:p>
+            <a:r>
+              <a:rPr lang="en-US" sz="400" dirty="0" err="1"/>
+              <a:t>contentUserStoreSource</a:t>
+            </a:r>
+            <a:endParaRPr lang="en-US" sz="400" dirty="0"/>
+          </a:p>
+          <a:p>
+            <a:r>
+              <a:rPr lang="en-US" sz="400" dirty="0"/>
+              <a:t>+get</a:t>
+            </a:r>
+          </a:p>
+          <a:p>
+            <a:r>
+              <a:rPr lang="en-US" sz="400" dirty="0"/>
+              <a:t>+set</a:t>
+            </a:r>
+          </a:p>
+          <a:p>
+            <a:r>
+              <a:rPr lang="en-US" sz="400" dirty="0"/>
+              <a:t>+</a:t>
+            </a:r>
+            <a:r>
+              <a:rPr lang="en-US" sz="400" dirty="0" err="1"/>
+              <a:t>onUpdate</a:t>
+            </a:r>
+            <a:endParaRPr lang="en-US" sz="400" dirty="0"/>
+          </a:p>
+        </p:txBody>
+      </p:sp>
+      <p:grpSp>
+        <p:nvGrpSpPr>
+          <p:cNvPr id="198" name="Group 197">
+            <a:extLst>
+              <a:ext uri="{FF2B5EF4-FFF2-40B4-BE49-F238E27FC236}">
+                <a16:creationId xmlns:a16="http://schemas.microsoft.com/office/drawing/2014/main" id="{F3DF39D0-F6D1-4599-9F23-E304EEF0852D}"/>
+              </a:ext>
+            </a:extLst>
+          </p:cNvPr>
+          <p:cNvGrpSpPr/>
+          <p:nvPr/>
+        </p:nvGrpSpPr>
+        <p:grpSpPr>
+          <a:xfrm>
+            <a:off x="15122364" y="25325751"/>
+            <a:ext cx="445475" cy="215444"/>
+            <a:chOff x="15109956" y="23755534"/>
+            <a:chExt cx="445475" cy="215444"/>
+          </a:xfrm>
+        </p:grpSpPr>
+        <p:sp>
+          <p:nvSpPr>
+            <p:cNvPr id="199" name="TextBox 198">
+              <a:extLst>
+                <a:ext uri="{FF2B5EF4-FFF2-40B4-BE49-F238E27FC236}">
+                  <a16:creationId xmlns:a16="http://schemas.microsoft.com/office/drawing/2014/main" id="{43824724-46E6-4E3B-BA97-1F3270B36C6B}"/>
+                </a:ext>
+              </a:extLst>
+            </p:cNvPr>
+            <p:cNvSpPr txBox="1"/>
+            <p:nvPr/>
+          </p:nvSpPr>
+          <p:spPr>
+            <a:xfrm>
+              <a:off x="15109956" y="23755534"/>
+              <a:ext cx="445475" cy="215444"/>
+            </a:xfrm>
+            <a:prstGeom prst="rect">
+              <a:avLst/>
+            </a:prstGeom>
+            <a:noFill/>
+          </p:spPr>
+          <p:txBody>
+            <a:bodyPr wrap="square" rtlCol="0">
+              <a:spAutoFit/>
+            </a:bodyPr>
+            <a:lstStyle/>
+            <a:p>
+              <a:r>
+                <a:rPr lang="en-US" sz="400" dirty="0" err="1"/>
+                <a:t>contentUserLoader</a:t>
+              </a:r>
+              <a:endParaRPr lang="en-US" sz="400" dirty="0"/>
+            </a:p>
+          </p:txBody>
+        </p:sp>
+        <p:sp>
+          <p:nvSpPr>
+            <p:cNvPr id="200" name="Diamond 199">
+              <a:extLst>
+                <a:ext uri="{FF2B5EF4-FFF2-40B4-BE49-F238E27FC236}">
+                  <a16:creationId xmlns:a16="http://schemas.microsoft.com/office/drawing/2014/main" id="{DA098A43-649C-4F30-B9DC-5F70597AC0C2}"/>
+                </a:ext>
+              </a:extLst>
+            </p:cNvPr>
+            <p:cNvSpPr/>
+            <p:nvPr/>
+          </p:nvSpPr>
+          <p:spPr>
+            <a:xfrm>
+              <a:off x="15439488" y="23795197"/>
+              <a:ext cx="89877" cy="75310"/>
+            </a:xfrm>
+            <a:prstGeom prst="diamond">
+              <a:avLst/>
+            </a:prstGeom>
+            <a:noFill/>
+          </p:spPr>
+          <p:style>
+            <a:lnRef idx="2">
+              <a:schemeClr val="accent1">
+                <a:shade val="50000"/>
+              </a:schemeClr>
+            </a:lnRef>
+            <a:fillRef idx="1">
+              <a:schemeClr val="accent1"/>
+            </a:fillRef>
+            <a:effectRef idx="0">
+              <a:schemeClr val="accent1"/>
+            </a:effectRef>
+            <a:fontRef idx="minor">
+              <a:schemeClr val="lt1"/>
+            </a:fontRef>
+          </p:style>
+          <p:txBody>
+            <a:bodyPr rtlCol="0" anchor="ctr"/>
+            <a:lstStyle/>
+            <a:p>
+              <a:pPr algn="ctr"/>
+              <a:endParaRPr lang="en-US"/>
+            </a:p>
+          </p:txBody>
+        </p:sp>
+      </p:grpSp>
+      <p:cxnSp>
+        <p:nvCxnSpPr>
+          <p:cNvPr id="201" name="Straight Arrow Connector 200">
+            <a:extLst>
+              <a:ext uri="{FF2B5EF4-FFF2-40B4-BE49-F238E27FC236}">
+                <a16:creationId xmlns:a16="http://schemas.microsoft.com/office/drawing/2014/main" id="{D8E45B57-CF3D-4CA0-9EB8-82479B2041DA}"/>
+              </a:ext>
+            </a:extLst>
+          </p:cNvPr>
+          <p:cNvCxnSpPr>
+            <a:stCxn id="200" idx="3"/>
+            <a:endCxn id="196" idx="1"/>
+          </p:cNvCxnSpPr>
+          <p:nvPr/>
+        </p:nvCxnSpPr>
+        <p:spPr>
+          <a:xfrm>
+            <a:off x="15541773" y="25403069"/>
+            <a:ext cx="989884" cy="36300"/>
+          </a:xfrm>
+          <a:prstGeom prst="straightConnector1">
+            <a:avLst/>
+          </a:prstGeom>
+          <a:ln>
+            <a:solidFill>
+              <a:srgbClr val="92D050"/>
+            </a:solidFill>
+            <a:tailEnd type="triangle"/>
+          </a:ln>
+        </p:spPr>
+        <p:style>
+          <a:lnRef idx="1">
+            <a:schemeClr val="accent1"/>
+          </a:lnRef>
+          <a:fillRef idx="0">
+            <a:schemeClr val="accent1"/>
+          </a:fillRef>
+          <a:effectRef idx="0">
+            <a:schemeClr val="accent1"/>
+          </a:effectRef>
+          <a:fontRef idx="minor">
+            <a:schemeClr val="tx1"/>
+          </a:fontRef>
+        </p:style>
+      </p:cxnSp>
+      <p:cxnSp>
+        <p:nvCxnSpPr>
+          <p:cNvPr id="202" name="Straight Arrow Connector 201">
+            <a:extLst>
+              <a:ext uri="{FF2B5EF4-FFF2-40B4-BE49-F238E27FC236}">
+                <a16:creationId xmlns:a16="http://schemas.microsoft.com/office/drawing/2014/main" id="{804C5D53-35F7-4A68-8D5F-E50E87FC6214}"/>
+              </a:ext>
+            </a:extLst>
+          </p:cNvPr>
+          <p:cNvCxnSpPr>
+            <a:cxnSpLocks/>
+            <a:stCxn id="175" idx="0"/>
+            <a:endCxn id="162" idx="2"/>
+          </p:cNvCxnSpPr>
+          <p:nvPr/>
+        </p:nvCxnSpPr>
+        <p:spPr>
+          <a:xfrm flipV="1">
+            <a:off x="16811394" y="20994970"/>
+            <a:ext cx="1180759" cy="3110670"/>
+          </a:xfrm>
+          <a:prstGeom prst="straightConnector1">
+            <a:avLst/>
+          </a:prstGeom>
+          <a:ln>
+            <a:solidFill>
+              <a:srgbClr val="92D050"/>
+            </a:solidFill>
+            <a:prstDash val="sysDash"/>
+            <a:tailEnd type="triangle"/>
+          </a:ln>
+        </p:spPr>
+        <p:style>
+          <a:lnRef idx="1">
+            <a:schemeClr val="accent1"/>
+          </a:lnRef>
+          <a:fillRef idx="0">
+            <a:schemeClr val="accent1"/>
+          </a:fillRef>
+          <a:effectRef idx="0">
+            <a:schemeClr val="accent1"/>
+          </a:effectRef>
+          <a:fontRef idx="minor">
+            <a:schemeClr val="tx1"/>
+          </a:fontRef>
+        </p:style>
+      </p:cxnSp>
+      <p:cxnSp>
+        <p:nvCxnSpPr>
+          <p:cNvPr id="203" name="Straight Arrow Connector 202">
+            <a:extLst>
+              <a:ext uri="{FF2B5EF4-FFF2-40B4-BE49-F238E27FC236}">
+                <a16:creationId xmlns:a16="http://schemas.microsoft.com/office/drawing/2014/main" id="{FBB2AD50-D3D0-4013-9BBF-E0213889474E}"/>
+              </a:ext>
+            </a:extLst>
+          </p:cNvPr>
+          <p:cNvCxnSpPr>
+            <a:cxnSpLocks/>
+            <a:stCxn id="175" idx="2"/>
+            <a:endCxn id="162" idx="2"/>
+          </p:cNvCxnSpPr>
+          <p:nvPr/>
+        </p:nvCxnSpPr>
+        <p:spPr>
+          <a:xfrm flipV="1">
+            <a:off x="16811394" y="20994970"/>
+            <a:ext cx="1180759" cy="3510780"/>
+          </a:xfrm>
+          <a:prstGeom prst="straightConnector1">
+            <a:avLst/>
+          </a:prstGeom>
+          <a:ln>
+            <a:solidFill>
+              <a:srgbClr val="92D050"/>
+            </a:solidFill>
+            <a:prstDash val="sysDash"/>
+            <a:tailEnd type="triangle"/>
+          </a:ln>
+        </p:spPr>
+        <p:style>
+          <a:lnRef idx="1">
+            <a:schemeClr val="accent1"/>
+          </a:lnRef>
+          <a:fillRef idx="0">
+            <a:schemeClr val="accent1"/>
+          </a:fillRef>
+          <a:effectRef idx="0">
+            <a:schemeClr val="accent1"/>
+          </a:effectRef>
+          <a:fontRef idx="minor">
+            <a:schemeClr val="tx1"/>
+          </a:fontRef>
+        </p:style>
+      </p:cxnSp>
+      <p:cxnSp>
+        <p:nvCxnSpPr>
+          <p:cNvPr id="204" name="Straight Arrow Connector 203">
+            <a:extLst>
+              <a:ext uri="{FF2B5EF4-FFF2-40B4-BE49-F238E27FC236}">
+                <a16:creationId xmlns:a16="http://schemas.microsoft.com/office/drawing/2014/main" id="{9893CBA4-68AB-4080-ABD7-61F2CEF1D633}"/>
+              </a:ext>
+            </a:extLst>
+          </p:cNvPr>
+          <p:cNvCxnSpPr>
+            <a:cxnSpLocks/>
+            <a:stCxn id="180" idx="2"/>
+            <a:endCxn id="162" idx="2"/>
+          </p:cNvCxnSpPr>
+          <p:nvPr/>
+        </p:nvCxnSpPr>
+        <p:spPr>
+          <a:xfrm flipV="1">
+            <a:off x="16811394" y="20994970"/>
+            <a:ext cx="1180759" cy="3912222"/>
+          </a:xfrm>
+          <a:prstGeom prst="straightConnector1">
+            <a:avLst/>
+          </a:prstGeom>
+          <a:ln>
+            <a:solidFill>
+              <a:srgbClr val="92D050"/>
+            </a:solidFill>
+            <a:prstDash val="sysDash"/>
+            <a:tailEnd type="triangle"/>
+          </a:ln>
+        </p:spPr>
+        <p:style>
+          <a:lnRef idx="1">
+            <a:schemeClr val="accent1"/>
+          </a:lnRef>
+          <a:fillRef idx="0">
+            <a:schemeClr val="accent1"/>
+          </a:fillRef>
+          <a:effectRef idx="0">
+            <a:schemeClr val="accent1"/>
+          </a:effectRef>
+          <a:fontRef idx="minor">
+            <a:schemeClr val="tx1"/>
+          </a:fontRef>
+        </p:style>
+      </p:cxnSp>
+      <p:cxnSp>
+        <p:nvCxnSpPr>
+          <p:cNvPr id="208" name="Straight Arrow Connector 207">
+            <a:extLst>
+              <a:ext uri="{FF2B5EF4-FFF2-40B4-BE49-F238E27FC236}">
+                <a16:creationId xmlns:a16="http://schemas.microsoft.com/office/drawing/2014/main" id="{9E7E2F23-F339-48CC-866F-74855F972A33}"/>
+              </a:ext>
+            </a:extLst>
+          </p:cNvPr>
+          <p:cNvCxnSpPr>
+            <a:cxnSpLocks/>
+            <a:stCxn id="196" idx="0"/>
+            <a:endCxn id="162" idx="2"/>
+          </p:cNvCxnSpPr>
+          <p:nvPr/>
+        </p:nvCxnSpPr>
+        <p:spPr>
+          <a:xfrm flipV="1">
+            <a:off x="16811394" y="20994970"/>
+            <a:ext cx="1180759" cy="4244344"/>
+          </a:xfrm>
+          <a:prstGeom prst="straightConnector1">
+            <a:avLst/>
+          </a:prstGeom>
+          <a:ln>
+            <a:solidFill>
+              <a:srgbClr val="92D050"/>
+            </a:solidFill>
+            <a:prstDash val="sysDash"/>
+            <a:tailEnd type="triangle"/>
+          </a:ln>
+        </p:spPr>
+        <p:style>
+          <a:lnRef idx="1">
+            <a:schemeClr val="accent1"/>
+          </a:lnRef>
+          <a:fillRef idx="0">
+            <a:schemeClr val="accent1"/>
+          </a:fillRef>
+          <a:effectRef idx="0">
+            <a:schemeClr val="accent1"/>
+          </a:effectRef>
+          <a:fontRef idx="minor">
+            <a:schemeClr val="tx1"/>
+          </a:fontRef>
+        </p:style>
+      </p:cxnSp>
+      <p:cxnSp>
+        <p:nvCxnSpPr>
+          <p:cNvPr id="209" name="Straight Arrow Connector 208">
+            <a:extLst>
+              <a:ext uri="{FF2B5EF4-FFF2-40B4-BE49-F238E27FC236}">
+                <a16:creationId xmlns:a16="http://schemas.microsoft.com/office/drawing/2014/main" id="{30717162-9F92-4FA4-B14F-E3EB3DB2971E}"/>
+              </a:ext>
+            </a:extLst>
+          </p:cNvPr>
+          <p:cNvCxnSpPr>
+            <a:cxnSpLocks/>
+            <a:stCxn id="12" idx="1"/>
+            <a:endCxn id="7" idx="3"/>
+          </p:cNvCxnSpPr>
+          <p:nvPr/>
+        </p:nvCxnSpPr>
+        <p:spPr>
+          <a:xfrm flipH="1" flipV="1">
+            <a:off x="17091131" y="23839936"/>
+            <a:ext cx="2144754" cy="250894"/>
+          </a:xfrm>
+          <a:prstGeom prst="straightConnector1">
+            <a:avLst/>
+          </a:prstGeom>
+          <a:ln w="28575">
+            <a:solidFill>
+              <a:srgbClr val="92D050"/>
+            </a:solidFill>
+            <a:tailEnd type="triangle"/>
+          </a:ln>
+        </p:spPr>
+        <p:style>
+          <a:lnRef idx="1">
+            <a:schemeClr val="accent1"/>
+          </a:lnRef>
+          <a:fillRef idx="0">
+            <a:schemeClr val="accent1"/>
+          </a:fillRef>
+          <a:effectRef idx="0">
+            <a:schemeClr val="accent1"/>
+          </a:effectRef>
+          <a:fontRef idx="minor">
+            <a:schemeClr val="tx1"/>
+          </a:fontRef>
+        </p:style>
+      </p:cxnSp>
+      <p:sp>
+        <p:nvSpPr>
+          <p:cNvPr id="270" name="TextBox 269">
+            <a:extLst>
+              <a:ext uri="{FF2B5EF4-FFF2-40B4-BE49-F238E27FC236}">
+                <a16:creationId xmlns:a16="http://schemas.microsoft.com/office/drawing/2014/main" id="{D32D0AE4-FF6E-445F-AE36-0296BD20F534}"/>
+              </a:ext>
+            </a:extLst>
+          </p:cNvPr>
+          <p:cNvSpPr txBox="1"/>
+          <p:nvPr/>
+        </p:nvSpPr>
+        <p:spPr>
+          <a:xfrm>
+            <a:off x="17290575" y="24401949"/>
+            <a:ext cx="876850" cy="276999"/>
+          </a:xfrm>
+          <a:prstGeom prst="rect">
+            <a:avLst/>
+          </a:prstGeom>
+          <a:noFill/>
+        </p:spPr>
+        <p:txBody>
+          <a:bodyPr wrap="square" rtlCol="0">
+            <a:spAutoFit/>
+          </a:bodyPr>
+          <a:lstStyle/>
+          <a:p>
+            <a:r>
+              <a:rPr lang="en-US" sz="1200" dirty="0">
+                <a:solidFill>
+                  <a:srgbClr val="00B0F0"/>
+                </a:solidFill>
+              </a:rPr>
+              <a:t>Creations</a:t>
+            </a:r>
+          </a:p>
+        </p:txBody>
+      </p:sp>
+      <p:cxnSp>
+        <p:nvCxnSpPr>
+          <p:cNvPr id="271" name="Straight Arrow Connector 270">
+            <a:extLst>
+              <a:ext uri="{FF2B5EF4-FFF2-40B4-BE49-F238E27FC236}">
+                <a16:creationId xmlns:a16="http://schemas.microsoft.com/office/drawing/2014/main" id="{DDD5D98D-1103-48D7-BED2-F066CDB9B690}"/>
+              </a:ext>
+            </a:extLst>
+          </p:cNvPr>
+          <p:cNvCxnSpPr>
+            <a:cxnSpLocks/>
+          </p:cNvCxnSpPr>
+          <p:nvPr/>
+        </p:nvCxnSpPr>
+        <p:spPr>
+          <a:xfrm flipV="1">
+            <a:off x="19213479" y="19752819"/>
+            <a:ext cx="14800" cy="940609"/>
+          </a:xfrm>
+          <a:prstGeom prst="straightConnector1">
+            <a:avLst/>
+          </a:prstGeom>
+          <a:ln>
+            <a:solidFill>
+              <a:srgbClr val="00B050"/>
+            </a:solidFill>
+            <a:prstDash val="sysDash"/>
+            <a:tailEnd type="triangle"/>
+          </a:ln>
+        </p:spPr>
+        <p:style>
+          <a:lnRef idx="1">
+            <a:schemeClr val="accent1"/>
+          </a:lnRef>
+          <a:fillRef idx="0">
+            <a:schemeClr val="accent1"/>
+          </a:fillRef>
+          <a:effectRef idx="0">
+            <a:schemeClr val="accent1"/>
+          </a:effectRef>
+          <a:fontRef idx="minor">
+            <a:schemeClr val="tx1"/>
+          </a:fontRef>
+        </p:style>
+      </p:cxnSp>
     </p:spTree>
     <p:extLst>
       <p:ext uri="{BB962C8B-B14F-4D97-AF65-F5344CB8AC3E}">

--- a/docs/architecture.pptx
+++ b/docs/architecture.pptx
@@ -262,7 +262,7 @@
           <a:p>
             <a:fld id="{0A05F3B5-6F50-4323-80C0-955EB0110BAC}" type="datetimeFigureOut">
               <a:rPr lang="en-US" smtClean="0"/>
-              <a:t>12/10/2017</a:t>
+              <a:t>12/11/2017</a:t>
             </a:fld>
             <a:endParaRPr lang="en-US"/>
           </a:p>
@@ -432,7 +432,7 @@
           <a:p>
             <a:fld id="{0A05F3B5-6F50-4323-80C0-955EB0110BAC}" type="datetimeFigureOut">
               <a:rPr lang="en-US" smtClean="0"/>
-              <a:t>12/10/2017</a:t>
+              <a:t>12/11/2017</a:t>
             </a:fld>
             <a:endParaRPr lang="en-US"/>
           </a:p>
@@ -612,7 +612,7 @@
           <a:p>
             <a:fld id="{0A05F3B5-6F50-4323-80C0-955EB0110BAC}" type="datetimeFigureOut">
               <a:rPr lang="en-US" smtClean="0"/>
-              <a:t>12/10/2017</a:t>
+              <a:t>12/11/2017</a:t>
             </a:fld>
             <a:endParaRPr lang="en-US"/>
           </a:p>
@@ -782,7 +782,7 @@
           <a:p>
             <a:fld id="{0A05F3B5-6F50-4323-80C0-955EB0110BAC}" type="datetimeFigureOut">
               <a:rPr lang="en-US" smtClean="0"/>
-              <a:t>12/10/2017</a:t>
+              <a:t>12/11/2017</a:t>
             </a:fld>
             <a:endParaRPr lang="en-US"/>
           </a:p>
@@ -1026,7 +1026,7 @@
           <a:p>
             <a:fld id="{0A05F3B5-6F50-4323-80C0-955EB0110BAC}" type="datetimeFigureOut">
               <a:rPr lang="en-US" smtClean="0"/>
-              <a:t>12/10/2017</a:t>
+              <a:t>12/11/2017</a:t>
             </a:fld>
             <a:endParaRPr lang="en-US"/>
           </a:p>
@@ -1258,7 +1258,7 @@
           <a:p>
             <a:fld id="{0A05F3B5-6F50-4323-80C0-955EB0110BAC}" type="datetimeFigureOut">
               <a:rPr lang="en-US" smtClean="0"/>
-              <a:t>12/10/2017</a:t>
+              <a:t>12/11/2017</a:t>
             </a:fld>
             <a:endParaRPr lang="en-US"/>
           </a:p>
@@ -1625,7 +1625,7 @@
           <a:p>
             <a:fld id="{0A05F3B5-6F50-4323-80C0-955EB0110BAC}" type="datetimeFigureOut">
               <a:rPr lang="en-US" smtClean="0"/>
-              <a:t>12/10/2017</a:t>
+              <a:t>12/11/2017</a:t>
             </a:fld>
             <a:endParaRPr lang="en-US"/>
           </a:p>
@@ -1743,7 +1743,7 @@
           <a:p>
             <a:fld id="{0A05F3B5-6F50-4323-80C0-955EB0110BAC}" type="datetimeFigureOut">
               <a:rPr lang="en-US" smtClean="0"/>
-              <a:t>12/10/2017</a:t>
+              <a:t>12/11/2017</a:t>
             </a:fld>
             <a:endParaRPr lang="en-US"/>
           </a:p>
@@ -1838,7 +1838,7 @@
           <a:p>
             <a:fld id="{0A05F3B5-6F50-4323-80C0-955EB0110BAC}" type="datetimeFigureOut">
               <a:rPr lang="en-US" smtClean="0"/>
-              <a:t>12/10/2017</a:t>
+              <a:t>12/11/2017</a:t>
             </a:fld>
             <a:endParaRPr lang="en-US"/>
           </a:p>
@@ -2115,7 +2115,7 @@
           <a:p>
             <a:fld id="{0A05F3B5-6F50-4323-80C0-955EB0110BAC}" type="datetimeFigureOut">
               <a:rPr lang="en-US" smtClean="0"/>
-              <a:t>12/10/2017</a:t>
+              <a:t>12/11/2017</a:t>
             </a:fld>
             <a:endParaRPr lang="en-US"/>
           </a:p>
@@ -2372,7 +2372,7 @@
           <a:p>
             <a:fld id="{0A05F3B5-6F50-4323-80C0-955EB0110BAC}" type="datetimeFigureOut">
               <a:rPr lang="en-US" smtClean="0"/>
-              <a:t>12/10/2017</a:t>
+              <a:t>12/11/2017</a:t>
             </a:fld>
             <a:endParaRPr lang="en-US"/>
           </a:p>
@@ -2585,7 +2585,7 @@
           <a:p>
             <a:fld id="{0A05F3B5-6F50-4323-80C0-955EB0110BAC}" type="datetimeFigureOut">
               <a:rPr lang="en-US" smtClean="0"/>
-              <a:t>12/10/2017</a:t>
+              <a:t>12/11/2017</a:t>
             </a:fld>
             <a:endParaRPr lang="en-US"/>
           </a:p>

--- a/docs/architecture.pptx
+++ b/docs/architecture.pptx
@@ -262,7 +262,7 @@
           <a:p>
             <a:fld id="{0A05F3B5-6F50-4323-80C0-955EB0110BAC}" type="datetimeFigureOut">
               <a:rPr lang="en-US" smtClean="0"/>
-              <a:t>12/11/2017</a:t>
+              <a:t>12/12/2017</a:t>
             </a:fld>
             <a:endParaRPr lang="en-US"/>
           </a:p>
@@ -432,7 +432,7 @@
           <a:p>
             <a:fld id="{0A05F3B5-6F50-4323-80C0-955EB0110BAC}" type="datetimeFigureOut">
               <a:rPr lang="en-US" smtClean="0"/>
-              <a:t>12/11/2017</a:t>
+              <a:t>12/12/2017</a:t>
             </a:fld>
             <a:endParaRPr lang="en-US"/>
           </a:p>
@@ -612,7 +612,7 @@
           <a:p>
             <a:fld id="{0A05F3B5-6F50-4323-80C0-955EB0110BAC}" type="datetimeFigureOut">
               <a:rPr lang="en-US" smtClean="0"/>
-              <a:t>12/11/2017</a:t>
+              <a:t>12/12/2017</a:t>
             </a:fld>
             <a:endParaRPr lang="en-US"/>
           </a:p>
@@ -782,7 +782,7 @@
           <a:p>
             <a:fld id="{0A05F3B5-6F50-4323-80C0-955EB0110BAC}" type="datetimeFigureOut">
               <a:rPr lang="en-US" smtClean="0"/>
-              <a:t>12/11/2017</a:t>
+              <a:t>12/12/2017</a:t>
             </a:fld>
             <a:endParaRPr lang="en-US"/>
           </a:p>
@@ -1026,7 +1026,7 @@
           <a:p>
             <a:fld id="{0A05F3B5-6F50-4323-80C0-955EB0110BAC}" type="datetimeFigureOut">
               <a:rPr lang="en-US" smtClean="0"/>
-              <a:t>12/11/2017</a:t>
+              <a:t>12/12/2017</a:t>
             </a:fld>
             <a:endParaRPr lang="en-US"/>
           </a:p>
@@ -1258,7 +1258,7 @@
           <a:p>
             <a:fld id="{0A05F3B5-6F50-4323-80C0-955EB0110BAC}" type="datetimeFigureOut">
               <a:rPr lang="en-US" smtClean="0"/>
-              <a:t>12/11/2017</a:t>
+              <a:t>12/12/2017</a:t>
             </a:fld>
             <a:endParaRPr lang="en-US"/>
           </a:p>
@@ -1625,7 +1625,7 @@
           <a:p>
             <a:fld id="{0A05F3B5-6F50-4323-80C0-955EB0110BAC}" type="datetimeFigureOut">
               <a:rPr lang="en-US" smtClean="0"/>
-              <a:t>12/11/2017</a:t>
+              <a:t>12/12/2017</a:t>
             </a:fld>
             <a:endParaRPr lang="en-US"/>
           </a:p>
@@ -1743,7 +1743,7 @@
           <a:p>
             <a:fld id="{0A05F3B5-6F50-4323-80C0-955EB0110BAC}" type="datetimeFigureOut">
               <a:rPr lang="en-US" smtClean="0"/>
-              <a:t>12/11/2017</a:t>
+              <a:t>12/12/2017</a:t>
             </a:fld>
             <a:endParaRPr lang="en-US"/>
           </a:p>
@@ -1838,7 +1838,7 @@
           <a:p>
             <a:fld id="{0A05F3B5-6F50-4323-80C0-955EB0110BAC}" type="datetimeFigureOut">
               <a:rPr lang="en-US" smtClean="0"/>
-              <a:t>12/11/2017</a:t>
+              <a:t>12/12/2017</a:t>
             </a:fld>
             <a:endParaRPr lang="en-US"/>
           </a:p>
@@ -2115,7 +2115,7 @@
           <a:p>
             <a:fld id="{0A05F3B5-6F50-4323-80C0-955EB0110BAC}" type="datetimeFigureOut">
               <a:rPr lang="en-US" smtClean="0"/>
-              <a:t>12/11/2017</a:t>
+              <a:t>12/12/2017</a:t>
             </a:fld>
             <a:endParaRPr lang="en-US"/>
           </a:p>
@@ -2372,7 +2372,7 @@
           <a:p>
             <a:fld id="{0A05F3B5-6F50-4323-80C0-955EB0110BAC}" type="datetimeFigureOut">
               <a:rPr lang="en-US" smtClean="0"/>
-              <a:t>12/11/2017</a:t>
+              <a:t>12/12/2017</a:t>
             </a:fld>
             <a:endParaRPr lang="en-US"/>
           </a:p>
@@ -2585,7 +2585,7 @@
           <a:p>
             <a:fld id="{0A05F3B5-6F50-4323-80C0-955EB0110BAC}" type="datetimeFigureOut">
               <a:rPr lang="en-US" smtClean="0"/>
-              <a:t>12/11/2017</a:t>
+              <a:t>12/12/2017</a:t>
             </a:fld>
             <a:endParaRPr lang="en-US"/>
           </a:p>
@@ -8017,10 +8017,10 @@
       </p:sp>
       <p:sp>
         <p:nvSpPr>
-          <p:cNvPr id="61" name="TextBox 60">
-            <a:extLst>
-              <a:ext uri="{FF2B5EF4-FFF2-40B4-BE49-F238E27FC236}">
-                <a16:creationId xmlns:a16="http://schemas.microsoft.com/office/drawing/2014/main" id="{F1987E75-2953-49D6-BAFD-6CC2E0F5F2CD}"/>
+          <p:cNvPr id="63" name="TextBox 62">
+            <a:extLst>
+              <a:ext uri="{FF2B5EF4-FFF2-40B4-BE49-F238E27FC236}">
+                <a16:creationId xmlns:a16="http://schemas.microsoft.com/office/drawing/2014/main" id="{13526720-5581-46E6-9AE1-EA3755AAEB39}"/>
               </a:ext>
             </a:extLst>
           </p:cNvPr>
@@ -8029,8 +8029,8 @@
         </p:nvSpPr>
         <p:spPr>
           <a:xfrm>
-            <a:off x="16294418" y="21495711"/>
-            <a:ext cx="1793443" cy="400110"/>
+            <a:off x="16086560" y="18346897"/>
+            <a:ext cx="947687" cy="276999"/>
           </a:xfrm>
           <a:prstGeom prst="rect">
             <a:avLst/>
@@ -8043,67 +8043,27 @@
           </a:bodyPr>
           <a:lstStyle/>
           <a:p>
-            <a:r>
-              <a:rPr lang="en-US" sz="400" dirty="0"/>
-              <a:t>Data </a:t>
-            </a:r>
-            <a:r>
-              <a:rPr lang="en-US" sz="400" dirty="0" err="1"/>
-              <a:t>Update_UI_UPDATE</a:t>
-            </a:r>
-            <a:r>
-              <a:rPr lang="en-US" sz="400" dirty="0"/>
-              <a:t> BRIDGE</a:t>
-            </a:r>
-          </a:p>
-          <a:p>
-            <a:r>
-              <a:rPr lang="en-US" sz="400" dirty="0"/>
-              <a:t>- Subscribes to store updates</a:t>
-            </a:r>
-          </a:p>
-          <a:p>
-            <a:r>
-              <a:rPr lang="en-US" sz="400" dirty="0"/>
-              <a:t>parses update</a:t>
-            </a:r>
-          </a:p>
-          <a:p>
-            <a:r>
-              <a:rPr lang="en-US" sz="400" dirty="0"/>
-              <a:t>- has reference to a </a:t>
-            </a:r>
-            <a:r>
-              <a:rPr lang="en-US" sz="400" dirty="0" err="1"/>
-              <a:t>sigma_handler</a:t>
-            </a:r>
-            <a:r>
-              <a:rPr lang="en-US" sz="400" dirty="0"/>
-              <a:t> and other UIS</a:t>
-            </a:r>
-          </a:p>
-          <a:p>
-            <a:r>
-              <a:rPr lang="en-US" sz="400" dirty="0"/>
-              <a:t>- calls the correct method w/ correct </a:t>
-            </a:r>
-            <a:r>
-              <a:rPr lang="en-US" sz="400" dirty="0" err="1"/>
-              <a:t>params</a:t>
-            </a:r>
-            <a:r>
-              <a:rPr lang="en-US" sz="400" dirty="0"/>
-              <a:t> on SIGMA_HANDLER + other UIs</a:t>
+            <a:pPr defTabSz="160020"/>
+            <a:r>
+              <a:rPr lang="en-US" sz="400" dirty="0"/>
+              <a:t>Sigma LOCAL CACHE</a:t>
+            </a:r>
+          </a:p>
+          <a:p>
+            <a:pPr defTabSz="160020"/>
+            <a:r>
+              <a:rPr lang="en-US" sz="400" dirty="0"/>
+              <a:t>	- store set of nodes and edges</a:t>
             </a:r>
           </a:p>
         </p:txBody>
       </p:sp>
       <p:sp>
         <p:nvSpPr>
-          <p:cNvPr id="63" name="TextBox 62">
-            <a:extLst>
-              <a:ext uri="{FF2B5EF4-FFF2-40B4-BE49-F238E27FC236}">
-                <a16:creationId xmlns:a16="http://schemas.microsoft.com/office/drawing/2014/main" id="{13526720-5581-46E6-9AE1-EA3755AAEB39}"/>
+          <p:cNvPr id="38" name="TextBox 37">
+            <a:extLst>
+              <a:ext uri="{FF2B5EF4-FFF2-40B4-BE49-F238E27FC236}">
+                <a16:creationId xmlns:a16="http://schemas.microsoft.com/office/drawing/2014/main" id="{2749F4DD-4A29-44FC-8E0D-A35F3BF7D177}"/>
               </a:ext>
             </a:extLst>
           </p:cNvPr>
@@ -8112,8 +8072,8 @@
         </p:nvSpPr>
         <p:spPr>
           <a:xfrm>
-            <a:off x="16086560" y="18346897"/>
-            <a:ext cx="947687" cy="276999"/>
+            <a:off x="17077064" y="18511221"/>
+            <a:ext cx="947687" cy="215444"/>
           </a:xfrm>
           <a:prstGeom prst="rect">
             <a:avLst/>
@@ -8129,49 +8089,6 @@
             <a:pPr defTabSz="160020"/>
             <a:r>
               <a:rPr lang="en-US" sz="400" dirty="0"/>
-              <a:t>Sigma LOCAL CACHE</a:t>
-            </a:r>
-          </a:p>
-          <a:p>
-            <a:pPr defTabSz="160020"/>
-            <a:r>
-              <a:rPr lang="en-US" sz="400" dirty="0"/>
-              <a:t>	- store set of nodes and edges</a:t>
-            </a:r>
-          </a:p>
-        </p:txBody>
-      </p:sp>
-      <p:sp>
-        <p:nvSpPr>
-          <p:cNvPr id="38" name="TextBox 37">
-            <a:extLst>
-              <a:ext uri="{FF2B5EF4-FFF2-40B4-BE49-F238E27FC236}">
-                <a16:creationId xmlns:a16="http://schemas.microsoft.com/office/drawing/2014/main" id="{2749F4DD-4A29-44FC-8E0D-A35F3BF7D177}"/>
-              </a:ext>
-            </a:extLst>
-          </p:cNvPr>
-          <p:cNvSpPr txBox="1"/>
-          <p:nvPr/>
-        </p:nvSpPr>
-        <p:spPr>
-          <a:xfrm>
-            <a:off x="17077064" y="18511221"/>
-            <a:ext cx="947687" cy="215444"/>
-          </a:xfrm>
-          <a:prstGeom prst="rect">
-            <a:avLst/>
-          </a:prstGeom>
-          <a:noFill/>
-        </p:spPr>
-        <p:txBody>
-          <a:bodyPr wrap="square" rtlCol="0">
-            <a:spAutoFit/>
-          </a:bodyPr>
-          <a:lstStyle/>
-          <a:p>
-            <a:pPr defTabSz="160020"/>
-            <a:r>
-              <a:rPr lang="en-US" sz="400" dirty="0"/>
               <a:t>In memory Sigma nodes and edges</a:t>
             </a:r>
           </a:p>
@@ -8210,8 +8127,8 @@
         </p:nvCxnSpPr>
         <p:spPr>
           <a:xfrm flipV="1">
-            <a:off x="17191140" y="21158287"/>
-            <a:ext cx="218581" cy="337424"/>
+            <a:off x="16928611" y="21158287"/>
+            <a:ext cx="481110" cy="337424"/>
           </a:xfrm>
           <a:prstGeom prst="straightConnector1">
             <a:avLst/>
@@ -11084,8 +11001,8 @@
         </p:nvCxnSpPr>
         <p:spPr>
           <a:xfrm flipH="1" flipV="1">
-            <a:off x="17191140" y="21895821"/>
-            <a:ext cx="4568056" cy="986885"/>
+            <a:off x="16928611" y="21957376"/>
+            <a:ext cx="4830585" cy="925330"/>
           </a:xfrm>
           <a:prstGeom prst="straightConnector1">
             <a:avLst/>
@@ -12031,7 +11948,7 @@
         <p:spPr>
           <a:xfrm flipH="1" flipV="1">
             <a:off x="15924509" y="21073649"/>
-            <a:ext cx="1266631" cy="422062"/>
+            <a:ext cx="1004102" cy="422062"/>
           </a:xfrm>
           <a:prstGeom prst="straightConnector1">
             <a:avLst/>
@@ -13279,14 +13196,14 @@
           <p:cNvCxnSpPr>
             <a:cxnSpLocks/>
             <a:stCxn id="7" idx="0"/>
-            <a:endCxn id="162" idx="2"/>
+            <a:endCxn id="18" idx="2"/>
           </p:cNvCxnSpPr>
           <p:nvPr/>
         </p:nvCxnSpPr>
         <p:spPr>
           <a:xfrm flipV="1">
-            <a:off x="16811394" y="20994970"/>
-            <a:ext cx="1180759" cy="2675689"/>
+            <a:off x="16811394" y="22076637"/>
+            <a:ext cx="1365027" cy="1594022"/>
           </a:xfrm>
           <a:prstGeom prst="straightConnector1">
             <a:avLst/>
@@ -13758,7 +13675,7 @@
         </p:nvSpPr>
         <p:spPr>
           <a:xfrm>
-            <a:off x="17671265" y="20841082"/>
+            <a:off x="17851956" y="21557214"/>
             <a:ext cx="641775" cy="153888"/>
           </a:xfrm>
           <a:prstGeom prst="rect">
@@ -13791,15 +13708,15 @@
           </p:cNvPr>
           <p:cNvCxnSpPr>
             <a:cxnSpLocks/>
-            <a:stCxn id="162" idx="0"/>
+            <a:stCxn id="273" idx="0"/>
             <a:endCxn id="245" idx="2"/>
           </p:cNvCxnSpPr>
           <p:nvPr/>
         </p:nvCxnSpPr>
         <p:spPr>
           <a:xfrm flipV="1">
-            <a:off x="17992153" y="20414417"/>
-            <a:ext cx="189144" cy="426665"/>
+            <a:off x="18079493" y="20414417"/>
+            <a:ext cx="101804" cy="365172"/>
           </a:xfrm>
           <a:prstGeom prst="straightConnector1">
             <a:avLst/>
@@ -14038,15 +13955,16 @@
             </a:extLst>
           </p:cNvPr>
           <p:cNvCxnSpPr>
-            <a:stCxn id="162" idx="3"/>
+            <a:cxnSpLocks/>
+            <a:stCxn id="292" idx="0"/>
             <a:endCxn id="23" idx="1"/>
           </p:cNvCxnSpPr>
           <p:nvPr/>
         </p:nvCxnSpPr>
         <p:spPr>
           <a:xfrm flipV="1">
-            <a:off x="18313040" y="20765383"/>
-            <a:ext cx="405496" cy="152643"/>
+            <a:off x="18147346" y="20765383"/>
+            <a:ext cx="571190" cy="417667"/>
           </a:xfrm>
           <a:prstGeom prst="straightConnector1">
             <a:avLst/>
@@ -15439,14 +15357,14 @@
           <p:cNvCxnSpPr>
             <a:cxnSpLocks/>
             <a:stCxn id="175" idx="0"/>
-            <a:endCxn id="162" idx="2"/>
+            <a:endCxn id="18" idx="2"/>
           </p:cNvCxnSpPr>
           <p:nvPr/>
         </p:nvCxnSpPr>
         <p:spPr>
           <a:xfrm flipV="1">
-            <a:off x="16811394" y="20994970"/>
-            <a:ext cx="1180759" cy="3110670"/>
+            <a:off x="16811394" y="22076637"/>
+            <a:ext cx="1365027" cy="2029003"/>
           </a:xfrm>
           <a:prstGeom prst="straightConnector1">
             <a:avLst/>
@@ -15486,14 +15404,14 @@
           <p:cNvCxnSpPr>
             <a:cxnSpLocks/>
             <a:stCxn id="175" idx="2"/>
-            <a:endCxn id="162" idx="2"/>
+            <a:endCxn id="18" idx="2"/>
           </p:cNvCxnSpPr>
           <p:nvPr/>
         </p:nvCxnSpPr>
         <p:spPr>
           <a:xfrm flipV="1">
-            <a:off x="16811394" y="20994970"/>
-            <a:ext cx="1180759" cy="3510780"/>
+            <a:off x="16811394" y="22076637"/>
+            <a:ext cx="1365027" cy="2429113"/>
           </a:xfrm>
           <a:prstGeom prst="straightConnector1">
             <a:avLst/>
@@ -15533,14 +15451,14 @@
           <p:cNvCxnSpPr>
             <a:cxnSpLocks/>
             <a:stCxn id="180" idx="2"/>
-            <a:endCxn id="162" idx="2"/>
+            <a:endCxn id="18" idx="2"/>
           </p:cNvCxnSpPr>
           <p:nvPr/>
         </p:nvCxnSpPr>
         <p:spPr>
           <a:xfrm flipV="1">
-            <a:off x="16811394" y="20994970"/>
-            <a:ext cx="1180759" cy="3912222"/>
+            <a:off x="16811394" y="22076637"/>
+            <a:ext cx="1365027" cy="2830555"/>
           </a:xfrm>
           <a:prstGeom prst="straightConnector1">
             <a:avLst/>
@@ -15580,14 +15498,14 @@
           <p:cNvCxnSpPr>
             <a:cxnSpLocks/>
             <a:stCxn id="196" idx="0"/>
-            <a:endCxn id="162" idx="2"/>
+            <a:endCxn id="18" idx="2"/>
           </p:cNvCxnSpPr>
           <p:nvPr/>
         </p:nvCxnSpPr>
         <p:spPr>
           <a:xfrm flipV="1">
-            <a:off x="16811394" y="20994970"/>
-            <a:ext cx="1180759" cy="4244344"/>
+            <a:off x="16811394" y="22076637"/>
+            <a:ext cx="1365027" cy="3162677"/>
           </a:xfrm>
           <a:prstGeom prst="straightConnector1">
             <a:avLst/>
@@ -15727,6 +15645,381 @@
               <a:srgbClr val="00B050"/>
             </a:solidFill>
             <a:prstDash val="sysDash"/>
+            <a:tailEnd type="triangle"/>
+          </a:ln>
+        </p:spPr>
+        <p:style>
+          <a:lnRef idx="1">
+            <a:schemeClr val="accent1"/>
+          </a:lnRef>
+          <a:fillRef idx="0">
+            <a:schemeClr val="accent1"/>
+          </a:fillRef>
+          <a:effectRef idx="0">
+            <a:schemeClr val="accent1"/>
+          </a:effectRef>
+          <a:fontRef idx="minor">
+            <a:schemeClr val="tx1"/>
+          </a:fontRef>
+        </p:style>
+      </p:cxnSp>
+      <p:sp>
+        <p:nvSpPr>
+          <p:cNvPr id="18" name="TextBox 17">
+            <a:extLst>
+              <a:ext uri="{FF2B5EF4-FFF2-40B4-BE49-F238E27FC236}">
+                <a16:creationId xmlns:a16="http://schemas.microsoft.com/office/drawing/2014/main" id="{12784C69-62A1-4FB5-AEE6-0A8C82D14363}"/>
+              </a:ext>
+            </a:extLst>
+          </p:cNvPr>
+          <p:cNvSpPr txBox="1"/>
+          <p:nvPr/>
+        </p:nvSpPr>
+        <p:spPr>
+          <a:xfrm>
+            <a:off x="17793450" y="21922749"/>
+            <a:ext cx="765942" cy="153888"/>
+          </a:xfrm>
+          <a:prstGeom prst="rect">
+            <a:avLst/>
+          </a:prstGeom>
+          <a:noFill/>
+        </p:spPr>
+        <p:txBody>
+          <a:bodyPr wrap="square" rtlCol="0">
+            <a:spAutoFit/>
+          </a:bodyPr>
+          <a:lstStyle/>
+          <a:p>
+            <a:r>
+              <a:rPr lang="en-US" sz="400" dirty="0" err="1"/>
+              <a:t>StoreSourceUpdateListener</a:t>
+            </a:r>
+            <a:endParaRPr lang="en-US" sz="400" dirty="0"/>
+          </a:p>
+        </p:txBody>
+      </p:sp>
+      <p:cxnSp>
+        <p:nvCxnSpPr>
+          <p:cNvPr id="211" name="Straight Arrow Connector 210">
+            <a:extLst>
+              <a:ext uri="{FF2B5EF4-FFF2-40B4-BE49-F238E27FC236}">
+                <a16:creationId xmlns:a16="http://schemas.microsoft.com/office/drawing/2014/main" id="{6C82F6C2-FFBD-447C-AC50-81CAA7374CD7}"/>
+              </a:ext>
+            </a:extLst>
+          </p:cNvPr>
+          <p:cNvCxnSpPr>
+            <a:cxnSpLocks/>
+            <a:stCxn id="18" idx="0"/>
+            <a:endCxn id="162" idx="2"/>
+          </p:cNvCxnSpPr>
+          <p:nvPr/>
+        </p:nvCxnSpPr>
+        <p:spPr>
+          <a:xfrm flipH="1" flipV="1">
+            <a:off x="18172844" y="21711102"/>
+            <a:ext cx="3577" cy="211647"/>
+          </a:xfrm>
+          <a:prstGeom prst="straightConnector1">
+            <a:avLst/>
+          </a:prstGeom>
+          <a:ln>
+            <a:solidFill>
+              <a:srgbClr val="92D050"/>
+            </a:solidFill>
+            <a:tailEnd type="triangle"/>
+          </a:ln>
+        </p:spPr>
+        <p:style>
+          <a:lnRef idx="1">
+            <a:schemeClr val="accent1"/>
+          </a:lnRef>
+          <a:fillRef idx="0">
+            <a:schemeClr val="accent1"/>
+          </a:fillRef>
+          <a:effectRef idx="0">
+            <a:schemeClr val="accent1"/>
+          </a:effectRef>
+          <a:fontRef idx="minor">
+            <a:schemeClr val="tx1"/>
+          </a:fontRef>
+        </p:style>
+      </p:cxnSp>
+      <p:cxnSp>
+        <p:nvCxnSpPr>
+          <p:cNvPr id="212" name="Straight Arrow Connector 211">
+            <a:extLst>
+              <a:ext uri="{FF2B5EF4-FFF2-40B4-BE49-F238E27FC236}">
+                <a16:creationId xmlns:a16="http://schemas.microsoft.com/office/drawing/2014/main" id="{3BA18F8E-333F-4E25-91BC-3074AB25145A}"/>
+              </a:ext>
+            </a:extLst>
+          </p:cNvPr>
+          <p:cNvCxnSpPr>
+            <a:cxnSpLocks/>
+            <a:stCxn id="240" idx="1"/>
+            <a:endCxn id="245" idx="0"/>
+          </p:cNvCxnSpPr>
+          <p:nvPr/>
+        </p:nvCxnSpPr>
+        <p:spPr>
+          <a:xfrm flipH="1">
+            <a:off x="18181297" y="19624930"/>
+            <a:ext cx="656163" cy="376343"/>
+          </a:xfrm>
+          <a:prstGeom prst="straightConnector1">
+            <a:avLst/>
+          </a:prstGeom>
+          <a:ln>
+            <a:solidFill>
+              <a:srgbClr val="00B050"/>
+            </a:solidFill>
+            <a:tailEnd type="triangle"/>
+          </a:ln>
+        </p:spPr>
+        <p:style>
+          <a:lnRef idx="1">
+            <a:schemeClr val="accent1"/>
+          </a:lnRef>
+          <a:fillRef idx="0">
+            <a:schemeClr val="accent1"/>
+          </a:fillRef>
+          <a:effectRef idx="0">
+            <a:schemeClr val="accent1"/>
+          </a:effectRef>
+          <a:fontRef idx="minor">
+            <a:schemeClr val="tx1"/>
+          </a:fontRef>
+        </p:style>
+      </p:cxnSp>
+      <p:sp>
+        <p:nvSpPr>
+          <p:cNvPr id="273" name="TextBox 272">
+            <a:extLst>
+              <a:ext uri="{FF2B5EF4-FFF2-40B4-BE49-F238E27FC236}">
+                <a16:creationId xmlns:a16="http://schemas.microsoft.com/office/drawing/2014/main" id="{53E1610E-0887-49B1-A936-EDE9E49A136F}"/>
+              </a:ext>
+            </a:extLst>
+          </p:cNvPr>
+          <p:cNvSpPr txBox="1"/>
+          <p:nvPr/>
+        </p:nvSpPr>
+        <p:spPr>
+          <a:xfrm>
+            <a:off x="17733108" y="20779589"/>
+            <a:ext cx="692770" cy="153888"/>
+          </a:xfrm>
+          <a:prstGeom prst="rect">
+            <a:avLst/>
+          </a:prstGeom>
+          <a:noFill/>
+        </p:spPr>
+        <p:txBody>
+          <a:bodyPr wrap="square" rtlCol="0">
+            <a:spAutoFit/>
+          </a:bodyPr>
+          <a:lstStyle/>
+          <a:p>
+            <a:r>
+              <a:rPr lang="en-US" sz="400" dirty="0" err="1"/>
+              <a:t>sigmaNodeCreatorCore</a:t>
+            </a:r>
+            <a:endParaRPr lang="en-US" sz="400" dirty="0"/>
+          </a:p>
+        </p:txBody>
+      </p:sp>
+      <p:sp>
+        <p:nvSpPr>
+          <p:cNvPr id="61" name="TextBox 60">
+            <a:extLst>
+              <a:ext uri="{FF2B5EF4-FFF2-40B4-BE49-F238E27FC236}">
+                <a16:creationId xmlns:a16="http://schemas.microsoft.com/office/drawing/2014/main" id="{F1987E75-2953-49D6-BAFD-6CC2E0F5F2CD}"/>
+              </a:ext>
+            </a:extLst>
+          </p:cNvPr>
+          <p:cNvSpPr txBox="1"/>
+          <p:nvPr/>
+        </p:nvSpPr>
+        <p:spPr>
+          <a:xfrm>
+            <a:off x="16294418" y="21495711"/>
+            <a:ext cx="1268385" cy="461665"/>
+          </a:xfrm>
+          <a:prstGeom prst="rect">
+            <a:avLst/>
+          </a:prstGeom>
+          <a:noFill/>
+        </p:spPr>
+        <p:txBody>
+          <a:bodyPr wrap="square" rtlCol="0">
+            <a:spAutoFit/>
+          </a:bodyPr>
+          <a:lstStyle/>
+          <a:p>
+            <a:r>
+              <a:rPr lang="en-US" sz="400" dirty="0"/>
+              <a:t>Data </a:t>
+            </a:r>
+            <a:r>
+              <a:rPr lang="en-US" sz="400" dirty="0" err="1"/>
+              <a:t>Update_UI_UPDATE</a:t>
+            </a:r>
+            <a:r>
+              <a:rPr lang="en-US" sz="400" dirty="0"/>
+              <a:t> BRIDGE</a:t>
+            </a:r>
+          </a:p>
+          <a:p>
+            <a:r>
+              <a:rPr lang="en-US" sz="400" dirty="0"/>
+              <a:t>- Subscribes to store updates</a:t>
+            </a:r>
+          </a:p>
+          <a:p>
+            <a:r>
+              <a:rPr lang="en-US" sz="400" dirty="0"/>
+              <a:t>parses update</a:t>
+            </a:r>
+          </a:p>
+          <a:p>
+            <a:r>
+              <a:rPr lang="en-US" sz="400" dirty="0"/>
+              <a:t>- has reference to a </a:t>
+            </a:r>
+            <a:r>
+              <a:rPr lang="en-US" sz="400" dirty="0" err="1"/>
+              <a:t>sigma_handler</a:t>
+            </a:r>
+            <a:r>
+              <a:rPr lang="en-US" sz="400" dirty="0"/>
+              <a:t> and other UIS</a:t>
+            </a:r>
+          </a:p>
+          <a:p>
+            <a:r>
+              <a:rPr lang="en-US" sz="400" dirty="0"/>
+              <a:t>- calls the correct method w/ correct </a:t>
+            </a:r>
+            <a:r>
+              <a:rPr lang="en-US" sz="400" dirty="0" err="1"/>
+              <a:t>params</a:t>
+            </a:r>
+            <a:r>
+              <a:rPr lang="en-US" sz="400" dirty="0"/>
+              <a:t> on SIGMA_HANDLER + other UIs</a:t>
+            </a:r>
+          </a:p>
+        </p:txBody>
+      </p:sp>
+      <p:sp>
+        <p:nvSpPr>
+          <p:cNvPr id="292" name="TextBox 291">
+            <a:extLst>
+              <a:ext uri="{FF2B5EF4-FFF2-40B4-BE49-F238E27FC236}">
+                <a16:creationId xmlns:a16="http://schemas.microsoft.com/office/drawing/2014/main" id="{9B486560-C6A8-46DE-A406-E49F82ACB2E7}"/>
+              </a:ext>
+            </a:extLst>
+          </p:cNvPr>
+          <p:cNvSpPr txBox="1"/>
+          <p:nvPr/>
+        </p:nvSpPr>
+        <p:spPr>
+          <a:xfrm>
+            <a:off x="17800961" y="21183050"/>
+            <a:ext cx="692770" cy="215444"/>
+          </a:xfrm>
+          <a:prstGeom prst="rect">
+            <a:avLst/>
+          </a:prstGeom>
+          <a:noFill/>
+        </p:spPr>
+        <p:txBody>
+          <a:bodyPr wrap="square" rtlCol="0">
+            <a:spAutoFit/>
+          </a:bodyPr>
+          <a:lstStyle/>
+          <a:p>
+            <a:r>
+              <a:rPr lang="en-US" sz="400" dirty="0" err="1"/>
+              <a:t>ManagedSigmaNodeCreatorCore</a:t>
+            </a:r>
+            <a:endParaRPr lang="en-US" sz="400" dirty="0"/>
+          </a:p>
+        </p:txBody>
+      </p:sp>
+      <p:cxnSp>
+        <p:nvCxnSpPr>
+          <p:cNvPr id="295" name="Straight Arrow Connector 294">
+            <a:extLst>
+              <a:ext uri="{FF2B5EF4-FFF2-40B4-BE49-F238E27FC236}">
+                <a16:creationId xmlns:a16="http://schemas.microsoft.com/office/drawing/2014/main" id="{9664CC3E-6CEA-4EE5-BA49-230D4C1C28DD}"/>
+              </a:ext>
+            </a:extLst>
+          </p:cNvPr>
+          <p:cNvCxnSpPr>
+            <a:cxnSpLocks/>
+            <a:stCxn id="162" idx="0"/>
+            <a:endCxn id="292" idx="2"/>
+          </p:cNvCxnSpPr>
+          <p:nvPr/>
+        </p:nvCxnSpPr>
+        <p:spPr>
+          <a:xfrm flipH="1" flipV="1">
+            <a:off x="18147346" y="21398494"/>
+            <a:ext cx="25498" cy="158720"/>
+          </a:xfrm>
+          <a:prstGeom prst="straightConnector1">
+            <a:avLst/>
+          </a:prstGeom>
+          <a:ln>
+            <a:solidFill>
+              <a:srgbClr val="92D050"/>
+            </a:solidFill>
+            <a:tailEnd type="triangle"/>
+          </a:ln>
+        </p:spPr>
+        <p:style>
+          <a:lnRef idx="1">
+            <a:schemeClr val="accent1"/>
+          </a:lnRef>
+          <a:fillRef idx="0">
+            <a:schemeClr val="accent1"/>
+          </a:fillRef>
+          <a:effectRef idx="0">
+            <a:schemeClr val="accent1"/>
+          </a:effectRef>
+          <a:fontRef idx="minor">
+            <a:schemeClr val="tx1"/>
+          </a:fontRef>
+        </p:style>
+      </p:cxnSp>
+      <p:cxnSp>
+        <p:nvCxnSpPr>
+          <p:cNvPr id="296" name="Straight Arrow Connector 295">
+            <a:extLst>
+              <a:ext uri="{FF2B5EF4-FFF2-40B4-BE49-F238E27FC236}">
+                <a16:creationId xmlns:a16="http://schemas.microsoft.com/office/drawing/2014/main" id="{EE2C6E1B-1E41-4F55-B793-2222A1D428C0}"/>
+              </a:ext>
+            </a:extLst>
+          </p:cNvPr>
+          <p:cNvCxnSpPr>
+            <a:cxnSpLocks/>
+            <a:stCxn id="292" idx="0"/>
+            <a:endCxn id="273" idx="2"/>
+          </p:cNvCxnSpPr>
+          <p:nvPr/>
+        </p:nvCxnSpPr>
+        <p:spPr>
+          <a:xfrm flipH="1" flipV="1">
+            <a:off x="18079493" y="20933477"/>
+            <a:ext cx="67853" cy="249573"/>
+          </a:xfrm>
+          <a:prstGeom prst="straightConnector1">
+            <a:avLst/>
+          </a:prstGeom>
+          <a:ln>
+            <a:solidFill>
+              <a:srgbClr val="92D050"/>
+            </a:solidFill>
             <a:tailEnd type="triangle"/>
           </a:ln>
         </p:spPr>

--- a/docs/architecture.pptx
+++ b/docs/architecture.pptx
@@ -13947,52 +13947,6 @@
       </p:sp>
       <p:cxnSp>
         <p:nvCxnSpPr>
-          <p:cNvPr id="228" name="Straight Arrow Connector 227">
-            <a:extLst>
-              <a:ext uri="{FF2B5EF4-FFF2-40B4-BE49-F238E27FC236}">
-                <a16:creationId xmlns:a16="http://schemas.microsoft.com/office/drawing/2014/main" id="{DDA2EC47-BE2B-4111-BF0E-C0C09A2EC269}"/>
-              </a:ext>
-            </a:extLst>
-          </p:cNvPr>
-          <p:cNvCxnSpPr>
-            <a:cxnSpLocks/>
-            <a:stCxn id="292" idx="0"/>
-            <a:endCxn id="23" idx="1"/>
-          </p:cNvCxnSpPr>
-          <p:nvPr/>
-        </p:nvCxnSpPr>
-        <p:spPr>
-          <a:xfrm flipV="1">
-            <a:off x="18147346" y="20765383"/>
-            <a:ext cx="571190" cy="417667"/>
-          </a:xfrm>
-          <a:prstGeom prst="straightConnector1">
-            <a:avLst/>
-          </a:prstGeom>
-          <a:ln>
-            <a:solidFill>
-              <a:srgbClr val="92D050"/>
-            </a:solidFill>
-            <a:tailEnd type="triangle"/>
-          </a:ln>
-        </p:spPr>
-        <p:style>
-          <a:lnRef idx="1">
-            <a:schemeClr val="accent1"/>
-          </a:lnRef>
-          <a:fillRef idx="0">
-            <a:schemeClr val="accent1"/>
-          </a:fillRef>
-          <a:effectRef idx="0">
-            <a:schemeClr val="accent1"/>
-          </a:effectRef>
-          <a:fontRef idx="minor">
-            <a:schemeClr val="tx1"/>
-          </a:fontRef>
-        </p:style>
-      </p:cxnSp>
-      <p:cxnSp>
-        <p:nvCxnSpPr>
           <p:cNvPr id="157" name="Straight Arrow Connector 156">
             <a:extLst>
               <a:ext uri="{FF2B5EF4-FFF2-40B4-BE49-F238E27FC236}">
@@ -15910,62 +15864,26 @@
           </a:p>
         </p:txBody>
       </p:sp>
-      <p:sp>
-        <p:nvSpPr>
-          <p:cNvPr id="292" name="TextBox 291">
-            <a:extLst>
-              <a:ext uri="{FF2B5EF4-FFF2-40B4-BE49-F238E27FC236}">
-                <a16:creationId xmlns:a16="http://schemas.microsoft.com/office/drawing/2014/main" id="{9B486560-C6A8-46DE-A406-E49F82ACB2E7}"/>
-              </a:ext>
-            </a:extLst>
-          </p:cNvPr>
-          <p:cNvSpPr txBox="1"/>
-          <p:nvPr/>
-        </p:nvSpPr>
-        <p:spPr>
-          <a:xfrm>
-            <a:off x="17800961" y="21183050"/>
-            <a:ext cx="692770" cy="215444"/>
-          </a:xfrm>
-          <a:prstGeom prst="rect">
-            <a:avLst/>
-          </a:prstGeom>
-          <a:noFill/>
-        </p:spPr>
-        <p:txBody>
-          <a:bodyPr wrap="square" rtlCol="0">
-            <a:spAutoFit/>
-          </a:bodyPr>
-          <a:lstStyle/>
-          <a:p>
-            <a:r>
-              <a:rPr lang="en-US" sz="400" dirty="0" err="1"/>
-              <a:t>ManagedSigmaNodeCreatorCore</a:t>
-            </a:r>
-            <a:endParaRPr lang="en-US" sz="400" dirty="0"/>
-          </a:p>
-        </p:txBody>
-      </p:sp>
       <p:cxnSp>
         <p:nvCxnSpPr>
-          <p:cNvPr id="295" name="Straight Arrow Connector 294">
-            <a:extLst>
-              <a:ext uri="{FF2B5EF4-FFF2-40B4-BE49-F238E27FC236}">
-                <a16:creationId xmlns:a16="http://schemas.microsoft.com/office/drawing/2014/main" id="{9664CC3E-6CEA-4EE5-BA49-230D4C1C28DD}"/>
+          <p:cNvPr id="296" name="Straight Arrow Connector 295">
+            <a:extLst>
+              <a:ext uri="{FF2B5EF4-FFF2-40B4-BE49-F238E27FC236}">
+                <a16:creationId xmlns:a16="http://schemas.microsoft.com/office/drawing/2014/main" id="{EE2C6E1B-1E41-4F55-B793-2222A1D428C0}"/>
               </a:ext>
             </a:extLst>
           </p:cNvPr>
           <p:cNvCxnSpPr>
             <a:cxnSpLocks/>
             <a:stCxn id="162" idx="0"/>
-            <a:endCxn id="292" idx="2"/>
+            <a:endCxn id="273" idx="2"/>
           </p:cNvCxnSpPr>
           <p:nvPr/>
         </p:nvCxnSpPr>
         <p:spPr>
           <a:xfrm flipH="1" flipV="1">
-            <a:off x="18147346" y="21398494"/>
-            <a:ext cx="25498" cy="158720"/>
+            <a:off x="18079493" y="20933477"/>
+            <a:ext cx="93351" cy="623737"/>
           </a:xfrm>
           <a:prstGeom prst="straightConnector1">
             <a:avLst/>
@@ -15994,31 +15912,31 @@
       </p:cxnSp>
       <p:cxnSp>
         <p:nvCxnSpPr>
-          <p:cNvPr id="296" name="Straight Arrow Connector 295">
-            <a:extLst>
-              <a:ext uri="{FF2B5EF4-FFF2-40B4-BE49-F238E27FC236}">
-                <a16:creationId xmlns:a16="http://schemas.microsoft.com/office/drawing/2014/main" id="{EE2C6E1B-1E41-4F55-B793-2222A1D428C0}"/>
+          <p:cNvPr id="322" name="Straight Arrow Connector 321">
+            <a:extLst>
+              <a:ext uri="{FF2B5EF4-FFF2-40B4-BE49-F238E27FC236}">
+                <a16:creationId xmlns:a16="http://schemas.microsoft.com/office/drawing/2014/main" id="{C1D0D427-7CCF-4F61-9497-D7511491D7B0}"/>
               </a:ext>
             </a:extLst>
           </p:cNvPr>
           <p:cNvCxnSpPr>
             <a:cxnSpLocks/>
-            <a:stCxn id="292" idx="0"/>
-            <a:endCxn id="273" idx="2"/>
+            <a:stCxn id="18" idx="0"/>
+            <a:endCxn id="27" idx="2"/>
           </p:cNvCxnSpPr>
           <p:nvPr/>
         </p:nvCxnSpPr>
         <p:spPr>
           <a:xfrm flipH="1" flipV="1">
-            <a:off x="18079493" y="20933477"/>
-            <a:ext cx="67853" cy="249573"/>
+            <a:off x="16709140" y="20204204"/>
+            <a:ext cx="1467281" cy="1718545"/>
           </a:xfrm>
           <a:prstGeom prst="straightConnector1">
             <a:avLst/>
           </a:prstGeom>
           <a:ln>
             <a:solidFill>
-              <a:srgbClr val="92D050"/>
+              <a:srgbClr val="00B0F0"/>
             </a:solidFill>
             <a:tailEnd type="triangle"/>
           </a:ln>

--- a/docs/architecture.pptx
+++ b/docs/architecture.pptx
@@ -262,7 +262,7 @@
           <a:p>
             <a:fld id="{0A05F3B5-6F50-4323-80C0-955EB0110BAC}" type="datetimeFigureOut">
               <a:rPr lang="en-US" smtClean="0"/>
-              <a:t>12/12/2017</a:t>
+              <a:t>1/10/2018</a:t>
             </a:fld>
             <a:endParaRPr lang="en-US"/>
           </a:p>
@@ -432,7 +432,7 @@
           <a:p>
             <a:fld id="{0A05F3B5-6F50-4323-80C0-955EB0110BAC}" type="datetimeFigureOut">
               <a:rPr lang="en-US" smtClean="0"/>
-              <a:t>12/12/2017</a:t>
+              <a:t>1/10/2018</a:t>
             </a:fld>
             <a:endParaRPr lang="en-US"/>
           </a:p>
@@ -612,7 +612,7 @@
           <a:p>
             <a:fld id="{0A05F3B5-6F50-4323-80C0-955EB0110BAC}" type="datetimeFigureOut">
               <a:rPr lang="en-US" smtClean="0"/>
-              <a:t>12/12/2017</a:t>
+              <a:t>1/10/2018</a:t>
             </a:fld>
             <a:endParaRPr lang="en-US"/>
           </a:p>
@@ -782,7 +782,7 @@
           <a:p>
             <a:fld id="{0A05F3B5-6F50-4323-80C0-955EB0110BAC}" type="datetimeFigureOut">
               <a:rPr lang="en-US" smtClean="0"/>
-              <a:t>12/12/2017</a:t>
+              <a:t>1/10/2018</a:t>
             </a:fld>
             <a:endParaRPr lang="en-US"/>
           </a:p>
@@ -1026,7 +1026,7 @@
           <a:p>
             <a:fld id="{0A05F3B5-6F50-4323-80C0-955EB0110BAC}" type="datetimeFigureOut">
               <a:rPr lang="en-US" smtClean="0"/>
-              <a:t>12/12/2017</a:t>
+              <a:t>1/10/2018</a:t>
             </a:fld>
             <a:endParaRPr lang="en-US"/>
           </a:p>
@@ -1258,7 +1258,7 @@
           <a:p>
             <a:fld id="{0A05F3B5-6F50-4323-80C0-955EB0110BAC}" type="datetimeFigureOut">
               <a:rPr lang="en-US" smtClean="0"/>
-              <a:t>12/12/2017</a:t>
+              <a:t>1/10/2018</a:t>
             </a:fld>
             <a:endParaRPr lang="en-US"/>
           </a:p>
@@ -1625,7 +1625,7 @@
           <a:p>
             <a:fld id="{0A05F3B5-6F50-4323-80C0-955EB0110BAC}" type="datetimeFigureOut">
               <a:rPr lang="en-US" smtClean="0"/>
-              <a:t>12/12/2017</a:t>
+              <a:t>1/10/2018</a:t>
             </a:fld>
             <a:endParaRPr lang="en-US"/>
           </a:p>
@@ -1743,7 +1743,7 @@
           <a:p>
             <a:fld id="{0A05F3B5-6F50-4323-80C0-955EB0110BAC}" type="datetimeFigureOut">
               <a:rPr lang="en-US" smtClean="0"/>
-              <a:t>12/12/2017</a:t>
+              <a:t>1/10/2018</a:t>
             </a:fld>
             <a:endParaRPr lang="en-US"/>
           </a:p>
@@ -1838,7 +1838,7 @@
           <a:p>
             <a:fld id="{0A05F3B5-6F50-4323-80C0-955EB0110BAC}" type="datetimeFigureOut">
               <a:rPr lang="en-US" smtClean="0"/>
-              <a:t>12/12/2017</a:t>
+              <a:t>1/10/2018</a:t>
             </a:fld>
             <a:endParaRPr lang="en-US"/>
           </a:p>
@@ -2115,7 +2115,7 @@
           <a:p>
             <a:fld id="{0A05F3B5-6F50-4323-80C0-955EB0110BAC}" type="datetimeFigureOut">
               <a:rPr lang="en-US" smtClean="0"/>
-              <a:t>12/12/2017</a:t>
+              <a:t>1/10/2018</a:t>
             </a:fld>
             <a:endParaRPr lang="en-US"/>
           </a:p>
@@ -2372,7 +2372,7 @@
           <a:p>
             <a:fld id="{0A05F3B5-6F50-4323-80C0-955EB0110BAC}" type="datetimeFigureOut">
               <a:rPr lang="en-US" smtClean="0"/>
-              <a:t>12/12/2017</a:t>
+              <a:t>1/10/2018</a:t>
             </a:fld>
             <a:endParaRPr lang="en-US"/>
           </a:p>
@@ -2585,7 +2585,7 @@
           <a:p>
             <a:fld id="{0A05F3B5-6F50-4323-80C0-955EB0110BAC}" type="datetimeFigureOut">
               <a:rPr lang="en-US" smtClean="0"/>
-              <a:t>12/12/2017</a:t>
+              <a:t>1/10/2018</a:t>
             </a:fld>
             <a:endParaRPr lang="en-US"/>
           </a:p>
@@ -15564,7 +15564,7 @@
             <a:r>
               <a:rPr lang="en-US" sz="1200" dirty="0">
                 <a:solidFill>
-                  <a:srgbClr val="00B0F0"/>
+                  <a:schemeClr val="accent6"/>
                 </a:solidFill>
               </a:rPr>
               <a:t>Creations</a:t>

--- a/docs/architecture.pptx
+++ b/docs/architecture.pptx
@@ -15956,6 +15956,42 @@
           </a:fontRef>
         </p:style>
       </p:cxnSp>
+      <p:sp>
+        <p:nvSpPr>
+          <p:cNvPr id="21" name="TextBox 20">
+            <a:extLst>
+              <a:ext uri="{FF2B5EF4-FFF2-40B4-BE49-F238E27FC236}">
+                <a16:creationId xmlns:a16="http://schemas.microsoft.com/office/drawing/2014/main" id="{7A32B25D-0E85-4D6B-9E74-32CCB94CB3E1}"/>
+              </a:ext>
+            </a:extLst>
+          </p:cNvPr>
+          <p:cNvSpPr txBox="1"/>
+          <p:nvPr/>
+        </p:nvSpPr>
+        <p:spPr>
+          <a:xfrm>
+            <a:off x="18750265" y="21611167"/>
+            <a:ext cx="769881" cy="153888"/>
+          </a:xfrm>
+          <a:prstGeom prst="rect">
+            <a:avLst/>
+          </a:prstGeom>
+          <a:noFill/>
+        </p:spPr>
+        <p:txBody>
+          <a:bodyPr wrap="square" rtlCol="0">
+            <a:spAutoFit/>
+          </a:bodyPr>
+          <a:lstStyle/>
+          <a:p>
+            <a:r>
+              <a:rPr lang="en-US" sz="400" dirty="0" err="1"/>
+              <a:t>contentIdSigmaIdMap</a:t>
+            </a:r>
+            <a:endParaRPr lang="en-US" sz="400" dirty="0"/>
+          </a:p>
+        </p:txBody>
+      </p:sp>
     </p:spTree>
     <p:extLst>
       <p:ext uri="{BB962C8B-B14F-4D97-AF65-F5344CB8AC3E}">

--- a/docs/architecture.pptx
+++ b/docs/architecture.pptx
@@ -15970,8 +15970,8 @@
         </p:nvSpPr>
         <p:spPr>
           <a:xfrm>
-            <a:off x="18750265" y="21611167"/>
-            <a:ext cx="769881" cy="153888"/>
+            <a:off x="18750265" y="21449979"/>
+            <a:ext cx="769881" cy="338554"/>
           </a:xfrm>
           <a:prstGeom prst="rect">
             <a:avLst/>
@@ -15989,6 +15989,131 @@
               <a:t>contentIdSigmaIdMap</a:t>
             </a:r>
             <a:endParaRPr lang="en-US" sz="400" dirty="0"/>
+          </a:p>
+          <a:p>
+            <a:r>
+              <a:rPr lang="en-US" sz="400" dirty="0"/>
+              <a:t>  + set(</a:t>
+            </a:r>
+            <a:r>
+              <a:rPr lang="en-US" sz="400" dirty="0" err="1"/>
+              <a:t>contentId</a:t>
+            </a:r>
+            <a:r>
+              <a:rPr lang="en-US" sz="400" dirty="0"/>
+              <a:t>, </a:t>
+            </a:r>
+            <a:r>
+              <a:rPr lang="en-US" sz="400" dirty="0" err="1"/>
+              <a:t>sigmaId</a:t>
+            </a:r>
+            <a:r>
+              <a:rPr lang="en-US" sz="400" dirty="0"/>
+              <a:t>)</a:t>
+            </a:r>
+          </a:p>
+          <a:p>
+            <a:r>
+              <a:rPr lang="en-US" sz="400" dirty="0"/>
+              <a:t>  + get(</a:t>
+            </a:r>
+            <a:r>
+              <a:rPr lang="en-US" sz="400" dirty="0" err="1"/>
+              <a:t>contentId</a:t>
+            </a:r>
+            <a:r>
+              <a:rPr lang="en-US" sz="400" dirty="0"/>
+              <a:t>) : </a:t>
+            </a:r>
+            <a:r>
+              <a:rPr lang="en-US" sz="400" dirty="0" err="1"/>
+              <a:t>sigmaIds</a:t>
+            </a:r>
+            <a:r>
+              <a:rPr lang="en-US" sz="400" dirty="0"/>
+              <a:t>[]</a:t>
+            </a:r>
+          </a:p>
+        </p:txBody>
+      </p:sp>
+      <p:cxnSp>
+        <p:nvCxnSpPr>
+          <p:cNvPr id="215" name="Straight Arrow Connector 214">
+            <a:extLst>
+              <a:ext uri="{FF2B5EF4-FFF2-40B4-BE49-F238E27FC236}">
+                <a16:creationId xmlns:a16="http://schemas.microsoft.com/office/drawing/2014/main" id="{F15F62B8-002A-4207-AAE6-B479E4C6748D}"/>
+              </a:ext>
+            </a:extLst>
+          </p:cNvPr>
+          <p:cNvCxnSpPr>
+            <a:cxnSpLocks/>
+            <a:stCxn id="18" idx="0"/>
+            <a:endCxn id="21" idx="2"/>
+          </p:cNvCxnSpPr>
+          <p:nvPr/>
+        </p:nvCxnSpPr>
+        <p:spPr>
+          <a:xfrm flipV="1">
+            <a:off x="18176421" y="21788533"/>
+            <a:ext cx="958785" cy="134216"/>
+          </a:xfrm>
+          <a:prstGeom prst="straightConnector1">
+            <a:avLst/>
+          </a:prstGeom>
+          <a:ln>
+            <a:solidFill>
+              <a:srgbClr val="92D050"/>
+            </a:solidFill>
+            <a:tailEnd type="triangle"/>
+          </a:ln>
+        </p:spPr>
+        <p:style>
+          <a:lnRef idx="1">
+            <a:schemeClr val="accent1"/>
+          </a:lnRef>
+          <a:fillRef idx="0">
+            <a:schemeClr val="accent1"/>
+          </a:fillRef>
+          <a:effectRef idx="0">
+            <a:schemeClr val="accent1"/>
+          </a:effectRef>
+          <a:fontRef idx="minor">
+            <a:schemeClr val="tx1"/>
+          </a:fontRef>
+        </p:style>
+      </p:cxnSp>
+      <p:sp>
+        <p:nvSpPr>
+          <p:cNvPr id="228" name="TextBox 227">
+            <a:extLst>
+              <a:ext uri="{FF2B5EF4-FFF2-40B4-BE49-F238E27FC236}">
+                <a16:creationId xmlns:a16="http://schemas.microsoft.com/office/drawing/2014/main" id="{24217846-EEBD-44AF-9B74-177AF252E5A8}"/>
+              </a:ext>
+            </a:extLst>
+          </p:cNvPr>
+          <p:cNvSpPr txBox="1"/>
+          <p:nvPr/>
+        </p:nvSpPr>
+        <p:spPr>
+          <a:xfrm>
+            <a:off x="27826544" y="24341328"/>
+            <a:ext cx="886519" cy="369332"/>
+          </a:xfrm>
+          <a:prstGeom prst="rect">
+            <a:avLst/>
+          </a:prstGeom>
+          <a:noFill/>
+        </p:spPr>
+        <p:txBody>
+          <a:bodyPr wrap="square" rtlCol="0">
+            <a:spAutoFit/>
+          </a:bodyPr>
+          <a:lstStyle/>
+          <a:p>
+            <a:r>
+              <a:rPr lang="en-US" dirty="0"/>
+              <a:t>user</a:t>
+            </a:r>
           </a:p>
         </p:txBody>
       </p:sp>

--- a/docs/architecture.pptx
+++ b/docs/architecture.pptx
@@ -117,7 +117,7 @@
 
 <file path=ppt/commentAuthors.xml><?xml version="1.0" encoding="utf-8"?>
 <p:cmAuthorLst xmlns:a="http://schemas.openxmlformats.org/drawingml/2006/main" xmlns:r="http://schemas.openxmlformats.org/officeDocument/2006/relationships" xmlns:p="http://schemas.openxmlformats.org/presentationml/2006/main">
-  <p:cmAuthor id="1" name="John Simerlink" initials="JS" lastIdx="1" clrIdx="0">
+  <p:cmAuthor id="1" name="John Simerlink" initials="JS" lastIdx="4" clrIdx="0">
     <p:extLst>
       <p:ext uri="{19B8F6BF-5375-455C-9EA6-DF929625EA0E}">
         <p15:presenceInfo xmlns:p15="http://schemas.microsoft.com/office/powerpoint/2012/main" userId="bb2883f3ca9420d0" providerId="Windows Live"/>
@@ -129,6 +129,42 @@
 
 <file path=ppt/revisionInfo.xml><?xml version="1.0" encoding="utf-8"?>
 <p1510:revInfo xmlns:a="http://schemas.openxmlformats.org/drawingml/2006/main" xmlns:r="http://schemas.openxmlformats.org/officeDocument/2006/relationships" xmlns:p1510="http://schemas.microsoft.com/office/powerpoint/2015/10/main"/>
+</file>
+
+<file path=ppt/comments/comment1.xml><?xml version="1.0" encoding="utf-8"?>
+<p:cmLst xmlns:a="http://schemas.openxmlformats.org/drawingml/2006/main" xmlns:r="http://schemas.openxmlformats.org/officeDocument/2006/relationships" xmlns:p="http://schemas.openxmlformats.org/presentationml/2006/main">
+  <p:cm authorId="1" dt="2018-01-17T12:22:15.072" idx="2">
+    <p:pos x="12983" y="10857"/>
+    <p:text>This is so that we can pass userId as a prop to a mutation in BranchesStore, which will then combine userId with contentId to get contentUserId. What we were trying to do before was just get the contentUserId from the sigmaNode.contentUserData.id. The problem is, is if a user had never had an interation with that content id before, sigmaNode.contentUserData would be undefined and thus we couldn't get a contentUserData out of it</p:text>
+    <p:extLst>
+      <p:ext uri="{C676402C-5697-4E1C-873F-D02D1690AC5C}">
+        <p15:threadingInfo xmlns:p15="http://schemas.microsoft.com/office/powerpoint/2012/main" timeZoneBias="300"/>
+      </p:ext>
+    </p:extLst>
+  </p:cm>
+  <p:cm authorId="1" dt="2018-01-17T12:25:21.537" idx="3">
+    <p:pos x="12983" y="10953"/>
+    <p:text>We could 1) actually just pass the contentUserId as a prop to the BranchesStore ADD_CONTENT_INTERACTION Mutation. And the way we would get contentUserId in the tree.ts component is by passing it in in tooltipOpener. TooltipOpener would compute the contentUserId because a) it has userId as a property (that it gets updated from Vuex) and b) the tooltipOpener.openTooltipMethod(node: ISigmaNode) called in SigmaEventListener will access the contentId property on sigmaNode and combine it with userId to get ContentUserId. []We will have to have a check though that the tooltipOpener fails if there is no contentId.</p:text>
+    <p:extLst>
+      <p:ext uri="{C676402C-5697-4E1C-873F-D02D1690AC5C}">
+        <p15:threadingInfo xmlns:p15="http://schemas.microsoft.com/office/powerpoint/2012/main" timeZoneBias="300">
+          <p15:parentCm authorId="1" idx="2"/>
+        </p15:threadingInfo>
+      </p:ext>
+    </p:extLst>
+  </p:cm>
+  <p:cm authorId="1" dt="2018-01-17T12:31:26.672" idx="4">
+    <p:pos x="12983" y="11049"/>
+    <p:text>[] So we are going to have to modify TooltipOpener to include the config inside of the class directly? so that we can interpolate the userId property on tooltipOpener into the created template</p:text>
+    <p:extLst>
+      <p:ext uri="{C676402C-5697-4E1C-873F-D02D1690AC5C}">
+        <p15:threadingInfo xmlns:p15="http://schemas.microsoft.com/office/powerpoint/2012/main" timeZoneBias="300">
+          <p15:parentCm authorId="1" idx="2"/>
+        </p15:threadingInfo>
+      </p:ext>
+    </p:extLst>
+  </p:cm>
+</p:cmLst>
 </file>
 
 <file path=ppt/slideLayouts/slideLayout1.xml><?xml version="1.0" encoding="utf-8"?>
@@ -262,7 +298,7 @@
           <a:p>
             <a:fld id="{0A05F3B5-6F50-4323-80C0-955EB0110BAC}" type="datetimeFigureOut">
               <a:rPr lang="en-US" smtClean="0"/>
-              <a:t>1/10/2018</a:t>
+              <a:t>1/12/2018</a:t>
             </a:fld>
             <a:endParaRPr lang="en-US"/>
           </a:p>
@@ -432,7 +468,7 @@
           <a:p>
             <a:fld id="{0A05F3B5-6F50-4323-80C0-955EB0110BAC}" type="datetimeFigureOut">
               <a:rPr lang="en-US" smtClean="0"/>
-              <a:t>1/10/2018</a:t>
+              <a:t>1/12/2018</a:t>
             </a:fld>
             <a:endParaRPr lang="en-US"/>
           </a:p>
@@ -612,7 +648,7 @@
           <a:p>
             <a:fld id="{0A05F3B5-6F50-4323-80C0-955EB0110BAC}" type="datetimeFigureOut">
               <a:rPr lang="en-US" smtClean="0"/>
-              <a:t>1/10/2018</a:t>
+              <a:t>1/12/2018</a:t>
             </a:fld>
             <a:endParaRPr lang="en-US"/>
           </a:p>
@@ -782,7 +818,7 @@
           <a:p>
             <a:fld id="{0A05F3B5-6F50-4323-80C0-955EB0110BAC}" type="datetimeFigureOut">
               <a:rPr lang="en-US" smtClean="0"/>
-              <a:t>1/10/2018</a:t>
+              <a:t>1/12/2018</a:t>
             </a:fld>
             <a:endParaRPr lang="en-US"/>
           </a:p>
@@ -1026,7 +1062,7 @@
           <a:p>
             <a:fld id="{0A05F3B5-6F50-4323-80C0-955EB0110BAC}" type="datetimeFigureOut">
               <a:rPr lang="en-US" smtClean="0"/>
-              <a:t>1/10/2018</a:t>
+              <a:t>1/12/2018</a:t>
             </a:fld>
             <a:endParaRPr lang="en-US"/>
           </a:p>
@@ -1258,7 +1294,7 @@
           <a:p>
             <a:fld id="{0A05F3B5-6F50-4323-80C0-955EB0110BAC}" type="datetimeFigureOut">
               <a:rPr lang="en-US" smtClean="0"/>
-              <a:t>1/10/2018</a:t>
+              <a:t>1/12/2018</a:t>
             </a:fld>
             <a:endParaRPr lang="en-US"/>
           </a:p>
@@ -1625,7 +1661,7 @@
           <a:p>
             <a:fld id="{0A05F3B5-6F50-4323-80C0-955EB0110BAC}" type="datetimeFigureOut">
               <a:rPr lang="en-US" smtClean="0"/>
-              <a:t>1/10/2018</a:t>
+              <a:t>1/12/2018</a:t>
             </a:fld>
             <a:endParaRPr lang="en-US"/>
           </a:p>
@@ -1743,7 +1779,7 @@
           <a:p>
             <a:fld id="{0A05F3B5-6F50-4323-80C0-955EB0110BAC}" type="datetimeFigureOut">
               <a:rPr lang="en-US" smtClean="0"/>
-              <a:t>1/10/2018</a:t>
+              <a:t>1/12/2018</a:t>
             </a:fld>
             <a:endParaRPr lang="en-US"/>
           </a:p>
@@ -1838,7 +1874,7 @@
           <a:p>
             <a:fld id="{0A05F3B5-6F50-4323-80C0-955EB0110BAC}" type="datetimeFigureOut">
               <a:rPr lang="en-US" smtClean="0"/>
-              <a:t>1/10/2018</a:t>
+              <a:t>1/12/2018</a:t>
             </a:fld>
             <a:endParaRPr lang="en-US"/>
           </a:p>
@@ -2115,7 +2151,7 @@
           <a:p>
             <a:fld id="{0A05F3B5-6F50-4323-80C0-955EB0110BAC}" type="datetimeFigureOut">
               <a:rPr lang="en-US" smtClean="0"/>
-              <a:t>1/10/2018</a:t>
+              <a:t>1/12/2018</a:t>
             </a:fld>
             <a:endParaRPr lang="en-US"/>
           </a:p>
@@ -2372,7 +2408,7 @@
           <a:p>
             <a:fld id="{0A05F3B5-6F50-4323-80C0-955EB0110BAC}" type="datetimeFigureOut">
               <a:rPr lang="en-US" smtClean="0"/>
-              <a:t>1/10/2018</a:t>
+              <a:t>1/12/2018</a:t>
             </a:fld>
             <a:endParaRPr lang="en-US"/>
           </a:p>
@@ -2585,7 +2621,7 @@
           <a:p>
             <a:fld id="{0A05F3B5-6F50-4323-80C0-955EB0110BAC}" type="datetimeFigureOut">
               <a:rPr lang="en-US" smtClean="0"/>
-              <a:t>1/10/2018</a:t>
+              <a:t>1/12/2018</a:t>
             </a:fld>
             <a:endParaRPr lang="en-US"/>
           </a:p>
@@ -6763,10 +6799,10 @@
       </p:sp>
       <p:sp>
         <p:nvSpPr>
-          <p:cNvPr id="2" name="TextBox 1">
-            <a:extLst>
-              <a:ext uri="{FF2B5EF4-FFF2-40B4-BE49-F238E27FC236}">
-                <a16:creationId xmlns:a16="http://schemas.microsoft.com/office/drawing/2014/main" id="{2E0597A3-41BE-4D11-A315-1705EA007309}"/>
+          <p:cNvPr id="3" name="TextBox 2">
+            <a:extLst>
+              <a:ext uri="{FF2B5EF4-FFF2-40B4-BE49-F238E27FC236}">
+                <a16:creationId xmlns:a16="http://schemas.microsoft.com/office/drawing/2014/main" id="{4450358A-3F67-4420-916D-B297C97D5A69}"/>
               </a:ext>
             </a:extLst>
           </p:cNvPr>
@@ -6775,8 +6811,8 @@
         </p:nvSpPr>
         <p:spPr>
           <a:xfrm>
-            <a:off x="20095502" y="17329830"/>
-            <a:ext cx="1615210" cy="584775"/>
+            <a:off x="21903520" y="18433549"/>
+            <a:ext cx="4615065" cy="276999"/>
           </a:xfrm>
           <a:prstGeom prst="rect">
             <a:avLst/>
@@ -6790,74 +6826,6 @@
           <a:lstStyle/>
           <a:p>
             <a:r>
-              <a:rPr lang="en-US" sz="1200" dirty="0"/>
-              <a:t>UI/</a:t>
-            </a:r>
-            <a:r>
-              <a:rPr lang="en-US" sz="1200" dirty="0" err="1"/>
-              <a:t>Vue</a:t>
-            </a:r>
-            <a:r>
-              <a:rPr lang="en-US" sz="1200" dirty="0"/>
-              <a:t> components</a:t>
-            </a:r>
-          </a:p>
-          <a:p>
-            <a:r>
-              <a:rPr lang="en-US" sz="400" dirty="0"/>
-              <a:t>-have no knowledge of their objects</a:t>
-            </a:r>
-          </a:p>
-          <a:p>
-            <a:r>
-              <a:rPr lang="en-US" sz="400" dirty="0"/>
-              <a:t>-should not call any databases or ORMs to retrieve data</a:t>
-            </a:r>
-          </a:p>
-          <a:p>
-            <a:pPr defTabSz="114300"/>
-            <a:r>
-              <a:rPr lang="en-US" sz="400" dirty="0"/>
-              <a:t>	-should get all of its data from the JSON/ JS object from the sigma Nodes</a:t>
-            </a:r>
-          </a:p>
-          <a:p>
-            <a:r>
-              <a:rPr lang="en-US" sz="400" dirty="0"/>
-              <a:t>-only call mutations on store</a:t>
-            </a:r>
-          </a:p>
-        </p:txBody>
-      </p:sp>
-      <p:sp>
-        <p:nvSpPr>
-          <p:cNvPr id="3" name="TextBox 2">
-            <a:extLst>
-              <a:ext uri="{FF2B5EF4-FFF2-40B4-BE49-F238E27FC236}">
-                <a16:creationId xmlns:a16="http://schemas.microsoft.com/office/drawing/2014/main" id="{4450358A-3F67-4420-916D-B297C97D5A69}"/>
-              </a:ext>
-            </a:extLst>
-          </p:cNvPr>
-          <p:cNvSpPr txBox="1"/>
-          <p:nvPr/>
-        </p:nvSpPr>
-        <p:spPr>
-          <a:xfrm>
-            <a:off x="21903520" y="18433549"/>
-            <a:ext cx="4615065" cy="276999"/>
-          </a:xfrm>
-          <a:prstGeom prst="rect">
-            <a:avLst/>
-          </a:prstGeom>
-          <a:noFill/>
-        </p:spPr>
-        <p:txBody>
-          <a:bodyPr wrap="square" rtlCol="0">
-            <a:spAutoFit/>
-          </a:bodyPr>
-          <a:lstStyle/>
-          <a:p>
-            <a:r>
               <a:rPr lang="en-US" sz="400" dirty="0"/>
               <a:t>trigger store mutations (DATA_MUTATIONS)</a:t>
             </a:r>
@@ -6901,14 +6869,14 @@
           <p:cNvCxnSpPr>
             <a:cxnSpLocks/>
             <a:stCxn id="2" idx="2"/>
-            <a:endCxn id="37" idx="0"/>
+            <a:endCxn id="278" idx="0"/>
           </p:cNvCxnSpPr>
           <p:nvPr/>
         </p:nvCxnSpPr>
         <p:spPr>
           <a:xfrm>
-            <a:off x="20903107" y="17914605"/>
-            <a:ext cx="2044372" cy="3374502"/>
+            <a:off x="22113539" y="17474165"/>
+            <a:ext cx="269618" cy="3466298"/>
           </a:xfrm>
           <a:prstGeom prst="straightConnector1">
             <a:avLst/>
@@ -6966,7 +6934,7 @@
             <a:pPr algn="ctr"/>
             <a:r>
               <a:rPr lang="en-US" sz="800" dirty="0"/>
-              <a:t>STORE</a:t>
+              <a:t>GLOBAL_DATA_STORE</a:t>
             </a:r>
           </a:p>
           <a:p>
@@ -7536,64 +7504,6 @@
           </a:fontRef>
         </p:style>
       </p:cxnSp>
-      <p:sp>
-        <p:nvSpPr>
-          <p:cNvPr id="37" name="TextBox 36">
-            <a:extLst>
-              <a:ext uri="{FF2B5EF4-FFF2-40B4-BE49-F238E27FC236}">
-                <a16:creationId xmlns:a16="http://schemas.microsoft.com/office/drawing/2014/main" id="{5EFBCD58-F401-4730-A48F-C5D33E14D7F9}"/>
-              </a:ext>
-            </a:extLst>
-          </p:cNvPr>
-          <p:cNvSpPr txBox="1"/>
-          <p:nvPr/>
-        </p:nvSpPr>
-        <p:spPr>
-          <a:xfrm>
-            <a:off x="21571165" y="21289107"/>
-            <a:ext cx="2752628" cy="215444"/>
-          </a:xfrm>
-          <a:prstGeom prst="rect">
-            <a:avLst/>
-          </a:prstGeom>
-          <a:noFill/>
-        </p:spPr>
-        <p:txBody>
-          <a:bodyPr wrap="square" rtlCol="0">
-            <a:spAutoFit/>
-          </a:bodyPr>
-          <a:lstStyle/>
-          <a:p>
-            <a:r>
-              <a:rPr lang="en-US" sz="400" dirty="0" err="1"/>
-              <a:t>Store.addMutation</a:t>
-            </a:r>
-            <a:r>
-              <a:rPr lang="en-US" sz="400" dirty="0"/>
-              <a:t>({</a:t>
-            </a:r>
-            <a:r>
-              <a:rPr lang="en-US" sz="400" dirty="0" err="1"/>
-              <a:t>objectType</a:t>
-            </a:r>
-            <a:r>
-              <a:rPr lang="en-US" sz="400" dirty="0"/>
-              <a:t>: trees, </a:t>
-            </a:r>
-            <a:r>
-              <a:rPr lang="en-US" sz="400" dirty="0" err="1"/>
-              <a:t>objectId</a:t>
-            </a:r>
-            <a:r>
-              <a:rPr lang="en-US" sz="400" dirty="0"/>
-              <a:t>: efa234, property: children, mutation})</a:t>
-            </a:r>
-          </a:p>
-          <a:p>
-            <a:endParaRPr lang="en-US" sz="400" dirty="0"/>
-          </a:p>
-        </p:txBody>
-      </p:sp>
       <p:cxnSp>
         <p:nvCxnSpPr>
           <p:cNvPr id="40" name="Straight Arrow Connector 39">
@@ -9472,96 +9382,6 @@
           </a:p>
         </p:txBody>
       </p:sp>
-      <p:sp>
-        <p:nvSpPr>
-          <p:cNvPr id="274" name="TextBox 273">
-            <a:extLst>
-              <a:ext uri="{FF2B5EF4-FFF2-40B4-BE49-F238E27FC236}">
-                <a16:creationId xmlns:a16="http://schemas.microsoft.com/office/drawing/2014/main" id="{AC73E328-E5E1-4F8F-ABDB-E94D6DE9980F}"/>
-              </a:ext>
-            </a:extLst>
-          </p:cNvPr>
-          <p:cNvSpPr txBox="1"/>
-          <p:nvPr/>
-        </p:nvSpPr>
-        <p:spPr>
-          <a:xfrm>
-            <a:off x="19506927" y="18999553"/>
-            <a:ext cx="1134636" cy="646331"/>
-          </a:xfrm>
-          <a:prstGeom prst="rect">
-            <a:avLst/>
-          </a:prstGeom>
-          <a:noFill/>
-        </p:spPr>
-        <p:txBody>
-          <a:bodyPr wrap="square" rtlCol="0">
-            <a:spAutoFit/>
-          </a:bodyPr>
-          <a:lstStyle/>
-          <a:p>
-            <a:r>
-              <a:rPr lang="en-US" sz="400" dirty="0" err="1"/>
-              <a:t>SigmaListener</a:t>
-            </a:r>
-            <a:endParaRPr lang="en-US" sz="400" dirty="0"/>
-          </a:p>
-          <a:p>
-            <a:r>
-              <a:rPr lang="en-US" sz="400" dirty="0"/>
-              <a:t>-listens to sigma Events and converts them to 1) store mutations, 2) open </a:t>
-            </a:r>
-            <a:r>
-              <a:rPr lang="en-US" sz="400" dirty="0" err="1"/>
-              <a:t>Vue</a:t>
-            </a:r>
-            <a:r>
-              <a:rPr lang="en-US" sz="400" dirty="0"/>
-              <a:t> templates or 3) UI mutations (such as </a:t>
-            </a:r>
-            <a:r>
-              <a:rPr lang="en-US" sz="400" dirty="0" err="1"/>
-              <a:t>saveHistory</a:t>
-            </a:r>
-            <a:r>
-              <a:rPr lang="en-US" sz="400" dirty="0"/>
-              <a:t>)</a:t>
-            </a:r>
-          </a:p>
-          <a:p>
-            <a:r>
-              <a:rPr lang="en-US" sz="400" dirty="0"/>
-              <a:t>-reference to store, and reference to </a:t>
-            </a:r>
-            <a:r>
-              <a:rPr lang="en-US" sz="400" dirty="0" err="1"/>
-              <a:t>sigmaInstance</a:t>
-            </a:r>
-            <a:endParaRPr lang="en-US" sz="400" dirty="0"/>
-          </a:p>
-          <a:p>
-            <a:endParaRPr lang="en-US" sz="400" dirty="0"/>
-          </a:p>
-          <a:p>
-            <a:r>
-              <a:rPr lang="en-US" sz="400" dirty="0" err="1"/>
-              <a:t>SIGMA_INSTANCE.on</a:t>
-            </a:r>
-            <a:r>
-              <a:rPr lang="en-US" sz="400" dirty="0"/>
-              <a:t>(</a:t>
-            </a:r>
-            <a:r>
-              <a:rPr lang="en-US" sz="400" dirty="0" err="1"/>
-              <a:t>SIGMA_EVENTS.tree_location_move</a:t>
-            </a:r>
-            <a:r>
-              <a:rPr lang="en-US" sz="400" dirty="0"/>
-              <a:t>, ….)</a:t>
-            </a:r>
-          </a:p>
-        </p:txBody>
-      </p:sp>
       <p:cxnSp>
         <p:nvCxnSpPr>
           <p:cNvPr id="283" name="Straight Arrow Connector 282">
@@ -9574,14 +9394,14 @@
           <p:cNvCxnSpPr>
             <a:cxnSpLocks/>
             <a:stCxn id="274" idx="2"/>
-            <a:endCxn id="37" idx="0"/>
+            <a:endCxn id="278" idx="0"/>
           </p:cNvCxnSpPr>
           <p:nvPr/>
         </p:nvCxnSpPr>
         <p:spPr>
           <a:xfrm>
             <a:off x="20074245" y="19645884"/>
-            <a:ext cx="2873234" cy="1643223"/>
+            <a:ext cx="2308912" cy="1294579"/>
           </a:xfrm>
           <a:prstGeom prst="straightConnector1">
             <a:avLst/>
@@ -9671,7 +9491,7 @@
         </p:nvSpPr>
         <p:spPr>
           <a:xfrm>
-            <a:off x="19922595" y="20010805"/>
+            <a:off x="23072155" y="21609465"/>
             <a:ext cx="804552" cy="523220"/>
           </a:xfrm>
           <a:prstGeom prst="rect">
@@ -9689,7 +9509,7 @@
           <a:p>
             <a:r>
               <a:rPr lang="en-US" sz="400" dirty="0" err="1"/>
-              <a:t>Store.addMutation</a:t>
+              <a:t>globalDataStore.addMutation</a:t>
             </a:r>
             <a:r>
               <a:rPr lang="en-US" sz="400" dirty="0"/>
@@ -12203,15 +12023,15 @@
           </p:cNvPr>
           <p:cNvCxnSpPr>
             <a:cxnSpLocks/>
-            <a:stCxn id="274" idx="0"/>
+            <a:stCxn id="266" idx="0"/>
             <a:endCxn id="2" idx="2"/>
           </p:cNvCxnSpPr>
           <p:nvPr/>
         </p:nvCxnSpPr>
         <p:spPr>
           <a:xfrm flipV="1">
-            <a:off x="20074245" y="17914605"/>
-            <a:ext cx="828862" cy="1084948"/>
+            <a:off x="21333306" y="17474165"/>
+            <a:ext cx="780233" cy="1767351"/>
           </a:xfrm>
           <a:prstGeom prst="straightConnector1">
             <a:avLst/>
@@ -12252,8 +12072,8 @@
         </p:nvSpPr>
         <p:spPr>
           <a:xfrm>
-            <a:off x="19847880" y="18531012"/>
-            <a:ext cx="1232345" cy="215444"/>
+            <a:off x="20824303" y="18889541"/>
+            <a:ext cx="1232345" cy="153888"/>
           </a:xfrm>
           <a:prstGeom prst="rect">
             <a:avLst/>
@@ -12267,15 +12087,15 @@
           <a:lstStyle/>
           <a:p>
             <a:r>
-              <a:rPr lang="en-US" sz="800" dirty="0"/>
-              <a:t>2 Open </a:t>
-            </a:r>
-            <a:r>
-              <a:rPr lang="en-US" sz="800" dirty="0" err="1"/>
+              <a:rPr lang="en-US" sz="400" dirty="0"/>
+              <a:t>Create and Open </a:t>
+            </a:r>
+            <a:r>
+              <a:rPr lang="en-US" sz="400" dirty="0" err="1"/>
               <a:t>Vue</a:t>
             </a:r>
             <a:r>
-              <a:rPr lang="en-US" sz="800" dirty="0"/>
+              <a:rPr lang="en-US" sz="400" dirty="0"/>
               <a:t> Templates</a:t>
             </a:r>
           </a:p>
@@ -12467,52 +12287,6 @@
           </a:p>
         </p:txBody>
       </p:sp>
-      <p:cxnSp>
-        <p:nvCxnSpPr>
-          <p:cNvPr id="129" name="Straight Arrow Connector 128">
-            <a:extLst>
-              <a:ext uri="{FF2B5EF4-FFF2-40B4-BE49-F238E27FC236}">
-                <a16:creationId xmlns:a16="http://schemas.microsoft.com/office/drawing/2014/main" id="{EF5B787E-C97D-45DB-9363-5A954A8F0F56}"/>
-              </a:ext>
-            </a:extLst>
-          </p:cNvPr>
-          <p:cNvCxnSpPr>
-            <a:cxnSpLocks/>
-            <a:stCxn id="37" idx="2"/>
-            <a:endCxn id="11" idx="0"/>
-          </p:cNvCxnSpPr>
-          <p:nvPr/>
-        </p:nvCxnSpPr>
-        <p:spPr>
-          <a:xfrm>
-            <a:off x="22947479" y="21504551"/>
-            <a:ext cx="0" cy="962656"/>
-          </a:xfrm>
-          <a:prstGeom prst="straightConnector1">
-            <a:avLst/>
-          </a:prstGeom>
-          <a:ln w="76200">
-            <a:solidFill>
-              <a:schemeClr val="accent4"/>
-            </a:solidFill>
-            <a:tailEnd type="triangle"/>
-          </a:ln>
-        </p:spPr>
-        <p:style>
-          <a:lnRef idx="1">
-            <a:schemeClr val="accent1"/>
-          </a:lnRef>
-          <a:fillRef idx="0">
-            <a:schemeClr val="accent1"/>
-          </a:fillRef>
-          <a:effectRef idx="0">
-            <a:schemeClr val="accent1"/>
-          </a:effectRef>
-          <a:fontRef idx="minor">
-            <a:schemeClr val="tx1"/>
-          </a:fontRef>
-        </p:style>
-      </p:cxnSp>
       <p:grpSp>
         <p:nvGrpSpPr>
           <p:cNvPr id="248" name="Group 247">
@@ -13196,14 +12970,14 @@
           <p:cNvCxnSpPr>
             <a:cxnSpLocks/>
             <a:stCxn id="7" idx="0"/>
-            <a:endCxn id="18" idx="2"/>
+            <a:endCxn id="226" idx="2"/>
           </p:cNvCxnSpPr>
           <p:nvPr/>
         </p:nvCxnSpPr>
         <p:spPr>
-          <a:xfrm flipV="1">
-            <a:off x="16811394" y="22076637"/>
-            <a:ext cx="1365027" cy="1594022"/>
+          <a:xfrm flipH="1" flipV="1">
+            <a:off x="16306602" y="22327224"/>
+            <a:ext cx="504792" cy="1343435"/>
           </a:xfrm>
           <a:prstGeom prst="straightConnector1">
             <a:avLst/>
@@ -13661,42 +13435,6 @@
           </p:txBody>
         </p:sp>
       </p:grpSp>
-      <p:sp>
-        <p:nvSpPr>
-          <p:cNvPr id="162" name="TextBox 161">
-            <a:extLst>
-              <a:ext uri="{FF2B5EF4-FFF2-40B4-BE49-F238E27FC236}">
-                <a16:creationId xmlns:a16="http://schemas.microsoft.com/office/drawing/2014/main" id="{C5453BFB-426C-41F1-A3BF-028AE67B1AA7}"/>
-              </a:ext>
-            </a:extLst>
-          </p:cNvPr>
-          <p:cNvSpPr txBox="1"/>
-          <p:nvPr/>
-        </p:nvSpPr>
-        <p:spPr>
-          <a:xfrm>
-            <a:off x="17851956" y="21557214"/>
-            <a:ext cx="641775" cy="153888"/>
-          </a:xfrm>
-          <a:prstGeom prst="rect">
-            <a:avLst/>
-          </a:prstGeom>
-          <a:noFill/>
-        </p:spPr>
-        <p:txBody>
-          <a:bodyPr wrap="square" rtlCol="0">
-            <a:spAutoFit/>
-          </a:bodyPr>
-          <a:lstStyle/>
-          <a:p>
-            <a:r>
-              <a:rPr lang="en-US" sz="400" dirty="0" err="1"/>
-              <a:t>sigmaNodeCreator</a:t>
-            </a:r>
-            <a:endParaRPr lang="en-US" sz="400" dirty="0"/>
-          </a:p>
-        </p:txBody>
-      </p:sp>
       <p:cxnSp>
         <p:nvCxnSpPr>
           <p:cNvPr id="35" name="Straight Arrow Connector 34">
@@ -13708,15 +13446,15 @@
           </p:cNvPr>
           <p:cNvCxnSpPr>
             <a:cxnSpLocks/>
-            <a:stCxn id="273" idx="0"/>
+            <a:stCxn id="166" idx="4"/>
             <a:endCxn id="245" idx="2"/>
           </p:cNvCxnSpPr>
           <p:nvPr/>
         </p:nvCxnSpPr>
         <p:spPr>
           <a:xfrm flipV="1">
-            <a:off x="18079493" y="20414417"/>
-            <a:ext cx="101804" cy="365172"/>
+            <a:off x="18105479" y="20414417"/>
+            <a:ext cx="75818" cy="299934"/>
           </a:xfrm>
           <a:prstGeom prst="straightConnector1">
             <a:avLst/>
@@ -15311,14 +15049,14 @@
           <p:cNvCxnSpPr>
             <a:cxnSpLocks/>
             <a:stCxn id="175" idx="0"/>
-            <a:endCxn id="18" idx="2"/>
+            <a:endCxn id="226" idx="2"/>
           </p:cNvCxnSpPr>
           <p:nvPr/>
         </p:nvCxnSpPr>
         <p:spPr>
-          <a:xfrm flipV="1">
-            <a:off x="16811394" y="22076637"/>
-            <a:ext cx="1365027" cy="2029003"/>
+          <a:xfrm flipH="1" flipV="1">
+            <a:off x="16306602" y="22327224"/>
+            <a:ext cx="504792" cy="1778416"/>
           </a:xfrm>
           <a:prstGeom prst="straightConnector1">
             <a:avLst/>
@@ -15358,14 +15096,14 @@
           <p:cNvCxnSpPr>
             <a:cxnSpLocks/>
             <a:stCxn id="175" idx="2"/>
-            <a:endCxn id="18" idx="2"/>
+            <a:endCxn id="226" idx="2"/>
           </p:cNvCxnSpPr>
           <p:nvPr/>
         </p:nvCxnSpPr>
         <p:spPr>
-          <a:xfrm flipV="1">
-            <a:off x="16811394" y="22076637"/>
-            <a:ext cx="1365027" cy="2429113"/>
+          <a:xfrm flipH="1" flipV="1">
+            <a:off x="16306602" y="22327224"/>
+            <a:ext cx="504792" cy="2178526"/>
           </a:xfrm>
           <a:prstGeom prst="straightConnector1">
             <a:avLst/>
@@ -15405,14 +15143,14 @@
           <p:cNvCxnSpPr>
             <a:cxnSpLocks/>
             <a:stCxn id="180" idx="2"/>
-            <a:endCxn id="18" idx="2"/>
+            <a:endCxn id="226" idx="2"/>
           </p:cNvCxnSpPr>
           <p:nvPr/>
         </p:nvCxnSpPr>
         <p:spPr>
-          <a:xfrm flipV="1">
-            <a:off x="16811394" y="22076637"/>
-            <a:ext cx="1365027" cy="2830555"/>
+          <a:xfrm flipH="1" flipV="1">
+            <a:off x="16306602" y="22327224"/>
+            <a:ext cx="504792" cy="2579968"/>
           </a:xfrm>
           <a:prstGeom prst="straightConnector1">
             <a:avLst/>
@@ -15452,14 +15190,14 @@
           <p:cNvCxnSpPr>
             <a:cxnSpLocks/>
             <a:stCxn id="196" idx="0"/>
-            <a:endCxn id="18" idx="2"/>
+            <a:endCxn id="226" idx="2"/>
           </p:cNvCxnSpPr>
           <p:nvPr/>
         </p:nvCxnSpPr>
         <p:spPr>
-          <a:xfrm flipV="1">
-            <a:off x="16811394" y="22076637"/>
-            <a:ext cx="1365027" cy="3162677"/>
+          <a:xfrm flipH="1" flipV="1">
+            <a:off x="16306602" y="22327224"/>
+            <a:ext cx="504792" cy="2912090"/>
           </a:xfrm>
           <a:prstGeom prst="straightConnector1">
             <a:avLst/>
@@ -15631,8 +15369,8 @@
         </p:nvSpPr>
         <p:spPr>
           <a:xfrm>
-            <a:off x="17793450" y="21922749"/>
-            <a:ext cx="765942" cy="153888"/>
+            <a:off x="17787735" y="21918158"/>
+            <a:ext cx="1075961" cy="338554"/>
           </a:xfrm>
           <a:prstGeom prst="rect">
             <a:avLst/>
@@ -15647,8 +15385,35 @@
           <a:p>
             <a:r>
               <a:rPr lang="en-US" sz="400" dirty="0" err="1"/>
-              <a:t>StoreSourceUpdateListener</a:t>
-            </a:r>
+              <a:t>StoreSourceUpdateListenerCore</a:t>
+            </a:r>
+            <a:endParaRPr lang="en-US" sz="400" dirty="0"/>
+          </a:p>
+          <a:p>
+            <a:r>
+              <a:rPr lang="en-US" sz="400" dirty="0"/>
+              <a:t>+</a:t>
+            </a:r>
+            <a:r>
+              <a:rPr lang="en-US" sz="400" dirty="0" err="1"/>
+              <a:t>receiveUpdate</a:t>
+            </a:r>
+            <a:endParaRPr lang="en-US" sz="400" dirty="0"/>
+          </a:p>
+          <a:p>
+            <a:pPr defTabSz="114300"/>
+            <a:r>
+              <a:rPr lang="en-US" sz="400" dirty="0"/>
+              <a:t>	creates the </a:t>
+            </a:r>
+            <a:r>
+              <a:rPr lang="en-US" sz="400" dirty="0" err="1"/>
+              <a:t>sigmaNodes</a:t>
+            </a:r>
+            <a:endParaRPr lang="en-US" sz="400" dirty="0"/>
+          </a:p>
+          <a:p>
+            <a:pPr defTabSz="114300"/>
             <a:endParaRPr lang="en-US" sz="400" dirty="0"/>
           </a:p>
         </p:txBody>
@@ -15665,14 +15430,14 @@
           <p:cNvCxnSpPr>
             <a:cxnSpLocks/>
             <a:stCxn id="18" idx="0"/>
-            <a:endCxn id="162" idx="2"/>
+            <a:endCxn id="166" idx="4"/>
           </p:cNvCxnSpPr>
           <p:nvPr/>
         </p:nvCxnSpPr>
         <p:spPr>
           <a:xfrm flipH="1" flipV="1">
-            <a:off x="18172844" y="21711102"/>
-            <a:ext cx="3577" cy="211647"/>
+            <a:off x="18105479" y="20714351"/>
+            <a:ext cx="220237" cy="1203807"/>
           </a:xfrm>
           <a:prstGeom prst="straightConnector1">
             <a:avLst/>
@@ -15747,10 +15512,10 @@
       </p:cxnSp>
       <p:sp>
         <p:nvSpPr>
-          <p:cNvPr id="273" name="TextBox 272">
-            <a:extLst>
-              <a:ext uri="{FF2B5EF4-FFF2-40B4-BE49-F238E27FC236}">
-                <a16:creationId xmlns:a16="http://schemas.microsoft.com/office/drawing/2014/main" id="{53E1610E-0887-49B1-A936-EDE9E49A136F}"/>
+          <p:cNvPr id="61" name="TextBox 60">
+            <a:extLst>
+              <a:ext uri="{FF2B5EF4-FFF2-40B4-BE49-F238E27FC236}">
+                <a16:creationId xmlns:a16="http://schemas.microsoft.com/office/drawing/2014/main" id="{F1987E75-2953-49D6-BAFD-6CC2E0F5F2CD}"/>
               </a:ext>
             </a:extLst>
           </p:cNvPr>
@@ -15759,8 +15524,8 @@
         </p:nvSpPr>
         <p:spPr>
           <a:xfrm>
-            <a:off x="17733108" y="20779589"/>
-            <a:ext cx="692770" cy="153888"/>
+            <a:off x="16294418" y="21495711"/>
+            <a:ext cx="1268385" cy="461665"/>
           </a:xfrm>
           <a:prstGeom prst="rect">
             <a:avLst/>
@@ -15774,19 +15539,112 @@
           <a:lstStyle/>
           <a:p>
             <a:r>
-              <a:rPr lang="en-US" sz="400" dirty="0" err="1"/>
-              <a:t>sigmaNodeCreatorCore</a:t>
-            </a:r>
-            <a:endParaRPr lang="en-US" sz="400" dirty="0"/>
+              <a:rPr lang="en-US" sz="400" dirty="0"/>
+              <a:t>Data </a:t>
+            </a:r>
+            <a:r>
+              <a:rPr lang="en-US" sz="400" dirty="0" err="1"/>
+              <a:t>Update_UI_UPDATE</a:t>
+            </a:r>
+            <a:r>
+              <a:rPr lang="en-US" sz="400" dirty="0"/>
+              <a:t> BRIDGE</a:t>
+            </a:r>
+          </a:p>
+          <a:p>
+            <a:r>
+              <a:rPr lang="en-US" sz="400" dirty="0"/>
+              <a:t>- Subscribes to store updates</a:t>
+            </a:r>
+          </a:p>
+          <a:p>
+            <a:r>
+              <a:rPr lang="en-US" sz="400" dirty="0"/>
+              <a:t>parses update</a:t>
+            </a:r>
+          </a:p>
+          <a:p>
+            <a:r>
+              <a:rPr lang="en-US" sz="400" dirty="0"/>
+              <a:t>- has reference to a </a:t>
+            </a:r>
+            <a:r>
+              <a:rPr lang="en-US" sz="400" dirty="0" err="1"/>
+              <a:t>sigma_handler</a:t>
+            </a:r>
+            <a:r>
+              <a:rPr lang="en-US" sz="400" dirty="0"/>
+              <a:t> and other UIS</a:t>
+            </a:r>
+          </a:p>
+          <a:p>
+            <a:r>
+              <a:rPr lang="en-US" sz="400" dirty="0"/>
+              <a:t>- calls the correct method w/ correct </a:t>
+            </a:r>
+            <a:r>
+              <a:rPr lang="en-US" sz="400" dirty="0" err="1"/>
+              <a:t>params</a:t>
+            </a:r>
+            <a:r>
+              <a:rPr lang="en-US" sz="400" dirty="0"/>
+              <a:t> on SIGMA_HANDLER + other UIs</a:t>
+            </a:r>
           </a:p>
         </p:txBody>
       </p:sp>
+      <p:cxnSp>
+        <p:nvCxnSpPr>
+          <p:cNvPr id="322" name="Straight Arrow Connector 321">
+            <a:extLst>
+              <a:ext uri="{FF2B5EF4-FFF2-40B4-BE49-F238E27FC236}">
+                <a16:creationId xmlns:a16="http://schemas.microsoft.com/office/drawing/2014/main" id="{C1D0D427-7CCF-4F61-9497-D7511491D7B0}"/>
+              </a:ext>
+            </a:extLst>
+          </p:cNvPr>
+          <p:cNvCxnSpPr>
+            <a:cxnSpLocks/>
+            <a:stCxn id="18" idx="0"/>
+            <a:endCxn id="27" idx="2"/>
+          </p:cNvCxnSpPr>
+          <p:nvPr/>
+        </p:nvCxnSpPr>
+        <p:spPr>
+          <a:xfrm flipH="1" flipV="1">
+            <a:off x="16709140" y="20204204"/>
+            <a:ext cx="1616576" cy="1713954"/>
+          </a:xfrm>
+          <a:prstGeom prst="straightConnector1">
+            <a:avLst/>
+          </a:prstGeom>
+          <a:ln>
+            <a:solidFill>
+              <a:srgbClr val="00B0F0"/>
+            </a:solidFill>
+            <a:tailEnd type="triangle"/>
+          </a:ln>
+        </p:spPr>
+        <p:style>
+          <a:lnRef idx="1">
+            <a:schemeClr val="accent1"/>
+          </a:lnRef>
+          <a:fillRef idx="0">
+            <a:schemeClr val="accent1"/>
+          </a:fillRef>
+          <a:effectRef idx="0">
+            <a:schemeClr val="accent1"/>
+          </a:effectRef>
+          <a:fontRef idx="minor">
+            <a:schemeClr val="tx1"/>
+          </a:fontRef>
+        </p:style>
+      </p:cxnSp>
       <p:sp>
         <p:nvSpPr>
-          <p:cNvPr id="61" name="TextBox 60">
-            <a:extLst>
-              <a:ext uri="{FF2B5EF4-FFF2-40B4-BE49-F238E27FC236}">
-                <a16:creationId xmlns:a16="http://schemas.microsoft.com/office/drawing/2014/main" id="{F1987E75-2953-49D6-BAFD-6CC2E0F5F2CD}"/>
+          <p:cNvPr id="21" name="TextBox 20">
+            <a:extLst>
+              <a:ext uri="{FF2B5EF4-FFF2-40B4-BE49-F238E27FC236}">
+                <a16:creationId xmlns:a16="http://schemas.microsoft.com/office/drawing/2014/main" id="{7A32B25D-0E85-4D6B-9E74-32CCB94CB3E1}"/>
               </a:ext>
             </a:extLst>
           </p:cNvPr>
@@ -15795,8 +15653,8 @@
         </p:nvSpPr>
         <p:spPr>
           <a:xfrm>
-            <a:off x="16294418" y="21495711"/>
-            <a:ext cx="1268385" cy="461665"/>
+            <a:off x="18750265" y="21449979"/>
+            <a:ext cx="769881" cy="338554"/>
           </a:xfrm>
           <a:prstGeom prst="rect">
             <a:avLst/>
@@ -15810,80 +15668,77 @@
           <a:lstStyle/>
           <a:p>
             <a:r>
-              <a:rPr lang="en-US" sz="400" dirty="0"/>
-              <a:t>Data </a:t>
-            </a:r>
-            <a:r>
-              <a:rPr lang="en-US" sz="400" dirty="0" err="1"/>
-              <a:t>Update_UI_UPDATE</a:t>
-            </a:r>
-            <a:r>
-              <a:rPr lang="en-US" sz="400" dirty="0"/>
-              <a:t> BRIDGE</a:t>
-            </a:r>
-          </a:p>
-          <a:p>
-            <a:r>
-              <a:rPr lang="en-US" sz="400" dirty="0"/>
-              <a:t>- Subscribes to store updates</a:t>
-            </a:r>
-          </a:p>
-          <a:p>
-            <a:r>
-              <a:rPr lang="en-US" sz="400" dirty="0"/>
-              <a:t>parses update</a:t>
-            </a:r>
-          </a:p>
-          <a:p>
-            <a:r>
-              <a:rPr lang="en-US" sz="400" dirty="0"/>
-              <a:t>- has reference to a </a:t>
-            </a:r>
-            <a:r>
-              <a:rPr lang="en-US" sz="400" dirty="0" err="1"/>
-              <a:t>sigma_handler</a:t>
-            </a:r>
-            <a:r>
-              <a:rPr lang="en-US" sz="400" dirty="0"/>
-              <a:t> and other UIS</a:t>
-            </a:r>
-          </a:p>
-          <a:p>
-            <a:r>
-              <a:rPr lang="en-US" sz="400" dirty="0"/>
-              <a:t>- calls the correct method w/ correct </a:t>
-            </a:r>
-            <a:r>
-              <a:rPr lang="en-US" sz="400" dirty="0" err="1"/>
-              <a:t>params</a:t>
-            </a:r>
-            <a:r>
-              <a:rPr lang="en-US" sz="400" dirty="0"/>
-              <a:t> on SIGMA_HANDLER + other UIs</a:t>
+              <a:rPr lang="en-US" sz="400" dirty="0" err="1"/>
+              <a:t>contentIdSigmaIdMap</a:t>
+            </a:r>
+            <a:endParaRPr lang="en-US" sz="400" dirty="0"/>
+          </a:p>
+          <a:p>
+            <a:r>
+              <a:rPr lang="en-US" sz="400" dirty="0"/>
+              <a:t>  + set(</a:t>
+            </a:r>
+            <a:r>
+              <a:rPr lang="en-US" sz="400" dirty="0" err="1"/>
+              <a:t>contentId</a:t>
+            </a:r>
+            <a:r>
+              <a:rPr lang="en-US" sz="400" dirty="0"/>
+              <a:t>, </a:t>
+            </a:r>
+            <a:r>
+              <a:rPr lang="en-US" sz="400" dirty="0" err="1"/>
+              <a:t>sigmaId</a:t>
+            </a:r>
+            <a:r>
+              <a:rPr lang="en-US" sz="400" dirty="0"/>
+              <a:t>)</a:t>
+            </a:r>
+          </a:p>
+          <a:p>
+            <a:r>
+              <a:rPr lang="en-US" sz="400" dirty="0"/>
+              <a:t>  + get(</a:t>
+            </a:r>
+            <a:r>
+              <a:rPr lang="en-US" sz="400" dirty="0" err="1"/>
+              <a:t>contentId</a:t>
+            </a:r>
+            <a:r>
+              <a:rPr lang="en-US" sz="400" dirty="0"/>
+              <a:t>) : </a:t>
+            </a:r>
+            <a:r>
+              <a:rPr lang="en-US" sz="400" dirty="0" err="1"/>
+              <a:t>sigmaIds</a:t>
+            </a:r>
+            <a:r>
+              <a:rPr lang="en-US" sz="400" dirty="0"/>
+              <a:t>[]</a:t>
             </a:r>
           </a:p>
         </p:txBody>
       </p:sp>
       <p:cxnSp>
         <p:nvCxnSpPr>
-          <p:cNvPr id="296" name="Straight Arrow Connector 295">
-            <a:extLst>
-              <a:ext uri="{FF2B5EF4-FFF2-40B4-BE49-F238E27FC236}">
-                <a16:creationId xmlns:a16="http://schemas.microsoft.com/office/drawing/2014/main" id="{EE2C6E1B-1E41-4F55-B793-2222A1D428C0}"/>
+          <p:cNvPr id="215" name="Straight Arrow Connector 214">
+            <a:extLst>
+              <a:ext uri="{FF2B5EF4-FFF2-40B4-BE49-F238E27FC236}">
+                <a16:creationId xmlns:a16="http://schemas.microsoft.com/office/drawing/2014/main" id="{F15F62B8-002A-4207-AAE6-B479E4C6748D}"/>
               </a:ext>
             </a:extLst>
           </p:cNvPr>
           <p:cNvCxnSpPr>
             <a:cxnSpLocks/>
-            <a:stCxn id="162" idx="0"/>
-            <a:endCxn id="273" idx="2"/>
+            <a:stCxn id="18" idx="0"/>
+            <a:endCxn id="21" idx="2"/>
           </p:cNvCxnSpPr>
           <p:nvPr/>
         </p:nvCxnSpPr>
         <p:spPr>
-          <a:xfrm flipH="1" flipV="1">
-            <a:off x="18079493" y="20933477"/>
-            <a:ext cx="93351" cy="623737"/>
+          <a:xfrm flipV="1">
+            <a:off x="18325716" y="21788533"/>
+            <a:ext cx="809490" cy="129625"/>
           </a:xfrm>
           <a:prstGeom prst="straightConnector1">
             <a:avLst/>
@@ -15910,33 +15765,90 @@
           </a:fontRef>
         </p:style>
       </p:cxnSp>
+      <p:sp>
+        <p:nvSpPr>
+          <p:cNvPr id="228" name="TextBox 227">
+            <a:extLst>
+              <a:ext uri="{FF2B5EF4-FFF2-40B4-BE49-F238E27FC236}">
+                <a16:creationId xmlns:a16="http://schemas.microsoft.com/office/drawing/2014/main" id="{24217846-EEBD-44AF-9B74-177AF252E5A8}"/>
+              </a:ext>
+            </a:extLst>
+          </p:cNvPr>
+          <p:cNvSpPr txBox="1"/>
+          <p:nvPr/>
+        </p:nvSpPr>
+        <p:spPr>
+          <a:xfrm>
+            <a:off x="27826544" y="24341328"/>
+            <a:ext cx="1621912" cy="923330"/>
+          </a:xfrm>
+          <a:prstGeom prst="rect">
+            <a:avLst/>
+          </a:prstGeom>
+          <a:noFill/>
+        </p:spPr>
+        <p:txBody>
+          <a:bodyPr wrap="square" rtlCol="0">
+            <a:spAutoFit/>
+          </a:bodyPr>
+          <a:lstStyle/>
+          <a:p>
+            <a:r>
+              <a:rPr lang="en-US" dirty="0"/>
+              <a:t>User</a:t>
+            </a:r>
+          </a:p>
+          <a:p>
+            <a:pPr marL="285750" indent="-285750">
+              <a:buFont typeface="Arial" panose="020B0604020202020204" pitchFamily="34" charset="0"/>
+              <a:buChar char="•"/>
+            </a:pPr>
+            <a:r>
+              <a:rPr lang="en-US" dirty="0"/>
+              <a:t>+</a:t>
+            </a:r>
+            <a:r>
+              <a:rPr lang="en-US" dirty="0" err="1"/>
+              <a:t>setCamera</a:t>
+            </a:r>
+            <a:endParaRPr lang="en-US" dirty="0"/>
+          </a:p>
+          <a:p>
+            <a:pPr marL="285750" indent="-285750">
+              <a:buFont typeface="Arial" panose="020B0604020202020204" pitchFamily="34" charset="0"/>
+              <a:buChar char="•"/>
+            </a:pPr>
+            <a:endParaRPr lang="en-US" dirty="0"/>
+          </a:p>
+        </p:txBody>
+      </p:sp>
       <p:cxnSp>
         <p:nvCxnSpPr>
-          <p:cNvPr id="322" name="Straight Arrow Connector 321">
-            <a:extLst>
-              <a:ext uri="{FF2B5EF4-FFF2-40B4-BE49-F238E27FC236}">
-                <a16:creationId xmlns:a16="http://schemas.microsoft.com/office/drawing/2014/main" id="{C1D0D427-7CCF-4F61-9497-D7511491D7B0}"/>
+          <p:cNvPr id="216" name="Straight Arrow Connector 215">
+            <a:extLst>
+              <a:ext uri="{FF2B5EF4-FFF2-40B4-BE49-F238E27FC236}">
+                <a16:creationId xmlns:a16="http://schemas.microsoft.com/office/drawing/2014/main" id="{1668B7EE-5650-466F-8F75-B12FB1607703}"/>
               </a:ext>
             </a:extLst>
           </p:cNvPr>
           <p:cNvCxnSpPr>
             <a:cxnSpLocks/>
-            <a:stCxn id="18" idx="0"/>
-            <a:endCxn id="27" idx="2"/>
+            <a:stCxn id="65" idx="3"/>
+            <a:endCxn id="228" idx="1"/>
           </p:cNvCxnSpPr>
           <p:nvPr/>
         </p:nvCxnSpPr>
         <p:spPr>
-          <a:xfrm flipH="1" flipV="1">
-            <a:off x="16709140" y="20204204"/>
-            <a:ext cx="1467281" cy="1718545"/>
+          <a:xfrm>
+            <a:off x="18229506" y="17330914"/>
+            <a:ext cx="9597038" cy="7472079"/>
           </a:xfrm>
           <a:prstGeom prst="straightConnector1">
             <a:avLst/>
           </a:prstGeom>
           <a:ln>
             <a:solidFill>
-              <a:srgbClr val="00B0F0"/>
+              <a:srgbClr val="FFC000"/>
             </a:solidFill>
             <a:tailEnd type="triangle"/>
           </a:ln>
@@ -15956,106 +15868,135 @@
           </a:fontRef>
         </p:style>
       </p:cxnSp>
-      <p:sp>
-        <p:nvSpPr>
-          <p:cNvPr id="21" name="TextBox 20">
-            <a:extLst>
-              <a:ext uri="{FF2B5EF4-FFF2-40B4-BE49-F238E27FC236}">
-                <a16:creationId xmlns:a16="http://schemas.microsoft.com/office/drawing/2014/main" id="{7A32B25D-0E85-4D6B-9E74-32CCB94CB3E1}"/>
-              </a:ext>
-            </a:extLst>
-          </p:cNvPr>
-          <p:cNvSpPr txBox="1"/>
-          <p:nvPr/>
-        </p:nvSpPr>
-        <p:spPr>
+      <p:grpSp>
+        <p:nvGrpSpPr>
+          <p:cNvPr id="230" name="Group 229">
+            <a:extLst>
+              <a:ext uri="{FF2B5EF4-FFF2-40B4-BE49-F238E27FC236}">
+                <a16:creationId xmlns:a16="http://schemas.microsoft.com/office/drawing/2014/main" id="{E86621C2-A0CF-40F5-8960-59EA0C447176}"/>
+              </a:ext>
+            </a:extLst>
+          </p:cNvPr>
+          <p:cNvGrpSpPr/>
+          <p:nvPr/>
+        </p:nvGrpSpPr>
+        <p:grpSpPr>
           <a:xfrm>
-            <a:off x="18750265" y="21449979"/>
-            <a:ext cx="769881" cy="338554"/>
-          </a:xfrm>
-          <a:prstGeom prst="rect">
-            <a:avLst/>
-          </a:prstGeom>
-          <a:noFill/>
-        </p:spPr>
-        <p:txBody>
-          <a:bodyPr wrap="square" rtlCol="0">
-            <a:spAutoFit/>
-          </a:bodyPr>
-          <a:lstStyle/>
-          <a:p>
-            <a:r>
-              <a:rPr lang="en-US" sz="400" dirty="0" err="1"/>
-              <a:t>contentIdSigmaIdMap</a:t>
-            </a:r>
-            <a:endParaRPr lang="en-US" sz="400" dirty="0"/>
-          </a:p>
-          <a:p>
-            <a:r>
-              <a:rPr lang="en-US" sz="400" dirty="0"/>
-              <a:t>  + set(</a:t>
-            </a:r>
-            <a:r>
-              <a:rPr lang="en-US" sz="400" dirty="0" err="1"/>
-              <a:t>contentId</a:t>
-            </a:r>
-            <a:r>
-              <a:rPr lang="en-US" sz="400" dirty="0"/>
-              <a:t>, </a:t>
-            </a:r>
-            <a:r>
-              <a:rPr lang="en-US" sz="400" dirty="0" err="1"/>
-              <a:t>sigmaId</a:t>
-            </a:r>
-            <a:r>
-              <a:rPr lang="en-US" sz="400" dirty="0"/>
-              <a:t>)</a:t>
-            </a:r>
-          </a:p>
-          <a:p>
-            <a:r>
-              <a:rPr lang="en-US" sz="400" dirty="0"/>
-              <a:t>  + get(</a:t>
-            </a:r>
-            <a:r>
-              <a:rPr lang="en-US" sz="400" dirty="0" err="1"/>
-              <a:t>contentId</a:t>
-            </a:r>
-            <a:r>
-              <a:rPr lang="en-US" sz="400" dirty="0"/>
-              <a:t>) : </a:t>
-            </a:r>
-            <a:r>
-              <a:rPr lang="en-US" sz="400" dirty="0" err="1"/>
-              <a:t>sigmaIds</a:t>
-            </a:r>
-            <a:r>
-              <a:rPr lang="en-US" sz="400" dirty="0"/>
-              <a:t>[]</a:t>
-            </a:r>
-          </a:p>
-        </p:txBody>
-      </p:sp>
+            <a:off x="15871240" y="22173336"/>
+            <a:ext cx="1029976" cy="153888"/>
+            <a:chOff x="16810510" y="22465788"/>
+            <a:chExt cx="1029976" cy="153888"/>
+          </a:xfrm>
+        </p:grpSpPr>
+        <p:sp>
+          <p:nvSpPr>
+            <p:cNvPr id="226" name="TextBox 225">
+              <a:extLst>
+                <a:ext uri="{FF2B5EF4-FFF2-40B4-BE49-F238E27FC236}">
+                  <a16:creationId xmlns:a16="http://schemas.microsoft.com/office/drawing/2014/main" id="{191142CE-7490-42C5-A617-F864F4DD8E2D}"/>
+                </a:ext>
+              </a:extLst>
+            </p:cNvPr>
+            <p:cNvSpPr txBox="1"/>
+            <p:nvPr/>
+          </p:nvSpPr>
+          <p:spPr>
+            <a:xfrm>
+              <a:off x="16810510" y="22465788"/>
+              <a:ext cx="870723" cy="153888"/>
+            </a:xfrm>
+            <a:prstGeom prst="rect">
+              <a:avLst/>
+            </a:prstGeom>
+            <a:noFill/>
+            <a:ln>
+              <a:solidFill>
+                <a:schemeClr val="tx1"/>
+              </a:solidFill>
+            </a:ln>
+          </p:spPr>
+          <p:txBody>
+            <a:bodyPr wrap="square" rtlCol="0">
+              <a:spAutoFit/>
+            </a:bodyPr>
+            <a:lstStyle/>
+            <a:p>
+              <a:r>
+                <a:rPr lang="en-US" sz="400" dirty="0" err="1"/>
+                <a:t>StoreSourceUpdateListener</a:t>
+              </a:r>
+              <a:endParaRPr lang="en-US" sz="400" dirty="0"/>
+            </a:p>
+          </p:txBody>
+        </p:sp>
+        <p:sp>
+          <p:nvSpPr>
+            <p:cNvPr id="229" name="Diamond 228">
+              <a:extLst>
+                <a:ext uri="{FF2B5EF4-FFF2-40B4-BE49-F238E27FC236}">
+                  <a16:creationId xmlns:a16="http://schemas.microsoft.com/office/drawing/2014/main" id="{47BFE4FD-F7A7-4899-B38B-3A5357296338}"/>
+                </a:ext>
+              </a:extLst>
+            </p:cNvPr>
+            <p:cNvSpPr/>
+            <p:nvPr/>
+          </p:nvSpPr>
+          <p:spPr>
+            <a:xfrm>
+              <a:off x="17681233" y="22507524"/>
+              <a:ext cx="159253" cy="96254"/>
+            </a:xfrm>
+            <a:prstGeom prst="diamond">
+              <a:avLst/>
+            </a:prstGeom>
+            <a:noFill/>
+          </p:spPr>
+          <p:style>
+            <a:lnRef idx="2">
+              <a:schemeClr val="accent1">
+                <a:shade val="50000"/>
+              </a:schemeClr>
+            </a:lnRef>
+            <a:fillRef idx="1">
+              <a:schemeClr val="accent1"/>
+            </a:fillRef>
+            <a:effectRef idx="0">
+              <a:schemeClr val="accent1"/>
+            </a:effectRef>
+            <a:fontRef idx="minor">
+              <a:schemeClr val="lt1"/>
+            </a:fontRef>
+          </p:style>
+          <p:txBody>
+            <a:bodyPr rtlCol="0" anchor="ctr"/>
+            <a:lstStyle/>
+            <a:p>
+              <a:pPr algn="ctr"/>
+              <a:endParaRPr lang="en-US"/>
+            </a:p>
+          </p:txBody>
+        </p:sp>
+      </p:grpSp>
       <p:cxnSp>
         <p:nvCxnSpPr>
-          <p:cNvPr id="215" name="Straight Arrow Connector 214">
-            <a:extLst>
-              <a:ext uri="{FF2B5EF4-FFF2-40B4-BE49-F238E27FC236}">
-                <a16:creationId xmlns:a16="http://schemas.microsoft.com/office/drawing/2014/main" id="{F15F62B8-002A-4207-AAE6-B479E4C6748D}"/>
+          <p:cNvPr id="256" name="Straight Arrow Connector 255">
+            <a:extLst>
+              <a:ext uri="{FF2B5EF4-FFF2-40B4-BE49-F238E27FC236}">
+                <a16:creationId xmlns:a16="http://schemas.microsoft.com/office/drawing/2014/main" id="{AAF84341-D0AD-422D-83E1-E92F1FF34D37}"/>
               </a:ext>
             </a:extLst>
           </p:cNvPr>
           <p:cNvCxnSpPr>
             <a:cxnSpLocks/>
-            <a:stCxn id="18" idx="0"/>
-            <a:endCxn id="21" idx="2"/>
+            <a:stCxn id="229" idx="3"/>
+            <a:endCxn id="18" idx="1"/>
           </p:cNvCxnSpPr>
           <p:nvPr/>
         </p:nvCxnSpPr>
         <p:spPr>
           <a:xfrm flipV="1">
-            <a:off x="18176421" y="21788533"/>
-            <a:ext cx="958785" cy="134216"/>
+            <a:off x="16901216" y="22087435"/>
+            <a:ext cx="886519" cy="175764"/>
           </a:xfrm>
           <a:prstGeom prst="straightConnector1">
             <a:avLst/>
@@ -16082,12 +16023,221 @@
           </a:fontRef>
         </p:style>
       </p:cxnSp>
+      <p:grpSp>
+        <p:nvGrpSpPr>
+          <p:cNvPr id="269" name="Group 268">
+            <a:extLst>
+              <a:ext uri="{FF2B5EF4-FFF2-40B4-BE49-F238E27FC236}">
+                <a16:creationId xmlns:a16="http://schemas.microsoft.com/office/drawing/2014/main" id="{951F95A8-1AA0-4E64-BABE-881E7CA4F171}"/>
+              </a:ext>
+            </a:extLst>
+          </p:cNvPr>
+          <p:cNvGrpSpPr/>
+          <p:nvPr/>
+        </p:nvGrpSpPr>
+        <p:grpSpPr>
+          <a:xfrm>
+            <a:off x="19506927" y="18999553"/>
+            <a:ext cx="1355145" cy="646331"/>
+            <a:chOff x="19506927" y="18999553"/>
+            <a:chExt cx="1355145" cy="646331"/>
+          </a:xfrm>
+        </p:grpSpPr>
+        <p:sp>
+          <p:nvSpPr>
+            <p:cNvPr id="274" name="TextBox 273">
+              <a:extLst>
+                <a:ext uri="{FF2B5EF4-FFF2-40B4-BE49-F238E27FC236}">
+                  <a16:creationId xmlns:a16="http://schemas.microsoft.com/office/drawing/2014/main" id="{AC73E328-E5E1-4F8F-ABDB-E94D6DE9980F}"/>
+                </a:ext>
+              </a:extLst>
+            </p:cNvPr>
+            <p:cNvSpPr txBox="1"/>
+            <p:nvPr/>
+          </p:nvSpPr>
+          <p:spPr>
+            <a:xfrm>
+              <a:off x="19506927" y="18999553"/>
+              <a:ext cx="1134636" cy="646331"/>
+            </a:xfrm>
+            <a:prstGeom prst="rect">
+              <a:avLst/>
+            </a:prstGeom>
+            <a:noFill/>
+          </p:spPr>
+          <p:txBody>
+            <a:bodyPr wrap="square" rtlCol="0">
+              <a:spAutoFit/>
+            </a:bodyPr>
+            <a:lstStyle/>
+            <a:p>
+              <a:r>
+                <a:rPr lang="en-US" sz="400" dirty="0" err="1"/>
+                <a:t>SigmaEventListener</a:t>
+              </a:r>
+              <a:endParaRPr lang="en-US" sz="400" dirty="0"/>
+            </a:p>
+            <a:p>
+              <a:r>
+                <a:rPr lang="en-US" sz="400" dirty="0"/>
+                <a:t>-listens to sigma Events and converts them to 1) store mutations, 2) open </a:t>
+              </a:r>
+              <a:r>
+                <a:rPr lang="en-US" sz="400" dirty="0" err="1"/>
+                <a:t>Vue</a:t>
+              </a:r>
+              <a:r>
+                <a:rPr lang="en-US" sz="400" dirty="0"/>
+                <a:t> templates or 3) UI mutations (such as </a:t>
+              </a:r>
+              <a:r>
+                <a:rPr lang="en-US" sz="400" dirty="0" err="1"/>
+                <a:t>saveHistory</a:t>
+              </a:r>
+              <a:r>
+                <a:rPr lang="en-US" sz="400" dirty="0"/>
+                <a:t>)</a:t>
+              </a:r>
+            </a:p>
+            <a:p>
+              <a:r>
+                <a:rPr lang="en-US" sz="400" dirty="0"/>
+                <a:t>-reference to store, and reference to </a:t>
+              </a:r>
+              <a:r>
+                <a:rPr lang="en-US" sz="400" dirty="0" err="1"/>
+                <a:t>sigmaInstance</a:t>
+              </a:r>
+              <a:endParaRPr lang="en-US" sz="400" dirty="0"/>
+            </a:p>
+            <a:p>
+              <a:endParaRPr lang="en-US" sz="400" dirty="0"/>
+            </a:p>
+            <a:p>
+              <a:r>
+                <a:rPr lang="en-US" sz="400" dirty="0" err="1"/>
+                <a:t>SIGMA_INSTANCE.on</a:t>
+              </a:r>
+              <a:r>
+                <a:rPr lang="en-US" sz="400" dirty="0"/>
+                <a:t>(</a:t>
+              </a:r>
+              <a:r>
+                <a:rPr lang="en-US" sz="400" dirty="0" err="1"/>
+                <a:t>SIGMA_EVENTS.tree_location_move</a:t>
+              </a:r>
+              <a:r>
+                <a:rPr lang="en-US" sz="400" dirty="0"/>
+                <a:t>, ….)</a:t>
+              </a:r>
+            </a:p>
+          </p:txBody>
+        </p:sp>
+        <p:sp>
+          <p:nvSpPr>
+            <p:cNvPr id="268" name="Diamond 267">
+              <a:extLst>
+                <a:ext uri="{FF2B5EF4-FFF2-40B4-BE49-F238E27FC236}">
+                  <a16:creationId xmlns:a16="http://schemas.microsoft.com/office/drawing/2014/main" id="{B70091B7-40BF-433D-8E86-0946334BE310}"/>
+                </a:ext>
+              </a:extLst>
+            </p:cNvPr>
+            <p:cNvSpPr/>
+            <p:nvPr/>
+          </p:nvSpPr>
+          <p:spPr>
+            <a:xfrm>
+              <a:off x="20559835" y="19212244"/>
+              <a:ext cx="302237" cy="195397"/>
+            </a:xfrm>
+            <a:prstGeom prst="diamond">
+              <a:avLst/>
+            </a:prstGeom>
+            <a:noFill/>
+            <a:ln>
+              <a:solidFill>
+                <a:srgbClr val="FFC000"/>
+              </a:solidFill>
+            </a:ln>
+          </p:spPr>
+          <p:style>
+            <a:lnRef idx="2">
+              <a:schemeClr val="accent1">
+                <a:shade val="50000"/>
+              </a:schemeClr>
+            </a:lnRef>
+            <a:fillRef idx="1">
+              <a:schemeClr val="accent1"/>
+            </a:fillRef>
+            <a:effectRef idx="0">
+              <a:schemeClr val="accent1"/>
+            </a:effectRef>
+            <a:fontRef idx="minor">
+              <a:schemeClr val="lt1"/>
+            </a:fontRef>
+          </p:style>
+          <p:txBody>
+            <a:bodyPr rtlCol="0" anchor="ctr"/>
+            <a:lstStyle/>
+            <a:p>
+              <a:pPr algn="ctr"/>
+              <a:endParaRPr lang="en-US"/>
+            </a:p>
+          </p:txBody>
+        </p:sp>
+      </p:grpSp>
+      <p:cxnSp>
+        <p:nvCxnSpPr>
+          <p:cNvPr id="272" name="Straight Arrow Connector 271">
+            <a:extLst>
+              <a:ext uri="{FF2B5EF4-FFF2-40B4-BE49-F238E27FC236}">
+                <a16:creationId xmlns:a16="http://schemas.microsoft.com/office/drawing/2014/main" id="{2C7E4960-497D-4042-9774-F4B5DE9336FF}"/>
+              </a:ext>
+            </a:extLst>
+          </p:cNvPr>
+          <p:cNvCxnSpPr>
+            <a:cxnSpLocks/>
+            <a:stCxn id="268" idx="3"/>
+            <a:endCxn id="266" idx="1"/>
+          </p:cNvCxnSpPr>
+          <p:nvPr/>
+        </p:nvCxnSpPr>
+        <p:spPr>
+          <a:xfrm>
+            <a:off x="20862072" y="19309943"/>
+            <a:ext cx="204741" cy="70073"/>
+          </a:xfrm>
+          <a:prstGeom prst="straightConnector1">
+            <a:avLst/>
+          </a:prstGeom>
+          <a:ln>
+            <a:solidFill>
+              <a:srgbClr val="FFC000"/>
+            </a:solidFill>
+            <a:tailEnd type="triangle"/>
+          </a:ln>
+        </p:spPr>
+        <p:style>
+          <a:lnRef idx="1">
+            <a:schemeClr val="accent1"/>
+          </a:lnRef>
+          <a:fillRef idx="0">
+            <a:schemeClr val="accent1"/>
+          </a:fillRef>
+          <a:effectRef idx="0">
+            <a:schemeClr val="accent1"/>
+          </a:effectRef>
+          <a:fontRef idx="minor">
+            <a:schemeClr val="tx1"/>
+          </a:fontRef>
+        </p:style>
+      </p:cxnSp>
       <p:sp>
         <p:nvSpPr>
-          <p:cNvPr id="228" name="TextBox 227">
-            <a:extLst>
-              <a:ext uri="{FF2B5EF4-FFF2-40B4-BE49-F238E27FC236}">
-                <a16:creationId xmlns:a16="http://schemas.microsoft.com/office/drawing/2014/main" id="{24217846-EEBD-44AF-9B74-177AF252E5A8}"/>
+          <p:cNvPr id="278" name="TextBox 277">
+            <a:extLst>
+              <a:ext uri="{FF2B5EF4-FFF2-40B4-BE49-F238E27FC236}">
+                <a16:creationId xmlns:a16="http://schemas.microsoft.com/office/drawing/2014/main" id="{EBB85A28-7046-454A-98BA-7A5039E4457B}"/>
               </a:ext>
             </a:extLst>
           </p:cNvPr>
@@ -16096,8 +16246,8 @@
         </p:nvSpPr>
         <p:spPr>
           <a:xfrm>
-            <a:off x="27826544" y="24341328"/>
-            <a:ext cx="886519" cy="369332"/>
+            <a:off x="21789015" y="20940463"/>
+            <a:ext cx="1188283" cy="430887"/>
           </a:xfrm>
           <a:prstGeom prst="rect">
             <a:avLst/>
@@ -16111,8 +16261,546 @@
           <a:lstStyle/>
           <a:p>
             <a:r>
-              <a:rPr lang="en-US" dirty="0"/>
-              <a:t>user</a:t>
+              <a:rPr lang="en-US" sz="1000" dirty="0"/>
+              <a:t>BRANCHES_STORE</a:t>
+            </a:r>
+          </a:p>
+          <a:p>
+            <a:r>
+              <a:rPr lang="en-US" sz="400" dirty="0"/>
+              <a:t>+MOVE_TREE</a:t>
+            </a:r>
+          </a:p>
+          <a:p>
+            <a:r>
+              <a:rPr lang="en-US" sz="400" dirty="0"/>
+              <a:t>+ADD_CONTENT_INTERACTION</a:t>
+            </a:r>
+          </a:p>
+          <a:p>
+            <a:r>
+              <a:rPr lang="en-US" sz="400" dirty="0"/>
+              <a:t>+CHANGE_USER_ID</a:t>
+            </a:r>
+          </a:p>
+        </p:txBody>
+      </p:sp>
+      <p:cxnSp>
+        <p:nvCxnSpPr>
+          <p:cNvPr id="285" name="Straight Arrow Connector 284">
+            <a:extLst>
+              <a:ext uri="{FF2B5EF4-FFF2-40B4-BE49-F238E27FC236}">
+                <a16:creationId xmlns:a16="http://schemas.microsoft.com/office/drawing/2014/main" id="{9E087EEA-A284-4155-9D2C-1339B5882C71}"/>
+              </a:ext>
+            </a:extLst>
+          </p:cNvPr>
+          <p:cNvCxnSpPr>
+            <a:cxnSpLocks/>
+            <a:stCxn id="278" idx="2"/>
+          </p:cNvCxnSpPr>
+          <p:nvPr/>
+        </p:nvCxnSpPr>
+        <p:spPr>
+          <a:xfrm>
+            <a:off x="22383157" y="21371350"/>
+            <a:ext cx="716722" cy="1248257"/>
+          </a:xfrm>
+          <a:prstGeom prst="straightConnector1">
+            <a:avLst/>
+          </a:prstGeom>
+          <a:ln w="76200">
+            <a:solidFill>
+              <a:schemeClr val="accent4"/>
+            </a:solidFill>
+            <a:tailEnd type="triangle"/>
+          </a:ln>
+        </p:spPr>
+        <p:style>
+          <a:lnRef idx="1">
+            <a:schemeClr val="accent1"/>
+          </a:lnRef>
+          <a:fillRef idx="0">
+            <a:schemeClr val="accent1"/>
+          </a:fillRef>
+          <a:effectRef idx="0">
+            <a:schemeClr val="accent1"/>
+          </a:effectRef>
+          <a:fontRef idx="minor">
+            <a:schemeClr val="tx1"/>
+          </a:fontRef>
+        </p:style>
+      </p:cxnSp>
+      <p:sp>
+        <p:nvSpPr>
+          <p:cNvPr id="288" name="TextBox 287">
+            <a:extLst>
+              <a:ext uri="{FF2B5EF4-FFF2-40B4-BE49-F238E27FC236}">
+                <a16:creationId xmlns:a16="http://schemas.microsoft.com/office/drawing/2014/main" id="{86B45A23-3ED5-4F2F-9635-F023DB59192A}"/>
+              </a:ext>
+            </a:extLst>
+          </p:cNvPr>
+          <p:cNvSpPr txBox="1"/>
+          <p:nvPr/>
+        </p:nvSpPr>
+        <p:spPr>
+          <a:xfrm>
+            <a:off x="22921144" y="20658718"/>
+            <a:ext cx="804552" cy="276999"/>
+          </a:xfrm>
+          <a:prstGeom prst="rect">
+            <a:avLst/>
+          </a:prstGeom>
+          <a:solidFill>
+            <a:srgbClr val="F0DADA"/>
+          </a:solidFill>
+        </p:spPr>
+        <p:txBody>
+          <a:bodyPr wrap="square" rtlCol="0">
+            <a:spAutoFit/>
+          </a:bodyPr>
+          <a:lstStyle/>
+          <a:p>
+            <a:r>
+              <a:rPr lang="en-US" sz="400" dirty="0" err="1"/>
+              <a:t>branchesStore.commit</a:t>
+            </a:r>
+            <a:r>
+              <a:rPr lang="en-US" sz="400" dirty="0"/>
+              <a:t>(MUTATION_NAMES.MOVE_TREE, {</a:t>
+            </a:r>
+            <a:r>
+              <a:rPr lang="en-US" sz="400" dirty="0" err="1"/>
+              <a:t>treeId</a:t>
+            </a:r>
+            <a:r>
+              <a:rPr lang="en-US" sz="400" dirty="0"/>
+              <a:t>, </a:t>
+            </a:r>
+            <a:r>
+              <a:rPr lang="en-US" sz="400" dirty="0" err="1"/>
+              <a:t>newX</a:t>
+            </a:r>
+            <a:r>
+              <a:rPr lang="en-US" sz="400" dirty="0"/>
+              <a:t>, </a:t>
+            </a:r>
+            <a:r>
+              <a:rPr lang="en-US" sz="400" dirty="0" err="1"/>
+              <a:t>newY</a:t>
+            </a:r>
+            <a:r>
+              <a:rPr lang="en-US" sz="400" dirty="0"/>
+              <a:t>})</a:t>
+            </a:r>
+          </a:p>
+        </p:txBody>
+      </p:sp>
+      <p:grpSp>
+        <p:nvGrpSpPr>
+          <p:cNvPr id="76" name="Group 75">
+            <a:extLst>
+              <a:ext uri="{FF2B5EF4-FFF2-40B4-BE49-F238E27FC236}">
+                <a16:creationId xmlns:a16="http://schemas.microsoft.com/office/drawing/2014/main" id="{D5889233-439A-433F-88B5-CB8162C7392A}"/>
+              </a:ext>
+            </a:extLst>
+          </p:cNvPr>
+          <p:cNvGrpSpPr/>
+          <p:nvPr/>
+        </p:nvGrpSpPr>
+        <p:grpSpPr>
+          <a:xfrm>
+            <a:off x="21066813" y="19240406"/>
+            <a:ext cx="549471" cy="278109"/>
+            <a:chOff x="21066813" y="19240406"/>
+            <a:chExt cx="549471" cy="278109"/>
+          </a:xfrm>
+        </p:grpSpPr>
+        <p:sp>
+          <p:nvSpPr>
+            <p:cNvPr id="266" name="TextBox 265">
+              <a:extLst>
+                <a:ext uri="{FF2B5EF4-FFF2-40B4-BE49-F238E27FC236}">
+                  <a16:creationId xmlns:a16="http://schemas.microsoft.com/office/drawing/2014/main" id="{3D058477-CD89-483C-ABC8-43E0F42D0AD1}"/>
+                </a:ext>
+              </a:extLst>
+            </p:cNvPr>
+            <p:cNvSpPr txBox="1"/>
+            <p:nvPr/>
+          </p:nvSpPr>
+          <p:spPr>
+            <a:xfrm>
+              <a:off x="21066813" y="19241516"/>
+              <a:ext cx="532985" cy="276999"/>
+            </a:xfrm>
+            <a:prstGeom prst="rect">
+              <a:avLst/>
+            </a:prstGeom>
+            <a:noFill/>
+          </p:spPr>
+          <p:txBody>
+            <a:bodyPr wrap="square" rtlCol="0">
+              <a:spAutoFit/>
+            </a:bodyPr>
+            <a:lstStyle/>
+            <a:p>
+              <a:r>
+                <a:rPr lang="en-US" sz="400" dirty="0" err="1"/>
+                <a:t>tooltipOpener</a:t>
+              </a:r>
+              <a:endParaRPr lang="en-US" sz="400" dirty="0"/>
+            </a:p>
+            <a:p>
+              <a:r>
+                <a:rPr lang="en-US" sz="400" dirty="0">
+                  <a:sym typeface="Wingdings" panose="05000000000000000000" pitchFamily="2" charset="2"/>
+                </a:rPr>
+                <a:t></a:t>
+              </a:r>
+              <a:r>
+                <a:rPr lang="en-US" sz="400" dirty="0" err="1">
+                  <a:sym typeface="Wingdings" panose="05000000000000000000" pitchFamily="2" charset="2"/>
+                </a:rPr>
+                <a:t>userId</a:t>
+              </a:r>
+              <a:r>
+                <a:rPr lang="en-US" sz="400" dirty="0">
+                  <a:sym typeface="Wingdings" panose="05000000000000000000" pitchFamily="2" charset="2"/>
+                </a:rPr>
+                <a:t> from store</a:t>
+              </a:r>
+              <a:endParaRPr lang="en-US" sz="400" dirty="0"/>
+            </a:p>
+          </p:txBody>
+        </p:sp>
+        <p:sp>
+          <p:nvSpPr>
+            <p:cNvPr id="73" name="Diamond 72">
+              <a:extLst>
+                <a:ext uri="{FF2B5EF4-FFF2-40B4-BE49-F238E27FC236}">
+                  <a16:creationId xmlns:a16="http://schemas.microsoft.com/office/drawing/2014/main" id="{2ED642BE-D843-4229-94CD-C596203E193E}"/>
+                </a:ext>
+              </a:extLst>
+            </p:cNvPr>
+            <p:cNvSpPr/>
+            <p:nvPr/>
+          </p:nvSpPr>
+          <p:spPr>
+            <a:xfrm>
+              <a:off x="21474908" y="19240406"/>
+              <a:ext cx="141376" cy="137936"/>
+            </a:xfrm>
+            <a:prstGeom prst="diamond">
+              <a:avLst/>
+            </a:prstGeom>
+            <a:noFill/>
+            <a:ln>
+              <a:solidFill>
+                <a:srgbClr val="FFC000"/>
+              </a:solidFill>
+            </a:ln>
+          </p:spPr>
+          <p:style>
+            <a:lnRef idx="2">
+              <a:schemeClr val="accent1">
+                <a:shade val="50000"/>
+              </a:schemeClr>
+            </a:lnRef>
+            <a:fillRef idx="1">
+              <a:schemeClr val="accent1"/>
+            </a:fillRef>
+            <a:effectRef idx="0">
+              <a:schemeClr val="accent1"/>
+            </a:effectRef>
+            <a:fontRef idx="minor">
+              <a:schemeClr val="lt1"/>
+            </a:fontRef>
+          </p:style>
+          <p:txBody>
+            <a:bodyPr rtlCol="0" anchor="ctr"/>
+            <a:lstStyle/>
+            <a:p>
+              <a:pPr algn="ctr"/>
+              <a:endParaRPr lang="en-US"/>
+            </a:p>
+          </p:txBody>
+        </p:sp>
+      </p:grpSp>
+      <p:cxnSp>
+        <p:nvCxnSpPr>
+          <p:cNvPr id="292" name="Straight Arrow Connector 291">
+            <a:extLst>
+              <a:ext uri="{FF2B5EF4-FFF2-40B4-BE49-F238E27FC236}">
+                <a16:creationId xmlns:a16="http://schemas.microsoft.com/office/drawing/2014/main" id="{F162B2C5-65BF-4871-A872-70A37079C286}"/>
+              </a:ext>
+            </a:extLst>
+          </p:cNvPr>
+          <p:cNvCxnSpPr>
+            <a:cxnSpLocks/>
+            <a:stCxn id="73" idx="3"/>
+            <a:endCxn id="278" idx="0"/>
+          </p:cNvCxnSpPr>
+          <p:nvPr/>
+        </p:nvCxnSpPr>
+        <p:spPr>
+          <a:xfrm>
+            <a:off x="21616284" y="19309374"/>
+            <a:ext cx="766873" cy="1631089"/>
+          </a:xfrm>
+          <a:prstGeom prst="straightConnector1">
+            <a:avLst/>
+          </a:prstGeom>
+          <a:ln>
+            <a:solidFill>
+              <a:srgbClr val="FFC000"/>
+            </a:solidFill>
+            <a:tailEnd type="triangle"/>
+          </a:ln>
+        </p:spPr>
+        <p:style>
+          <a:lnRef idx="1">
+            <a:schemeClr val="accent1"/>
+          </a:lnRef>
+          <a:fillRef idx="0">
+            <a:schemeClr val="accent1"/>
+          </a:fillRef>
+          <a:effectRef idx="0">
+            <a:schemeClr val="accent1"/>
+          </a:effectRef>
+          <a:fontRef idx="minor">
+            <a:schemeClr val="tx1"/>
+          </a:fontRef>
+        </p:style>
+      </p:cxnSp>
+      <p:grpSp>
+        <p:nvGrpSpPr>
+          <p:cNvPr id="82" name="Group 81">
+            <a:extLst>
+              <a:ext uri="{FF2B5EF4-FFF2-40B4-BE49-F238E27FC236}">
+                <a16:creationId xmlns:a16="http://schemas.microsoft.com/office/drawing/2014/main" id="{6D0C4FD9-B8DA-46B3-A005-397E71B6A2BD}"/>
+              </a:ext>
+            </a:extLst>
+          </p:cNvPr>
+          <p:cNvGrpSpPr/>
+          <p:nvPr/>
+        </p:nvGrpSpPr>
+        <p:grpSpPr>
+          <a:xfrm>
+            <a:off x="21202650" y="16889390"/>
+            <a:ext cx="1718494" cy="584775"/>
+            <a:chOff x="21202650" y="16889390"/>
+            <a:chExt cx="1718494" cy="584775"/>
+          </a:xfrm>
+        </p:grpSpPr>
+        <p:sp>
+          <p:nvSpPr>
+            <p:cNvPr id="2" name="TextBox 1">
+              <a:extLst>
+                <a:ext uri="{FF2B5EF4-FFF2-40B4-BE49-F238E27FC236}">
+                  <a16:creationId xmlns:a16="http://schemas.microsoft.com/office/drawing/2014/main" id="{2E0597A3-41BE-4D11-A315-1705EA007309}"/>
+                </a:ext>
+              </a:extLst>
+            </p:cNvPr>
+            <p:cNvSpPr txBox="1"/>
+            <p:nvPr/>
+          </p:nvSpPr>
+          <p:spPr>
+            <a:xfrm>
+              <a:off x="21305934" y="16889390"/>
+              <a:ext cx="1615210" cy="584775"/>
+            </a:xfrm>
+            <a:prstGeom prst="rect">
+              <a:avLst/>
+            </a:prstGeom>
+            <a:noFill/>
+          </p:spPr>
+          <p:txBody>
+            <a:bodyPr wrap="square" rtlCol="0">
+              <a:spAutoFit/>
+            </a:bodyPr>
+            <a:lstStyle/>
+            <a:p>
+              <a:r>
+                <a:rPr lang="en-US" sz="1200" dirty="0"/>
+                <a:t>UI/</a:t>
+              </a:r>
+              <a:r>
+                <a:rPr lang="en-US" sz="1200" dirty="0" err="1"/>
+                <a:t>Vue</a:t>
+              </a:r>
+              <a:r>
+                <a:rPr lang="en-US" sz="1200" dirty="0"/>
+                <a:t> components</a:t>
+              </a:r>
+            </a:p>
+            <a:p>
+              <a:r>
+                <a:rPr lang="en-US" sz="400" dirty="0"/>
+                <a:t>-have no knowledge of their objects</a:t>
+              </a:r>
+            </a:p>
+            <a:p>
+              <a:r>
+                <a:rPr lang="en-US" sz="400" dirty="0"/>
+                <a:t>-should not call any databases or ORMs to retrieve data</a:t>
+              </a:r>
+            </a:p>
+            <a:p>
+              <a:pPr defTabSz="114300"/>
+              <a:r>
+                <a:rPr lang="en-US" sz="400" dirty="0"/>
+                <a:t>	-should get all of its data from the JSON/ JS object from the sigma Nodes</a:t>
+              </a:r>
+            </a:p>
+            <a:p>
+              <a:r>
+                <a:rPr lang="en-US" sz="400" dirty="0"/>
+                <a:t>-only call mutations on store</a:t>
+              </a:r>
+            </a:p>
+          </p:txBody>
+        </p:sp>
+        <p:sp>
+          <p:nvSpPr>
+            <p:cNvPr id="81" name="Diamond 80">
+              <a:extLst>
+                <a:ext uri="{FF2B5EF4-FFF2-40B4-BE49-F238E27FC236}">
+                  <a16:creationId xmlns:a16="http://schemas.microsoft.com/office/drawing/2014/main" id="{DD741A2E-9E9F-4F74-9AE6-3DCA70DA033F}"/>
+                </a:ext>
+              </a:extLst>
+            </p:cNvPr>
+            <p:cNvSpPr/>
+            <p:nvPr/>
+          </p:nvSpPr>
+          <p:spPr>
+            <a:xfrm>
+              <a:off x="21202650" y="17114439"/>
+              <a:ext cx="174815" cy="169277"/>
+            </a:xfrm>
+            <a:prstGeom prst="diamond">
+              <a:avLst/>
+            </a:prstGeom>
+            <a:noFill/>
+            <a:ln>
+              <a:solidFill>
+                <a:srgbClr val="FFC000"/>
+              </a:solidFill>
+            </a:ln>
+          </p:spPr>
+          <p:style>
+            <a:lnRef idx="2">
+              <a:schemeClr val="accent1">
+                <a:shade val="50000"/>
+              </a:schemeClr>
+            </a:lnRef>
+            <a:fillRef idx="1">
+              <a:schemeClr val="accent1"/>
+            </a:fillRef>
+            <a:effectRef idx="0">
+              <a:schemeClr val="accent1"/>
+            </a:effectRef>
+            <a:fontRef idx="minor">
+              <a:schemeClr val="lt1"/>
+            </a:fontRef>
+          </p:style>
+          <p:txBody>
+            <a:bodyPr rtlCol="0" anchor="ctr"/>
+            <a:lstStyle/>
+            <a:p>
+              <a:pPr algn="ctr"/>
+              <a:endParaRPr lang="en-US"/>
+            </a:p>
+          </p:txBody>
+        </p:sp>
+      </p:grpSp>
+      <p:cxnSp>
+        <p:nvCxnSpPr>
+          <p:cNvPr id="84" name="Straight Arrow Connector 83">
+            <a:extLst>
+              <a:ext uri="{FF2B5EF4-FFF2-40B4-BE49-F238E27FC236}">
+                <a16:creationId xmlns:a16="http://schemas.microsoft.com/office/drawing/2014/main" id="{85ACF759-276B-450C-BA95-E6B730607823}"/>
+              </a:ext>
+            </a:extLst>
+          </p:cNvPr>
+          <p:cNvCxnSpPr>
+            <a:stCxn id="81" idx="1"/>
+          </p:cNvCxnSpPr>
+          <p:nvPr/>
+        </p:nvCxnSpPr>
+        <p:spPr>
+          <a:xfrm flipH="1">
+            <a:off x="20805321" y="17199078"/>
+            <a:ext cx="397329" cy="3072"/>
+          </a:xfrm>
+          <a:prstGeom prst="straightConnector1">
+            <a:avLst/>
+          </a:prstGeom>
+          <a:ln>
+            <a:solidFill>
+              <a:srgbClr val="FFC000"/>
+            </a:solidFill>
+            <a:tailEnd type="triangle"/>
+          </a:ln>
+        </p:spPr>
+        <p:style>
+          <a:lnRef idx="1">
+            <a:schemeClr val="accent1"/>
+          </a:lnRef>
+          <a:fillRef idx="0">
+            <a:schemeClr val="accent1"/>
+          </a:fillRef>
+          <a:effectRef idx="0">
+            <a:schemeClr val="accent1"/>
+          </a:effectRef>
+          <a:fontRef idx="minor">
+            <a:schemeClr val="tx1"/>
+          </a:fontRef>
+        </p:style>
+      </p:cxnSp>
+      <p:sp>
+        <p:nvSpPr>
+          <p:cNvPr id="85" name="TextBox 84">
+            <a:extLst>
+              <a:ext uri="{FF2B5EF4-FFF2-40B4-BE49-F238E27FC236}">
+                <a16:creationId xmlns:a16="http://schemas.microsoft.com/office/drawing/2014/main" id="{19F50B26-186D-4FA7-9098-D3D57DB5ECBC}"/>
+              </a:ext>
+            </a:extLst>
+          </p:cNvPr>
+          <p:cNvSpPr txBox="1"/>
+          <p:nvPr/>
+        </p:nvSpPr>
+        <p:spPr>
+          <a:xfrm>
+            <a:off x="19995776" y="17131167"/>
+            <a:ext cx="828527" cy="276999"/>
+          </a:xfrm>
+          <a:prstGeom prst="rect">
+            <a:avLst/>
+          </a:prstGeom>
+          <a:noFill/>
+        </p:spPr>
+        <p:txBody>
+          <a:bodyPr wrap="square" rtlCol="0">
+            <a:spAutoFit/>
+          </a:bodyPr>
+          <a:lstStyle/>
+          <a:p>
+            <a:r>
+              <a:rPr lang="en-US" sz="400" dirty="0"/>
+              <a:t>Tree Component</a:t>
+            </a:r>
+          </a:p>
+          <a:p>
+            <a:r>
+              <a:rPr lang="en-US" sz="400" dirty="0"/>
+              <a:t> &gt; needs </a:t>
+            </a:r>
+            <a:r>
+              <a:rPr lang="en-US" sz="400" dirty="0" err="1"/>
+              <a:t>userId</a:t>
+            </a:r>
+            <a:r>
+              <a:rPr lang="en-US" sz="400" dirty="0"/>
+              <a:t> as a prop directly</a:t>
             </a:r>
           </a:p>
         </p:txBody>

--- a/docs/architecture.pptx
+++ b/docs/architecture.pptx
@@ -6,9 +6,8 @@
   </p:sldMasterIdLst>
   <p:sldIdLst>
     <p:sldId id="256" r:id="rId2"/>
-    <p:sldId id="259" r:id="rId3"/>
-    <p:sldId id="258" r:id="rId4"/>
-    <p:sldId id="257" r:id="rId5"/>
+    <p:sldId id="258" r:id="rId3"/>
+    <p:sldId id="259" r:id="rId4"/>
   </p:sldIdLst>
   <p:sldSz cx="51206400" cy="51206400"/>
   <p:notesSz cx="6858000" cy="9144000"/>
@@ -5392,86 +5391,6 @@
           <a:chExt cx="0" cy="0"/>
         </a:xfrm>
       </p:grpSpPr>
-      <p:sp>
-        <p:nvSpPr>
-          <p:cNvPr id="2" name="Title 1">
-            <a:extLst>
-              <a:ext uri="{FF2B5EF4-FFF2-40B4-BE49-F238E27FC236}">
-                <a16:creationId xmlns:a16="http://schemas.microsoft.com/office/drawing/2014/main" id="{C3C78CE3-64B4-4FE2-A104-2D91ED6136F0}"/>
-              </a:ext>
-            </a:extLst>
-          </p:cNvPr>
-          <p:cNvSpPr>
-            <a:spLocks noGrp="1"/>
-          </p:cNvSpPr>
-          <p:nvPr>
-            <p:ph type="title"/>
-          </p:nvPr>
-        </p:nvSpPr>
-        <p:spPr/>
-        <p:txBody>
-          <a:bodyPr/>
-          <a:lstStyle/>
-          <a:p>
-            <a:endParaRPr lang="en-US"/>
-          </a:p>
-        </p:txBody>
-      </p:sp>
-      <p:sp>
-        <p:nvSpPr>
-          <p:cNvPr id="3" name="Content Placeholder 2">
-            <a:extLst>
-              <a:ext uri="{FF2B5EF4-FFF2-40B4-BE49-F238E27FC236}">
-                <a16:creationId xmlns:a16="http://schemas.microsoft.com/office/drawing/2014/main" id="{D8740FB9-1276-4E68-A390-991A10158EC7}"/>
-              </a:ext>
-            </a:extLst>
-          </p:cNvPr>
-          <p:cNvSpPr>
-            <a:spLocks noGrp="1"/>
-          </p:cNvSpPr>
-          <p:nvPr>
-            <p:ph idx="1"/>
-          </p:nvPr>
-        </p:nvSpPr>
-        <p:spPr/>
-        <p:txBody>
-          <a:bodyPr/>
-          <a:lstStyle/>
-          <a:p>
-            <a:endParaRPr lang="en-US"/>
-          </a:p>
-        </p:txBody>
-      </p:sp>
-    </p:spTree>
-    <p:extLst>
-      <p:ext uri="{BB962C8B-B14F-4D97-AF65-F5344CB8AC3E}">
-        <p14:creationId xmlns:p14="http://schemas.microsoft.com/office/powerpoint/2010/main" val="570421381"/>
-      </p:ext>
-    </p:extLst>
-  </p:cSld>
-  <p:clrMapOvr>
-    <a:masterClrMapping/>
-  </p:clrMapOvr>
-</p:sld>
-</file>
-
-<file path=ppt/slides/slide3.xml><?xml version="1.0" encoding="utf-8"?>
-<p:sld xmlns:a="http://schemas.openxmlformats.org/drawingml/2006/main" xmlns:r="http://schemas.openxmlformats.org/officeDocument/2006/relationships" xmlns:p="http://schemas.openxmlformats.org/presentationml/2006/main">
-  <p:cSld>
-    <p:spTree>
-      <p:nvGrpSpPr>
-        <p:cNvPr id="1" name=""/>
-        <p:cNvGrpSpPr/>
-        <p:nvPr/>
-      </p:nvGrpSpPr>
-      <p:grpSpPr>
-        <a:xfrm>
-          <a:off x="0" y="0"/>
-          <a:ext cx="0" cy="0"/>
-          <a:chOff x="0" y="0"/>
-          <a:chExt cx="0" cy="0"/>
-        </a:xfrm>
-      </p:grpSpPr>
       <p:cxnSp>
         <p:nvCxnSpPr>
           <p:cNvPr id="213" name="Straight Arrow Connector 212">
@@ -16818,7 +16737,7 @@
 </p:sld>
 </file>
 
-<file path=ppt/slides/slide4.xml><?xml version="1.0" encoding="utf-8"?>
+<file path=ppt/slides/slide3.xml><?xml version="1.0" encoding="utf-8"?>
 <p:sld xmlns:a="http://schemas.openxmlformats.org/drawingml/2006/main" xmlns:r="http://schemas.openxmlformats.org/officeDocument/2006/relationships" xmlns:p="http://schemas.openxmlformats.org/presentationml/2006/main">
   <p:cSld>
     <p:spTree>
@@ -16835,10 +16754,1166 @@
           <a:chExt cx="0" cy="0"/>
         </a:xfrm>
       </p:grpSpPr>
+      <p:sp>
+        <p:nvSpPr>
+          <p:cNvPr id="4" name="TextBox 3">
+            <a:extLst>
+              <a:ext uri="{FF2B5EF4-FFF2-40B4-BE49-F238E27FC236}">
+                <a16:creationId xmlns:a16="http://schemas.microsoft.com/office/drawing/2014/main" id="{ECC25D55-6800-4E83-B5A0-72EB0AC14603}"/>
+              </a:ext>
+            </a:extLst>
+          </p:cNvPr>
+          <p:cNvSpPr txBox="1"/>
+          <p:nvPr/>
+        </p:nvSpPr>
+        <p:spPr>
+          <a:xfrm>
+            <a:off x="16973550" y="21799550"/>
+            <a:ext cx="585580" cy="153888"/>
+          </a:xfrm>
+          <a:prstGeom prst="rect">
+            <a:avLst/>
+          </a:prstGeom>
+          <a:noFill/>
+          <a:ln>
+            <a:solidFill>
+              <a:schemeClr val="tx1"/>
+            </a:solidFill>
+          </a:ln>
+        </p:spPr>
+        <p:txBody>
+          <a:bodyPr wrap="square" rtlCol="0">
+            <a:spAutoFit/>
+          </a:bodyPr>
+          <a:lstStyle/>
+          <a:p>
+            <a:r>
+              <a:rPr lang="en-US" sz="400" dirty="0" err="1"/>
+              <a:t>SubscribableCore</a:t>
+            </a:r>
+            <a:endParaRPr lang="en-US" sz="400" dirty="0"/>
+          </a:p>
+        </p:txBody>
+      </p:sp>
+      <p:sp>
+        <p:nvSpPr>
+          <p:cNvPr id="5" name="TextBox 4">
+            <a:extLst>
+              <a:ext uri="{FF2B5EF4-FFF2-40B4-BE49-F238E27FC236}">
+                <a16:creationId xmlns:a16="http://schemas.microsoft.com/office/drawing/2014/main" id="{7B2387A5-494E-4836-B0A8-491E97F7ED7A}"/>
+              </a:ext>
+            </a:extLst>
+          </p:cNvPr>
+          <p:cNvSpPr txBox="1"/>
+          <p:nvPr/>
+        </p:nvSpPr>
+        <p:spPr>
+          <a:xfrm>
+            <a:off x="16973550" y="22146284"/>
+            <a:ext cx="585580" cy="153888"/>
+          </a:xfrm>
+          <a:prstGeom prst="rect">
+            <a:avLst/>
+          </a:prstGeom>
+          <a:noFill/>
+          <a:ln>
+            <a:solidFill>
+              <a:schemeClr val="tx1"/>
+            </a:solidFill>
+          </a:ln>
+        </p:spPr>
+        <p:txBody>
+          <a:bodyPr wrap="square" rtlCol="0">
+            <a:spAutoFit/>
+          </a:bodyPr>
+          <a:lstStyle/>
+          <a:p>
+            <a:r>
+              <a:rPr lang="en-US" sz="400" dirty="0" err="1"/>
+              <a:t>SubscribableStore</a:t>
+            </a:r>
+            <a:endParaRPr lang="en-US" sz="400" dirty="0"/>
+          </a:p>
+        </p:txBody>
+      </p:sp>
+      <p:cxnSp>
+        <p:nvCxnSpPr>
+          <p:cNvPr id="7" name="Straight Arrow Connector 6">
+            <a:extLst>
+              <a:ext uri="{FF2B5EF4-FFF2-40B4-BE49-F238E27FC236}">
+                <a16:creationId xmlns:a16="http://schemas.microsoft.com/office/drawing/2014/main" id="{2E6EB049-3D31-43DE-A864-C3C3BC2A1A04}"/>
+              </a:ext>
+            </a:extLst>
+          </p:cNvPr>
+          <p:cNvCxnSpPr>
+            <a:stCxn id="5" idx="0"/>
+            <a:endCxn id="4" idx="2"/>
+          </p:cNvCxnSpPr>
+          <p:nvPr/>
+        </p:nvCxnSpPr>
+        <p:spPr>
+          <a:xfrm flipV="1">
+            <a:off x="17266340" y="21953438"/>
+            <a:ext cx="0" cy="192846"/>
+          </a:xfrm>
+          <a:prstGeom prst="straightConnector1">
+            <a:avLst/>
+          </a:prstGeom>
+          <a:ln>
+            <a:solidFill>
+              <a:schemeClr val="tx1"/>
+            </a:solidFill>
+            <a:tailEnd type="triangle"/>
+          </a:ln>
+        </p:spPr>
+        <p:style>
+          <a:lnRef idx="1">
+            <a:schemeClr val="accent1"/>
+          </a:lnRef>
+          <a:fillRef idx="0">
+            <a:schemeClr val="accent1"/>
+          </a:fillRef>
+          <a:effectRef idx="0">
+            <a:schemeClr val="accent1"/>
+          </a:effectRef>
+          <a:fontRef idx="minor">
+            <a:schemeClr val="tx1"/>
+          </a:fontRef>
+        </p:style>
+      </p:cxnSp>
+      <p:cxnSp>
+        <p:nvCxnSpPr>
+          <p:cNvPr id="9" name="Straight Arrow Connector 8">
+            <a:extLst>
+              <a:ext uri="{FF2B5EF4-FFF2-40B4-BE49-F238E27FC236}">
+                <a16:creationId xmlns:a16="http://schemas.microsoft.com/office/drawing/2014/main" id="{1EF62B7B-1D7E-4961-9744-5C19A64F13C8}"/>
+              </a:ext>
+            </a:extLst>
+          </p:cNvPr>
+          <p:cNvCxnSpPr>
+            <a:cxnSpLocks/>
+            <a:stCxn id="12" idx="0"/>
+            <a:endCxn id="5" idx="2"/>
+          </p:cNvCxnSpPr>
+          <p:nvPr/>
+        </p:nvCxnSpPr>
+        <p:spPr>
+          <a:xfrm flipV="1">
+            <a:off x="17266340" y="22300172"/>
+            <a:ext cx="0" cy="181385"/>
+          </a:xfrm>
+          <a:prstGeom prst="straightConnector1">
+            <a:avLst/>
+          </a:prstGeom>
+          <a:ln>
+            <a:solidFill>
+              <a:schemeClr val="tx1"/>
+            </a:solidFill>
+            <a:tailEnd type="triangle"/>
+          </a:ln>
+        </p:spPr>
+        <p:style>
+          <a:lnRef idx="1">
+            <a:schemeClr val="accent1"/>
+          </a:lnRef>
+          <a:fillRef idx="0">
+            <a:schemeClr val="accent1"/>
+          </a:fillRef>
+          <a:effectRef idx="0">
+            <a:schemeClr val="accent1"/>
+          </a:effectRef>
+          <a:fontRef idx="minor">
+            <a:schemeClr val="tx1"/>
+          </a:fontRef>
+        </p:style>
+      </p:cxnSp>
+      <p:sp>
+        <p:nvSpPr>
+          <p:cNvPr id="12" name="TextBox 11">
+            <a:extLst>
+              <a:ext uri="{FF2B5EF4-FFF2-40B4-BE49-F238E27FC236}">
+                <a16:creationId xmlns:a16="http://schemas.microsoft.com/office/drawing/2014/main" id="{B6C381B3-FBD7-40FC-9E3A-44BE739C8719}"/>
+              </a:ext>
+            </a:extLst>
+          </p:cNvPr>
+          <p:cNvSpPr txBox="1"/>
+          <p:nvPr/>
+        </p:nvSpPr>
+        <p:spPr>
+          <a:xfrm>
+            <a:off x="16787661" y="22481557"/>
+            <a:ext cx="957357" cy="153888"/>
+          </a:xfrm>
+          <a:prstGeom prst="rect">
+            <a:avLst/>
+          </a:prstGeom>
+          <a:noFill/>
+          <a:ln>
+            <a:solidFill>
+              <a:schemeClr val="tx1"/>
+            </a:solidFill>
+          </a:ln>
+        </p:spPr>
+        <p:txBody>
+          <a:bodyPr wrap="square" rtlCol="0">
+            <a:spAutoFit/>
+          </a:bodyPr>
+          <a:lstStyle/>
+          <a:p>
+            <a:pPr algn="ctr"/>
+            <a:r>
+              <a:rPr lang="en-US" sz="400" dirty="0" err="1"/>
+              <a:t>SubscribableContentUserStore</a:t>
+            </a:r>
+            <a:endParaRPr lang="en-US" sz="400" dirty="0"/>
+          </a:p>
+        </p:txBody>
+      </p:sp>
+      <p:sp>
+        <p:nvSpPr>
+          <p:cNvPr id="13" name="TextBox 12">
+            <a:extLst>
+              <a:ext uri="{FF2B5EF4-FFF2-40B4-BE49-F238E27FC236}">
+                <a16:creationId xmlns:a16="http://schemas.microsoft.com/office/drawing/2014/main" id="{E0771606-FCA2-44DF-BD7D-6D9759811BA5}"/>
+              </a:ext>
+            </a:extLst>
+          </p:cNvPr>
+          <p:cNvSpPr txBox="1"/>
+          <p:nvPr/>
+        </p:nvSpPr>
+        <p:spPr>
+          <a:xfrm>
+            <a:off x="16643442" y="22855788"/>
+            <a:ext cx="1245793" cy="153888"/>
+          </a:xfrm>
+          <a:prstGeom prst="rect">
+            <a:avLst/>
+          </a:prstGeom>
+          <a:noFill/>
+          <a:ln>
+            <a:solidFill>
+              <a:schemeClr val="tx1"/>
+            </a:solidFill>
+          </a:ln>
+        </p:spPr>
+        <p:txBody>
+          <a:bodyPr wrap="square" rtlCol="0">
+            <a:spAutoFit/>
+          </a:bodyPr>
+          <a:lstStyle/>
+          <a:p>
+            <a:pPr algn="ctr"/>
+            <a:r>
+              <a:rPr lang="en-US" sz="400" dirty="0" err="1"/>
+              <a:t>MutableSubscribableContentUserStore</a:t>
+            </a:r>
+            <a:endParaRPr lang="en-US" sz="400" dirty="0"/>
+          </a:p>
+        </p:txBody>
+      </p:sp>
+      <p:cxnSp>
+        <p:nvCxnSpPr>
+          <p:cNvPr id="14" name="Straight Arrow Connector 13">
+            <a:extLst>
+              <a:ext uri="{FF2B5EF4-FFF2-40B4-BE49-F238E27FC236}">
+                <a16:creationId xmlns:a16="http://schemas.microsoft.com/office/drawing/2014/main" id="{0E8707D4-E940-46F1-ABE6-2869CF02C991}"/>
+              </a:ext>
+            </a:extLst>
+          </p:cNvPr>
+          <p:cNvCxnSpPr>
+            <a:cxnSpLocks/>
+            <a:stCxn id="13" idx="0"/>
+            <a:endCxn id="12" idx="2"/>
+          </p:cNvCxnSpPr>
+          <p:nvPr/>
+        </p:nvCxnSpPr>
+        <p:spPr>
+          <a:xfrm flipV="1">
+            <a:off x="17266339" y="22635445"/>
+            <a:ext cx="1" cy="220343"/>
+          </a:xfrm>
+          <a:prstGeom prst="straightConnector1">
+            <a:avLst/>
+          </a:prstGeom>
+          <a:ln>
+            <a:solidFill>
+              <a:schemeClr val="tx1"/>
+            </a:solidFill>
+            <a:tailEnd type="triangle"/>
+          </a:ln>
+        </p:spPr>
+        <p:style>
+          <a:lnRef idx="1">
+            <a:schemeClr val="accent1"/>
+          </a:lnRef>
+          <a:fillRef idx="0">
+            <a:schemeClr val="accent1"/>
+          </a:fillRef>
+          <a:effectRef idx="0">
+            <a:schemeClr val="accent1"/>
+          </a:effectRef>
+          <a:fontRef idx="minor">
+            <a:schemeClr val="tx1"/>
+          </a:fontRef>
+        </p:style>
+      </p:cxnSp>
+      <p:sp>
+        <p:nvSpPr>
+          <p:cNvPr id="26" name="TextBox 25">
+            <a:extLst>
+              <a:ext uri="{FF2B5EF4-FFF2-40B4-BE49-F238E27FC236}">
+                <a16:creationId xmlns:a16="http://schemas.microsoft.com/office/drawing/2014/main" id="{0501C58A-C641-4D30-833C-3C8B9B9B1CEA}"/>
+              </a:ext>
+            </a:extLst>
+          </p:cNvPr>
+          <p:cNvSpPr txBox="1"/>
+          <p:nvPr/>
+        </p:nvSpPr>
+        <p:spPr>
+          <a:xfrm>
+            <a:off x="18593959" y="20561664"/>
+            <a:ext cx="1053472" cy="215444"/>
+          </a:xfrm>
+          <a:prstGeom prst="rect">
+            <a:avLst/>
+          </a:prstGeom>
+          <a:noFill/>
+          <a:ln>
+            <a:solidFill>
+              <a:schemeClr val="tx1"/>
+            </a:solidFill>
+          </a:ln>
+        </p:spPr>
+        <p:txBody>
+          <a:bodyPr wrap="square" rtlCol="0">
+            <a:spAutoFit/>
+          </a:bodyPr>
+          <a:lstStyle/>
+          <a:p>
+            <a:pPr algn="ctr"/>
+            <a:r>
+              <a:rPr lang="en-US" sz="400" dirty="0"/>
+              <a:t>&lt;&lt;interface&gt;&gt;</a:t>
+            </a:r>
+          </a:p>
+          <a:p>
+            <a:pPr algn="ctr"/>
+            <a:r>
+              <a:rPr lang="en-US" sz="400" dirty="0" err="1"/>
+              <a:t>Isubscribable</a:t>
+            </a:r>
+            <a:r>
+              <a:rPr lang="en-US" sz="400" dirty="0"/>
+              <a:t>&lt;</a:t>
+            </a:r>
+            <a:r>
+              <a:rPr lang="en-US" sz="400" dirty="0" err="1"/>
+              <a:t>UpdatesType</a:t>
+            </a:r>
+            <a:r>
+              <a:rPr lang="en-US" sz="400" dirty="0"/>
+              <a:t>&gt;</a:t>
+            </a:r>
+          </a:p>
+        </p:txBody>
+      </p:sp>
+      <p:sp>
+        <p:nvSpPr>
+          <p:cNvPr id="27" name="TextBox 26">
+            <a:extLst>
+              <a:ext uri="{FF2B5EF4-FFF2-40B4-BE49-F238E27FC236}">
+                <a16:creationId xmlns:a16="http://schemas.microsoft.com/office/drawing/2014/main" id="{BF58E4EE-DF21-4408-B3A7-F3B20B5AACA4}"/>
+              </a:ext>
+            </a:extLst>
+          </p:cNvPr>
+          <p:cNvSpPr txBox="1"/>
+          <p:nvPr/>
+        </p:nvSpPr>
+        <p:spPr>
+          <a:xfrm>
+            <a:off x="18564441" y="21460186"/>
+            <a:ext cx="951218" cy="215444"/>
+          </a:xfrm>
+          <a:prstGeom prst="rect">
+            <a:avLst/>
+          </a:prstGeom>
+          <a:noFill/>
+          <a:ln>
+            <a:solidFill>
+              <a:schemeClr val="tx1"/>
+            </a:solidFill>
+          </a:ln>
+        </p:spPr>
+        <p:txBody>
+          <a:bodyPr wrap="square" rtlCol="0">
+            <a:spAutoFit/>
+          </a:bodyPr>
+          <a:lstStyle/>
+          <a:p>
+            <a:pPr algn="ctr"/>
+            <a:r>
+              <a:rPr lang="en-US" sz="400" dirty="0"/>
+              <a:t>&lt;&lt;interface&gt;&gt;</a:t>
+            </a:r>
+          </a:p>
+          <a:p>
+            <a:pPr algn="ctr"/>
+            <a:r>
+              <a:rPr lang="en-US" sz="400" dirty="0" err="1"/>
+              <a:t>ISubscribableStore</a:t>
+            </a:r>
+            <a:endParaRPr lang="en-US" sz="400" dirty="0"/>
+          </a:p>
+        </p:txBody>
+      </p:sp>
+      <p:sp>
+        <p:nvSpPr>
+          <p:cNvPr id="28" name="TextBox 27">
+            <a:extLst>
+              <a:ext uri="{FF2B5EF4-FFF2-40B4-BE49-F238E27FC236}">
+                <a16:creationId xmlns:a16="http://schemas.microsoft.com/office/drawing/2014/main" id="{4514A2E6-ABAA-43AB-9D96-8C030701D7BB}"/>
+              </a:ext>
+            </a:extLst>
+          </p:cNvPr>
+          <p:cNvSpPr txBox="1"/>
+          <p:nvPr/>
+        </p:nvSpPr>
+        <p:spPr>
+          <a:xfrm>
+            <a:off x="19968205" y="20557691"/>
+            <a:ext cx="951218" cy="215444"/>
+          </a:xfrm>
+          <a:prstGeom prst="rect">
+            <a:avLst/>
+          </a:prstGeom>
+          <a:noFill/>
+          <a:ln>
+            <a:solidFill>
+              <a:schemeClr val="tx1"/>
+            </a:solidFill>
+          </a:ln>
+        </p:spPr>
+        <p:txBody>
+          <a:bodyPr wrap="square" rtlCol="0">
+            <a:spAutoFit/>
+          </a:bodyPr>
+          <a:lstStyle/>
+          <a:p>
+            <a:pPr algn="ctr"/>
+            <a:r>
+              <a:rPr lang="en-US" sz="400" dirty="0"/>
+              <a:t>&lt;&lt;interface&gt;&gt;</a:t>
+            </a:r>
+          </a:p>
+          <a:p>
+            <a:pPr algn="ctr"/>
+            <a:r>
+              <a:rPr lang="en-US" sz="400" dirty="0" err="1"/>
+              <a:t>ICoreSubscribableStore</a:t>
+            </a:r>
+            <a:endParaRPr lang="en-US" sz="400" dirty="0"/>
+          </a:p>
+        </p:txBody>
+      </p:sp>
+      <p:sp>
+        <p:nvSpPr>
+          <p:cNvPr id="29" name="TextBox 28">
+            <a:extLst>
+              <a:ext uri="{FF2B5EF4-FFF2-40B4-BE49-F238E27FC236}">
+                <a16:creationId xmlns:a16="http://schemas.microsoft.com/office/drawing/2014/main" id="{E11770A4-7168-4A89-95D7-C1A65F65F8AE}"/>
+              </a:ext>
+            </a:extLst>
+          </p:cNvPr>
+          <p:cNvSpPr txBox="1"/>
+          <p:nvPr/>
+        </p:nvSpPr>
+        <p:spPr>
+          <a:xfrm>
+            <a:off x="19968205" y="20112765"/>
+            <a:ext cx="951218" cy="215444"/>
+          </a:xfrm>
+          <a:prstGeom prst="rect">
+            <a:avLst/>
+          </a:prstGeom>
+          <a:noFill/>
+          <a:ln>
+            <a:solidFill>
+              <a:schemeClr val="tx1"/>
+            </a:solidFill>
+          </a:ln>
+        </p:spPr>
+        <p:txBody>
+          <a:bodyPr wrap="square" rtlCol="0">
+            <a:spAutoFit/>
+          </a:bodyPr>
+          <a:lstStyle/>
+          <a:p>
+            <a:pPr algn="ctr"/>
+            <a:r>
+              <a:rPr lang="en-US" sz="400" dirty="0"/>
+              <a:t>&lt;&lt;interface&gt;&gt;</a:t>
+            </a:r>
+          </a:p>
+          <a:p>
+            <a:pPr algn="ctr"/>
+            <a:r>
+              <a:rPr lang="en-US" sz="400" dirty="0" err="1"/>
+              <a:t>IDescendantPublisher</a:t>
+            </a:r>
+            <a:endParaRPr lang="en-US" sz="400" dirty="0"/>
+          </a:p>
+        </p:txBody>
+      </p:sp>
+      <p:cxnSp>
+        <p:nvCxnSpPr>
+          <p:cNvPr id="31" name="Straight Arrow Connector 30">
+            <a:extLst>
+              <a:ext uri="{FF2B5EF4-FFF2-40B4-BE49-F238E27FC236}">
+                <a16:creationId xmlns:a16="http://schemas.microsoft.com/office/drawing/2014/main" id="{784D70DE-3EB4-4A6C-9314-909CD69DE042}"/>
+              </a:ext>
+            </a:extLst>
+          </p:cNvPr>
+          <p:cNvCxnSpPr>
+            <a:stCxn id="28" idx="0"/>
+            <a:endCxn id="29" idx="2"/>
+          </p:cNvCxnSpPr>
+          <p:nvPr/>
+        </p:nvCxnSpPr>
+        <p:spPr>
+          <a:xfrm flipV="1">
+            <a:off x="20443814" y="20328209"/>
+            <a:ext cx="0" cy="229482"/>
+          </a:xfrm>
+          <a:prstGeom prst="straightConnector1">
+            <a:avLst/>
+          </a:prstGeom>
+          <a:ln>
+            <a:solidFill>
+              <a:schemeClr val="tx1"/>
+            </a:solidFill>
+            <a:tailEnd type="triangle"/>
+          </a:ln>
+        </p:spPr>
+        <p:style>
+          <a:lnRef idx="1">
+            <a:schemeClr val="accent1"/>
+          </a:lnRef>
+          <a:fillRef idx="0">
+            <a:schemeClr val="accent1"/>
+          </a:fillRef>
+          <a:effectRef idx="0">
+            <a:schemeClr val="accent1"/>
+          </a:effectRef>
+          <a:fontRef idx="minor">
+            <a:schemeClr val="tx1"/>
+          </a:fontRef>
+        </p:style>
+      </p:cxnSp>
+      <p:cxnSp>
+        <p:nvCxnSpPr>
+          <p:cNvPr id="32" name="Straight Arrow Connector 31">
+            <a:extLst>
+              <a:ext uri="{FF2B5EF4-FFF2-40B4-BE49-F238E27FC236}">
+                <a16:creationId xmlns:a16="http://schemas.microsoft.com/office/drawing/2014/main" id="{5A4C0E2B-C188-46A5-BA3E-BE694A0C9E99}"/>
+              </a:ext>
+            </a:extLst>
+          </p:cNvPr>
+          <p:cNvCxnSpPr>
+            <a:cxnSpLocks/>
+            <a:stCxn id="27" idx="0"/>
+            <a:endCxn id="26" idx="2"/>
+          </p:cNvCxnSpPr>
+          <p:nvPr/>
+        </p:nvCxnSpPr>
+        <p:spPr>
+          <a:xfrm flipV="1">
+            <a:off x="19040050" y="20777108"/>
+            <a:ext cx="80645" cy="683078"/>
+          </a:xfrm>
+          <a:prstGeom prst="straightConnector1">
+            <a:avLst/>
+          </a:prstGeom>
+          <a:ln>
+            <a:solidFill>
+              <a:schemeClr val="tx1"/>
+            </a:solidFill>
+            <a:tailEnd type="triangle"/>
+          </a:ln>
+        </p:spPr>
+        <p:style>
+          <a:lnRef idx="1">
+            <a:schemeClr val="accent1"/>
+          </a:lnRef>
+          <a:fillRef idx="0">
+            <a:schemeClr val="accent1"/>
+          </a:fillRef>
+          <a:effectRef idx="0">
+            <a:schemeClr val="accent1"/>
+          </a:effectRef>
+          <a:fontRef idx="minor">
+            <a:schemeClr val="tx1"/>
+          </a:fontRef>
+        </p:style>
+      </p:cxnSp>
+      <p:cxnSp>
+        <p:nvCxnSpPr>
+          <p:cNvPr id="35" name="Straight Arrow Connector 34">
+            <a:extLst>
+              <a:ext uri="{FF2B5EF4-FFF2-40B4-BE49-F238E27FC236}">
+                <a16:creationId xmlns:a16="http://schemas.microsoft.com/office/drawing/2014/main" id="{A7E31B88-B520-4CE3-9F08-9834629BE558}"/>
+              </a:ext>
+            </a:extLst>
+          </p:cNvPr>
+          <p:cNvCxnSpPr>
+            <a:cxnSpLocks/>
+            <a:stCxn id="27" idx="0"/>
+            <a:endCxn id="28" idx="2"/>
+          </p:cNvCxnSpPr>
+          <p:nvPr/>
+        </p:nvCxnSpPr>
+        <p:spPr>
+          <a:xfrm flipV="1">
+            <a:off x="19040050" y="20773135"/>
+            <a:ext cx="1403764" cy="687051"/>
+          </a:xfrm>
+          <a:prstGeom prst="straightConnector1">
+            <a:avLst/>
+          </a:prstGeom>
+          <a:ln>
+            <a:solidFill>
+              <a:schemeClr val="tx1"/>
+            </a:solidFill>
+            <a:tailEnd type="triangle"/>
+          </a:ln>
+        </p:spPr>
+        <p:style>
+          <a:lnRef idx="1">
+            <a:schemeClr val="accent1"/>
+          </a:lnRef>
+          <a:fillRef idx="0">
+            <a:schemeClr val="accent1"/>
+          </a:fillRef>
+          <a:effectRef idx="0">
+            <a:schemeClr val="accent1"/>
+          </a:effectRef>
+          <a:fontRef idx="minor">
+            <a:schemeClr val="tx1"/>
+          </a:fontRef>
+        </p:style>
+      </p:cxnSp>
+      <p:sp>
+        <p:nvSpPr>
+          <p:cNvPr id="38" name="TextBox 37">
+            <a:extLst>
+              <a:ext uri="{FF2B5EF4-FFF2-40B4-BE49-F238E27FC236}">
+                <a16:creationId xmlns:a16="http://schemas.microsoft.com/office/drawing/2014/main" id="{8015F1DD-9F11-449F-9B1E-5A9945C2F5FA}"/>
+              </a:ext>
+            </a:extLst>
+          </p:cNvPr>
+          <p:cNvSpPr txBox="1"/>
+          <p:nvPr/>
+        </p:nvSpPr>
+        <p:spPr>
+          <a:xfrm>
+            <a:off x="18212213" y="22049861"/>
+            <a:ext cx="903854" cy="215444"/>
+          </a:xfrm>
+          <a:prstGeom prst="rect">
+            <a:avLst/>
+          </a:prstGeom>
+          <a:noFill/>
+          <a:ln>
+            <a:solidFill>
+              <a:schemeClr val="tx1"/>
+            </a:solidFill>
+          </a:ln>
+        </p:spPr>
+        <p:txBody>
+          <a:bodyPr wrap="square" rtlCol="0">
+            <a:spAutoFit/>
+          </a:bodyPr>
+          <a:lstStyle/>
+          <a:p>
+            <a:pPr algn="ctr"/>
+            <a:r>
+              <a:rPr lang="en-US" sz="400" dirty="0"/>
+              <a:t>&lt;&lt;interface&gt;&gt;</a:t>
+            </a:r>
+          </a:p>
+          <a:p>
+            <a:pPr algn="ctr"/>
+            <a:r>
+              <a:rPr lang="en-US" sz="400" dirty="0" err="1"/>
+              <a:t>ISubscribableContentUserStore</a:t>
+            </a:r>
+            <a:endParaRPr lang="en-US" sz="400" dirty="0"/>
+          </a:p>
+        </p:txBody>
+      </p:sp>
+      <p:cxnSp>
+        <p:nvCxnSpPr>
+          <p:cNvPr id="40" name="Straight Arrow Connector 39">
+            <a:extLst>
+              <a:ext uri="{FF2B5EF4-FFF2-40B4-BE49-F238E27FC236}">
+                <a16:creationId xmlns:a16="http://schemas.microsoft.com/office/drawing/2014/main" id="{6CF93F79-A4E6-4D37-B198-381FF4602DF9}"/>
+              </a:ext>
+            </a:extLst>
+          </p:cNvPr>
+          <p:cNvCxnSpPr>
+            <a:cxnSpLocks/>
+            <a:stCxn id="12" idx="0"/>
+            <a:endCxn id="38" idx="2"/>
+          </p:cNvCxnSpPr>
+          <p:nvPr/>
+        </p:nvCxnSpPr>
+        <p:spPr>
+          <a:xfrm flipV="1">
+            <a:off x="17266340" y="22265305"/>
+            <a:ext cx="1397800" cy="216252"/>
+          </a:xfrm>
+          <a:prstGeom prst="straightConnector1">
+            <a:avLst/>
+          </a:prstGeom>
+          <a:ln>
+            <a:solidFill>
+              <a:schemeClr val="tx1"/>
+            </a:solidFill>
+            <a:prstDash val="dash"/>
+            <a:tailEnd type="triangle"/>
+          </a:ln>
+        </p:spPr>
+        <p:style>
+          <a:lnRef idx="1">
+            <a:schemeClr val="accent1"/>
+          </a:lnRef>
+          <a:fillRef idx="0">
+            <a:schemeClr val="accent1"/>
+          </a:fillRef>
+          <a:effectRef idx="0">
+            <a:schemeClr val="accent1"/>
+          </a:effectRef>
+          <a:fontRef idx="minor">
+            <a:schemeClr val="tx1"/>
+          </a:fontRef>
+        </p:style>
+      </p:cxnSp>
+      <p:cxnSp>
+        <p:nvCxnSpPr>
+          <p:cNvPr id="43" name="Straight Arrow Connector 42">
+            <a:extLst>
+              <a:ext uri="{FF2B5EF4-FFF2-40B4-BE49-F238E27FC236}">
+                <a16:creationId xmlns:a16="http://schemas.microsoft.com/office/drawing/2014/main" id="{7129B66C-09AA-4413-9C5C-9739187B6DD6}"/>
+              </a:ext>
+            </a:extLst>
+          </p:cNvPr>
+          <p:cNvCxnSpPr>
+            <a:cxnSpLocks/>
+            <a:stCxn id="38" idx="0"/>
+            <a:endCxn id="27" idx="2"/>
+          </p:cNvCxnSpPr>
+          <p:nvPr/>
+        </p:nvCxnSpPr>
+        <p:spPr>
+          <a:xfrm flipV="1">
+            <a:off x="18664140" y="21675630"/>
+            <a:ext cx="375910" cy="374231"/>
+          </a:xfrm>
+          <a:prstGeom prst="straightConnector1">
+            <a:avLst/>
+          </a:prstGeom>
+          <a:ln>
+            <a:solidFill>
+              <a:schemeClr val="tx1"/>
+            </a:solidFill>
+            <a:tailEnd type="triangle"/>
+          </a:ln>
+        </p:spPr>
+        <p:style>
+          <a:lnRef idx="1">
+            <a:schemeClr val="accent1"/>
+          </a:lnRef>
+          <a:fillRef idx="0">
+            <a:schemeClr val="accent1"/>
+          </a:fillRef>
+          <a:effectRef idx="0">
+            <a:schemeClr val="accent1"/>
+          </a:effectRef>
+          <a:fontRef idx="minor">
+            <a:schemeClr val="tx1"/>
+          </a:fontRef>
+        </p:style>
+      </p:cxnSp>
+      <p:cxnSp>
+        <p:nvCxnSpPr>
+          <p:cNvPr id="46" name="Straight Arrow Connector 45">
+            <a:extLst>
+              <a:ext uri="{FF2B5EF4-FFF2-40B4-BE49-F238E27FC236}">
+                <a16:creationId xmlns:a16="http://schemas.microsoft.com/office/drawing/2014/main" id="{8EF7673B-4983-4D71-8F2C-859065633D7D}"/>
+              </a:ext>
+            </a:extLst>
+          </p:cNvPr>
+          <p:cNvCxnSpPr>
+            <a:cxnSpLocks/>
+            <a:stCxn id="5" idx="0"/>
+            <a:endCxn id="27" idx="2"/>
+          </p:cNvCxnSpPr>
+          <p:nvPr/>
+        </p:nvCxnSpPr>
+        <p:spPr>
+          <a:xfrm flipV="1">
+            <a:off x="17266340" y="21675630"/>
+            <a:ext cx="1773710" cy="470654"/>
+          </a:xfrm>
+          <a:prstGeom prst="straightConnector1">
+            <a:avLst/>
+          </a:prstGeom>
+          <a:ln>
+            <a:solidFill>
+              <a:schemeClr val="tx1"/>
+            </a:solidFill>
+            <a:prstDash val="dash"/>
+            <a:tailEnd type="triangle"/>
+          </a:ln>
+        </p:spPr>
+        <p:style>
+          <a:lnRef idx="1">
+            <a:schemeClr val="accent1"/>
+          </a:lnRef>
+          <a:fillRef idx="0">
+            <a:schemeClr val="accent1"/>
+          </a:fillRef>
+          <a:effectRef idx="0">
+            <a:schemeClr val="accent1"/>
+          </a:effectRef>
+          <a:fontRef idx="minor">
+            <a:schemeClr val="tx1"/>
+          </a:fontRef>
+        </p:style>
+      </p:cxnSp>
+      <p:cxnSp>
+        <p:nvCxnSpPr>
+          <p:cNvPr id="55" name="Straight Arrow Connector 54">
+            <a:extLst>
+              <a:ext uri="{FF2B5EF4-FFF2-40B4-BE49-F238E27FC236}">
+                <a16:creationId xmlns:a16="http://schemas.microsoft.com/office/drawing/2014/main" id="{BDEFD1A8-8D34-4C69-BDFD-668021A4E0B7}"/>
+              </a:ext>
+            </a:extLst>
+          </p:cNvPr>
+          <p:cNvCxnSpPr>
+            <a:cxnSpLocks/>
+            <a:stCxn id="4" idx="0"/>
+            <a:endCxn id="26" idx="2"/>
+          </p:cNvCxnSpPr>
+          <p:nvPr/>
+        </p:nvCxnSpPr>
+        <p:spPr>
+          <a:xfrm flipV="1">
+            <a:off x="17266340" y="20777108"/>
+            <a:ext cx="1854355" cy="1022442"/>
+          </a:xfrm>
+          <a:prstGeom prst="straightConnector1">
+            <a:avLst/>
+          </a:prstGeom>
+          <a:ln>
+            <a:solidFill>
+              <a:schemeClr val="tx1"/>
+            </a:solidFill>
+            <a:prstDash val="dash"/>
+            <a:tailEnd type="triangle"/>
+          </a:ln>
+        </p:spPr>
+        <p:style>
+          <a:lnRef idx="1">
+            <a:schemeClr val="accent1"/>
+          </a:lnRef>
+          <a:fillRef idx="0">
+            <a:schemeClr val="accent1"/>
+          </a:fillRef>
+          <a:effectRef idx="0">
+            <a:schemeClr val="accent1"/>
+          </a:effectRef>
+          <a:fontRef idx="minor">
+            <a:schemeClr val="tx1"/>
+          </a:fontRef>
+        </p:style>
+      </p:cxnSp>
+      <p:sp>
+        <p:nvSpPr>
+          <p:cNvPr id="62" name="TextBox 61">
+            <a:extLst>
+              <a:ext uri="{FF2B5EF4-FFF2-40B4-BE49-F238E27FC236}">
+                <a16:creationId xmlns:a16="http://schemas.microsoft.com/office/drawing/2014/main" id="{16F1B07F-5F8B-4300-AEE0-8E018E9E89D6}"/>
+              </a:ext>
+            </a:extLst>
+          </p:cNvPr>
+          <p:cNvSpPr txBox="1"/>
+          <p:nvPr/>
+        </p:nvSpPr>
+        <p:spPr>
+          <a:xfrm>
+            <a:off x="18074822" y="22513017"/>
+            <a:ext cx="1178636" cy="153888"/>
+          </a:xfrm>
+          <a:prstGeom prst="rect">
+            <a:avLst/>
+          </a:prstGeom>
+          <a:noFill/>
+          <a:ln>
+            <a:solidFill>
+              <a:schemeClr val="tx1"/>
+            </a:solidFill>
+          </a:ln>
+        </p:spPr>
+        <p:txBody>
+          <a:bodyPr wrap="square" rtlCol="0">
+            <a:spAutoFit/>
+          </a:bodyPr>
+          <a:lstStyle/>
+          <a:p>
+            <a:pPr algn="ctr"/>
+            <a:r>
+              <a:rPr lang="en-US" sz="400" dirty="0" err="1"/>
+              <a:t>IMutableSubscribableContentUserStore</a:t>
+            </a:r>
+            <a:endParaRPr lang="en-US" sz="400" dirty="0"/>
+          </a:p>
+        </p:txBody>
+      </p:sp>
+      <p:cxnSp>
+        <p:nvCxnSpPr>
+          <p:cNvPr id="63" name="Straight Arrow Connector 62">
+            <a:extLst>
+              <a:ext uri="{FF2B5EF4-FFF2-40B4-BE49-F238E27FC236}">
+                <a16:creationId xmlns:a16="http://schemas.microsoft.com/office/drawing/2014/main" id="{B83CE5E3-631F-488D-A8FD-10A804551D21}"/>
+              </a:ext>
+            </a:extLst>
+          </p:cNvPr>
+          <p:cNvCxnSpPr>
+            <a:cxnSpLocks/>
+            <a:stCxn id="13" idx="0"/>
+            <a:endCxn id="62" idx="2"/>
+          </p:cNvCxnSpPr>
+          <p:nvPr/>
+        </p:nvCxnSpPr>
+        <p:spPr>
+          <a:xfrm flipV="1">
+            <a:off x="17266339" y="22666905"/>
+            <a:ext cx="1397801" cy="188883"/>
+          </a:xfrm>
+          <a:prstGeom prst="straightConnector1">
+            <a:avLst/>
+          </a:prstGeom>
+          <a:ln>
+            <a:solidFill>
+              <a:schemeClr val="tx1"/>
+            </a:solidFill>
+            <a:prstDash val="dash"/>
+            <a:tailEnd type="triangle"/>
+          </a:ln>
+        </p:spPr>
+        <p:style>
+          <a:lnRef idx="1">
+            <a:schemeClr val="accent1"/>
+          </a:lnRef>
+          <a:fillRef idx="0">
+            <a:schemeClr val="accent1"/>
+          </a:fillRef>
+          <a:effectRef idx="0">
+            <a:schemeClr val="accent1"/>
+          </a:effectRef>
+          <a:fontRef idx="minor">
+            <a:schemeClr val="tx1"/>
+          </a:fontRef>
+        </p:style>
+      </p:cxnSp>
+      <p:cxnSp>
+        <p:nvCxnSpPr>
+          <p:cNvPr id="67" name="Straight Arrow Connector 66">
+            <a:extLst>
+              <a:ext uri="{FF2B5EF4-FFF2-40B4-BE49-F238E27FC236}">
+                <a16:creationId xmlns:a16="http://schemas.microsoft.com/office/drawing/2014/main" id="{54ED954B-6291-4FD6-B07A-4BE36A16DE8E}"/>
+              </a:ext>
+            </a:extLst>
+          </p:cNvPr>
+          <p:cNvCxnSpPr>
+            <a:cxnSpLocks/>
+            <a:stCxn id="62" idx="0"/>
+            <a:endCxn id="38" idx="2"/>
+          </p:cNvCxnSpPr>
+          <p:nvPr/>
+        </p:nvCxnSpPr>
+        <p:spPr>
+          <a:xfrm flipV="1">
+            <a:off x="18664140" y="22265305"/>
+            <a:ext cx="0" cy="247712"/>
+          </a:xfrm>
+          <a:prstGeom prst="straightConnector1">
+            <a:avLst/>
+          </a:prstGeom>
+          <a:ln>
+            <a:solidFill>
+              <a:schemeClr val="tx1"/>
+            </a:solidFill>
+            <a:tailEnd type="triangle"/>
+          </a:ln>
+        </p:spPr>
+        <p:style>
+          <a:lnRef idx="1">
+            <a:schemeClr val="accent1"/>
+          </a:lnRef>
+          <a:fillRef idx="0">
+            <a:schemeClr val="accent1"/>
+          </a:fillRef>
+          <a:effectRef idx="0">
+            <a:schemeClr val="accent1"/>
+          </a:effectRef>
+          <a:fontRef idx="minor">
+            <a:schemeClr val="tx1"/>
+          </a:fontRef>
+        </p:style>
+      </p:cxnSp>
+      <p:sp>
+        <p:nvSpPr>
+          <p:cNvPr id="72" name="TextBox 71">
+            <a:extLst>
+              <a:ext uri="{FF2B5EF4-FFF2-40B4-BE49-F238E27FC236}">
+                <a16:creationId xmlns:a16="http://schemas.microsoft.com/office/drawing/2014/main" id="{A239D109-6E8A-4AEF-8D04-2ABD969CB5A2}"/>
+              </a:ext>
+            </a:extLst>
+          </p:cNvPr>
+          <p:cNvSpPr txBox="1"/>
+          <p:nvPr/>
+        </p:nvSpPr>
+        <p:spPr>
+          <a:xfrm>
+            <a:off x="19777624" y="22049861"/>
+            <a:ext cx="1239826" cy="276999"/>
+          </a:xfrm>
+          <a:prstGeom prst="rect">
+            <a:avLst/>
+          </a:prstGeom>
+          <a:noFill/>
+          <a:ln>
+            <a:solidFill>
+              <a:schemeClr val="tx1"/>
+            </a:solidFill>
+          </a:ln>
+        </p:spPr>
+        <p:txBody>
+          <a:bodyPr wrap="square" rtlCol="0">
+            <a:spAutoFit/>
+          </a:bodyPr>
+          <a:lstStyle/>
+          <a:p>
+            <a:pPr algn="ctr"/>
+            <a:r>
+              <a:rPr lang="en-US" sz="400" dirty="0" err="1"/>
+              <a:t>IMutable</a:t>
+            </a:r>
+            <a:r>
+              <a:rPr lang="en-US" sz="400" dirty="0"/>
+              <a:t>&lt;</a:t>
+            </a:r>
+            <a:r>
+              <a:rPr lang="en-US" sz="400" dirty="0" err="1"/>
+              <a:t>MutationInterface</a:t>
+            </a:r>
+            <a:r>
+              <a:rPr lang="en-US" sz="400" dirty="0"/>
+              <a:t>&gt;</a:t>
+            </a:r>
+          </a:p>
+          <a:p>
+            <a:pPr algn="ctr"/>
+            <a:r>
+              <a:rPr lang="en-US" sz="400" dirty="0"/>
+              <a:t>+</a:t>
+            </a:r>
+            <a:r>
+              <a:rPr lang="en-US" sz="400" dirty="0" err="1"/>
+              <a:t>addMutation</a:t>
+            </a:r>
+            <a:r>
+              <a:rPr lang="en-US" sz="400" dirty="0"/>
+              <a:t>(mutation: </a:t>
+            </a:r>
+            <a:r>
+              <a:rPr lang="en-US" sz="400" dirty="0" err="1"/>
+              <a:t>MutationInterface</a:t>
+            </a:r>
+            <a:r>
+              <a:rPr lang="en-US" sz="400" dirty="0"/>
+              <a:t>)</a:t>
+            </a:r>
+          </a:p>
+          <a:p>
+            <a:pPr algn="ctr"/>
+            <a:r>
+              <a:rPr lang="en-US" sz="400" dirty="0"/>
+              <a:t>+mutations(): </a:t>
+            </a:r>
+            <a:r>
+              <a:rPr lang="en-US" sz="400" dirty="0" err="1"/>
+              <a:t>MutationInterface</a:t>
+            </a:r>
+            <a:r>
+              <a:rPr lang="en-US" sz="400"/>
+              <a:t>[]</a:t>
+            </a:r>
+            <a:endParaRPr lang="en-US" sz="400" dirty="0"/>
+          </a:p>
+        </p:txBody>
+      </p:sp>
+      <p:cxnSp>
+        <p:nvCxnSpPr>
+          <p:cNvPr id="73" name="Straight Arrow Connector 72">
+            <a:extLst>
+              <a:ext uri="{FF2B5EF4-FFF2-40B4-BE49-F238E27FC236}">
+                <a16:creationId xmlns:a16="http://schemas.microsoft.com/office/drawing/2014/main" id="{39D884D8-F0EA-4A1D-A148-613BE8138AC2}"/>
+              </a:ext>
+            </a:extLst>
+          </p:cNvPr>
+          <p:cNvCxnSpPr>
+            <a:cxnSpLocks/>
+            <a:stCxn id="62" idx="0"/>
+            <a:endCxn id="72" idx="2"/>
+          </p:cNvCxnSpPr>
+          <p:nvPr/>
+        </p:nvCxnSpPr>
+        <p:spPr>
+          <a:xfrm flipV="1">
+            <a:off x="18664140" y="22326860"/>
+            <a:ext cx="1733397" cy="186157"/>
+          </a:xfrm>
+          <a:prstGeom prst="straightConnector1">
+            <a:avLst/>
+          </a:prstGeom>
+          <a:ln>
+            <a:solidFill>
+              <a:schemeClr val="tx1"/>
+            </a:solidFill>
+            <a:tailEnd type="triangle"/>
+          </a:ln>
+        </p:spPr>
+        <p:style>
+          <a:lnRef idx="1">
+            <a:schemeClr val="accent1"/>
+          </a:lnRef>
+          <a:fillRef idx="0">
+            <a:schemeClr val="accent1"/>
+          </a:fillRef>
+          <a:effectRef idx="0">
+            <a:schemeClr val="accent1"/>
+          </a:effectRef>
+          <a:fontRef idx="minor">
+            <a:schemeClr val="tx1"/>
+          </a:fontRef>
+        </p:style>
+      </p:cxnSp>
     </p:spTree>
     <p:extLst>
       <p:ext uri="{BB962C8B-B14F-4D97-AF65-F5344CB8AC3E}">
-        <p14:creationId xmlns:p14="http://schemas.microsoft.com/office/powerpoint/2010/main" val="3139668986"/>
+        <p14:creationId xmlns:p14="http://schemas.microsoft.com/office/powerpoint/2010/main" val="1828436438"/>
       </p:ext>
     </p:extLst>
   </p:cSld>

--- a/docs/architecture.pptx
+++ b/docs/architecture.pptx
@@ -17857,10 +17857,9 @@
               <a:t>MutationInterface</a:t>
             </a:r>
             <a:r>
-              <a:rPr lang="en-US" sz="400"/>
+              <a:rPr lang="en-US" sz="400" dirty="0"/>
               <a:t>[]</a:t>
             </a:r>
-            <a:endParaRPr lang="en-US" sz="400" dirty="0"/>
           </a:p>
         </p:txBody>
       </p:sp>
@@ -17892,6 +17891,141 @@
             <a:solidFill>
               <a:schemeClr val="tx1"/>
             </a:solidFill>
+            <a:tailEnd type="triangle"/>
+          </a:ln>
+        </p:spPr>
+        <p:style>
+          <a:lnRef idx="1">
+            <a:schemeClr val="accent1"/>
+          </a:lnRef>
+          <a:fillRef idx="0">
+            <a:schemeClr val="accent1"/>
+          </a:fillRef>
+          <a:effectRef idx="0">
+            <a:schemeClr val="accent1"/>
+          </a:effectRef>
+          <a:fontRef idx="minor">
+            <a:schemeClr val="tx1"/>
+          </a:fontRef>
+        </p:style>
+      </p:cxnSp>
+      <p:sp>
+        <p:nvSpPr>
+          <p:cNvPr id="76" name="TextBox 75">
+            <a:extLst>
+              <a:ext uri="{FF2B5EF4-FFF2-40B4-BE49-F238E27FC236}">
+                <a16:creationId xmlns:a16="http://schemas.microsoft.com/office/drawing/2014/main" id="{51179089-E921-4AF5-8712-4B2D3191DEF5}"/>
+              </a:ext>
+            </a:extLst>
+          </p:cNvPr>
+          <p:cNvSpPr txBox="1"/>
+          <p:nvPr/>
+        </p:nvSpPr>
+        <p:spPr>
+          <a:xfrm>
+            <a:off x="16309377" y="22146284"/>
+            <a:ext cx="520798" cy="153888"/>
+          </a:xfrm>
+          <a:prstGeom prst="rect">
+            <a:avLst/>
+          </a:prstGeom>
+          <a:noFill/>
+          <a:ln>
+            <a:solidFill>
+              <a:schemeClr val="tx1"/>
+            </a:solidFill>
+          </a:ln>
+        </p:spPr>
+        <p:txBody>
+          <a:bodyPr wrap="square" rtlCol="0">
+            <a:spAutoFit/>
+          </a:bodyPr>
+          <a:lstStyle/>
+          <a:p>
+            <a:pPr algn="ctr"/>
+            <a:r>
+              <a:rPr lang="en-US" sz="400" dirty="0" err="1"/>
+              <a:t>Subscribable</a:t>
+            </a:r>
+            <a:endParaRPr lang="en-US" sz="400" dirty="0"/>
+          </a:p>
+        </p:txBody>
+      </p:sp>
+      <p:cxnSp>
+        <p:nvCxnSpPr>
+          <p:cNvPr id="77" name="Straight Arrow Connector 76">
+            <a:extLst>
+              <a:ext uri="{FF2B5EF4-FFF2-40B4-BE49-F238E27FC236}">
+                <a16:creationId xmlns:a16="http://schemas.microsoft.com/office/drawing/2014/main" id="{97F2B420-154C-4505-84D7-692DA35AFF8F}"/>
+              </a:ext>
+            </a:extLst>
+          </p:cNvPr>
+          <p:cNvCxnSpPr>
+            <a:cxnSpLocks/>
+            <a:stCxn id="76" idx="0"/>
+            <a:endCxn id="4" idx="2"/>
+          </p:cNvCxnSpPr>
+          <p:nvPr/>
+        </p:nvCxnSpPr>
+        <p:spPr>
+          <a:xfrm flipV="1">
+            <a:off x="16569776" y="21953438"/>
+            <a:ext cx="696564" cy="192846"/>
+          </a:xfrm>
+          <a:prstGeom prst="straightConnector1">
+            <a:avLst/>
+          </a:prstGeom>
+          <a:ln>
+            <a:solidFill>
+              <a:schemeClr val="tx1"/>
+            </a:solidFill>
+            <a:tailEnd type="triangle"/>
+          </a:ln>
+        </p:spPr>
+        <p:style>
+          <a:lnRef idx="1">
+            <a:schemeClr val="accent1"/>
+          </a:lnRef>
+          <a:fillRef idx="0">
+            <a:schemeClr val="accent1"/>
+          </a:fillRef>
+          <a:effectRef idx="0">
+            <a:schemeClr val="accent1"/>
+          </a:effectRef>
+          <a:fontRef idx="minor">
+            <a:schemeClr val="tx1"/>
+          </a:fontRef>
+        </p:style>
+      </p:cxnSp>
+      <p:cxnSp>
+        <p:nvCxnSpPr>
+          <p:cNvPr id="81" name="Straight Arrow Connector 80">
+            <a:extLst>
+              <a:ext uri="{FF2B5EF4-FFF2-40B4-BE49-F238E27FC236}">
+                <a16:creationId xmlns:a16="http://schemas.microsoft.com/office/drawing/2014/main" id="{255CD660-2F4C-4CA9-B21E-D46D39B28737}"/>
+              </a:ext>
+            </a:extLst>
+          </p:cNvPr>
+          <p:cNvCxnSpPr>
+            <a:cxnSpLocks/>
+            <a:stCxn id="76" idx="0"/>
+            <a:endCxn id="26" idx="2"/>
+          </p:cNvCxnSpPr>
+          <p:nvPr/>
+        </p:nvCxnSpPr>
+        <p:spPr>
+          <a:xfrm flipV="1">
+            <a:off x="16569776" y="20777108"/>
+            <a:ext cx="2550919" cy="1369176"/>
+          </a:xfrm>
+          <a:prstGeom prst="straightConnector1">
+            <a:avLst/>
+          </a:prstGeom>
+          <a:ln>
+            <a:solidFill>
+              <a:schemeClr val="tx1"/>
+            </a:solidFill>
+            <a:prstDash val="dash"/>
             <a:tailEnd type="triangle"/>
           </a:ln>
         </p:spPr>

--- a/docs/architecture.pptx
+++ b/docs/architecture.pptx
@@ -116,7 +116,7 @@
 
 <file path=ppt/commentAuthors.xml><?xml version="1.0" encoding="utf-8"?>
 <p:cmAuthorLst xmlns:a="http://schemas.openxmlformats.org/drawingml/2006/main" xmlns:r="http://schemas.openxmlformats.org/officeDocument/2006/relationships" xmlns:p="http://schemas.openxmlformats.org/presentationml/2006/main">
-  <p:cmAuthor id="1" name="John Simerlink" initials="JS" lastIdx="4" clrIdx="0">
+  <p:cmAuthor id="1" name="John Simerlink" initials="JS" lastIdx="6" clrIdx="0">
     <p:extLst>
       <p:ext uri="{19B8F6BF-5375-455C-9EA6-DF929625EA0E}">
         <p15:presenceInfo xmlns:p15="http://schemas.microsoft.com/office/powerpoint/2012/main" userId="bb2883f3ca9420d0" providerId="Windows Live"/>
@@ -159,6 +159,26 @@
       <p:ext uri="{C676402C-5697-4E1C-873F-D02D1690AC5C}">
         <p15:threadingInfo xmlns:p15="http://schemas.microsoft.com/office/powerpoint/2012/main" timeZoneBias="300">
           <p15:parentCm authorId="1" idx="2"/>
+        </p15:threadingInfo>
+      </p:ext>
+    </p:extLst>
+  </p:cm>
+  <p:cm authorId="1" dt="2018-01-20T19:57:32.694" idx="5">
+    <p:pos x="12640" y="15345"/>
+    <p:text>called by GlobalDataStore in the globalDataStore.addCreateMutation() method</p:text>
+    <p:extLst>
+      <p:ext uri="{C676402C-5697-4E1C-873F-D02D1690AC5C}">
+        <p15:threadingInfo xmlns:p15="http://schemas.microsoft.com/office/powerpoint/2012/main" timeZoneBias="300"/>
+      </p:ext>
+    </p:extLst>
+  </p:cm>
+  <p:cm authorId="1" dt="2018-01-20T19:59:14.896" idx="6">
+    <p:pos x="12640" y="15441"/>
+    <p:text/>
+    <p:extLst>
+      <p:ext uri="{C676402C-5697-4E1C-873F-D02D1690AC5C}">
+        <p15:threadingInfo xmlns:p15="http://schemas.microsoft.com/office/powerpoint/2012/main" timeZoneBias="300">
+          <p15:parentCm authorId="1" idx="5"/>
         </p15:threadingInfo>
       </p:ext>
     </p:extLst>
@@ -7395,8 +7415,8 @@
         </p:nvCxnSpPr>
         <p:spPr>
           <a:xfrm flipH="1">
-            <a:off x="20263785" y="24413995"/>
-            <a:ext cx="2988" cy="166543"/>
+            <a:off x="20263785" y="24475550"/>
+            <a:ext cx="2988" cy="104988"/>
           </a:xfrm>
           <a:prstGeom prst="straightConnector1">
             <a:avLst/>
@@ -10573,12 +10593,12 @@
         </p:nvCxnSpPr>
         <p:spPr>
           <a:xfrm rot="10800000" flipH="1">
-            <a:off x="19232897" y="24090831"/>
-            <a:ext cx="2988" cy="874429"/>
+            <a:off x="19232897" y="24121607"/>
+            <a:ext cx="2988" cy="843652"/>
           </a:xfrm>
           <a:prstGeom prst="bentConnector3">
             <a:avLst>
-              <a:gd name="adj1" fmla="val -9460007"/>
+              <a:gd name="adj1" fmla="val -7650602"/>
             </a:avLst>
           </a:prstGeom>
           <a:ln w="9525">
@@ -10621,8 +10641,8 @@
         </p:nvCxnSpPr>
         <p:spPr>
           <a:xfrm rot="10800000" flipH="1">
-            <a:off x="19235884" y="22882706"/>
-            <a:ext cx="2523311" cy="1208124"/>
+            <a:off x="19235884" y="22882707"/>
+            <a:ext cx="2523311" cy="1238901"/>
           </a:xfrm>
           <a:prstGeom prst="bentConnector3">
             <a:avLst>
@@ -12566,7 +12586,7 @@
         <p:spPr>
           <a:xfrm>
             <a:off x="19235885" y="23767664"/>
-            <a:ext cx="2061776" cy="646331"/>
+            <a:ext cx="2061776" cy="707886"/>
           </a:xfrm>
           <a:prstGeom prst="rect">
             <a:avLst/>
@@ -12634,6 +12654,21 @@
             <a:r>
               <a:rPr lang="en-US" sz="400" dirty="0"/>
               <a:t>	-also subscribes to each of its members’ update events, appends the object id to the update/event, and bubbles up these modified events to any objects that subscribed to it</a:t>
+            </a:r>
+          </a:p>
+          <a:p>
+            <a:pPr defTabSz="160020"/>
+            <a:r>
+              <a:rPr lang="en-US" sz="400" dirty="0"/>
+              <a:t>	+</a:t>
+            </a:r>
+            <a:r>
+              <a:rPr lang="en-US" sz="400" dirty="0" err="1"/>
+              <a:t>addAndSubscribeToItem</a:t>
+            </a:r>
+            <a:r>
+              <a:rPr lang="en-US" sz="400" dirty="0"/>
+              <a:t>()</a:t>
             </a:r>
           </a:p>
         </p:txBody>
@@ -15163,7 +15198,7 @@
         <p:spPr>
           <a:xfrm flipH="1" flipV="1">
             <a:off x="17091131" y="23839936"/>
-            <a:ext cx="2144754" cy="250894"/>
+            <a:ext cx="2144754" cy="281671"/>
           </a:xfrm>
           <a:prstGeom prst="straightConnector1">
             <a:avLst/>

--- a/docs/architecture.pptx
+++ b/docs/architecture.pptx
@@ -317,7 +317,7 @@
           <a:p>
             <a:fld id="{0A05F3B5-6F50-4323-80C0-955EB0110BAC}" type="datetimeFigureOut">
               <a:rPr lang="en-US" smtClean="0"/>
-              <a:t>1/12/2018</a:t>
+              <a:t>1/22/2018</a:t>
             </a:fld>
             <a:endParaRPr lang="en-US"/>
           </a:p>
@@ -487,7 +487,7 @@
           <a:p>
             <a:fld id="{0A05F3B5-6F50-4323-80C0-955EB0110BAC}" type="datetimeFigureOut">
               <a:rPr lang="en-US" smtClean="0"/>
-              <a:t>1/12/2018</a:t>
+              <a:t>1/22/2018</a:t>
             </a:fld>
             <a:endParaRPr lang="en-US"/>
           </a:p>
@@ -667,7 +667,7 @@
           <a:p>
             <a:fld id="{0A05F3B5-6F50-4323-80C0-955EB0110BAC}" type="datetimeFigureOut">
               <a:rPr lang="en-US" smtClean="0"/>
-              <a:t>1/12/2018</a:t>
+              <a:t>1/22/2018</a:t>
             </a:fld>
             <a:endParaRPr lang="en-US"/>
           </a:p>
@@ -837,7 +837,7 @@
           <a:p>
             <a:fld id="{0A05F3B5-6F50-4323-80C0-955EB0110BAC}" type="datetimeFigureOut">
               <a:rPr lang="en-US" smtClean="0"/>
-              <a:t>1/12/2018</a:t>
+              <a:t>1/22/2018</a:t>
             </a:fld>
             <a:endParaRPr lang="en-US"/>
           </a:p>
@@ -1081,7 +1081,7 @@
           <a:p>
             <a:fld id="{0A05F3B5-6F50-4323-80C0-955EB0110BAC}" type="datetimeFigureOut">
               <a:rPr lang="en-US" smtClean="0"/>
-              <a:t>1/12/2018</a:t>
+              <a:t>1/22/2018</a:t>
             </a:fld>
             <a:endParaRPr lang="en-US"/>
           </a:p>
@@ -1313,7 +1313,7 @@
           <a:p>
             <a:fld id="{0A05F3B5-6F50-4323-80C0-955EB0110BAC}" type="datetimeFigureOut">
               <a:rPr lang="en-US" smtClean="0"/>
-              <a:t>1/12/2018</a:t>
+              <a:t>1/22/2018</a:t>
             </a:fld>
             <a:endParaRPr lang="en-US"/>
           </a:p>
@@ -1680,7 +1680,7 @@
           <a:p>
             <a:fld id="{0A05F3B5-6F50-4323-80C0-955EB0110BAC}" type="datetimeFigureOut">
               <a:rPr lang="en-US" smtClean="0"/>
-              <a:t>1/12/2018</a:t>
+              <a:t>1/22/2018</a:t>
             </a:fld>
             <a:endParaRPr lang="en-US"/>
           </a:p>
@@ -1798,7 +1798,7 @@
           <a:p>
             <a:fld id="{0A05F3B5-6F50-4323-80C0-955EB0110BAC}" type="datetimeFigureOut">
               <a:rPr lang="en-US" smtClean="0"/>
-              <a:t>1/12/2018</a:t>
+              <a:t>1/22/2018</a:t>
             </a:fld>
             <a:endParaRPr lang="en-US"/>
           </a:p>
@@ -1893,7 +1893,7 @@
           <a:p>
             <a:fld id="{0A05F3B5-6F50-4323-80C0-955EB0110BAC}" type="datetimeFigureOut">
               <a:rPr lang="en-US" smtClean="0"/>
-              <a:t>1/12/2018</a:t>
+              <a:t>1/22/2018</a:t>
             </a:fld>
             <a:endParaRPr lang="en-US"/>
           </a:p>
@@ -2170,7 +2170,7 @@
           <a:p>
             <a:fld id="{0A05F3B5-6F50-4323-80C0-955EB0110BAC}" type="datetimeFigureOut">
               <a:rPr lang="en-US" smtClean="0"/>
-              <a:t>1/12/2018</a:t>
+              <a:t>1/22/2018</a:t>
             </a:fld>
             <a:endParaRPr lang="en-US"/>
           </a:p>
@@ -2427,7 +2427,7 @@
           <a:p>
             <a:fld id="{0A05F3B5-6F50-4323-80C0-955EB0110BAC}" type="datetimeFigureOut">
               <a:rPr lang="en-US" smtClean="0"/>
-              <a:t>1/12/2018</a:t>
+              <a:t>1/22/2018</a:t>
             </a:fld>
             <a:endParaRPr lang="en-US"/>
           </a:p>
@@ -2640,7 +2640,7 @@
           <a:p>
             <a:fld id="{0A05F3B5-6F50-4323-80C0-955EB0110BAC}" type="datetimeFigureOut">
               <a:rPr lang="en-US" smtClean="0"/>
-              <a:t>1/12/2018</a:t>
+              <a:t>1/22/2018</a:t>
             </a:fld>
             <a:endParaRPr lang="en-US"/>
           </a:p>
@@ -16759,6 +16759,73 @@
           </a:p>
         </p:txBody>
       </p:sp>
+      <p:sp>
+        <p:nvSpPr>
+          <p:cNvPr id="22" name="Rectangle 21">
+            <a:extLst>
+              <a:ext uri="{FF2B5EF4-FFF2-40B4-BE49-F238E27FC236}">
+                <a16:creationId xmlns:a16="http://schemas.microsoft.com/office/drawing/2014/main" id="{45C065D3-4FDC-4EAC-910E-4A18D60B18AC}"/>
+              </a:ext>
+            </a:extLst>
+          </p:cNvPr>
+          <p:cNvSpPr/>
+          <p:nvPr/>
+        </p:nvSpPr>
+        <p:spPr>
+          <a:xfrm>
+            <a:off x="24445896" y="25418534"/>
+            <a:ext cx="2314608" cy="369332"/>
+          </a:xfrm>
+          <a:prstGeom prst="rect">
+            <a:avLst/>
+          </a:prstGeom>
+        </p:spPr>
+        <p:txBody>
+          <a:bodyPr wrap="none">
+            <a:spAutoFit/>
+          </a:bodyPr>
+          <a:lstStyle/>
+          <a:p>
+            <a:r>
+              <a:rPr lang="en-US" dirty="0" err="1">
+                <a:solidFill>
+                  <a:srgbClr val="444444"/>
+                </a:solidFill>
+                <a:latin typeface="noticia text"/>
+              </a:rPr>
+              <a:t>Ite</a:t>
+            </a:r>
+            <a:r>
+              <a:rPr lang="en-US" dirty="0">
+                <a:solidFill>
+                  <a:srgbClr val="444444"/>
+                </a:solidFill>
+                <a:latin typeface="noticia text"/>
+              </a:rPr>
+              <a:t>, </a:t>
+            </a:r>
+            <a:r>
+              <a:rPr lang="en-US" dirty="0" err="1">
+                <a:solidFill>
+                  <a:srgbClr val="444444"/>
+                </a:solidFill>
+                <a:latin typeface="noticia text"/>
+              </a:rPr>
+              <a:t>inflammate</a:t>
+            </a:r>
+            <a:r>
+              <a:rPr lang="en-US" dirty="0">
+                <a:solidFill>
+                  <a:srgbClr val="444444"/>
+                </a:solidFill>
+                <a:latin typeface="noticia text"/>
+              </a:rPr>
+              <a:t> omnia </a:t>
+            </a:r>
+            <a:endParaRPr lang="en-US" dirty="0"/>
+          </a:p>
+        </p:txBody>
+      </p:sp>
     </p:spTree>
     <p:extLst>
       <p:ext uri="{BB962C8B-B14F-4D97-AF65-F5344CB8AC3E}">

--- a/docs/architecture.pptx
+++ b/docs/architecture.pptx
@@ -126,10 +126,6 @@
 </p:cmAuthorLst>
 </file>
 
-<file path=ppt/revisionInfo.xml><?xml version="1.0" encoding="utf-8"?>
-<p1510:revInfo xmlns:a="http://schemas.openxmlformats.org/drawingml/2006/main" xmlns:r="http://schemas.openxmlformats.org/officeDocument/2006/relationships" xmlns:p1510="http://schemas.microsoft.com/office/powerpoint/2015/10/main"/>
-</file>
-
 <file path=ppt/comments/comment1.xml><?xml version="1.0" encoding="utf-8"?>
 <p:cmLst xmlns:a="http://schemas.openxmlformats.org/drawingml/2006/main" xmlns:r="http://schemas.openxmlformats.org/officeDocument/2006/relationships" xmlns:p="http://schemas.openxmlformats.org/presentationml/2006/main">
   <p:cm authorId="1" dt="2018-01-17T12:22:15.072" idx="2">
@@ -317,7 +313,7 @@
           <a:p>
             <a:fld id="{0A05F3B5-6F50-4323-80C0-955EB0110BAC}" type="datetimeFigureOut">
               <a:rPr lang="en-US" smtClean="0"/>
-              <a:t>1/22/2018</a:t>
+              <a:t>2/18/2018</a:t>
             </a:fld>
             <a:endParaRPr lang="en-US"/>
           </a:p>
@@ -487,7 +483,7 @@
           <a:p>
             <a:fld id="{0A05F3B5-6F50-4323-80C0-955EB0110BAC}" type="datetimeFigureOut">
               <a:rPr lang="en-US" smtClean="0"/>
-              <a:t>1/22/2018</a:t>
+              <a:t>2/18/2018</a:t>
             </a:fld>
             <a:endParaRPr lang="en-US"/>
           </a:p>
@@ -667,7 +663,7 @@
           <a:p>
             <a:fld id="{0A05F3B5-6F50-4323-80C0-955EB0110BAC}" type="datetimeFigureOut">
               <a:rPr lang="en-US" smtClean="0"/>
-              <a:t>1/22/2018</a:t>
+              <a:t>2/18/2018</a:t>
             </a:fld>
             <a:endParaRPr lang="en-US"/>
           </a:p>
@@ -837,7 +833,7 @@
           <a:p>
             <a:fld id="{0A05F3B5-6F50-4323-80C0-955EB0110BAC}" type="datetimeFigureOut">
               <a:rPr lang="en-US" smtClean="0"/>
-              <a:t>1/22/2018</a:t>
+              <a:t>2/18/2018</a:t>
             </a:fld>
             <a:endParaRPr lang="en-US"/>
           </a:p>
@@ -1081,7 +1077,7 @@
           <a:p>
             <a:fld id="{0A05F3B5-6F50-4323-80C0-955EB0110BAC}" type="datetimeFigureOut">
               <a:rPr lang="en-US" smtClean="0"/>
-              <a:t>1/22/2018</a:t>
+              <a:t>2/18/2018</a:t>
             </a:fld>
             <a:endParaRPr lang="en-US"/>
           </a:p>
@@ -1313,7 +1309,7 @@
           <a:p>
             <a:fld id="{0A05F3B5-6F50-4323-80C0-955EB0110BAC}" type="datetimeFigureOut">
               <a:rPr lang="en-US" smtClean="0"/>
-              <a:t>1/22/2018</a:t>
+              <a:t>2/18/2018</a:t>
             </a:fld>
             <a:endParaRPr lang="en-US"/>
           </a:p>
@@ -1680,7 +1676,7 @@
           <a:p>
             <a:fld id="{0A05F3B5-6F50-4323-80C0-955EB0110BAC}" type="datetimeFigureOut">
               <a:rPr lang="en-US" smtClean="0"/>
-              <a:t>1/22/2018</a:t>
+              <a:t>2/18/2018</a:t>
             </a:fld>
             <a:endParaRPr lang="en-US"/>
           </a:p>
@@ -1798,7 +1794,7 @@
           <a:p>
             <a:fld id="{0A05F3B5-6F50-4323-80C0-955EB0110BAC}" type="datetimeFigureOut">
               <a:rPr lang="en-US" smtClean="0"/>
-              <a:t>1/22/2018</a:t>
+              <a:t>2/18/2018</a:t>
             </a:fld>
             <a:endParaRPr lang="en-US"/>
           </a:p>
@@ -1893,7 +1889,7 @@
           <a:p>
             <a:fld id="{0A05F3B5-6F50-4323-80C0-955EB0110BAC}" type="datetimeFigureOut">
               <a:rPr lang="en-US" smtClean="0"/>
-              <a:t>1/22/2018</a:t>
+              <a:t>2/18/2018</a:t>
             </a:fld>
             <a:endParaRPr lang="en-US"/>
           </a:p>
@@ -2170,7 +2166,7 @@
           <a:p>
             <a:fld id="{0A05F3B5-6F50-4323-80C0-955EB0110BAC}" type="datetimeFigureOut">
               <a:rPr lang="en-US" smtClean="0"/>
-              <a:t>1/22/2018</a:t>
+              <a:t>2/18/2018</a:t>
             </a:fld>
             <a:endParaRPr lang="en-US"/>
           </a:p>
@@ -2427,7 +2423,7 @@
           <a:p>
             <a:fld id="{0A05F3B5-6F50-4323-80C0-955EB0110BAC}" type="datetimeFigureOut">
               <a:rPr lang="en-US" smtClean="0"/>
-              <a:t>1/22/2018</a:t>
+              <a:t>2/18/2018</a:t>
             </a:fld>
             <a:endParaRPr lang="en-US"/>
           </a:p>
@@ -2640,7 +2636,7 @@
           <a:p>
             <a:fld id="{0A05F3B5-6F50-4323-80C0-955EB0110BAC}" type="datetimeFigureOut">
               <a:rPr lang="en-US" smtClean="0"/>
-              <a:t>1/22/2018</a:t>
+              <a:t>2/18/2018</a:t>
             </a:fld>
             <a:endParaRPr lang="en-US"/>
           </a:p>
@@ -18146,6 +18142,94 @@
           </a:fontRef>
         </p:style>
       </p:cxnSp>
+      <p:sp>
+        <p:nvSpPr>
+          <p:cNvPr id="30" name="TextBox 29">
+            <a:extLst>
+              <a:ext uri="{FF2B5EF4-FFF2-40B4-BE49-F238E27FC236}">
+                <a16:creationId xmlns:a16="http://schemas.microsoft.com/office/drawing/2014/main" id="{FACE5BB3-329C-4824-A9CE-AFB1E0DDE55A}"/>
+              </a:ext>
+            </a:extLst>
+          </p:cNvPr>
+          <p:cNvSpPr txBox="1"/>
+          <p:nvPr/>
+        </p:nvSpPr>
+        <p:spPr>
+          <a:xfrm>
+            <a:off x="16643441" y="23198559"/>
+            <a:ext cx="1245793" cy="153888"/>
+          </a:xfrm>
+          <a:prstGeom prst="rect">
+            <a:avLst/>
+          </a:prstGeom>
+          <a:noFill/>
+          <a:ln>
+            <a:solidFill>
+              <a:schemeClr val="tx1"/>
+            </a:solidFill>
+          </a:ln>
+        </p:spPr>
+        <p:txBody>
+          <a:bodyPr wrap="square" rtlCol="0">
+            <a:spAutoFit/>
+          </a:bodyPr>
+          <a:lstStyle/>
+          <a:p>
+            <a:pPr algn="ctr"/>
+            <a:r>
+              <a:rPr lang="en-US" sz="400" dirty="0" err="1"/>
+              <a:t>AutoSaveMutableSubscribableContentUserStore</a:t>
+            </a:r>
+            <a:endParaRPr lang="en-US" sz="400" dirty="0"/>
+          </a:p>
+        </p:txBody>
+      </p:sp>
+      <p:cxnSp>
+        <p:nvCxnSpPr>
+          <p:cNvPr id="33" name="Straight Arrow Connector 32">
+            <a:extLst>
+              <a:ext uri="{FF2B5EF4-FFF2-40B4-BE49-F238E27FC236}">
+                <a16:creationId xmlns:a16="http://schemas.microsoft.com/office/drawing/2014/main" id="{BB43D5F2-BCEA-4458-850A-9C424E62C8C0}"/>
+              </a:ext>
+            </a:extLst>
+          </p:cNvPr>
+          <p:cNvCxnSpPr>
+            <a:cxnSpLocks/>
+            <a:stCxn id="30" idx="0"/>
+            <a:endCxn id="13" idx="2"/>
+          </p:cNvCxnSpPr>
+          <p:nvPr/>
+        </p:nvCxnSpPr>
+        <p:spPr>
+          <a:xfrm flipV="1">
+            <a:off x="17266338" y="23009676"/>
+            <a:ext cx="1" cy="188883"/>
+          </a:xfrm>
+          <a:prstGeom prst="straightConnector1">
+            <a:avLst/>
+          </a:prstGeom>
+          <a:ln>
+            <a:solidFill>
+              <a:schemeClr val="tx1"/>
+            </a:solidFill>
+            <a:tailEnd type="triangle"/>
+          </a:ln>
+        </p:spPr>
+        <p:style>
+          <a:lnRef idx="1">
+            <a:schemeClr val="accent1"/>
+          </a:lnRef>
+          <a:fillRef idx="0">
+            <a:schemeClr val="accent1"/>
+          </a:fillRef>
+          <a:effectRef idx="0">
+            <a:schemeClr val="accent1"/>
+          </a:effectRef>
+          <a:fontRef idx="minor">
+            <a:schemeClr val="tx1"/>
+          </a:fontRef>
+        </p:style>
+      </p:cxnSp>
     </p:spTree>
     <p:extLst>
       <p:ext uri="{BB962C8B-B14F-4D97-AF65-F5344CB8AC3E}">
